--- a/MessengerBotCreation.pptx
+++ b/MessengerBotCreation.pptx
@@ -6,22 +6,25 @@
   </p:sldMasterIdLst>
   <p:sldIdLst>
     <p:sldId id="256" r:id="rId2"/>
-    <p:sldId id="257" r:id="rId3"/>
-    <p:sldId id="258" r:id="rId4"/>
-    <p:sldId id="259" r:id="rId5"/>
-    <p:sldId id="260" r:id="rId6"/>
-    <p:sldId id="261" r:id="rId7"/>
-    <p:sldId id="262" r:id="rId8"/>
-    <p:sldId id="263" r:id="rId9"/>
-    <p:sldId id="264" r:id="rId10"/>
-    <p:sldId id="265" r:id="rId11"/>
-    <p:sldId id="266" r:id="rId12"/>
-    <p:sldId id="267" r:id="rId13"/>
-    <p:sldId id="268" r:id="rId14"/>
-    <p:sldId id="269" r:id="rId15"/>
-    <p:sldId id="270" r:id="rId16"/>
-    <p:sldId id="271" r:id="rId17"/>
-    <p:sldId id="272" r:id="rId18"/>
+    <p:sldId id="275" r:id="rId3"/>
+    <p:sldId id="273" r:id="rId4"/>
+    <p:sldId id="274" r:id="rId5"/>
+    <p:sldId id="257" r:id="rId6"/>
+    <p:sldId id="258" r:id="rId7"/>
+    <p:sldId id="259" r:id="rId8"/>
+    <p:sldId id="260" r:id="rId9"/>
+    <p:sldId id="261" r:id="rId10"/>
+    <p:sldId id="262" r:id="rId11"/>
+    <p:sldId id="263" r:id="rId12"/>
+    <p:sldId id="264" r:id="rId13"/>
+    <p:sldId id="265" r:id="rId14"/>
+    <p:sldId id="266" r:id="rId15"/>
+    <p:sldId id="267" r:id="rId16"/>
+    <p:sldId id="268" r:id="rId17"/>
+    <p:sldId id="269" r:id="rId18"/>
+    <p:sldId id="270" r:id="rId19"/>
+    <p:sldId id="271" r:id="rId20"/>
+    <p:sldId id="272" r:id="rId21"/>
   </p:sldIdLst>
   <p:sldSz cx="12192000" cy="6858000"/>
   <p:notesSz cx="6858000" cy="9144000"/>
@@ -120,7 +123,6516 @@
       </a:defRPr>
     </a:lvl9pPr>
   </p:defaultTextStyle>
+  <p:extLst>
+    <p:ext uri="{EFAFB233-063F-42B5-8137-9DF3F51BA10A}">
+      <p15:sldGuideLst xmlns:p15="http://schemas.microsoft.com/office/powerpoint/2012/main"/>
+    </p:ext>
+  </p:extLst>
 </p:presentation>
+</file>
+
+<file path=ppt/diagrams/colors1.xml><?xml version="1.0" encoding="utf-8"?>
+<dgm:colorsDef xmlns:dgm="http://schemas.openxmlformats.org/drawingml/2006/diagram" xmlns:a="http://schemas.openxmlformats.org/drawingml/2006/main" uniqueId="urn:microsoft.com/office/officeart/2005/8/colors/colorful4">
+  <dgm:title val=""/>
+  <dgm:desc val=""/>
+  <dgm:catLst>
+    <dgm:cat type="colorful" pri="10400"/>
+  </dgm:catLst>
+  <dgm:styleLbl name="node0">
+    <dgm:fillClrLst meth="repeat">
+      <a:schemeClr val="accent3"/>
+    </dgm:fillClrLst>
+    <dgm:linClrLst meth="repeat">
+      <a:schemeClr val="lt1"/>
+    </dgm:linClrLst>
+    <dgm:effectClrLst/>
+    <dgm:txLinClrLst/>
+    <dgm:txFillClrLst/>
+    <dgm:txEffectClrLst/>
+  </dgm:styleLbl>
+  <dgm:styleLbl name="node1">
+    <dgm:fillClrLst>
+      <a:schemeClr val="accent4"/>
+      <a:schemeClr val="accent5"/>
+    </dgm:fillClrLst>
+    <dgm:linClrLst meth="repeat">
+      <a:schemeClr val="lt1"/>
+    </dgm:linClrLst>
+    <dgm:effectClrLst/>
+    <dgm:txLinClrLst/>
+    <dgm:txFillClrLst/>
+    <dgm:txEffectClrLst/>
+  </dgm:styleLbl>
+  <dgm:styleLbl name="alignNode1">
+    <dgm:fillClrLst>
+      <a:schemeClr val="accent4"/>
+      <a:schemeClr val="accent5"/>
+    </dgm:fillClrLst>
+    <dgm:linClrLst>
+      <a:schemeClr val="accent4"/>
+      <a:schemeClr val="accent5"/>
+    </dgm:linClrLst>
+    <dgm:effectClrLst/>
+    <dgm:txLinClrLst/>
+    <dgm:txFillClrLst/>
+    <dgm:txEffectClrLst/>
+  </dgm:styleLbl>
+  <dgm:styleLbl name="lnNode1">
+    <dgm:fillClrLst>
+      <a:schemeClr val="accent4"/>
+      <a:schemeClr val="accent5"/>
+    </dgm:fillClrLst>
+    <dgm:linClrLst meth="repeat">
+      <a:schemeClr val="lt1"/>
+    </dgm:linClrLst>
+    <dgm:effectClrLst/>
+    <dgm:txLinClrLst/>
+    <dgm:txFillClrLst/>
+    <dgm:txEffectClrLst/>
+  </dgm:styleLbl>
+  <dgm:styleLbl name="vennNode1">
+    <dgm:fillClrLst>
+      <a:schemeClr val="accent4">
+        <a:alpha val="50000"/>
+      </a:schemeClr>
+      <a:schemeClr val="accent5">
+        <a:alpha val="50000"/>
+      </a:schemeClr>
+    </dgm:fillClrLst>
+    <dgm:linClrLst meth="repeat">
+      <a:schemeClr val="lt1"/>
+    </dgm:linClrLst>
+    <dgm:effectClrLst/>
+    <dgm:txLinClrLst/>
+    <dgm:txFillClrLst/>
+    <dgm:txEffectClrLst/>
+  </dgm:styleLbl>
+  <dgm:styleLbl name="node2">
+    <dgm:fillClrLst>
+      <a:schemeClr val="accent5"/>
+    </dgm:fillClrLst>
+    <dgm:linClrLst meth="repeat">
+      <a:schemeClr val="lt1"/>
+    </dgm:linClrLst>
+    <dgm:effectClrLst/>
+    <dgm:txLinClrLst/>
+    <dgm:txFillClrLst/>
+    <dgm:txEffectClrLst/>
+  </dgm:styleLbl>
+  <dgm:styleLbl name="node3">
+    <dgm:fillClrLst>
+      <a:schemeClr val="accent6"/>
+    </dgm:fillClrLst>
+    <dgm:linClrLst meth="repeat">
+      <a:schemeClr val="lt1"/>
+    </dgm:linClrLst>
+    <dgm:effectClrLst/>
+    <dgm:txLinClrLst/>
+    <dgm:txFillClrLst/>
+    <dgm:txEffectClrLst/>
+  </dgm:styleLbl>
+  <dgm:styleLbl name="node4">
+    <dgm:fillClrLst>
+      <a:schemeClr val="accent1"/>
+    </dgm:fillClrLst>
+    <dgm:linClrLst meth="repeat">
+      <a:schemeClr val="lt1"/>
+    </dgm:linClrLst>
+    <dgm:effectClrLst/>
+    <dgm:txLinClrLst/>
+    <dgm:txFillClrLst/>
+    <dgm:txEffectClrLst/>
+  </dgm:styleLbl>
+  <dgm:styleLbl name="fgImgPlace1">
+    <dgm:fillClrLst>
+      <a:schemeClr val="accent4">
+        <a:tint val="50000"/>
+      </a:schemeClr>
+      <a:schemeClr val="accent5">
+        <a:tint val="50000"/>
+      </a:schemeClr>
+    </dgm:fillClrLst>
+    <dgm:linClrLst meth="repeat">
+      <a:schemeClr val="lt1"/>
+    </dgm:linClrLst>
+    <dgm:effectClrLst/>
+    <dgm:txLinClrLst/>
+    <dgm:txFillClrLst meth="repeat">
+      <a:schemeClr val="lt1"/>
+    </dgm:txFillClrLst>
+    <dgm:txEffectClrLst/>
+  </dgm:styleLbl>
+  <dgm:styleLbl name="alignImgPlace1">
+    <dgm:fillClrLst>
+      <a:schemeClr val="accent4">
+        <a:tint val="50000"/>
+      </a:schemeClr>
+      <a:schemeClr val="accent5">
+        <a:tint val="20000"/>
+      </a:schemeClr>
+    </dgm:fillClrLst>
+    <dgm:linClrLst meth="repeat">
+      <a:schemeClr val="lt1"/>
+    </dgm:linClrLst>
+    <dgm:effectClrLst/>
+    <dgm:txLinClrLst/>
+    <dgm:txFillClrLst meth="repeat">
+      <a:schemeClr val="lt1"/>
+    </dgm:txFillClrLst>
+    <dgm:txEffectClrLst/>
+  </dgm:styleLbl>
+  <dgm:styleLbl name="bgImgPlace1">
+    <dgm:fillClrLst>
+      <a:schemeClr val="accent4">
+        <a:tint val="50000"/>
+      </a:schemeClr>
+      <a:schemeClr val="accent5">
+        <a:tint val="20000"/>
+      </a:schemeClr>
+    </dgm:fillClrLst>
+    <dgm:linClrLst meth="repeat">
+      <a:schemeClr val="lt1"/>
+    </dgm:linClrLst>
+    <dgm:effectClrLst/>
+    <dgm:txLinClrLst/>
+    <dgm:txFillClrLst meth="repeat">
+      <a:schemeClr val="lt1"/>
+    </dgm:txFillClrLst>
+    <dgm:txEffectClrLst/>
+  </dgm:styleLbl>
+  <dgm:styleLbl name="sibTrans2D1">
+    <dgm:fillClrLst>
+      <a:schemeClr val="accent4"/>
+      <a:schemeClr val="accent5"/>
+    </dgm:fillClrLst>
+    <dgm:linClrLst meth="repeat">
+      <a:schemeClr val="lt1"/>
+    </dgm:linClrLst>
+    <dgm:effectClrLst/>
+    <dgm:txLinClrLst/>
+    <dgm:txFillClrLst/>
+    <dgm:txEffectClrLst/>
+  </dgm:styleLbl>
+  <dgm:styleLbl name="fgSibTrans2D1">
+    <dgm:fillClrLst>
+      <a:schemeClr val="accent4"/>
+      <a:schemeClr val="accent5"/>
+    </dgm:fillClrLst>
+    <dgm:linClrLst meth="repeat">
+      <a:schemeClr val="lt1"/>
+    </dgm:linClrLst>
+    <dgm:effectClrLst/>
+    <dgm:txLinClrLst/>
+    <dgm:txFillClrLst meth="repeat">
+      <a:schemeClr val="lt1"/>
+    </dgm:txFillClrLst>
+    <dgm:txEffectClrLst/>
+  </dgm:styleLbl>
+  <dgm:styleLbl name="bgSibTrans2D1">
+    <dgm:fillClrLst>
+      <a:schemeClr val="accent4"/>
+      <a:schemeClr val="accent5"/>
+    </dgm:fillClrLst>
+    <dgm:linClrLst meth="repeat">
+      <a:schemeClr val="lt1"/>
+    </dgm:linClrLst>
+    <dgm:effectClrLst/>
+    <dgm:txLinClrLst/>
+    <dgm:txFillClrLst meth="repeat">
+      <a:schemeClr val="lt1"/>
+    </dgm:txFillClrLst>
+    <dgm:txEffectClrLst/>
+  </dgm:styleLbl>
+  <dgm:styleLbl name="sibTrans1D1">
+    <dgm:fillClrLst/>
+    <dgm:linClrLst>
+      <a:schemeClr val="accent4"/>
+      <a:schemeClr val="accent5"/>
+    </dgm:linClrLst>
+    <dgm:effectClrLst/>
+    <dgm:txLinClrLst/>
+    <dgm:txFillClrLst meth="repeat">
+      <a:schemeClr val="tx1"/>
+    </dgm:txFillClrLst>
+    <dgm:txEffectClrLst/>
+  </dgm:styleLbl>
+  <dgm:styleLbl name="callout">
+    <dgm:fillClrLst meth="repeat">
+      <a:schemeClr val="accent4"/>
+    </dgm:fillClrLst>
+    <dgm:linClrLst meth="repeat">
+      <a:schemeClr val="accent4">
+        <a:tint val="50000"/>
+      </a:schemeClr>
+    </dgm:linClrLst>
+    <dgm:effectClrLst/>
+    <dgm:txLinClrLst/>
+    <dgm:txFillClrLst meth="repeat">
+      <a:schemeClr val="tx1"/>
+    </dgm:txFillClrLst>
+    <dgm:txEffectClrLst/>
+  </dgm:styleLbl>
+  <dgm:styleLbl name="asst0">
+    <dgm:fillClrLst meth="repeat">
+      <a:schemeClr val="accent4"/>
+    </dgm:fillClrLst>
+    <dgm:linClrLst meth="repeat">
+      <a:schemeClr val="lt1">
+        <a:shade val="80000"/>
+      </a:schemeClr>
+    </dgm:linClrLst>
+    <dgm:effectClrLst/>
+    <dgm:txLinClrLst/>
+    <dgm:txFillClrLst/>
+    <dgm:txEffectClrLst/>
+  </dgm:styleLbl>
+  <dgm:styleLbl name="asst1">
+    <dgm:fillClrLst meth="repeat">
+      <a:schemeClr val="accent5"/>
+    </dgm:fillClrLst>
+    <dgm:linClrLst meth="repeat">
+      <a:schemeClr val="lt1">
+        <a:shade val="80000"/>
+      </a:schemeClr>
+    </dgm:linClrLst>
+    <dgm:effectClrLst/>
+    <dgm:txLinClrLst/>
+    <dgm:txFillClrLst/>
+    <dgm:txEffectClrLst/>
+  </dgm:styleLbl>
+  <dgm:styleLbl name="asst2">
+    <dgm:fillClrLst>
+      <a:schemeClr val="accent6"/>
+    </dgm:fillClrLst>
+    <dgm:linClrLst meth="repeat">
+      <a:schemeClr val="lt1"/>
+    </dgm:linClrLst>
+    <dgm:effectClrLst/>
+    <dgm:txLinClrLst/>
+    <dgm:txFillClrLst/>
+    <dgm:txEffectClrLst/>
+  </dgm:styleLbl>
+  <dgm:styleLbl name="asst3">
+    <dgm:fillClrLst>
+      <a:schemeClr val="accent1"/>
+    </dgm:fillClrLst>
+    <dgm:linClrLst meth="repeat">
+      <a:schemeClr val="lt1"/>
+    </dgm:linClrLst>
+    <dgm:effectClrLst/>
+    <dgm:txLinClrLst/>
+    <dgm:txFillClrLst/>
+    <dgm:txEffectClrLst/>
+  </dgm:styleLbl>
+  <dgm:styleLbl name="asst4">
+    <dgm:fillClrLst>
+      <a:schemeClr val="accent2"/>
+    </dgm:fillClrLst>
+    <dgm:linClrLst meth="repeat">
+      <a:schemeClr val="lt1"/>
+    </dgm:linClrLst>
+    <dgm:effectClrLst/>
+    <dgm:txLinClrLst/>
+    <dgm:txFillClrLst/>
+    <dgm:txEffectClrLst/>
+  </dgm:styleLbl>
+  <dgm:styleLbl name="parChTrans2D1">
+    <dgm:fillClrLst meth="repeat">
+      <a:schemeClr val="accent4"/>
+    </dgm:fillClrLst>
+    <dgm:linClrLst meth="repeat">
+      <a:schemeClr val="lt1"/>
+    </dgm:linClrLst>
+    <dgm:effectClrLst/>
+    <dgm:txLinClrLst/>
+    <dgm:txFillClrLst meth="repeat">
+      <a:schemeClr val="lt1"/>
+    </dgm:txFillClrLst>
+    <dgm:txEffectClrLst/>
+  </dgm:styleLbl>
+  <dgm:styleLbl name="parChTrans2D2">
+    <dgm:fillClrLst meth="repeat">
+      <a:schemeClr val="accent5"/>
+    </dgm:fillClrLst>
+    <dgm:linClrLst meth="repeat">
+      <a:schemeClr val="lt1"/>
+    </dgm:linClrLst>
+    <dgm:effectClrLst/>
+    <dgm:txLinClrLst/>
+    <dgm:txFillClrLst/>
+    <dgm:txEffectClrLst/>
+  </dgm:styleLbl>
+  <dgm:styleLbl name="parChTrans2D3">
+    <dgm:fillClrLst meth="repeat">
+      <a:schemeClr val="accent5"/>
+    </dgm:fillClrLst>
+    <dgm:linClrLst meth="repeat">
+      <a:schemeClr val="lt1"/>
+    </dgm:linClrLst>
+    <dgm:effectClrLst/>
+    <dgm:txLinClrLst/>
+    <dgm:txFillClrLst/>
+    <dgm:txEffectClrLst/>
+  </dgm:styleLbl>
+  <dgm:styleLbl name="parChTrans2D4">
+    <dgm:fillClrLst meth="repeat">
+      <a:schemeClr val="accent6"/>
+    </dgm:fillClrLst>
+    <dgm:linClrLst meth="repeat">
+      <a:schemeClr val="lt1"/>
+    </dgm:linClrLst>
+    <dgm:effectClrLst/>
+    <dgm:txLinClrLst/>
+    <dgm:txFillClrLst meth="repeat">
+      <a:schemeClr val="lt1"/>
+    </dgm:txFillClrLst>
+    <dgm:txEffectClrLst/>
+  </dgm:styleLbl>
+  <dgm:styleLbl name="parChTrans1D1">
+    <dgm:fillClrLst meth="repeat">
+      <a:schemeClr val="accent4"/>
+    </dgm:fillClrLst>
+    <dgm:linClrLst meth="repeat">
+      <a:schemeClr val="accent4"/>
+    </dgm:linClrLst>
+    <dgm:effectClrLst/>
+    <dgm:txLinClrLst/>
+    <dgm:txFillClrLst meth="repeat">
+      <a:schemeClr val="tx1"/>
+    </dgm:txFillClrLst>
+    <dgm:txEffectClrLst/>
+  </dgm:styleLbl>
+  <dgm:styleLbl name="parChTrans1D2">
+    <dgm:fillClrLst meth="repeat">
+      <a:schemeClr val="accent4">
+        <a:tint val="90000"/>
+      </a:schemeClr>
+    </dgm:fillClrLst>
+    <dgm:linClrLst meth="repeat">
+      <a:schemeClr val="accent5"/>
+    </dgm:linClrLst>
+    <dgm:effectClrLst/>
+    <dgm:txLinClrLst/>
+    <dgm:txFillClrLst meth="repeat">
+      <a:schemeClr val="tx1"/>
+    </dgm:txFillClrLst>
+    <dgm:txEffectClrLst/>
+  </dgm:styleLbl>
+  <dgm:styleLbl name="parChTrans1D3">
+    <dgm:fillClrLst meth="repeat">
+      <a:schemeClr val="accent4">
+        <a:tint val="70000"/>
+      </a:schemeClr>
+    </dgm:fillClrLst>
+    <dgm:linClrLst meth="repeat">
+      <a:schemeClr val="accent6"/>
+    </dgm:linClrLst>
+    <dgm:effectClrLst/>
+    <dgm:txLinClrLst/>
+    <dgm:txFillClrLst meth="repeat">
+      <a:schemeClr val="tx1"/>
+    </dgm:txFillClrLst>
+    <dgm:txEffectClrLst/>
+  </dgm:styleLbl>
+  <dgm:styleLbl name="parChTrans1D4">
+    <dgm:fillClrLst meth="repeat">
+      <a:schemeClr val="accent4">
+        <a:tint val="50000"/>
+      </a:schemeClr>
+    </dgm:fillClrLst>
+    <dgm:linClrLst meth="repeat">
+      <a:schemeClr val="accent1"/>
+    </dgm:linClrLst>
+    <dgm:effectClrLst/>
+    <dgm:txLinClrLst/>
+    <dgm:txFillClrLst meth="repeat">
+      <a:schemeClr val="tx1"/>
+    </dgm:txFillClrLst>
+    <dgm:txEffectClrLst/>
+  </dgm:styleLbl>
+  <dgm:styleLbl name="fgAcc1">
+    <dgm:fillClrLst meth="repeat">
+      <a:schemeClr val="lt1">
+        <a:alpha val="90000"/>
+      </a:schemeClr>
+    </dgm:fillClrLst>
+    <dgm:linClrLst>
+      <a:schemeClr val="accent4"/>
+      <a:schemeClr val="accent5"/>
+    </dgm:linClrLst>
+    <dgm:effectClrLst/>
+    <dgm:txLinClrLst/>
+    <dgm:txFillClrLst meth="repeat">
+      <a:schemeClr val="dk1"/>
+    </dgm:txFillClrLst>
+    <dgm:txEffectClrLst/>
+  </dgm:styleLbl>
+  <dgm:styleLbl name="conFgAcc1">
+    <dgm:fillClrLst meth="repeat">
+      <a:schemeClr val="lt1">
+        <a:alpha val="90000"/>
+      </a:schemeClr>
+    </dgm:fillClrLst>
+    <dgm:linClrLst>
+      <a:schemeClr val="accent4"/>
+      <a:schemeClr val="accent5"/>
+    </dgm:linClrLst>
+    <dgm:effectClrLst/>
+    <dgm:txLinClrLst/>
+    <dgm:txFillClrLst meth="repeat">
+      <a:schemeClr val="dk1"/>
+    </dgm:txFillClrLst>
+    <dgm:txEffectClrLst/>
+  </dgm:styleLbl>
+  <dgm:styleLbl name="alignAcc1">
+    <dgm:fillClrLst meth="repeat">
+      <a:schemeClr val="lt1">
+        <a:alpha val="90000"/>
+      </a:schemeClr>
+    </dgm:fillClrLst>
+    <dgm:linClrLst>
+      <a:schemeClr val="accent4"/>
+      <a:schemeClr val="accent5"/>
+    </dgm:linClrLst>
+    <dgm:effectClrLst/>
+    <dgm:txLinClrLst/>
+    <dgm:txFillClrLst meth="repeat">
+      <a:schemeClr val="dk1"/>
+    </dgm:txFillClrLst>
+    <dgm:txEffectClrLst/>
+  </dgm:styleLbl>
+  <dgm:styleLbl name="trAlignAcc1">
+    <dgm:fillClrLst meth="repeat">
+      <a:schemeClr val="lt1">
+        <a:alpha val="40000"/>
+      </a:schemeClr>
+    </dgm:fillClrLst>
+    <dgm:linClrLst meth="repeat">
+      <a:schemeClr val="accent4"/>
+    </dgm:linClrLst>
+    <dgm:effectClrLst/>
+    <dgm:txLinClrLst/>
+    <dgm:txFillClrLst meth="repeat">
+      <a:schemeClr val="dk1"/>
+    </dgm:txFillClrLst>
+    <dgm:txEffectClrLst/>
+  </dgm:styleLbl>
+  <dgm:styleLbl name="bgAcc1">
+    <dgm:fillClrLst meth="repeat">
+      <a:schemeClr val="lt1">
+        <a:alpha val="90000"/>
+      </a:schemeClr>
+    </dgm:fillClrLst>
+    <dgm:linClrLst>
+      <a:schemeClr val="accent4"/>
+      <a:schemeClr val="accent5"/>
+    </dgm:linClrLst>
+    <dgm:effectClrLst/>
+    <dgm:txLinClrLst/>
+    <dgm:txFillClrLst meth="repeat">
+      <a:schemeClr val="dk1"/>
+    </dgm:txFillClrLst>
+    <dgm:txEffectClrLst/>
+  </dgm:styleLbl>
+  <dgm:styleLbl name="solidFgAcc1">
+    <dgm:fillClrLst meth="repeat">
+      <a:schemeClr val="lt1"/>
+    </dgm:fillClrLst>
+    <dgm:linClrLst>
+      <a:schemeClr val="accent4"/>
+      <a:schemeClr val="accent5"/>
+    </dgm:linClrLst>
+    <dgm:effectClrLst/>
+    <dgm:txLinClrLst/>
+    <dgm:txFillClrLst meth="repeat">
+      <a:schemeClr val="dk1"/>
+    </dgm:txFillClrLst>
+    <dgm:txEffectClrLst/>
+  </dgm:styleLbl>
+  <dgm:styleLbl name="solidAlignAcc1">
+    <dgm:fillClrLst meth="repeat">
+      <a:schemeClr val="lt1"/>
+    </dgm:fillClrLst>
+    <dgm:linClrLst>
+      <a:schemeClr val="accent4"/>
+      <a:schemeClr val="accent5"/>
+    </dgm:linClrLst>
+    <dgm:effectClrLst/>
+    <dgm:txLinClrLst/>
+    <dgm:txFillClrLst meth="repeat">
+      <a:schemeClr val="dk1"/>
+    </dgm:txFillClrLst>
+    <dgm:txEffectClrLst/>
+  </dgm:styleLbl>
+  <dgm:styleLbl name="solidBgAcc1">
+    <dgm:fillClrLst meth="repeat">
+      <a:schemeClr val="lt1"/>
+    </dgm:fillClrLst>
+    <dgm:linClrLst>
+      <a:schemeClr val="accent4"/>
+      <a:schemeClr val="accent5"/>
+    </dgm:linClrLst>
+    <dgm:effectClrLst/>
+    <dgm:txLinClrLst/>
+    <dgm:txFillClrLst meth="repeat">
+      <a:schemeClr val="dk1"/>
+    </dgm:txFillClrLst>
+    <dgm:txEffectClrLst/>
+  </dgm:styleLbl>
+  <dgm:styleLbl name="fgAccFollowNode1">
+    <dgm:fillClrLst>
+      <a:schemeClr val="accent4">
+        <a:tint val="40000"/>
+        <a:alpha val="90000"/>
+      </a:schemeClr>
+      <a:schemeClr val="accent5">
+        <a:tint val="40000"/>
+        <a:alpha val="90000"/>
+      </a:schemeClr>
+    </dgm:fillClrLst>
+    <dgm:linClrLst>
+      <a:schemeClr val="accent4">
+        <a:tint val="40000"/>
+        <a:alpha val="90000"/>
+      </a:schemeClr>
+      <a:schemeClr val="accent5">
+        <a:tint val="40000"/>
+        <a:alpha val="90000"/>
+      </a:schemeClr>
+    </dgm:linClrLst>
+    <dgm:effectClrLst/>
+    <dgm:txLinClrLst/>
+    <dgm:txFillClrLst meth="repeat">
+      <a:schemeClr val="dk1"/>
+    </dgm:txFillClrLst>
+    <dgm:txEffectClrLst/>
+  </dgm:styleLbl>
+  <dgm:styleLbl name="alignAccFollowNode1">
+    <dgm:fillClrLst>
+      <a:schemeClr val="accent4">
+        <a:tint val="40000"/>
+        <a:alpha val="90000"/>
+      </a:schemeClr>
+      <a:schemeClr val="accent5">
+        <a:tint val="40000"/>
+        <a:alpha val="90000"/>
+      </a:schemeClr>
+    </dgm:fillClrLst>
+    <dgm:linClrLst>
+      <a:schemeClr val="accent4">
+        <a:tint val="40000"/>
+        <a:alpha val="90000"/>
+      </a:schemeClr>
+      <a:schemeClr val="accent5">
+        <a:tint val="40000"/>
+        <a:alpha val="90000"/>
+      </a:schemeClr>
+    </dgm:linClrLst>
+    <dgm:effectClrLst/>
+    <dgm:txLinClrLst/>
+    <dgm:txFillClrLst meth="repeat">
+      <a:schemeClr val="dk1"/>
+    </dgm:txFillClrLst>
+    <dgm:txEffectClrLst/>
+  </dgm:styleLbl>
+  <dgm:styleLbl name="bgAccFollowNode1">
+    <dgm:fillClrLst>
+      <a:schemeClr val="accent4">
+        <a:tint val="40000"/>
+        <a:alpha val="90000"/>
+      </a:schemeClr>
+      <a:schemeClr val="accent5">
+        <a:tint val="40000"/>
+        <a:alpha val="90000"/>
+      </a:schemeClr>
+    </dgm:fillClrLst>
+    <dgm:linClrLst>
+      <a:schemeClr val="accent4">
+        <a:tint val="40000"/>
+        <a:alpha val="90000"/>
+      </a:schemeClr>
+      <a:schemeClr val="accent5">
+        <a:tint val="40000"/>
+        <a:alpha val="90000"/>
+      </a:schemeClr>
+    </dgm:linClrLst>
+    <dgm:effectClrLst/>
+    <dgm:txLinClrLst/>
+    <dgm:txFillClrLst meth="repeat">
+      <a:schemeClr val="dk1"/>
+    </dgm:txFillClrLst>
+    <dgm:txEffectClrLst/>
+  </dgm:styleLbl>
+  <dgm:styleLbl name="fgAcc0">
+    <dgm:fillClrLst meth="repeat">
+      <a:schemeClr val="lt1">
+        <a:alpha val="90000"/>
+      </a:schemeClr>
+    </dgm:fillClrLst>
+    <dgm:linClrLst>
+      <a:schemeClr val="accent3"/>
+    </dgm:linClrLst>
+    <dgm:effectClrLst/>
+    <dgm:txLinClrLst/>
+    <dgm:txFillClrLst meth="repeat">
+      <a:schemeClr val="dk1"/>
+    </dgm:txFillClrLst>
+    <dgm:txEffectClrLst/>
+  </dgm:styleLbl>
+  <dgm:styleLbl name="fgAcc2">
+    <dgm:fillClrLst meth="repeat">
+      <a:schemeClr val="lt1">
+        <a:alpha val="90000"/>
+      </a:schemeClr>
+    </dgm:fillClrLst>
+    <dgm:linClrLst>
+      <a:schemeClr val="accent5"/>
+    </dgm:linClrLst>
+    <dgm:effectClrLst/>
+    <dgm:txLinClrLst/>
+    <dgm:txFillClrLst meth="repeat">
+      <a:schemeClr val="dk1"/>
+    </dgm:txFillClrLst>
+    <dgm:txEffectClrLst/>
+  </dgm:styleLbl>
+  <dgm:styleLbl name="fgAcc3">
+    <dgm:fillClrLst meth="repeat">
+      <a:schemeClr val="lt1">
+        <a:alpha val="90000"/>
+      </a:schemeClr>
+    </dgm:fillClrLst>
+    <dgm:linClrLst>
+      <a:schemeClr val="accent6"/>
+    </dgm:linClrLst>
+    <dgm:effectClrLst/>
+    <dgm:txLinClrLst/>
+    <dgm:txFillClrLst meth="repeat">
+      <a:schemeClr val="dk1"/>
+    </dgm:txFillClrLst>
+    <dgm:txEffectClrLst/>
+  </dgm:styleLbl>
+  <dgm:styleLbl name="fgAcc4">
+    <dgm:fillClrLst meth="repeat">
+      <a:schemeClr val="lt1">
+        <a:alpha val="90000"/>
+      </a:schemeClr>
+    </dgm:fillClrLst>
+    <dgm:linClrLst>
+      <a:schemeClr val="accent1"/>
+    </dgm:linClrLst>
+    <dgm:effectClrLst/>
+    <dgm:txLinClrLst/>
+    <dgm:txFillClrLst meth="repeat">
+      <a:schemeClr val="dk1"/>
+    </dgm:txFillClrLst>
+    <dgm:txEffectClrLst/>
+  </dgm:styleLbl>
+  <dgm:styleLbl name="bgShp">
+    <dgm:fillClrLst meth="repeat">
+      <a:schemeClr val="accent4">
+        <a:tint val="40000"/>
+      </a:schemeClr>
+    </dgm:fillClrLst>
+    <dgm:linClrLst meth="repeat">
+      <a:schemeClr val="dk1"/>
+    </dgm:linClrLst>
+    <dgm:effectClrLst/>
+    <dgm:txLinClrLst/>
+    <dgm:txFillClrLst meth="repeat">
+      <a:schemeClr val="dk1"/>
+    </dgm:txFillClrLst>
+    <dgm:txEffectClrLst/>
+  </dgm:styleLbl>
+  <dgm:styleLbl name="dkBgShp">
+    <dgm:fillClrLst meth="repeat">
+      <a:schemeClr val="accent4">
+        <a:shade val="90000"/>
+      </a:schemeClr>
+    </dgm:fillClrLst>
+    <dgm:linClrLst meth="repeat">
+      <a:schemeClr val="dk1"/>
+    </dgm:linClrLst>
+    <dgm:effectClrLst/>
+    <dgm:txLinClrLst/>
+    <dgm:txFillClrLst meth="repeat">
+      <a:schemeClr val="lt1"/>
+    </dgm:txFillClrLst>
+    <dgm:txEffectClrLst/>
+  </dgm:styleLbl>
+  <dgm:styleLbl name="trBgShp">
+    <dgm:fillClrLst meth="repeat">
+      <a:schemeClr val="accent4">
+        <a:tint val="50000"/>
+        <a:alpha val="40000"/>
+      </a:schemeClr>
+    </dgm:fillClrLst>
+    <dgm:linClrLst meth="repeat">
+      <a:schemeClr val="accent4"/>
+    </dgm:linClrLst>
+    <dgm:effectClrLst/>
+    <dgm:txLinClrLst/>
+    <dgm:txFillClrLst meth="repeat">
+      <a:schemeClr val="lt1"/>
+    </dgm:txFillClrLst>
+    <dgm:txEffectClrLst/>
+  </dgm:styleLbl>
+  <dgm:styleLbl name="fgShp">
+    <dgm:fillClrLst meth="repeat">
+      <a:schemeClr val="accent4">
+        <a:tint val="40000"/>
+      </a:schemeClr>
+    </dgm:fillClrLst>
+    <dgm:linClrLst meth="repeat">
+      <a:schemeClr val="lt1"/>
+    </dgm:linClrLst>
+    <dgm:effectClrLst/>
+    <dgm:txLinClrLst/>
+    <dgm:txFillClrLst meth="repeat">
+      <a:schemeClr val="dk1"/>
+    </dgm:txFillClrLst>
+    <dgm:txEffectClrLst/>
+  </dgm:styleLbl>
+  <dgm:styleLbl name="revTx">
+    <dgm:fillClrLst meth="repeat">
+      <a:schemeClr val="lt1">
+        <a:alpha val="0"/>
+      </a:schemeClr>
+    </dgm:fillClrLst>
+    <dgm:linClrLst meth="repeat">
+      <a:schemeClr val="dk1">
+        <a:alpha val="0"/>
+      </a:schemeClr>
+    </dgm:linClrLst>
+    <dgm:effectClrLst/>
+    <dgm:txLinClrLst/>
+    <dgm:txFillClrLst meth="repeat">
+      <a:schemeClr val="tx1"/>
+    </dgm:txFillClrLst>
+    <dgm:txEffectClrLst/>
+  </dgm:styleLbl>
+</dgm:colorsDef>
+</file>
+
+<file path=ppt/diagrams/colors2.xml><?xml version="1.0" encoding="utf-8"?>
+<dgm:colorsDef xmlns:dgm="http://schemas.openxmlformats.org/drawingml/2006/diagram" xmlns:a="http://schemas.openxmlformats.org/drawingml/2006/main" uniqueId="urn:microsoft.com/office/officeart/2005/8/colors/colorful4">
+  <dgm:title val=""/>
+  <dgm:desc val=""/>
+  <dgm:catLst>
+    <dgm:cat type="colorful" pri="10400"/>
+  </dgm:catLst>
+  <dgm:styleLbl name="node0">
+    <dgm:fillClrLst meth="repeat">
+      <a:schemeClr val="accent3"/>
+    </dgm:fillClrLst>
+    <dgm:linClrLst meth="repeat">
+      <a:schemeClr val="lt1"/>
+    </dgm:linClrLst>
+    <dgm:effectClrLst/>
+    <dgm:txLinClrLst/>
+    <dgm:txFillClrLst/>
+    <dgm:txEffectClrLst/>
+  </dgm:styleLbl>
+  <dgm:styleLbl name="node1">
+    <dgm:fillClrLst>
+      <a:schemeClr val="accent4"/>
+      <a:schemeClr val="accent5"/>
+    </dgm:fillClrLst>
+    <dgm:linClrLst meth="repeat">
+      <a:schemeClr val="lt1"/>
+    </dgm:linClrLst>
+    <dgm:effectClrLst/>
+    <dgm:txLinClrLst/>
+    <dgm:txFillClrLst/>
+    <dgm:txEffectClrLst/>
+  </dgm:styleLbl>
+  <dgm:styleLbl name="alignNode1">
+    <dgm:fillClrLst>
+      <a:schemeClr val="accent4"/>
+      <a:schemeClr val="accent5"/>
+    </dgm:fillClrLst>
+    <dgm:linClrLst>
+      <a:schemeClr val="accent4"/>
+      <a:schemeClr val="accent5"/>
+    </dgm:linClrLst>
+    <dgm:effectClrLst/>
+    <dgm:txLinClrLst/>
+    <dgm:txFillClrLst/>
+    <dgm:txEffectClrLst/>
+  </dgm:styleLbl>
+  <dgm:styleLbl name="lnNode1">
+    <dgm:fillClrLst>
+      <a:schemeClr val="accent4"/>
+      <a:schemeClr val="accent5"/>
+    </dgm:fillClrLst>
+    <dgm:linClrLst meth="repeat">
+      <a:schemeClr val="lt1"/>
+    </dgm:linClrLst>
+    <dgm:effectClrLst/>
+    <dgm:txLinClrLst/>
+    <dgm:txFillClrLst/>
+    <dgm:txEffectClrLst/>
+  </dgm:styleLbl>
+  <dgm:styleLbl name="vennNode1">
+    <dgm:fillClrLst>
+      <a:schemeClr val="accent4">
+        <a:alpha val="50000"/>
+      </a:schemeClr>
+      <a:schemeClr val="accent5">
+        <a:alpha val="50000"/>
+      </a:schemeClr>
+    </dgm:fillClrLst>
+    <dgm:linClrLst meth="repeat">
+      <a:schemeClr val="lt1"/>
+    </dgm:linClrLst>
+    <dgm:effectClrLst/>
+    <dgm:txLinClrLst/>
+    <dgm:txFillClrLst/>
+    <dgm:txEffectClrLst/>
+  </dgm:styleLbl>
+  <dgm:styleLbl name="node2">
+    <dgm:fillClrLst>
+      <a:schemeClr val="accent5"/>
+    </dgm:fillClrLst>
+    <dgm:linClrLst meth="repeat">
+      <a:schemeClr val="lt1"/>
+    </dgm:linClrLst>
+    <dgm:effectClrLst/>
+    <dgm:txLinClrLst/>
+    <dgm:txFillClrLst/>
+    <dgm:txEffectClrLst/>
+  </dgm:styleLbl>
+  <dgm:styleLbl name="node3">
+    <dgm:fillClrLst>
+      <a:schemeClr val="accent6"/>
+    </dgm:fillClrLst>
+    <dgm:linClrLst meth="repeat">
+      <a:schemeClr val="lt1"/>
+    </dgm:linClrLst>
+    <dgm:effectClrLst/>
+    <dgm:txLinClrLst/>
+    <dgm:txFillClrLst/>
+    <dgm:txEffectClrLst/>
+  </dgm:styleLbl>
+  <dgm:styleLbl name="node4">
+    <dgm:fillClrLst>
+      <a:schemeClr val="accent1"/>
+    </dgm:fillClrLst>
+    <dgm:linClrLst meth="repeat">
+      <a:schemeClr val="lt1"/>
+    </dgm:linClrLst>
+    <dgm:effectClrLst/>
+    <dgm:txLinClrLst/>
+    <dgm:txFillClrLst/>
+    <dgm:txEffectClrLst/>
+  </dgm:styleLbl>
+  <dgm:styleLbl name="fgImgPlace1">
+    <dgm:fillClrLst>
+      <a:schemeClr val="accent4">
+        <a:tint val="50000"/>
+      </a:schemeClr>
+      <a:schemeClr val="accent5">
+        <a:tint val="50000"/>
+      </a:schemeClr>
+    </dgm:fillClrLst>
+    <dgm:linClrLst meth="repeat">
+      <a:schemeClr val="lt1"/>
+    </dgm:linClrLst>
+    <dgm:effectClrLst/>
+    <dgm:txLinClrLst/>
+    <dgm:txFillClrLst meth="repeat">
+      <a:schemeClr val="lt1"/>
+    </dgm:txFillClrLst>
+    <dgm:txEffectClrLst/>
+  </dgm:styleLbl>
+  <dgm:styleLbl name="alignImgPlace1">
+    <dgm:fillClrLst>
+      <a:schemeClr val="accent4">
+        <a:tint val="50000"/>
+      </a:schemeClr>
+      <a:schemeClr val="accent5">
+        <a:tint val="20000"/>
+      </a:schemeClr>
+    </dgm:fillClrLst>
+    <dgm:linClrLst meth="repeat">
+      <a:schemeClr val="lt1"/>
+    </dgm:linClrLst>
+    <dgm:effectClrLst/>
+    <dgm:txLinClrLst/>
+    <dgm:txFillClrLst meth="repeat">
+      <a:schemeClr val="lt1"/>
+    </dgm:txFillClrLst>
+    <dgm:txEffectClrLst/>
+  </dgm:styleLbl>
+  <dgm:styleLbl name="bgImgPlace1">
+    <dgm:fillClrLst>
+      <a:schemeClr val="accent4">
+        <a:tint val="50000"/>
+      </a:schemeClr>
+      <a:schemeClr val="accent5">
+        <a:tint val="20000"/>
+      </a:schemeClr>
+    </dgm:fillClrLst>
+    <dgm:linClrLst meth="repeat">
+      <a:schemeClr val="lt1"/>
+    </dgm:linClrLst>
+    <dgm:effectClrLst/>
+    <dgm:txLinClrLst/>
+    <dgm:txFillClrLst meth="repeat">
+      <a:schemeClr val="lt1"/>
+    </dgm:txFillClrLst>
+    <dgm:txEffectClrLst/>
+  </dgm:styleLbl>
+  <dgm:styleLbl name="sibTrans2D1">
+    <dgm:fillClrLst>
+      <a:schemeClr val="accent4"/>
+      <a:schemeClr val="accent5"/>
+    </dgm:fillClrLst>
+    <dgm:linClrLst meth="repeat">
+      <a:schemeClr val="lt1"/>
+    </dgm:linClrLst>
+    <dgm:effectClrLst/>
+    <dgm:txLinClrLst/>
+    <dgm:txFillClrLst/>
+    <dgm:txEffectClrLst/>
+  </dgm:styleLbl>
+  <dgm:styleLbl name="fgSibTrans2D1">
+    <dgm:fillClrLst>
+      <a:schemeClr val="accent4"/>
+      <a:schemeClr val="accent5"/>
+    </dgm:fillClrLst>
+    <dgm:linClrLst meth="repeat">
+      <a:schemeClr val="lt1"/>
+    </dgm:linClrLst>
+    <dgm:effectClrLst/>
+    <dgm:txLinClrLst/>
+    <dgm:txFillClrLst meth="repeat">
+      <a:schemeClr val="lt1"/>
+    </dgm:txFillClrLst>
+    <dgm:txEffectClrLst/>
+  </dgm:styleLbl>
+  <dgm:styleLbl name="bgSibTrans2D1">
+    <dgm:fillClrLst>
+      <a:schemeClr val="accent4"/>
+      <a:schemeClr val="accent5"/>
+    </dgm:fillClrLst>
+    <dgm:linClrLst meth="repeat">
+      <a:schemeClr val="lt1"/>
+    </dgm:linClrLst>
+    <dgm:effectClrLst/>
+    <dgm:txLinClrLst/>
+    <dgm:txFillClrLst meth="repeat">
+      <a:schemeClr val="lt1"/>
+    </dgm:txFillClrLst>
+    <dgm:txEffectClrLst/>
+  </dgm:styleLbl>
+  <dgm:styleLbl name="sibTrans1D1">
+    <dgm:fillClrLst/>
+    <dgm:linClrLst>
+      <a:schemeClr val="accent4"/>
+      <a:schemeClr val="accent5"/>
+    </dgm:linClrLst>
+    <dgm:effectClrLst/>
+    <dgm:txLinClrLst/>
+    <dgm:txFillClrLst meth="repeat">
+      <a:schemeClr val="tx1"/>
+    </dgm:txFillClrLst>
+    <dgm:txEffectClrLst/>
+  </dgm:styleLbl>
+  <dgm:styleLbl name="callout">
+    <dgm:fillClrLst meth="repeat">
+      <a:schemeClr val="accent4"/>
+    </dgm:fillClrLst>
+    <dgm:linClrLst meth="repeat">
+      <a:schemeClr val="accent4">
+        <a:tint val="50000"/>
+      </a:schemeClr>
+    </dgm:linClrLst>
+    <dgm:effectClrLst/>
+    <dgm:txLinClrLst/>
+    <dgm:txFillClrLst meth="repeat">
+      <a:schemeClr val="tx1"/>
+    </dgm:txFillClrLst>
+    <dgm:txEffectClrLst/>
+  </dgm:styleLbl>
+  <dgm:styleLbl name="asst0">
+    <dgm:fillClrLst meth="repeat">
+      <a:schemeClr val="accent4"/>
+    </dgm:fillClrLst>
+    <dgm:linClrLst meth="repeat">
+      <a:schemeClr val="lt1">
+        <a:shade val="80000"/>
+      </a:schemeClr>
+    </dgm:linClrLst>
+    <dgm:effectClrLst/>
+    <dgm:txLinClrLst/>
+    <dgm:txFillClrLst/>
+    <dgm:txEffectClrLst/>
+  </dgm:styleLbl>
+  <dgm:styleLbl name="asst1">
+    <dgm:fillClrLst meth="repeat">
+      <a:schemeClr val="accent5"/>
+    </dgm:fillClrLst>
+    <dgm:linClrLst meth="repeat">
+      <a:schemeClr val="lt1">
+        <a:shade val="80000"/>
+      </a:schemeClr>
+    </dgm:linClrLst>
+    <dgm:effectClrLst/>
+    <dgm:txLinClrLst/>
+    <dgm:txFillClrLst/>
+    <dgm:txEffectClrLst/>
+  </dgm:styleLbl>
+  <dgm:styleLbl name="asst2">
+    <dgm:fillClrLst>
+      <a:schemeClr val="accent6"/>
+    </dgm:fillClrLst>
+    <dgm:linClrLst meth="repeat">
+      <a:schemeClr val="lt1"/>
+    </dgm:linClrLst>
+    <dgm:effectClrLst/>
+    <dgm:txLinClrLst/>
+    <dgm:txFillClrLst/>
+    <dgm:txEffectClrLst/>
+  </dgm:styleLbl>
+  <dgm:styleLbl name="asst3">
+    <dgm:fillClrLst>
+      <a:schemeClr val="accent1"/>
+    </dgm:fillClrLst>
+    <dgm:linClrLst meth="repeat">
+      <a:schemeClr val="lt1"/>
+    </dgm:linClrLst>
+    <dgm:effectClrLst/>
+    <dgm:txLinClrLst/>
+    <dgm:txFillClrLst/>
+    <dgm:txEffectClrLst/>
+  </dgm:styleLbl>
+  <dgm:styleLbl name="asst4">
+    <dgm:fillClrLst>
+      <a:schemeClr val="accent2"/>
+    </dgm:fillClrLst>
+    <dgm:linClrLst meth="repeat">
+      <a:schemeClr val="lt1"/>
+    </dgm:linClrLst>
+    <dgm:effectClrLst/>
+    <dgm:txLinClrLst/>
+    <dgm:txFillClrLst/>
+    <dgm:txEffectClrLst/>
+  </dgm:styleLbl>
+  <dgm:styleLbl name="parChTrans2D1">
+    <dgm:fillClrLst meth="repeat">
+      <a:schemeClr val="accent4"/>
+    </dgm:fillClrLst>
+    <dgm:linClrLst meth="repeat">
+      <a:schemeClr val="lt1"/>
+    </dgm:linClrLst>
+    <dgm:effectClrLst/>
+    <dgm:txLinClrLst/>
+    <dgm:txFillClrLst meth="repeat">
+      <a:schemeClr val="lt1"/>
+    </dgm:txFillClrLst>
+    <dgm:txEffectClrLst/>
+  </dgm:styleLbl>
+  <dgm:styleLbl name="parChTrans2D2">
+    <dgm:fillClrLst meth="repeat">
+      <a:schemeClr val="accent5"/>
+    </dgm:fillClrLst>
+    <dgm:linClrLst meth="repeat">
+      <a:schemeClr val="lt1"/>
+    </dgm:linClrLst>
+    <dgm:effectClrLst/>
+    <dgm:txLinClrLst/>
+    <dgm:txFillClrLst/>
+    <dgm:txEffectClrLst/>
+  </dgm:styleLbl>
+  <dgm:styleLbl name="parChTrans2D3">
+    <dgm:fillClrLst meth="repeat">
+      <a:schemeClr val="accent5"/>
+    </dgm:fillClrLst>
+    <dgm:linClrLst meth="repeat">
+      <a:schemeClr val="lt1"/>
+    </dgm:linClrLst>
+    <dgm:effectClrLst/>
+    <dgm:txLinClrLst/>
+    <dgm:txFillClrLst/>
+    <dgm:txEffectClrLst/>
+  </dgm:styleLbl>
+  <dgm:styleLbl name="parChTrans2D4">
+    <dgm:fillClrLst meth="repeat">
+      <a:schemeClr val="accent6"/>
+    </dgm:fillClrLst>
+    <dgm:linClrLst meth="repeat">
+      <a:schemeClr val="lt1"/>
+    </dgm:linClrLst>
+    <dgm:effectClrLst/>
+    <dgm:txLinClrLst/>
+    <dgm:txFillClrLst meth="repeat">
+      <a:schemeClr val="lt1"/>
+    </dgm:txFillClrLst>
+    <dgm:txEffectClrLst/>
+  </dgm:styleLbl>
+  <dgm:styleLbl name="parChTrans1D1">
+    <dgm:fillClrLst meth="repeat">
+      <a:schemeClr val="accent4"/>
+    </dgm:fillClrLst>
+    <dgm:linClrLst meth="repeat">
+      <a:schemeClr val="accent4"/>
+    </dgm:linClrLst>
+    <dgm:effectClrLst/>
+    <dgm:txLinClrLst/>
+    <dgm:txFillClrLst meth="repeat">
+      <a:schemeClr val="tx1"/>
+    </dgm:txFillClrLst>
+    <dgm:txEffectClrLst/>
+  </dgm:styleLbl>
+  <dgm:styleLbl name="parChTrans1D2">
+    <dgm:fillClrLst meth="repeat">
+      <a:schemeClr val="accent4">
+        <a:tint val="90000"/>
+      </a:schemeClr>
+    </dgm:fillClrLst>
+    <dgm:linClrLst meth="repeat">
+      <a:schemeClr val="accent5"/>
+    </dgm:linClrLst>
+    <dgm:effectClrLst/>
+    <dgm:txLinClrLst/>
+    <dgm:txFillClrLst meth="repeat">
+      <a:schemeClr val="tx1"/>
+    </dgm:txFillClrLst>
+    <dgm:txEffectClrLst/>
+  </dgm:styleLbl>
+  <dgm:styleLbl name="parChTrans1D3">
+    <dgm:fillClrLst meth="repeat">
+      <a:schemeClr val="accent4">
+        <a:tint val="70000"/>
+      </a:schemeClr>
+    </dgm:fillClrLst>
+    <dgm:linClrLst meth="repeat">
+      <a:schemeClr val="accent6"/>
+    </dgm:linClrLst>
+    <dgm:effectClrLst/>
+    <dgm:txLinClrLst/>
+    <dgm:txFillClrLst meth="repeat">
+      <a:schemeClr val="tx1"/>
+    </dgm:txFillClrLst>
+    <dgm:txEffectClrLst/>
+  </dgm:styleLbl>
+  <dgm:styleLbl name="parChTrans1D4">
+    <dgm:fillClrLst meth="repeat">
+      <a:schemeClr val="accent4">
+        <a:tint val="50000"/>
+      </a:schemeClr>
+    </dgm:fillClrLst>
+    <dgm:linClrLst meth="repeat">
+      <a:schemeClr val="accent1"/>
+    </dgm:linClrLst>
+    <dgm:effectClrLst/>
+    <dgm:txLinClrLst/>
+    <dgm:txFillClrLst meth="repeat">
+      <a:schemeClr val="tx1"/>
+    </dgm:txFillClrLst>
+    <dgm:txEffectClrLst/>
+  </dgm:styleLbl>
+  <dgm:styleLbl name="fgAcc1">
+    <dgm:fillClrLst meth="repeat">
+      <a:schemeClr val="lt1">
+        <a:alpha val="90000"/>
+      </a:schemeClr>
+    </dgm:fillClrLst>
+    <dgm:linClrLst>
+      <a:schemeClr val="accent4"/>
+      <a:schemeClr val="accent5"/>
+    </dgm:linClrLst>
+    <dgm:effectClrLst/>
+    <dgm:txLinClrLst/>
+    <dgm:txFillClrLst meth="repeat">
+      <a:schemeClr val="dk1"/>
+    </dgm:txFillClrLst>
+    <dgm:txEffectClrLst/>
+  </dgm:styleLbl>
+  <dgm:styleLbl name="conFgAcc1">
+    <dgm:fillClrLst meth="repeat">
+      <a:schemeClr val="lt1">
+        <a:alpha val="90000"/>
+      </a:schemeClr>
+    </dgm:fillClrLst>
+    <dgm:linClrLst>
+      <a:schemeClr val="accent4"/>
+      <a:schemeClr val="accent5"/>
+    </dgm:linClrLst>
+    <dgm:effectClrLst/>
+    <dgm:txLinClrLst/>
+    <dgm:txFillClrLst meth="repeat">
+      <a:schemeClr val="dk1"/>
+    </dgm:txFillClrLst>
+    <dgm:txEffectClrLst/>
+  </dgm:styleLbl>
+  <dgm:styleLbl name="alignAcc1">
+    <dgm:fillClrLst meth="repeat">
+      <a:schemeClr val="lt1">
+        <a:alpha val="90000"/>
+      </a:schemeClr>
+    </dgm:fillClrLst>
+    <dgm:linClrLst>
+      <a:schemeClr val="accent4"/>
+      <a:schemeClr val="accent5"/>
+    </dgm:linClrLst>
+    <dgm:effectClrLst/>
+    <dgm:txLinClrLst/>
+    <dgm:txFillClrLst meth="repeat">
+      <a:schemeClr val="dk1"/>
+    </dgm:txFillClrLst>
+    <dgm:txEffectClrLst/>
+  </dgm:styleLbl>
+  <dgm:styleLbl name="trAlignAcc1">
+    <dgm:fillClrLst meth="repeat">
+      <a:schemeClr val="lt1">
+        <a:alpha val="40000"/>
+      </a:schemeClr>
+    </dgm:fillClrLst>
+    <dgm:linClrLst meth="repeat">
+      <a:schemeClr val="accent4"/>
+    </dgm:linClrLst>
+    <dgm:effectClrLst/>
+    <dgm:txLinClrLst/>
+    <dgm:txFillClrLst meth="repeat">
+      <a:schemeClr val="dk1"/>
+    </dgm:txFillClrLst>
+    <dgm:txEffectClrLst/>
+  </dgm:styleLbl>
+  <dgm:styleLbl name="bgAcc1">
+    <dgm:fillClrLst meth="repeat">
+      <a:schemeClr val="lt1">
+        <a:alpha val="90000"/>
+      </a:schemeClr>
+    </dgm:fillClrLst>
+    <dgm:linClrLst>
+      <a:schemeClr val="accent4"/>
+      <a:schemeClr val="accent5"/>
+    </dgm:linClrLst>
+    <dgm:effectClrLst/>
+    <dgm:txLinClrLst/>
+    <dgm:txFillClrLst meth="repeat">
+      <a:schemeClr val="dk1"/>
+    </dgm:txFillClrLst>
+    <dgm:txEffectClrLst/>
+  </dgm:styleLbl>
+  <dgm:styleLbl name="solidFgAcc1">
+    <dgm:fillClrLst meth="repeat">
+      <a:schemeClr val="lt1"/>
+    </dgm:fillClrLst>
+    <dgm:linClrLst>
+      <a:schemeClr val="accent4"/>
+      <a:schemeClr val="accent5"/>
+    </dgm:linClrLst>
+    <dgm:effectClrLst/>
+    <dgm:txLinClrLst/>
+    <dgm:txFillClrLst meth="repeat">
+      <a:schemeClr val="dk1"/>
+    </dgm:txFillClrLst>
+    <dgm:txEffectClrLst/>
+  </dgm:styleLbl>
+  <dgm:styleLbl name="solidAlignAcc1">
+    <dgm:fillClrLst meth="repeat">
+      <a:schemeClr val="lt1"/>
+    </dgm:fillClrLst>
+    <dgm:linClrLst>
+      <a:schemeClr val="accent4"/>
+      <a:schemeClr val="accent5"/>
+    </dgm:linClrLst>
+    <dgm:effectClrLst/>
+    <dgm:txLinClrLst/>
+    <dgm:txFillClrLst meth="repeat">
+      <a:schemeClr val="dk1"/>
+    </dgm:txFillClrLst>
+    <dgm:txEffectClrLst/>
+  </dgm:styleLbl>
+  <dgm:styleLbl name="solidBgAcc1">
+    <dgm:fillClrLst meth="repeat">
+      <a:schemeClr val="lt1"/>
+    </dgm:fillClrLst>
+    <dgm:linClrLst>
+      <a:schemeClr val="accent4"/>
+      <a:schemeClr val="accent5"/>
+    </dgm:linClrLst>
+    <dgm:effectClrLst/>
+    <dgm:txLinClrLst/>
+    <dgm:txFillClrLst meth="repeat">
+      <a:schemeClr val="dk1"/>
+    </dgm:txFillClrLst>
+    <dgm:txEffectClrLst/>
+  </dgm:styleLbl>
+  <dgm:styleLbl name="fgAccFollowNode1">
+    <dgm:fillClrLst>
+      <a:schemeClr val="accent4">
+        <a:tint val="40000"/>
+        <a:alpha val="90000"/>
+      </a:schemeClr>
+      <a:schemeClr val="accent5">
+        <a:tint val="40000"/>
+        <a:alpha val="90000"/>
+      </a:schemeClr>
+    </dgm:fillClrLst>
+    <dgm:linClrLst>
+      <a:schemeClr val="accent4">
+        <a:tint val="40000"/>
+        <a:alpha val="90000"/>
+      </a:schemeClr>
+      <a:schemeClr val="accent5">
+        <a:tint val="40000"/>
+        <a:alpha val="90000"/>
+      </a:schemeClr>
+    </dgm:linClrLst>
+    <dgm:effectClrLst/>
+    <dgm:txLinClrLst/>
+    <dgm:txFillClrLst meth="repeat">
+      <a:schemeClr val="dk1"/>
+    </dgm:txFillClrLst>
+    <dgm:txEffectClrLst/>
+  </dgm:styleLbl>
+  <dgm:styleLbl name="alignAccFollowNode1">
+    <dgm:fillClrLst>
+      <a:schemeClr val="accent4">
+        <a:tint val="40000"/>
+        <a:alpha val="90000"/>
+      </a:schemeClr>
+      <a:schemeClr val="accent5">
+        <a:tint val="40000"/>
+        <a:alpha val="90000"/>
+      </a:schemeClr>
+    </dgm:fillClrLst>
+    <dgm:linClrLst>
+      <a:schemeClr val="accent4">
+        <a:tint val="40000"/>
+        <a:alpha val="90000"/>
+      </a:schemeClr>
+      <a:schemeClr val="accent5">
+        <a:tint val="40000"/>
+        <a:alpha val="90000"/>
+      </a:schemeClr>
+    </dgm:linClrLst>
+    <dgm:effectClrLst/>
+    <dgm:txLinClrLst/>
+    <dgm:txFillClrLst meth="repeat">
+      <a:schemeClr val="dk1"/>
+    </dgm:txFillClrLst>
+    <dgm:txEffectClrLst/>
+  </dgm:styleLbl>
+  <dgm:styleLbl name="bgAccFollowNode1">
+    <dgm:fillClrLst>
+      <a:schemeClr val="accent4">
+        <a:tint val="40000"/>
+        <a:alpha val="90000"/>
+      </a:schemeClr>
+      <a:schemeClr val="accent5">
+        <a:tint val="40000"/>
+        <a:alpha val="90000"/>
+      </a:schemeClr>
+    </dgm:fillClrLst>
+    <dgm:linClrLst>
+      <a:schemeClr val="accent4">
+        <a:tint val="40000"/>
+        <a:alpha val="90000"/>
+      </a:schemeClr>
+      <a:schemeClr val="accent5">
+        <a:tint val="40000"/>
+        <a:alpha val="90000"/>
+      </a:schemeClr>
+    </dgm:linClrLst>
+    <dgm:effectClrLst/>
+    <dgm:txLinClrLst/>
+    <dgm:txFillClrLst meth="repeat">
+      <a:schemeClr val="dk1"/>
+    </dgm:txFillClrLst>
+    <dgm:txEffectClrLst/>
+  </dgm:styleLbl>
+  <dgm:styleLbl name="fgAcc0">
+    <dgm:fillClrLst meth="repeat">
+      <a:schemeClr val="lt1">
+        <a:alpha val="90000"/>
+      </a:schemeClr>
+    </dgm:fillClrLst>
+    <dgm:linClrLst>
+      <a:schemeClr val="accent3"/>
+    </dgm:linClrLst>
+    <dgm:effectClrLst/>
+    <dgm:txLinClrLst/>
+    <dgm:txFillClrLst meth="repeat">
+      <a:schemeClr val="dk1"/>
+    </dgm:txFillClrLst>
+    <dgm:txEffectClrLst/>
+  </dgm:styleLbl>
+  <dgm:styleLbl name="fgAcc2">
+    <dgm:fillClrLst meth="repeat">
+      <a:schemeClr val="lt1">
+        <a:alpha val="90000"/>
+      </a:schemeClr>
+    </dgm:fillClrLst>
+    <dgm:linClrLst>
+      <a:schemeClr val="accent5"/>
+    </dgm:linClrLst>
+    <dgm:effectClrLst/>
+    <dgm:txLinClrLst/>
+    <dgm:txFillClrLst meth="repeat">
+      <a:schemeClr val="dk1"/>
+    </dgm:txFillClrLst>
+    <dgm:txEffectClrLst/>
+  </dgm:styleLbl>
+  <dgm:styleLbl name="fgAcc3">
+    <dgm:fillClrLst meth="repeat">
+      <a:schemeClr val="lt1">
+        <a:alpha val="90000"/>
+      </a:schemeClr>
+    </dgm:fillClrLst>
+    <dgm:linClrLst>
+      <a:schemeClr val="accent6"/>
+    </dgm:linClrLst>
+    <dgm:effectClrLst/>
+    <dgm:txLinClrLst/>
+    <dgm:txFillClrLst meth="repeat">
+      <a:schemeClr val="dk1"/>
+    </dgm:txFillClrLst>
+    <dgm:txEffectClrLst/>
+  </dgm:styleLbl>
+  <dgm:styleLbl name="fgAcc4">
+    <dgm:fillClrLst meth="repeat">
+      <a:schemeClr val="lt1">
+        <a:alpha val="90000"/>
+      </a:schemeClr>
+    </dgm:fillClrLst>
+    <dgm:linClrLst>
+      <a:schemeClr val="accent1"/>
+    </dgm:linClrLst>
+    <dgm:effectClrLst/>
+    <dgm:txLinClrLst/>
+    <dgm:txFillClrLst meth="repeat">
+      <a:schemeClr val="dk1"/>
+    </dgm:txFillClrLst>
+    <dgm:txEffectClrLst/>
+  </dgm:styleLbl>
+  <dgm:styleLbl name="bgShp">
+    <dgm:fillClrLst meth="repeat">
+      <a:schemeClr val="accent4">
+        <a:tint val="40000"/>
+      </a:schemeClr>
+    </dgm:fillClrLst>
+    <dgm:linClrLst meth="repeat">
+      <a:schemeClr val="dk1"/>
+    </dgm:linClrLst>
+    <dgm:effectClrLst/>
+    <dgm:txLinClrLst/>
+    <dgm:txFillClrLst meth="repeat">
+      <a:schemeClr val="dk1"/>
+    </dgm:txFillClrLst>
+    <dgm:txEffectClrLst/>
+  </dgm:styleLbl>
+  <dgm:styleLbl name="dkBgShp">
+    <dgm:fillClrLst meth="repeat">
+      <a:schemeClr val="accent4">
+        <a:shade val="90000"/>
+      </a:schemeClr>
+    </dgm:fillClrLst>
+    <dgm:linClrLst meth="repeat">
+      <a:schemeClr val="dk1"/>
+    </dgm:linClrLst>
+    <dgm:effectClrLst/>
+    <dgm:txLinClrLst/>
+    <dgm:txFillClrLst meth="repeat">
+      <a:schemeClr val="lt1"/>
+    </dgm:txFillClrLst>
+    <dgm:txEffectClrLst/>
+  </dgm:styleLbl>
+  <dgm:styleLbl name="trBgShp">
+    <dgm:fillClrLst meth="repeat">
+      <a:schemeClr val="accent4">
+        <a:tint val="50000"/>
+        <a:alpha val="40000"/>
+      </a:schemeClr>
+    </dgm:fillClrLst>
+    <dgm:linClrLst meth="repeat">
+      <a:schemeClr val="accent4"/>
+    </dgm:linClrLst>
+    <dgm:effectClrLst/>
+    <dgm:txLinClrLst/>
+    <dgm:txFillClrLst meth="repeat">
+      <a:schemeClr val="lt1"/>
+    </dgm:txFillClrLst>
+    <dgm:txEffectClrLst/>
+  </dgm:styleLbl>
+  <dgm:styleLbl name="fgShp">
+    <dgm:fillClrLst meth="repeat">
+      <a:schemeClr val="accent4">
+        <a:tint val="40000"/>
+      </a:schemeClr>
+    </dgm:fillClrLst>
+    <dgm:linClrLst meth="repeat">
+      <a:schemeClr val="lt1"/>
+    </dgm:linClrLst>
+    <dgm:effectClrLst/>
+    <dgm:txLinClrLst/>
+    <dgm:txFillClrLst meth="repeat">
+      <a:schemeClr val="dk1"/>
+    </dgm:txFillClrLst>
+    <dgm:txEffectClrLst/>
+  </dgm:styleLbl>
+  <dgm:styleLbl name="revTx">
+    <dgm:fillClrLst meth="repeat">
+      <a:schemeClr val="lt1">
+        <a:alpha val="0"/>
+      </a:schemeClr>
+    </dgm:fillClrLst>
+    <dgm:linClrLst meth="repeat">
+      <a:schemeClr val="dk1">
+        <a:alpha val="0"/>
+      </a:schemeClr>
+    </dgm:linClrLst>
+    <dgm:effectClrLst/>
+    <dgm:txLinClrLst/>
+    <dgm:txFillClrLst meth="repeat">
+      <a:schemeClr val="tx1"/>
+    </dgm:txFillClrLst>
+    <dgm:txEffectClrLst/>
+  </dgm:styleLbl>
+</dgm:colorsDef>
+</file>
+
+<file path=ppt/diagrams/data1.xml><?xml version="1.0" encoding="utf-8"?>
+<dgm:dataModel xmlns:dgm="http://schemas.openxmlformats.org/drawingml/2006/diagram" xmlns:a="http://schemas.openxmlformats.org/drawingml/2006/main">
+  <dgm:ptLst>
+    <dgm:pt modelId="{CAE5E6AB-DC90-1245-A07A-16DE2E70BCE6}" type="doc">
+      <dgm:prSet loTypeId="urn:microsoft.com/office/officeart/2005/8/layout/venn1" loCatId="" qsTypeId="urn:microsoft.com/office/officeart/2005/8/quickstyle/simple4" qsCatId="simple" csTypeId="urn:microsoft.com/office/officeart/2005/8/colors/colorful4" csCatId="colorful" phldr="1"/>
+      <dgm:spPr/>
+    </dgm:pt>
+    <dgm:pt modelId="{EEA281F7-4A00-C942-A0A1-72FDCFE742DC}">
+      <dgm:prSet phldrT="[Text]"/>
+      <dgm:spPr/>
+      <dgm:t>
+        <a:bodyPr/>
+        <a:lstStyle/>
+        <a:p>
+          <a:r>
+            <a:rPr lang="en-US" dirty="0" smtClean="0"/>
+            <a:t>Bot Engine</a:t>
+          </a:r>
+          <a:endParaRPr lang="en-US" dirty="0"/>
+        </a:p>
+      </dgm:t>
+    </dgm:pt>
+    <dgm:pt modelId="{70761DDE-33EE-8B49-B19A-3223777BD2CF}" type="parTrans" cxnId="{3813F92E-9304-4F44-AD4B-41A5FE0A6709}">
+      <dgm:prSet/>
+      <dgm:spPr/>
+      <dgm:t>
+        <a:bodyPr/>
+        <a:lstStyle/>
+        <a:p>
+          <a:endParaRPr lang="en-US"/>
+        </a:p>
+      </dgm:t>
+    </dgm:pt>
+    <dgm:pt modelId="{72C02184-FB69-F045-8F5D-69FB67B1AEFA}" type="sibTrans" cxnId="{3813F92E-9304-4F44-AD4B-41A5FE0A6709}">
+      <dgm:prSet/>
+      <dgm:spPr/>
+      <dgm:t>
+        <a:bodyPr/>
+        <a:lstStyle/>
+        <a:p>
+          <a:endParaRPr lang="en-US"/>
+        </a:p>
+      </dgm:t>
+    </dgm:pt>
+    <dgm:pt modelId="{B6E3062A-D7F6-DF47-BEE5-9917A6FD125C}">
+      <dgm:prSet phldrT="[Text]"/>
+      <dgm:spPr/>
+      <dgm:t>
+        <a:bodyPr/>
+        <a:lstStyle/>
+        <a:p>
+          <a:r>
+            <a:rPr lang="en-US" dirty="0" smtClean="0"/>
+            <a:t>Artificial Intelligence</a:t>
+          </a:r>
+          <a:endParaRPr lang="en-US" dirty="0"/>
+        </a:p>
+      </dgm:t>
+    </dgm:pt>
+    <dgm:pt modelId="{658AD3A7-EB0A-3B46-813F-02F3B2C3FDE1}" type="parTrans" cxnId="{21528CE9-095D-8545-8A92-40F3927744F4}">
+      <dgm:prSet/>
+      <dgm:spPr/>
+      <dgm:t>
+        <a:bodyPr/>
+        <a:lstStyle/>
+        <a:p>
+          <a:endParaRPr lang="en-US"/>
+        </a:p>
+      </dgm:t>
+    </dgm:pt>
+    <dgm:pt modelId="{ED1026BE-22ED-4E46-9558-F049575EAD57}" type="sibTrans" cxnId="{21528CE9-095D-8545-8A92-40F3927744F4}">
+      <dgm:prSet/>
+      <dgm:spPr/>
+      <dgm:t>
+        <a:bodyPr/>
+        <a:lstStyle/>
+        <a:p>
+          <a:endParaRPr lang="en-US"/>
+        </a:p>
+      </dgm:t>
+    </dgm:pt>
+    <dgm:pt modelId="{6146C4AD-2779-3A43-91C9-4E69DAAD6089}">
+      <dgm:prSet phldrT="[Text]"/>
+      <dgm:spPr/>
+      <dgm:t>
+        <a:bodyPr/>
+        <a:lstStyle/>
+        <a:p>
+          <a:r>
+            <a:rPr lang="en-US" dirty="0" smtClean="0"/>
+            <a:t>API's, Databases, ...</a:t>
+          </a:r>
+          <a:endParaRPr lang="en-US" dirty="0"/>
+        </a:p>
+      </dgm:t>
+    </dgm:pt>
+    <dgm:pt modelId="{3F379CD6-757F-F84A-9449-516707E8ED07}" type="parTrans" cxnId="{05A118CA-DDD5-9449-A671-D4FF70861F33}">
+      <dgm:prSet/>
+      <dgm:spPr/>
+      <dgm:t>
+        <a:bodyPr/>
+        <a:lstStyle/>
+        <a:p>
+          <a:endParaRPr lang="en-US"/>
+        </a:p>
+      </dgm:t>
+    </dgm:pt>
+    <dgm:pt modelId="{A16626D9-2268-8841-B602-03601BD57509}" type="sibTrans" cxnId="{05A118CA-DDD5-9449-A671-D4FF70861F33}">
+      <dgm:prSet/>
+      <dgm:spPr/>
+      <dgm:t>
+        <a:bodyPr/>
+        <a:lstStyle/>
+        <a:p>
+          <a:endParaRPr lang="en-US"/>
+        </a:p>
+      </dgm:t>
+    </dgm:pt>
+    <dgm:pt modelId="{D0BBCFD3-679B-1545-90BD-560BA3C0D84D}" type="pres">
+      <dgm:prSet presAssocID="{CAE5E6AB-DC90-1245-A07A-16DE2E70BCE6}" presName="compositeShape" presStyleCnt="0">
+        <dgm:presLayoutVars>
+          <dgm:chMax val="7"/>
+          <dgm:dir/>
+          <dgm:resizeHandles val="exact"/>
+        </dgm:presLayoutVars>
+      </dgm:prSet>
+      <dgm:spPr/>
+    </dgm:pt>
+    <dgm:pt modelId="{C9B6F9D1-242D-3049-A9D6-5327709C2BE2}" type="pres">
+      <dgm:prSet presAssocID="{EEA281F7-4A00-C942-A0A1-72FDCFE742DC}" presName="circ1" presStyleLbl="vennNode1" presStyleIdx="0" presStyleCnt="3"/>
+      <dgm:spPr/>
+    </dgm:pt>
+    <dgm:pt modelId="{34C6E2FF-E720-6347-901B-5B0EB70BBE68}" type="pres">
+      <dgm:prSet presAssocID="{EEA281F7-4A00-C942-A0A1-72FDCFE742DC}" presName="circ1Tx" presStyleLbl="revTx" presStyleIdx="0" presStyleCnt="0">
+        <dgm:presLayoutVars>
+          <dgm:chMax val="0"/>
+          <dgm:chPref val="0"/>
+          <dgm:bulletEnabled val="1"/>
+        </dgm:presLayoutVars>
+      </dgm:prSet>
+      <dgm:spPr/>
+    </dgm:pt>
+    <dgm:pt modelId="{3F810985-CC61-8A45-A96F-B4F4E2326759}" type="pres">
+      <dgm:prSet presAssocID="{B6E3062A-D7F6-DF47-BEE5-9917A6FD125C}" presName="circ2" presStyleLbl="vennNode1" presStyleIdx="1" presStyleCnt="3"/>
+      <dgm:spPr/>
+      <dgm:t>
+        <a:bodyPr/>
+        <a:lstStyle/>
+        <a:p>
+          <a:endParaRPr lang="en-US"/>
+        </a:p>
+      </dgm:t>
+    </dgm:pt>
+    <dgm:pt modelId="{C75EF690-82E3-F841-A018-7599DAC3365D}" type="pres">
+      <dgm:prSet presAssocID="{B6E3062A-D7F6-DF47-BEE5-9917A6FD125C}" presName="circ2Tx" presStyleLbl="revTx" presStyleIdx="0" presStyleCnt="0">
+        <dgm:presLayoutVars>
+          <dgm:chMax val="0"/>
+          <dgm:chPref val="0"/>
+          <dgm:bulletEnabled val="1"/>
+        </dgm:presLayoutVars>
+      </dgm:prSet>
+      <dgm:spPr/>
+      <dgm:t>
+        <a:bodyPr/>
+        <a:lstStyle/>
+        <a:p>
+          <a:endParaRPr lang="en-US"/>
+        </a:p>
+      </dgm:t>
+    </dgm:pt>
+    <dgm:pt modelId="{423C34C1-5908-2E44-81E0-95A7FE0D696B}" type="pres">
+      <dgm:prSet presAssocID="{6146C4AD-2779-3A43-91C9-4E69DAAD6089}" presName="circ3" presStyleLbl="vennNode1" presStyleIdx="2" presStyleCnt="3"/>
+      <dgm:spPr/>
+      <dgm:t>
+        <a:bodyPr/>
+        <a:lstStyle/>
+        <a:p>
+          <a:endParaRPr lang="en-US"/>
+        </a:p>
+      </dgm:t>
+    </dgm:pt>
+    <dgm:pt modelId="{C9948344-FCD4-674C-BE54-2B245D2A4DD3}" type="pres">
+      <dgm:prSet presAssocID="{6146C4AD-2779-3A43-91C9-4E69DAAD6089}" presName="circ3Tx" presStyleLbl="revTx" presStyleIdx="0" presStyleCnt="0">
+        <dgm:presLayoutVars>
+          <dgm:chMax val="0"/>
+          <dgm:chPref val="0"/>
+          <dgm:bulletEnabled val="1"/>
+        </dgm:presLayoutVars>
+      </dgm:prSet>
+      <dgm:spPr/>
+      <dgm:t>
+        <a:bodyPr/>
+        <a:lstStyle/>
+        <a:p>
+          <a:endParaRPr lang="en-US"/>
+        </a:p>
+      </dgm:t>
+    </dgm:pt>
+  </dgm:ptLst>
+  <dgm:cxnLst>
+    <dgm:cxn modelId="{B6FDF800-361D-0E47-8365-A07D21F2ECD6}" type="presOf" srcId="{6146C4AD-2779-3A43-91C9-4E69DAAD6089}" destId="{C9948344-FCD4-674C-BE54-2B245D2A4DD3}" srcOrd="1" destOrd="0" presId="urn:microsoft.com/office/officeart/2005/8/layout/venn1"/>
+    <dgm:cxn modelId="{F7755354-C2CD-5344-83F6-647F3952C610}" type="presOf" srcId="{6146C4AD-2779-3A43-91C9-4E69DAAD6089}" destId="{423C34C1-5908-2E44-81E0-95A7FE0D696B}" srcOrd="0" destOrd="0" presId="urn:microsoft.com/office/officeart/2005/8/layout/venn1"/>
+    <dgm:cxn modelId="{21528CE9-095D-8545-8A92-40F3927744F4}" srcId="{CAE5E6AB-DC90-1245-A07A-16DE2E70BCE6}" destId="{B6E3062A-D7F6-DF47-BEE5-9917A6FD125C}" srcOrd="1" destOrd="0" parTransId="{658AD3A7-EB0A-3B46-813F-02F3B2C3FDE1}" sibTransId="{ED1026BE-22ED-4E46-9558-F049575EAD57}"/>
+    <dgm:cxn modelId="{9F452556-D4B4-D140-9A58-2F75E1214E45}" type="presOf" srcId="{EEA281F7-4A00-C942-A0A1-72FDCFE742DC}" destId="{C9B6F9D1-242D-3049-A9D6-5327709C2BE2}" srcOrd="0" destOrd="0" presId="urn:microsoft.com/office/officeart/2005/8/layout/venn1"/>
+    <dgm:cxn modelId="{9D6A0DA1-D502-574F-BF96-8FB6A9FED326}" type="presOf" srcId="{CAE5E6AB-DC90-1245-A07A-16DE2E70BCE6}" destId="{D0BBCFD3-679B-1545-90BD-560BA3C0D84D}" srcOrd="0" destOrd="0" presId="urn:microsoft.com/office/officeart/2005/8/layout/venn1"/>
+    <dgm:cxn modelId="{3813F92E-9304-4F44-AD4B-41A5FE0A6709}" srcId="{CAE5E6AB-DC90-1245-A07A-16DE2E70BCE6}" destId="{EEA281F7-4A00-C942-A0A1-72FDCFE742DC}" srcOrd="0" destOrd="0" parTransId="{70761DDE-33EE-8B49-B19A-3223777BD2CF}" sibTransId="{72C02184-FB69-F045-8F5D-69FB67B1AEFA}"/>
+    <dgm:cxn modelId="{F071A0F9-45E5-F14D-8996-5359ED02F36C}" type="presOf" srcId="{B6E3062A-D7F6-DF47-BEE5-9917A6FD125C}" destId="{3F810985-CC61-8A45-A96F-B4F4E2326759}" srcOrd="0" destOrd="0" presId="urn:microsoft.com/office/officeart/2005/8/layout/venn1"/>
+    <dgm:cxn modelId="{866632FD-610D-0944-9F8B-9785CE1E8D78}" type="presOf" srcId="{EEA281F7-4A00-C942-A0A1-72FDCFE742DC}" destId="{34C6E2FF-E720-6347-901B-5B0EB70BBE68}" srcOrd="1" destOrd="0" presId="urn:microsoft.com/office/officeart/2005/8/layout/venn1"/>
+    <dgm:cxn modelId="{05A118CA-DDD5-9449-A671-D4FF70861F33}" srcId="{CAE5E6AB-DC90-1245-A07A-16DE2E70BCE6}" destId="{6146C4AD-2779-3A43-91C9-4E69DAAD6089}" srcOrd="2" destOrd="0" parTransId="{3F379CD6-757F-F84A-9449-516707E8ED07}" sibTransId="{A16626D9-2268-8841-B602-03601BD57509}"/>
+    <dgm:cxn modelId="{16AC7F48-4786-9F4D-A16C-52E610D030DB}" type="presOf" srcId="{B6E3062A-D7F6-DF47-BEE5-9917A6FD125C}" destId="{C75EF690-82E3-F841-A018-7599DAC3365D}" srcOrd="1" destOrd="0" presId="urn:microsoft.com/office/officeart/2005/8/layout/venn1"/>
+    <dgm:cxn modelId="{C96B91C2-DC96-9642-A168-F94916F285A3}" type="presParOf" srcId="{D0BBCFD3-679B-1545-90BD-560BA3C0D84D}" destId="{C9B6F9D1-242D-3049-A9D6-5327709C2BE2}" srcOrd="0" destOrd="0" presId="urn:microsoft.com/office/officeart/2005/8/layout/venn1"/>
+    <dgm:cxn modelId="{0B72E111-024E-5448-9FF0-3CFEB39AD113}" type="presParOf" srcId="{D0BBCFD3-679B-1545-90BD-560BA3C0D84D}" destId="{34C6E2FF-E720-6347-901B-5B0EB70BBE68}" srcOrd="1" destOrd="0" presId="urn:microsoft.com/office/officeart/2005/8/layout/venn1"/>
+    <dgm:cxn modelId="{1B879D67-3025-0745-A86D-C010B29FA76A}" type="presParOf" srcId="{D0BBCFD3-679B-1545-90BD-560BA3C0D84D}" destId="{3F810985-CC61-8A45-A96F-B4F4E2326759}" srcOrd="2" destOrd="0" presId="urn:microsoft.com/office/officeart/2005/8/layout/venn1"/>
+    <dgm:cxn modelId="{535F2E02-3B65-004F-9670-237E7FAE54B3}" type="presParOf" srcId="{D0BBCFD3-679B-1545-90BD-560BA3C0D84D}" destId="{C75EF690-82E3-F841-A018-7599DAC3365D}" srcOrd="3" destOrd="0" presId="urn:microsoft.com/office/officeart/2005/8/layout/venn1"/>
+    <dgm:cxn modelId="{D1038DA6-1924-094A-B783-DE9A2FBC5DE5}" type="presParOf" srcId="{D0BBCFD3-679B-1545-90BD-560BA3C0D84D}" destId="{423C34C1-5908-2E44-81E0-95A7FE0D696B}" srcOrd="4" destOrd="0" presId="urn:microsoft.com/office/officeart/2005/8/layout/venn1"/>
+    <dgm:cxn modelId="{BF5C9F83-322E-5048-86D5-2B8078FB5555}" type="presParOf" srcId="{D0BBCFD3-679B-1545-90BD-560BA3C0D84D}" destId="{C9948344-FCD4-674C-BE54-2B245D2A4DD3}" srcOrd="5" destOrd="0" presId="urn:microsoft.com/office/officeart/2005/8/layout/venn1"/>
+  </dgm:cxnLst>
+  <dgm:bg/>
+  <dgm:whole/>
+  <dgm:extLst>
+    <a:ext uri="http://schemas.microsoft.com/office/drawing/2008/diagram">
+      <dsp:dataModelExt xmlns:dsp="http://schemas.microsoft.com/office/drawing/2008/diagram" relId="rId6" minVer="http://schemas.openxmlformats.org/drawingml/2006/diagram"/>
+    </a:ext>
+  </dgm:extLst>
+</dgm:dataModel>
+</file>
+
+<file path=ppt/diagrams/data2.xml><?xml version="1.0" encoding="utf-8"?>
+<dgm:dataModel xmlns:dgm="http://schemas.openxmlformats.org/drawingml/2006/diagram" xmlns:a="http://schemas.openxmlformats.org/drawingml/2006/main">
+  <dgm:ptLst>
+    <dgm:pt modelId="{CF4AB822-D6EC-C249-B85E-63439D4C9466}" type="doc">
+      <dgm:prSet loTypeId="urn:microsoft.com/office/officeart/2005/8/layout/venn1" loCatId="" qsTypeId="urn:microsoft.com/office/officeart/2005/8/quickstyle/simple4" qsCatId="simple" csTypeId="urn:microsoft.com/office/officeart/2005/8/colors/colorful4" csCatId="colorful" phldr="1"/>
+      <dgm:spPr/>
+    </dgm:pt>
+    <dgm:pt modelId="{45B55D3C-90B3-3D46-AFD4-4BBDFB5F5AB5}">
+      <dgm:prSet phldrT="[Text]"/>
+      <dgm:spPr/>
+      <dgm:t>
+        <a:bodyPr/>
+        <a:lstStyle/>
+        <a:p>
+          <a:r>
+            <a:rPr lang="en-US" dirty="0" smtClean="0"/>
+            <a:t>Node </a:t>
+          </a:r>
+          <a:r>
+            <a:rPr lang="en-US" dirty="0" err="1" smtClean="0"/>
+            <a:t>js</a:t>
+          </a:r>
+          <a:r>
+            <a:rPr lang="en-US" dirty="0" smtClean="0"/>
+            <a:t>, </a:t>
+          </a:r>
+          <a:r>
+            <a:rPr lang="en-US" dirty="0" err="1" smtClean="0"/>
+            <a:t>ngrok</a:t>
+          </a:r>
+          <a:r>
+            <a:rPr lang="en-US" dirty="0" smtClean="0"/>
+            <a:t>, Facebook app</a:t>
+          </a:r>
+          <a:endParaRPr lang="en-US" dirty="0"/>
+        </a:p>
+      </dgm:t>
+    </dgm:pt>
+    <dgm:pt modelId="{A63AF399-266D-8A49-AE9C-5271DC48385E}" type="parTrans" cxnId="{7D2F622A-99C8-EB4E-940D-6EFC46080842}">
+      <dgm:prSet/>
+      <dgm:spPr/>
+      <dgm:t>
+        <a:bodyPr/>
+        <a:lstStyle/>
+        <a:p>
+          <a:endParaRPr lang="en-US"/>
+        </a:p>
+      </dgm:t>
+    </dgm:pt>
+    <dgm:pt modelId="{CFD66BCC-3824-F740-80D7-9CA5CA24AFD2}" type="sibTrans" cxnId="{7D2F622A-99C8-EB4E-940D-6EFC46080842}">
+      <dgm:prSet/>
+      <dgm:spPr/>
+      <dgm:t>
+        <a:bodyPr/>
+        <a:lstStyle/>
+        <a:p>
+          <a:endParaRPr lang="en-US"/>
+        </a:p>
+      </dgm:t>
+    </dgm:pt>
+    <dgm:pt modelId="{9AF18150-8021-064E-BDBC-785AD899D792}">
+      <dgm:prSet phldrT="[Text]"/>
+      <dgm:spPr/>
+      <dgm:t>
+        <a:bodyPr/>
+        <a:lstStyle/>
+        <a:p>
+          <a:r>
+            <a:rPr lang="en-US" dirty="0" err="1" smtClean="0"/>
+            <a:t>Dialogflow</a:t>
+          </a:r>
+          <a:endParaRPr lang="en-US" dirty="0"/>
+        </a:p>
+      </dgm:t>
+    </dgm:pt>
+    <dgm:pt modelId="{CAA4FB1D-2940-C34C-94AE-5F2567BD3E7B}" type="parTrans" cxnId="{7E1BC6BE-8149-B34D-A139-622BBCD7EF22}">
+      <dgm:prSet/>
+      <dgm:spPr/>
+      <dgm:t>
+        <a:bodyPr/>
+        <a:lstStyle/>
+        <a:p>
+          <a:endParaRPr lang="en-US"/>
+        </a:p>
+      </dgm:t>
+    </dgm:pt>
+    <dgm:pt modelId="{9B987F5B-CF5A-4F49-AFD3-357C955A2DC7}" type="sibTrans" cxnId="{7E1BC6BE-8149-B34D-A139-622BBCD7EF22}">
+      <dgm:prSet/>
+      <dgm:spPr/>
+      <dgm:t>
+        <a:bodyPr/>
+        <a:lstStyle/>
+        <a:p>
+          <a:endParaRPr lang="en-US"/>
+        </a:p>
+      </dgm:t>
+    </dgm:pt>
+    <dgm:pt modelId="{7811CDFD-503B-E347-BC1E-C9EBC0D8CDB0}">
+      <dgm:prSet phldrT="[Text]"/>
+      <dgm:spPr/>
+      <dgm:t>
+        <a:bodyPr/>
+        <a:lstStyle/>
+        <a:p>
+          <a:r>
+            <a:rPr lang="en-US" dirty="0" smtClean="0"/>
+            <a:t>Open Weather Map API</a:t>
+          </a:r>
+          <a:endParaRPr lang="en-US" dirty="0"/>
+        </a:p>
+      </dgm:t>
+    </dgm:pt>
+    <dgm:pt modelId="{D29515FC-C74C-C640-A6E8-CF1D8F463B0D}" type="parTrans" cxnId="{BD179EF3-FD06-6742-9A44-C13C517D94F1}">
+      <dgm:prSet/>
+      <dgm:spPr/>
+      <dgm:t>
+        <a:bodyPr/>
+        <a:lstStyle/>
+        <a:p>
+          <a:endParaRPr lang="en-US"/>
+        </a:p>
+      </dgm:t>
+    </dgm:pt>
+    <dgm:pt modelId="{13AA161A-786D-E74E-905E-EDB10997E822}" type="sibTrans" cxnId="{BD179EF3-FD06-6742-9A44-C13C517D94F1}">
+      <dgm:prSet/>
+      <dgm:spPr/>
+      <dgm:t>
+        <a:bodyPr/>
+        <a:lstStyle/>
+        <a:p>
+          <a:endParaRPr lang="en-US"/>
+        </a:p>
+      </dgm:t>
+    </dgm:pt>
+    <dgm:pt modelId="{EFE73293-187E-8E42-9E12-79B4D5CCCA1F}" type="pres">
+      <dgm:prSet presAssocID="{CF4AB822-D6EC-C249-B85E-63439D4C9466}" presName="compositeShape" presStyleCnt="0">
+        <dgm:presLayoutVars>
+          <dgm:chMax val="7"/>
+          <dgm:dir/>
+          <dgm:resizeHandles val="exact"/>
+        </dgm:presLayoutVars>
+      </dgm:prSet>
+      <dgm:spPr/>
+    </dgm:pt>
+    <dgm:pt modelId="{F146F3A6-19C3-A24E-8762-EA6915AE702A}" type="pres">
+      <dgm:prSet presAssocID="{45B55D3C-90B3-3D46-AFD4-4BBDFB5F5AB5}" presName="circ1" presStyleLbl="vennNode1" presStyleIdx="0" presStyleCnt="3"/>
+      <dgm:spPr/>
+      <dgm:t>
+        <a:bodyPr/>
+        <a:lstStyle/>
+        <a:p>
+          <a:endParaRPr lang="en-US"/>
+        </a:p>
+      </dgm:t>
+    </dgm:pt>
+    <dgm:pt modelId="{A97ADA89-1762-5449-B84B-A39895931D0F}" type="pres">
+      <dgm:prSet presAssocID="{45B55D3C-90B3-3D46-AFD4-4BBDFB5F5AB5}" presName="circ1Tx" presStyleLbl="revTx" presStyleIdx="0" presStyleCnt="0">
+        <dgm:presLayoutVars>
+          <dgm:chMax val="0"/>
+          <dgm:chPref val="0"/>
+          <dgm:bulletEnabled val="1"/>
+        </dgm:presLayoutVars>
+      </dgm:prSet>
+      <dgm:spPr/>
+      <dgm:t>
+        <a:bodyPr/>
+        <a:lstStyle/>
+        <a:p>
+          <a:endParaRPr lang="en-US"/>
+        </a:p>
+      </dgm:t>
+    </dgm:pt>
+    <dgm:pt modelId="{23D1DE87-B364-AD45-8793-5F8CFE790774}" type="pres">
+      <dgm:prSet presAssocID="{9AF18150-8021-064E-BDBC-785AD899D792}" presName="circ2" presStyleLbl="vennNode1" presStyleIdx="1" presStyleCnt="3"/>
+      <dgm:spPr/>
+    </dgm:pt>
+    <dgm:pt modelId="{70783FF7-720E-0048-935F-37A02D62FD68}" type="pres">
+      <dgm:prSet presAssocID="{9AF18150-8021-064E-BDBC-785AD899D792}" presName="circ2Tx" presStyleLbl="revTx" presStyleIdx="0" presStyleCnt="0">
+        <dgm:presLayoutVars>
+          <dgm:chMax val="0"/>
+          <dgm:chPref val="0"/>
+          <dgm:bulletEnabled val="1"/>
+        </dgm:presLayoutVars>
+      </dgm:prSet>
+      <dgm:spPr/>
+    </dgm:pt>
+    <dgm:pt modelId="{4E3C7623-42FE-6F4A-B4AA-9D66A169AF9C}" type="pres">
+      <dgm:prSet presAssocID="{7811CDFD-503B-E347-BC1E-C9EBC0D8CDB0}" presName="circ3" presStyleLbl="vennNode1" presStyleIdx="2" presStyleCnt="3"/>
+      <dgm:spPr/>
+      <dgm:t>
+        <a:bodyPr/>
+        <a:lstStyle/>
+        <a:p>
+          <a:endParaRPr lang="en-US"/>
+        </a:p>
+      </dgm:t>
+    </dgm:pt>
+    <dgm:pt modelId="{21C051D6-B45F-DE4E-B7F0-D13EDDFE058C}" type="pres">
+      <dgm:prSet presAssocID="{7811CDFD-503B-E347-BC1E-C9EBC0D8CDB0}" presName="circ3Tx" presStyleLbl="revTx" presStyleIdx="0" presStyleCnt="0">
+        <dgm:presLayoutVars>
+          <dgm:chMax val="0"/>
+          <dgm:chPref val="0"/>
+          <dgm:bulletEnabled val="1"/>
+        </dgm:presLayoutVars>
+      </dgm:prSet>
+      <dgm:spPr/>
+      <dgm:t>
+        <a:bodyPr/>
+        <a:lstStyle/>
+        <a:p>
+          <a:endParaRPr lang="en-US"/>
+        </a:p>
+      </dgm:t>
+    </dgm:pt>
+  </dgm:ptLst>
+  <dgm:cxnLst>
+    <dgm:cxn modelId="{AA91802E-CAFF-064A-B468-B10A53AC2C80}" type="presOf" srcId="{CF4AB822-D6EC-C249-B85E-63439D4C9466}" destId="{EFE73293-187E-8E42-9E12-79B4D5CCCA1F}" srcOrd="0" destOrd="0" presId="urn:microsoft.com/office/officeart/2005/8/layout/venn1"/>
+    <dgm:cxn modelId="{AD9A3020-D9AB-D242-88C9-AF8AA83E12F2}" type="presOf" srcId="{7811CDFD-503B-E347-BC1E-C9EBC0D8CDB0}" destId="{21C051D6-B45F-DE4E-B7F0-D13EDDFE058C}" srcOrd="1" destOrd="0" presId="urn:microsoft.com/office/officeart/2005/8/layout/venn1"/>
+    <dgm:cxn modelId="{BD179EF3-FD06-6742-9A44-C13C517D94F1}" srcId="{CF4AB822-D6EC-C249-B85E-63439D4C9466}" destId="{7811CDFD-503B-E347-BC1E-C9EBC0D8CDB0}" srcOrd="2" destOrd="0" parTransId="{D29515FC-C74C-C640-A6E8-CF1D8F463B0D}" sibTransId="{13AA161A-786D-E74E-905E-EDB10997E822}"/>
+    <dgm:cxn modelId="{58F8BCAA-A182-B04A-A956-422280E9D311}" type="presOf" srcId="{45B55D3C-90B3-3D46-AFD4-4BBDFB5F5AB5}" destId="{F146F3A6-19C3-A24E-8762-EA6915AE702A}" srcOrd="0" destOrd="0" presId="urn:microsoft.com/office/officeart/2005/8/layout/venn1"/>
+    <dgm:cxn modelId="{AEC48E40-A7D3-EF47-9FDD-76E2EA7E177A}" type="presOf" srcId="{7811CDFD-503B-E347-BC1E-C9EBC0D8CDB0}" destId="{4E3C7623-42FE-6F4A-B4AA-9D66A169AF9C}" srcOrd="0" destOrd="0" presId="urn:microsoft.com/office/officeart/2005/8/layout/venn1"/>
+    <dgm:cxn modelId="{7E1BC6BE-8149-B34D-A139-622BBCD7EF22}" srcId="{CF4AB822-D6EC-C249-B85E-63439D4C9466}" destId="{9AF18150-8021-064E-BDBC-785AD899D792}" srcOrd="1" destOrd="0" parTransId="{CAA4FB1D-2940-C34C-94AE-5F2567BD3E7B}" sibTransId="{9B987F5B-CF5A-4F49-AFD3-357C955A2DC7}"/>
+    <dgm:cxn modelId="{38FC8515-338A-2440-AC41-09A046F38CCD}" type="presOf" srcId="{9AF18150-8021-064E-BDBC-785AD899D792}" destId="{70783FF7-720E-0048-935F-37A02D62FD68}" srcOrd="1" destOrd="0" presId="urn:microsoft.com/office/officeart/2005/8/layout/venn1"/>
+    <dgm:cxn modelId="{AADCCCC3-7562-FF48-9F2A-569EADA41090}" type="presOf" srcId="{45B55D3C-90B3-3D46-AFD4-4BBDFB5F5AB5}" destId="{A97ADA89-1762-5449-B84B-A39895931D0F}" srcOrd="1" destOrd="0" presId="urn:microsoft.com/office/officeart/2005/8/layout/venn1"/>
+    <dgm:cxn modelId="{7D2F622A-99C8-EB4E-940D-6EFC46080842}" srcId="{CF4AB822-D6EC-C249-B85E-63439D4C9466}" destId="{45B55D3C-90B3-3D46-AFD4-4BBDFB5F5AB5}" srcOrd="0" destOrd="0" parTransId="{A63AF399-266D-8A49-AE9C-5271DC48385E}" sibTransId="{CFD66BCC-3824-F740-80D7-9CA5CA24AFD2}"/>
+    <dgm:cxn modelId="{FFA5DA81-CEE3-B547-A620-71A507853099}" type="presOf" srcId="{9AF18150-8021-064E-BDBC-785AD899D792}" destId="{23D1DE87-B364-AD45-8793-5F8CFE790774}" srcOrd="0" destOrd="0" presId="urn:microsoft.com/office/officeart/2005/8/layout/venn1"/>
+    <dgm:cxn modelId="{4D481437-8CCD-2C47-97A5-0280F1A02DD9}" type="presParOf" srcId="{EFE73293-187E-8E42-9E12-79B4D5CCCA1F}" destId="{F146F3A6-19C3-A24E-8762-EA6915AE702A}" srcOrd="0" destOrd="0" presId="urn:microsoft.com/office/officeart/2005/8/layout/venn1"/>
+    <dgm:cxn modelId="{6AA91FED-75F2-ED4C-ADEA-695CDA45E99E}" type="presParOf" srcId="{EFE73293-187E-8E42-9E12-79B4D5CCCA1F}" destId="{A97ADA89-1762-5449-B84B-A39895931D0F}" srcOrd="1" destOrd="0" presId="urn:microsoft.com/office/officeart/2005/8/layout/venn1"/>
+    <dgm:cxn modelId="{EA8A32F0-2F04-6846-B5F4-C7F34B5B7C00}" type="presParOf" srcId="{EFE73293-187E-8E42-9E12-79B4D5CCCA1F}" destId="{23D1DE87-B364-AD45-8793-5F8CFE790774}" srcOrd="2" destOrd="0" presId="urn:microsoft.com/office/officeart/2005/8/layout/venn1"/>
+    <dgm:cxn modelId="{CF560492-79A2-5840-8006-0809311AE571}" type="presParOf" srcId="{EFE73293-187E-8E42-9E12-79B4D5CCCA1F}" destId="{70783FF7-720E-0048-935F-37A02D62FD68}" srcOrd="3" destOrd="0" presId="urn:microsoft.com/office/officeart/2005/8/layout/venn1"/>
+    <dgm:cxn modelId="{1A206B7B-FBCA-7B40-805B-3CB713D99779}" type="presParOf" srcId="{EFE73293-187E-8E42-9E12-79B4D5CCCA1F}" destId="{4E3C7623-42FE-6F4A-B4AA-9D66A169AF9C}" srcOrd="4" destOrd="0" presId="urn:microsoft.com/office/officeart/2005/8/layout/venn1"/>
+    <dgm:cxn modelId="{97012057-9C5B-974B-9C81-BA6AB03AB304}" type="presParOf" srcId="{EFE73293-187E-8E42-9E12-79B4D5CCCA1F}" destId="{21C051D6-B45F-DE4E-B7F0-D13EDDFE058C}" srcOrd="5" destOrd="0" presId="urn:microsoft.com/office/officeart/2005/8/layout/venn1"/>
+  </dgm:cxnLst>
+  <dgm:bg/>
+  <dgm:whole/>
+  <dgm:extLst>
+    <a:ext uri="http://schemas.microsoft.com/office/drawing/2008/diagram">
+      <dsp:dataModelExt xmlns:dsp="http://schemas.microsoft.com/office/drawing/2008/diagram" relId="rId6" minVer="http://schemas.openxmlformats.org/drawingml/2006/diagram"/>
+    </a:ext>
+  </dgm:extLst>
+</dgm:dataModel>
+</file>
+
+<file path=ppt/diagrams/drawing1.xml><?xml version="1.0" encoding="utf-8"?>
+<dsp:drawing xmlns:dgm="http://schemas.openxmlformats.org/drawingml/2006/diagram" xmlns:dsp="http://schemas.microsoft.com/office/drawing/2008/diagram" xmlns:a="http://schemas.openxmlformats.org/drawingml/2006/main">
+  <dsp:spTree>
+    <dsp:nvGrpSpPr>
+      <dsp:cNvPr id="0" name=""/>
+      <dsp:cNvGrpSpPr/>
+    </dsp:nvGrpSpPr>
+    <dsp:grpSpPr/>
+    <dsp:sp modelId="{C9B6F9D1-242D-3049-A9D6-5327709C2BE2}">
+      <dsp:nvSpPr>
+        <dsp:cNvPr id="0" name=""/>
+        <dsp:cNvSpPr/>
+      </dsp:nvSpPr>
+      <dsp:spPr>
+        <a:xfrm>
+          <a:off x="3952398" y="54391"/>
+          <a:ext cx="2610802" cy="2610802"/>
+        </a:xfrm>
+        <a:prstGeom prst="ellipse">
+          <a:avLst/>
+        </a:prstGeom>
+        <a:gradFill rotWithShape="0">
+          <a:gsLst>
+            <a:gs pos="0">
+              <a:schemeClr val="accent4">
+                <a:alpha val="50000"/>
+                <a:hueOff val="0"/>
+                <a:satOff val="0"/>
+                <a:lumOff val="0"/>
+                <a:alphaOff val="0"/>
+                <a:satMod val="103000"/>
+                <a:lumMod val="102000"/>
+                <a:tint val="94000"/>
+              </a:schemeClr>
+            </a:gs>
+            <a:gs pos="50000">
+              <a:schemeClr val="accent4">
+                <a:alpha val="50000"/>
+                <a:hueOff val="0"/>
+                <a:satOff val="0"/>
+                <a:lumOff val="0"/>
+                <a:alphaOff val="0"/>
+                <a:satMod val="110000"/>
+                <a:lumMod val="100000"/>
+                <a:shade val="100000"/>
+              </a:schemeClr>
+            </a:gs>
+            <a:gs pos="100000">
+              <a:schemeClr val="accent4">
+                <a:alpha val="50000"/>
+                <a:hueOff val="0"/>
+                <a:satOff val="0"/>
+                <a:lumOff val="0"/>
+                <a:alphaOff val="0"/>
+                <a:lumMod val="99000"/>
+                <a:satMod val="120000"/>
+                <a:shade val="78000"/>
+              </a:schemeClr>
+            </a:gs>
+          </a:gsLst>
+          <a:lin ang="5400000" scaled="0"/>
+        </a:gradFill>
+        <a:ln>
+          <a:noFill/>
+        </a:ln>
+        <a:effectLst/>
+      </dsp:spPr>
+      <dsp:style>
+        <a:lnRef idx="0">
+          <a:scrgbClr r="0" g="0" b="0"/>
+        </a:lnRef>
+        <a:fillRef idx="3">
+          <a:scrgbClr r="0" g="0" b="0"/>
+        </a:fillRef>
+        <a:effectRef idx="0">
+          <a:scrgbClr r="0" g="0" b="0"/>
+        </a:effectRef>
+        <a:fontRef idx="minor">
+          <a:schemeClr val="tx1"/>
+        </a:fontRef>
+      </dsp:style>
+      <dsp:txBody>
+        <a:bodyPr spcFirstLastPara="0" vert="horz" wrap="square" lIns="0" tIns="0" rIns="0" bIns="0" numCol="1" spcCol="1270" anchor="ctr" anchorCtr="0">
+          <a:noAutofit/>
+        </a:bodyPr>
+        <a:lstStyle/>
+        <a:p>
+          <a:pPr lvl="0" algn="ctr" defTabSz="1155700">
+            <a:lnSpc>
+              <a:spcPct val="90000"/>
+            </a:lnSpc>
+            <a:spcBef>
+              <a:spcPct val="0"/>
+            </a:spcBef>
+            <a:spcAft>
+              <a:spcPct val="35000"/>
+            </a:spcAft>
+          </a:pPr>
+          <a:r>
+            <a:rPr lang="en-US" sz="2600" kern="1200" dirty="0" smtClean="0"/>
+            <a:t>Bot Engine</a:t>
+          </a:r>
+          <a:endParaRPr lang="en-US" sz="2600" kern="1200" dirty="0"/>
+        </a:p>
+      </dsp:txBody>
+      <dsp:txXfrm>
+        <a:off x="4300505" y="511282"/>
+        <a:ext cx="1914588" cy="1174861"/>
+      </dsp:txXfrm>
+    </dsp:sp>
+    <dsp:sp modelId="{3F810985-CC61-8A45-A96F-B4F4E2326759}">
+      <dsp:nvSpPr>
+        <dsp:cNvPr id="0" name=""/>
+        <dsp:cNvSpPr/>
+      </dsp:nvSpPr>
+      <dsp:spPr>
+        <a:xfrm>
+          <a:off x="4894463" y="1686143"/>
+          <a:ext cx="2610802" cy="2610802"/>
+        </a:xfrm>
+        <a:prstGeom prst="ellipse">
+          <a:avLst/>
+        </a:prstGeom>
+        <a:gradFill rotWithShape="0">
+          <a:gsLst>
+            <a:gs pos="0">
+              <a:schemeClr val="accent4">
+                <a:alpha val="50000"/>
+                <a:hueOff val="4900445"/>
+                <a:satOff val="-20388"/>
+                <a:lumOff val="4804"/>
+                <a:alphaOff val="0"/>
+                <a:satMod val="103000"/>
+                <a:lumMod val="102000"/>
+                <a:tint val="94000"/>
+              </a:schemeClr>
+            </a:gs>
+            <a:gs pos="50000">
+              <a:schemeClr val="accent4">
+                <a:alpha val="50000"/>
+                <a:hueOff val="4900445"/>
+                <a:satOff val="-20388"/>
+                <a:lumOff val="4804"/>
+                <a:alphaOff val="0"/>
+                <a:satMod val="110000"/>
+                <a:lumMod val="100000"/>
+                <a:shade val="100000"/>
+              </a:schemeClr>
+            </a:gs>
+            <a:gs pos="100000">
+              <a:schemeClr val="accent4">
+                <a:alpha val="50000"/>
+                <a:hueOff val="4900445"/>
+                <a:satOff val="-20388"/>
+                <a:lumOff val="4804"/>
+                <a:alphaOff val="0"/>
+                <a:lumMod val="99000"/>
+                <a:satMod val="120000"/>
+                <a:shade val="78000"/>
+              </a:schemeClr>
+            </a:gs>
+          </a:gsLst>
+          <a:lin ang="5400000" scaled="0"/>
+        </a:gradFill>
+        <a:ln>
+          <a:noFill/>
+        </a:ln>
+        <a:effectLst/>
+      </dsp:spPr>
+      <dsp:style>
+        <a:lnRef idx="0">
+          <a:scrgbClr r="0" g="0" b="0"/>
+        </a:lnRef>
+        <a:fillRef idx="3">
+          <a:scrgbClr r="0" g="0" b="0"/>
+        </a:fillRef>
+        <a:effectRef idx="0">
+          <a:scrgbClr r="0" g="0" b="0"/>
+        </a:effectRef>
+        <a:fontRef idx="minor">
+          <a:schemeClr val="tx1"/>
+        </a:fontRef>
+      </dsp:style>
+      <dsp:txBody>
+        <a:bodyPr spcFirstLastPara="0" vert="horz" wrap="square" lIns="0" tIns="0" rIns="0" bIns="0" numCol="1" spcCol="1270" anchor="ctr" anchorCtr="0">
+          <a:noAutofit/>
+        </a:bodyPr>
+        <a:lstStyle/>
+        <a:p>
+          <a:pPr lvl="0" algn="ctr" defTabSz="1155700">
+            <a:lnSpc>
+              <a:spcPct val="90000"/>
+            </a:lnSpc>
+            <a:spcBef>
+              <a:spcPct val="0"/>
+            </a:spcBef>
+            <a:spcAft>
+              <a:spcPct val="35000"/>
+            </a:spcAft>
+          </a:pPr>
+          <a:r>
+            <a:rPr lang="en-US" sz="2600" kern="1200" dirty="0" smtClean="0"/>
+            <a:t>Artificial Intelligence</a:t>
+          </a:r>
+          <a:endParaRPr lang="en-US" sz="2600" kern="1200" dirty="0"/>
+        </a:p>
+      </dsp:txBody>
+      <dsp:txXfrm>
+        <a:off x="5692933" y="2360600"/>
+        <a:ext cx="1566481" cy="1435941"/>
+      </dsp:txXfrm>
+    </dsp:sp>
+    <dsp:sp modelId="{423C34C1-5908-2E44-81E0-95A7FE0D696B}">
+      <dsp:nvSpPr>
+        <dsp:cNvPr id="0" name=""/>
+        <dsp:cNvSpPr/>
+      </dsp:nvSpPr>
+      <dsp:spPr>
+        <a:xfrm>
+          <a:off x="3010333" y="1686143"/>
+          <a:ext cx="2610802" cy="2610802"/>
+        </a:xfrm>
+        <a:prstGeom prst="ellipse">
+          <a:avLst/>
+        </a:prstGeom>
+        <a:gradFill rotWithShape="0">
+          <a:gsLst>
+            <a:gs pos="0">
+              <a:schemeClr val="accent4">
+                <a:alpha val="50000"/>
+                <a:hueOff val="9800891"/>
+                <a:satOff val="-40777"/>
+                <a:lumOff val="9608"/>
+                <a:alphaOff val="0"/>
+                <a:satMod val="103000"/>
+                <a:lumMod val="102000"/>
+                <a:tint val="94000"/>
+              </a:schemeClr>
+            </a:gs>
+            <a:gs pos="50000">
+              <a:schemeClr val="accent4">
+                <a:alpha val="50000"/>
+                <a:hueOff val="9800891"/>
+                <a:satOff val="-40777"/>
+                <a:lumOff val="9608"/>
+                <a:alphaOff val="0"/>
+                <a:satMod val="110000"/>
+                <a:lumMod val="100000"/>
+                <a:shade val="100000"/>
+              </a:schemeClr>
+            </a:gs>
+            <a:gs pos="100000">
+              <a:schemeClr val="accent4">
+                <a:alpha val="50000"/>
+                <a:hueOff val="9800891"/>
+                <a:satOff val="-40777"/>
+                <a:lumOff val="9608"/>
+                <a:alphaOff val="0"/>
+                <a:lumMod val="99000"/>
+                <a:satMod val="120000"/>
+                <a:shade val="78000"/>
+              </a:schemeClr>
+            </a:gs>
+          </a:gsLst>
+          <a:lin ang="5400000" scaled="0"/>
+        </a:gradFill>
+        <a:ln>
+          <a:noFill/>
+        </a:ln>
+        <a:effectLst/>
+      </dsp:spPr>
+      <dsp:style>
+        <a:lnRef idx="0">
+          <a:scrgbClr r="0" g="0" b="0"/>
+        </a:lnRef>
+        <a:fillRef idx="3">
+          <a:scrgbClr r="0" g="0" b="0"/>
+        </a:fillRef>
+        <a:effectRef idx="0">
+          <a:scrgbClr r="0" g="0" b="0"/>
+        </a:effectRef>
+        <a:fontRef idx="minor">
+          <a:schemeClr val="tx1"/>
+        </a:fontRef>
+      </dsp:style>
+      <dsp:txBody>
+        <a:bodyPr spcFirstLastPara="0" vert="horz" wrap="square" lIns="0" tIns="0" rIns="0" bIns="0" numCol="1" spcCol="1270" anchor="ctr" anchorCtr="0">
+          <a:noAutofit/>
+        </a:bodyPr>
+        <a:lstStyle/>
+        <a:p>
+          <a:pPr lvl="0" algn="ctr" defTabSz="1155700">
+            <a:lnSpc>
+              <a:spcPct val="90000"/>
+            </a:lnSpc>
+            <a:spcBef>
+              <a:spcPct val="0"/>
+            </a:spcBef>
+            <a:spcAft>
+              <a:spcPct val="35000"/>
+            </a:spcAft>
+          </a:pPr>
+          <a:r>
+            <a:rPr lang="en-US" sz="2600" kern="1200" dirty="0" smtClean="0"/>
+            <a:t>API's, Databases, ...</a:t>
+          </a:r>
+          <a:endParaRPr lang="en-US" sz="2600" kern="1200" dirty="0"/>
+        </a:p>
+      </dsp:txBody>
+      <dsp:txXfrm>
+        <a:off x="3256184" y="2360600"/>
+        <a:ext cx="1566481" cy="1435941"/>
+      </dsp:txXfrm>
+    </dsp:sp>
+  </dsp:spTree>
+</dsp:drawing>
+</file>
+
+<file path=ppt/diagrams/drawing2.xml><?xml version="1.0" encoding="utf-8"?>
+<dsp:drawing xmlns:dgm="http://schemas.openxmlformats.org/drawingml/2006/diagram" xmlns:dsp="http://schemas.microsoft.com/office/drawing/2008/diagram" xmlns:a="http://schemas.openxmlformats.org/drawingml/2006/main">
+  <dsp:spTree>
+    <dsp:nvGrpSpPr>
+      <dsp:cNvPr id="0" name=""/>
+      <dsp:cNvGrpSpPr/>
+    </dsp:nvGrpSpPr>
+    <dsp:grpSpPr/>
+    <dsp:sp modelId="{F146F3A6-19C3-A24E-8762-EA6915AE702A}">
+      <dsp:nvSpPr>
+        <dsp:cNvPr id="0" name=""/>
+        <dsp:cNvSpPr/>
+      </dsp:nvSpPr>
+      <dsp:spPr>
+        <a:xfrm>
+          <a:off x="3952398" y="54391"/>
+          <a:ext cx="2610802" cy="2610802"/>
+        </a:xfrm>
+        <a:prstGeom prst="ellipse">
+          <a:avLst/>
+        </a:prstGeom>
+        <a:gradFill rotWithShape="0">
+          <a:gsLst>
+            <a:gs pos="0">
+              <a:schemeClr val="accent4">
+                <a:alpha val="50000"/>
+                <a:hueOff val="0"/>
+                <a:satOff val="0"/>
+                <a:lumOff val="0"/>
+                <a:alphaOff val="0"/>
+                <a:satMod val="103000"/>
+                <a:lumMod val="102000"/>
+                <a:tint val="94000"/>
+              </a:schemeClr>
+            </a:gs>
+            <a:gs pos="50000">
+              <a:schemeClr val="accent4">
+                <a:alpha val="50000"/>
+                <a:hueOff val="0"/>
+                <a:satOff val="0"/>
+                <a:lumOff val="0"/>
+                <a:alphaOff val="0"/>
+                <a:satMod val="110000"/>
+                <a:lumMod val="100000"/>
+                <a:shade val="100000"/>
+              </a:schemeClr>
+            </a:gs>
+            <a:gs pos="100000">
+              <a:schemeClr val="accent4">
+                <a:alpha val="50000"/>
+                <a:hueOff val="0"/>
+                <a:satOff val="0"/>
+                <a:lumOff val="0"/>
+                <a:alphaOff val="0"/>
+                <a:lumMod val="99000"/>
+                <a:satMod val="120000"/>
+                <a:shade val="78000"/>
+              </a:schemeClr>
+            </a:gs>
+          </a:gsLst>
+          <a:lin ang="5400000" scaled="0"/>
+        </a:gradFill>
+        <a:ln>
+          <a:noFill/>
+        </a:ln>
+        <a:effectLst/>
+      </dsp:spPr>
+      <dsp:style>
+        <a:lnRef idx="0">
+          <a:scrgbClr r="0" g="0" b="0"/>
+        </a:lnRef>
+        <a:fillRef idx="3">
+          <a:scrgbClr r="0" g="0" b="0"/>
+        </a:fillRef>
+        <a:effectRef idx="0">
+          <a:scrgbClr r="0" g="0" b="0"/>
+        </a:effectRef>
+        <a:fontRef idx="minor">
+          <a:schemeClr val="tx1"/>
+        </a:fontRef>
+      </dsp:style>
+      <dsp:txBody>
+        <a:bodyPr spcFirstLastPara="0" vert="horz" wrap="square" lIns="0" tIns="0" rIns="0" bIns="0" numCol="1" spcCol="1270" anchor="ctr" anchorCtr="0">
+          <a:noAutofit/>
+        </a:bodyPr>
+        <a:lstStyle/>
+        <a:p>
+          <a:pPr lvl="0" algn="ctr" defTabSz="1155700">
+            <a:lnSpc>
+              <a:spcPct val="90000"/>
+            </a:lnSpc>
+            <a:spcBef>
+              <a:spcPct val="0"/>
+            </a:spcBef>
+            <a:spcAft>
+              <a:spcPct val="35000"/>
+            </a:spcAft>
+          </a:pPr>
+          <a:r>
+            <a:rPr lang="en-US" sz="2600" kern="1200" dirty="0" smtClean="0"/>
+            <a:t>Node </a:t>
+          </a:r>
+          <a:r>
+            <a:rPr lang="en-US" sz="2600" kern="1200" dirty="0" err="1" smtClean="0"/>
+            <a:t>js</a:t>
+          </a:r>
+          <a:r>
+            <a:rPr lang="en-US" sz="2600" kern="1200" dirty="0" smtClean="0"/>
+            <a:t>, </a:t>
+          </a:r>
+          <a:r>
+            <a:rPr lang="en-US" sz="2600" kern="1200" dirty="0" err="1" smtClean="0"/>
+            <a:t>ngrok</a:t>
+          </a:r>
+          <a:r>
+            <a:rPr lang="en-US" sz="2600" kern="1200" dirty="0" smtClean="0"/>
+            <a:t>, Facebook app</a:t>
+          </a:r>
+          <a:endParaRPr lang="en-US" sz="2600" kern="1200" dirty="0"/>
+        </a:p>
+      </dsp:txBody>
+      <dsp:txXfrm>
+        <a:off x="4300505" y="511282"/>
+        <a:ext cx="1914588" cy="1174861"/>
+      </dsp:txXfrm>
+    </dsp:sp>
+    <dsp:sp modelId="{23D1DE87-B364-AD45-8793-5F8CFE790774}">
+      <dsp:nvSpPr>
+        <dsp:cNvPr id="0" name=""/>
+        <dsp:cNvSpPr/>
+      </dsp:nvSpPr>
+      <dsp:spPr>
+        <a:xfrm>
+          <a:off x="4894463" y="1686143"/>
+          <a:ext cx="2610802" cy="2610802"/>
+        </a:xfrm>
+        <a:prstGeom prst="ellipse">
+          <a:avLst/>
+        </a:prstGeom>
+        <a:gradFill rotWithShape="0">
+          <a:gsLst>
+            <a:gs pos="0">
+              <a:schemeClr val="accent4">
+                <a:alpha val="50000"/>
+                <a:hueOff val="4900445"/>
+                <a:satOff val="-20388"/>
+                <a:lumOff val="4804"/>
+                <a:alphaOff val="0"/>
+                <a:satMod val="103000"/>
+                <a:lumMod val="102000"/>
+                <a:tint val="94000"/>
+              </a:schemeClr>
+            </a:gs>
+            <a:gs pos="50000">
+              <a:schemeClr val="accent4">
+                <a:alpha val="50000"/>
+                <a:hueOff val="4900445"/>
+                <a:satOff val="-20388"/>
+                <a:lumOff val="4804"/>
+                <a:alphaOff val="0"/>
+                <a:satMod val="110000"/>
+                <a:lumMod val="100000"/>
+                <a:shade val="100000"/>
+              </a:schemeClr>
+            </a:gs>
+            <a:gs pos="100000">
+              <a:schemeClr val="accent4">
+                <a:alpha val="50000"/>
+                <a:hueOff val="4900445"/>
+                <a:satOff val="-20388"/>
+                <a:lumOff val="4804"/>
+                <a:alphaOff val="0"/>
+                <a:lumMod val="99000"/>
+                <a:satMod val="120000"/>
+                <a:shade val="78000"/>
+              </a:schemeClr>
+            </a:gs>
+          </a:gsLst>
+          <a:lin ang="5400000" scaled="0"/>
+        </a:gradFill>
+        <a:ln>
+          <a:noFill/>
+        </a:ln>
+        <a:effectLst/>
+      </dsp:spPr>
+      <dsp:style>
+        <a:lnRef idx="0">
+          <a:scrgbClr r="0" g="0" b="0"/>
+        </a:lnRef>
+        <a:fillRef idx="3">
+          <a:scrgbClr r="0" g="0" b="0"/>
+        </a:fillRef>
+        <a:effectRef idx="0">
+          <a:scrgbClr r="0" g="0" b="0"/>
+        </a:effectRef>
+        <a:fontRef idx="minor">
+          <a:schemeClr val="tx1"/>
+        </a:fontRef>
+      </dsp:style>
+      <dsp:txBody>
+        <a:bodyPr spcFirstLastPara="0" vert="horz" wrap="square" lIns="0" tIns="0" rIns="0" bIns="0" numCol="1" spcCol="1270" anchor="ctr" anchorCtr="0">
+          <a:noAutofit/>
+        </a:bodyPr>
+        <a:lstStyle/>
+        <a:p>
+          <a:pPr lvl="0" algn="ctr" defTabSz="1155700">
+            <a:lnSpc>
+              <a:spcPct val="90000"/>
+            </a:lnSpc>
+            <a:spcBef>
+              <a:spcPct val="0"/>
+            </a:spcBef>
+            <a:spcAft>
+              <a:spcPct val="35000"/>
+            </a:spcAft>
+          </a:pPr>
+          <a:r>
+            <a:rPr lang="en-US" sz="2600" kern="1200" dirty="0" err="1" smtClean="0"/>
+            <a:t>Dialogflow</a:t>
+          </a:r>
+          <a:endParaRPr lang="en-US" sz="2600" kern="1200" dirty="0"/>
+        </a:p>
+      </dsp:txBody>
+      <dsp:txXfrm>
+        <a:off x="5692933" y="2360600"/>
+        <a:ext cx="1566481" cy="1435941"/>
+      </dsp:txXfrm>
+    </dsp:sp>
+    <dsp:sp modelId="{4E3C7623-42FE-6F4A-B4AA-9D66A169AF9C}">
+      <dsp:nvSpPr>
+        <dsp:cNvPr id="0" name=""/>
+        <dsp:cNvSpPr/>
+      </dsp:nvSpPr>
+      <dsp:spPr>
+        <a:xfrm>
+          <a:off x="3010333" y="1686143"/>
+          <a:ext cx="2610802" cy="2610802"/>
+        </a:xfrm>
+        <a:prstGeom prst="ellipse">
+          <a:avLst/>
+        </a:prstGeom>
+        <a:gradFill rotWithShape="0">
+          <a:gsLst>
+            <a:gs pos="0">
+              <a:schemeClr val="accent4">
+                <a:alpha val="50000"/>
+                <a:hueOff val="9800891"/>
+                <a:satOff val="-40777"/>
+                <a:lumOff val="9608"/>
+                <a:alphaOff val="0"/>
+                <a:satMod val="103000"/>
+                <a:lumMod val="102000"/>
+                <a:tint val="94000"/>
+              </a:schemeClr>
+            </a:gs>
+            <a:gs pos="50000">
+              <a:schemeClr val="accent4">
+                <a:alpha val="50000"/>
+                <a:hueOff val="9800891"/>
+                <a:satOff val="-40777"/>
+                <a:lumOff val="9608"/>
+                <a:alphaOff val="0"/>
+                <a:satMod val="110000"/>
+                <a:lumMod val="100000"/>
+                <a:shade val="100000"/>
+              </a:schemeClr>
+            </a:gs>
+            <a:gs pos="100000">
+              <a:schemeClr val="accent4">
+                <a:alpha val="50000"/>
+                <a:hueOff val="9800891"/>
+                <a:satOff val="-40777"/>
+                <a:lumOff val="9608"/>
+                <a:alphaOff val="0"/>
+                <a:lumMod val="99000"/>
+                <a:satMod val="120000"/>
+                <a:shade val="78000"/>
+              </a:schemeClr>
+            </a:gs>
+          </a:gsLst>
+          <a:lin ang="5400000" scaled="0"/>
+        </a:gradFill>
+        <a:ln>
+          <a:noFill/>
+        </a:ln>
+        <a:effectLst/>
+      </dsp:spPr>
+      <dsp:style>
+        <a:lnRef idx="0">
+          <a:scrgbClr r="0" g="0" b="0"/>
+        </a:lnRef>
+        <a:fillRef idx="3">
+          <a:scrgbClr r="0" g="0" b="0"/>
+        </a:fillRef>
+        <a:effectRef idx="0">
+          <a:scrgbClr r="0" g="0" b="0"/>
+        </a:effectRef>
+        <a:fontRef idx="minor">
+          <a:schemeClr val="tx1"/>
+        </a:fontRef>
+      </dsp:style>
+      <dsp:txBody>
+        <a:bodyPr spcFirstLastPara="0" vert="horz" wrap="square" lIns="0" tIns="0" rIns="0" bIns="0" numCol="1" spcCol="1270" anchor="ctr" anchorCtr="0">
+          <a:noAutofit/>
+        </a:bodyPr>
+        <a:lstStyle/>
+        <a:p>
+          <a:pPr lvl="0" algn="ctr" defTabSz="1155700">
+            <a:lnSpc>
+              <a:spcPct val="90000"/>
+            </a:lnSpc>
+            <a:spcBef>
+              <a:spcPct val="0"/>
+            </a:spcBef>
+            <a:spcAft>
+              <a:spcPct val="35000"/>
+            </a:spcAft>
+          </a:pPr>
+          <a:r>
+            <a:rPr lang="en-US" sz="2600" kern="1200" dirty="0" smtClean="0"/>
+            <a:t>Open Weather Map API</a:t>
+          </a:r>
+          <a:endParaRPr lang="en-US" sz="2600" kern="1200" dirty="0"/>
+        </a:p>
+      </dsp:txBody>
+      <dsp:txXfrm>
+        <a:off x="3256184" y="2360600"/>
+        <a:ext cx="1566481" cy="1435941"/>
+      </dsp:txXfrm>
+    </dsp:sp>
+  </dsp:spTree>
+</dsp:drawing>
+</file>
+
+<file path=ppt/diagrams/layout1.xml><?xml version="1.0" encoding="utf-8"?>
+<dgm:layoutDef xmlns:dgm="http://schemas.openxmlformats.org/drawingml/2006/diagram" xmlns:a="http://schemas.openxmlformats.org/drawingml/2006/main" uniqueId="urn:microsoft.com/office/officeart/2005/8/layout/venn1">
+  <dgm:title val=""/>
+  <dgm:desc val=""/>
+  <dgm:catLst>
+    <dgm:cat type="relationship" pri="28000"/>
+    <dgm:cat type="convert" pri="19000"/>
+  </dgm:catLst>
+  <dgm:sampData useDef="1">
+    <dgm:dataModel>
+      <dgm:ptLst/>
+      <dgm:bg/>
+      <dgm:whole/>
+    </dgm:dataModel>
+  </dgm:sampData>
+  <dgm:styleData useDef="1">
+    <dgm:dataModel>
+      <dgm:ptLst/>
+      <dgm:bg/>
+      <dgm:whole/>
+    </dgm:dataModel>
+  </dgm:styleData>
+  <dgm:clrData>
+    <dgm:dataModel>
+      <dgm:ptLst>
+        <dgm:pt modelId="0" type="doc"/>
+        <dgm:pt modelId="1"/>
+        <dgm:pt modelId="2"/>
+        <dgm:pt modelId="3"/>
+        <dgm:pt modelId="4"/>
+      </dgm:ptLst>
+      <dgm:cxnLst>
+        <dgm:cxn modelId="7" srcId="0" destId="1" srcOrd="0" destOrd="0"/>
+        <dgm:cxn modelId="8" srcId="0" destId="2" srcOrd="1" destOrd="0"/>
+        <dgm:cxn modelId="9" srcId="0" destId="3" srcOrd="2" destOrd="0"/>
+        <dgm:cxn modelId="10" srcId="0" destId="4" srcOrd="3" destOrd="0"/>
+      </dgm:cxnLst>
+      <dgm:bg/>
+      <dgm:whole/>
+    </dgm:dataModel>
+  </dgm:clrData>
+  <dgm:layoutNode name="compositeShape">
+    <dgm:varLst>
+      <dgm:chMax val="7"/>
+      <dgm:dir/>
+      <dgm:resizeHandles val="exact"/>
+    </dgm:varLst>
+    <dgm:choose name="Name0">
+      <dgm:if name="Name1" axis="ch" ptType="node" func="cnt" op="equ" val="1">
+        <dgm:alg type="composite">
+          <dgm:param type="ar" val="1"/>
+        </dgm:alg>
+      </dgm:if>
+      <dgm:if name="Name2" axis="ch" ptType="node" func="cnt" op="equ" val="2">
+        <dgm:alg type="composite">
+          <dgm:param type="ar" val="1.792"/>
+        </dgm:alg>
+      </dgm:if>
+      <dgm:if name="Name3" axis="ch" ptType="node" func="cnt" op="equ" val="3">
+        <dgm:alg type="composite">
+          <dgm:param type="ar" val="1"/>
+        </dgm:alg>
+      </dgm:if>
+      <dgm:if name="Name4" axis="ch" ptType="node" func="cnt" op="equ" val="4">
+        <dgm:alg type="composite">
+          <dgm:param type="ar" val="1"/>
+        </dgm:alg>
+      </dgm:if>
+      <dgm:if name="Name5" axis="ch" ptType="node" func="cnt" op="equ" val="5">
+        <dgm:alg type="composite">
+          <dgm:param type="ar" val="1.4"/>
+        </dgm:alg>
+      </dgm:if>
+      <dgm:if name="Name6" axis="ch" ptType="node" func="cnt" op="equ" val="6">
+        <dgm:alg type="composite">
+          <dgm:param type="ar" val="1.285"/>
+        </dgm:alg>
+      </dgm:if>
+      <dgm:if name="Name7" axis="ch" ptType="node" func="cnt" op="equ" val="7">
+        <dgm:alg type="composite">
+          <dgm:param type="ar" val="1.359"/>
+        </dgm:alg>
+      </dgm:if>
+      <dgm:else name="Name8">
+        <dgm:alg type="composite">
+          <dgm:param type="ar" val="1.359"/>
+        </dgm:alg>
+      </dgm:else>
+    </dgm:choose>
+    <dgm:shape xmlns:r="http://schemas.openxmlformats.org/officeDocument/2006/relationships" r:blip="">
+      <dgm:adjLst/>
+    </dgm:shape>
+    <dgm:presOf/>
+    <dgm:choose name="Name9">
+      <dgm:if name="Name10" axis="ch" ptType="node" func="cnt" op="equ" val="1">
+        <dgm:constrLst>
+          <dgm:constr type="ctrX" for="ch" forName="circ1TxSh" refType="w" fact="0.5"/>
+          <dgm:constr type="ctrY" for="ch" forName="circ1TxSh" refType="h" fact="0.5"/>
+          <dgm:constr type="w" for="ch" forName="circ1TxSh" refType="w"/>
+          <dgm:constr type="h" for="ch" forName="circ1TxSh" refType="h"/>
+          <dgm:constr type="primFontSz" for="ch" ptType="node" op="equ"/>
+        </dgm:constrLst>
+      </dgm:if>
+      <dgm:if name="Name11" axis="ch" ptType="node" func="cnt" op="equ" val="2">
+        <dgm:constrLst>
+          <dgm:constr type="ctrX" for="ch" forName="circ1" refType="w" fact="0.3"/>
+          <dgm:constr type="ctrY" for="ch" forName="circ1" refType="h" fact="0.5"/>
+          <dgm:constr type="w" for="ch" forName="circ1" refType="w" fact="0.555"/>
+          <dgm:constr type="h" for="ch" forName="circ1" refType="h" fact="0.99456"/>
+          <dgm:constr type="l" for="ch" forName="circ1Tx" refType="w" fact="0.1"/>
+          <dgm:constr type="t" for="ch" forName="circ1Tx" refType="h" fact="0.12"/>
+          <dgm:constr type="w" for="ch" forName="circ1Tx" refType="w" fact="0.32"/>
+          <dgm:constr type="h" for="ch" forName="circ1Tx" refType="h" fact="0.76"/>
+          <dgm:constr type="ctrX" for="ch" forName="circ2" refType="w" fact="0.7"/>
+          <dgm:constr type="ctrY" for="ch" forName="circ2" refType="h" fact="0.5"/>
+          <dgm:constr type="w" for="ch" forName="circ2" refType="w" fact="0.555"/>
+          <dgm:constr type="h" for="ch" forName="circ2" refType="h" fact="0.99456"/>
+          <dgm:constr type="l" for="ch" forName="circ2Tx" refType="w" fact="0.58"/>
+          <dgm:constr type="t" for="ch" forName="circ2Tx" refType="h" fact="0.12"/>
+          <dgm:constr type="w" for="ch" forName="circ2Tx" refType="w" fact="0.32"/>
+          <dgm:constr type="h" for="ch" forName="circ2Tx" refType="h" fact="0.76"/>
+          <dgm:constr type="primFontSz" for="ch" ptType="node" op="equ"/>
+        </dgm:constrLst>
+      </dgm:if>
+      <dgm:if name="Name12" axis="ch" ptType="node" func="cnt" op="equ" val="3">
+        <dgm:constrLst>
+          <dgm:constr type="ctrX" for="ch" forName="circ1" refType="w" fact="0.5"/>
+          <dgm:constr type="ctrY" for="ch" forName="circ1" refType="w" fact="0.25"/>
+          <dgm:constr type="w" for="ch" forName="circ1" refType="w" fact="0.6"/>
+          <dgm:constr type="h" for="ch" forName="circ1" refType="h" fact="0.6"/>
+          <dgm:constr type="l" for="ch" forName="circ1Tx" refType="w" fact="0.28"/>
+          <dgm:constr type="t" for="ch" forName="circ1Tx" refType="h" fact="0.055"/>
+          <dgm:constr type="w" for="ch" forName="circ1Tx" refType="w" fact="0.44"/>
+          <dgm:constr type="h" for="ch" forName="circ1Tx" refType="h" fact="0.27"/>
+          <dgm:constr type="ctrX" for="ch" forName="circ2" refType="w" fact="0.7165"/>
+          <dgm:constr type="ctrY" for="ch" forName="circ2" refType="w" fact="0.625"/>
+          <dgm:constr type="w" for="ch" forName="circ2" refType="w" fact="0.6"/>
+          <dgm:constr type="h" for="ch" forName="circ2" refType="h" fact="0.6"/>
+          <dgm:constr type="l" for="ch" forName="circ2Tx" refType="w" fact="0.6"/>
+          <dgm:constr type="t" for="ch" forName="circ2Tx" refType="h" fact="0.48"/>
+          <dgm:constr type="w" for="ch" forName="circ2Tx" refType="w" fact="0.36"/>
+          <dgm:constr type="h" for="ch" forName="circ2Tx" refType="h" fact="0.33"/>
+          <dgm:constr type="ctrX" for="ch" forName="circ3" refType="w" fact="0.2835"/>
+          <dgm:constr type="ctrY" for="ch" forName="circ3" refType="w" fact="0.625"/>
+          <dgm:constr type="w" for="ch" forName="circ3" refType="w" fact="0.6"/>
+          <dgm:constr type="h" for="ch" forName="circ3" refType="h" fact="0.6"/>
+          <dgm:constr type="l" for="ch" forName="circ3Tx" refType="w" fact="0.04"/>
+          <dgm:constr type="t" for="ch" forName="circ3Tx" refType="h" fact="0.48"/>
+          <dgm:constr type="w" for="ch" forName="circ3Tx" refType="w" fact="0.36"/>
+          <dgm:constr type="h" for="ch" forName="circ3Tx" refType="h" fact="0.33"/>
+          <dgm:constr type="primFontSz" for="ch" ptType="node" op="equ"/>
+        </dgm:constrLst>
+      </dgm:if>
+      <dgm:if name="Name13" axis="ch" ptType="node" func="cnt" op="equ" val="4">
+        <dgm:constrLst>
+          <dgm:constr type="ctrX" for="ch" forName="circ1" refType="w" fact="0.5"/>
+          <dgm:constr type="ctrY" for="ch" forName="circ1" refType="w" fact="0.27"/>
+          <dgm:constr type="w" for="ch" forName="circ1" refType="w" fact="0.52"/>
+          <dgm:constr type="h" for="ch" forName="circ1" refType="h" fact="0.52"/>
+          <dgm:constr type="l" for="ch" forName="circ1Tx" refType="w" fact="0.3"/>
+          <dgm:constr type="t" for="ch" forName="circ1Tx" refType="h" fact="0.08"/>
+          <dgm:constr type="w" for="ch" forName="circ1Tx" refType="w" fact="0.4"/>
+          <dgm:constr type="h" for="ch" forName="circ1Tx" refType="h" fact="0.165"/>
+          <dgm:constr type="ctrX" for="ch" forName="circ2" refType="w" fact="0.73"/>
+          <dgm:constr type="ctrY" for="ch" forName="circ2" refType="w" fact="0.5"/>
+          <dgm:constr type="w" for="ch" forName="circ2" refType="w" fact="0.52"/>
+          <dgm:constr type="h" for="ch" forName="circ2" refType="h" fact="0.52"/>
+          <dgm:constr type="r" for="ch" forName="circ2Tx" refType="w" fact="0.95"/>
+          <dgm:constr type="t" for="ch" forName="circ2Tx" refType="h" fact="0.3"/>
+          <dgm:constr type="w" for="ch" forName="circ2Tx" refType="w" fact="0.2"/>
+          <dgm:constr type="h" for="ch" forName="circ2Tx" refType="h" fact="0.4"/>
+          <dgm:constr type="ctrX" for="ch" forName="circ3" refType="w" fact="0.5"/>
+          <dgm:constr type="ctrY" for="ch" forName="circ3" refType="w" fact="0.73"/>
+          <dgm:constr type="w" for="ch" forName="circ3" refType="w" fact="0.52"/>
+          <dgm:constr type="h" for="ch" forName="circ3" refType="h" fact="0.52"/>
+          <dgm:constr type="l" for="ch" forName="circ3Tx" refType="w" fact="0.3"/>
+          <dgm:constr type="b" for="ch" forName="circ3Tx" refType="h" fact="0.92"/>
+          <dgm:constr type="w" for="ch" forName="circ3Tx" refType="w" fact="0.4"/>
+          <dgm:constr type="h" for="ch" forName="circ3Tx" refType="h" fact="0.165"/>
+          <dgm:constr type="ctrX" for="ch" forName="circ4" refType="w" fact="0.27"/>
+          <dgm:constr type="ctrY" for="ch" forName="circ4" refType="h" fact="0.5"/>
+          <dgm:constr type="w" for="ch" forName="circ4" refType="w" fact="0.52"/>
+          <dgm:constr type="h" for="ch" forName="circ4" refType="h" fact="0.52"/>
+          <dgm:constr type="l" for="ch" forName="circ4Tx" refType="w" fact="0.05"/>
+          <dgm:constr type="t" for="ch" forName="circ4Tx" refType="h" fact="0.3"/>
+          <dgm:constr type="w" for="ch" forName="circ4Tx" refType="w" fact="0.2"/>
+          <dgm:constr type="h" for="ch" forName="circ4Tx" refType="h" fact="0.4"/>
+          <dgm:constr type="primFontSz" for="ch" ptType="node" op="equ"/>
+        </dgm:constrLst>
+      </dgm:if>
+      <dgm:if name="Name14" axis="ch" ptType="node" func="cnt" op="equ" val="5">
+        <dgm:constrLst>
+          <dgm:constr type="ctrX" for="ch" forName="circ1" refType="w" fact="0.5"/>
+          <dgm:constr type="ctrY" for="ch" forName="circ1" refType="h" fact="0.46"/>
+          <dgm:constr type="w" for="ch" forName="circ1" refType="w" fact="0.25"/>
+          <dgm:constr type="h" for="ch" forName="circ1" refType="h" fact="0.35"/>
+          <dgm:constr type="l" for="ch" forName="circ1Tx" refType="w" fact="0.355"/>
+          <dgm:constr type="t" for="ch" forName="circ1Tx"/>
+          <dgm:constr type="w" for="ch" forName="circ1Tx" refType="w" fact="0.29"/>
+          <dgm:constr type="h" for="ch" forName="circ1Tx" refType="h" fact="0.235"/>
+          <dgm:constr type="ctrX" for="ch" forName="circ2" refType="w" fact="0.5951"/>
+          <dgm:constr type="ctrY" for="ch" forName="circ2" refType="h" fact="0.5567"/>
+          <dgm:constr type="w" for="ch" forName="circ2" refType="w" fact="0.25"/>
+          <dgm:constr type="h" for="ch" forName="circ2" refType="h" fact="0.35"/>
+          <dgm:constr type="l" for="ch" forName="circ2Tx" refType="w" fact="0.74"/>
+          <dgm:constr type="t" for="ch" forName="circ2Tx" refType="h" fact="0.31"/>
+          <dgm:constr type="w" for="ch" forName="circ2Tx" refType="w" fact="0.26"/>
+          <dgm:constr type="h" for="ch" forName="circ2Tx" refType="h" fact="0.255"/>
+          <dgm:constr type="ctrX" for="ch" forName="circ3" refType="w" fact="0.5588"/>
+          <dgm:constr type="ctrY" for="ch" forName="circ3" refType="h" fact="0.7133"/>
+          <dgm:constr type="w" for="ch" forName="circ3" refType="w" fact="0.25"/>
+          <dgm:constr type="h" for="ch" forName="circ3" refType="h" fact="0.35"/>
+          <dgm:constr type="l" for="ch" forName="circ3Tx" refType="w" fact="0.7"/>
+          <dgm:constr type="t" for="ch" forName="circ3Tx" refType="h" fact="0.745"/>
+          <dgm:constr type="w" for="ch" forName="circ3Tx" refType="w" fact="0.26"/>
+          <dgm:constr type="h" for="ch" forName="circ3Tx" refType="h" fact="0.255"/>
+          <dgm:constr type="ctrX" for="ch" forName="circ4" refType="w" fact="0.4412"/>
+          <dgm:constr type="ctrY" for="ch" forName="circ4" refType="h" fact="0.7133"/>
+          <dgm:constr type="w" for="ch" forName="circ4" refType="w" fact="0.25"/>
+          <dgm:constr type="h" for="ch" forName="circ4" refType="h" fact="0.35"/>
+          <dgm:constr type="l" for="ch" forName="circ4Tx" refType="w" fact="0.04"/>
+          <dgm:constr type="t" for="ch" forName="circ4Tx" refType="h" fact="0.745"/>
+          <dgm:constr type="w" for="ch" forName="circ4Tx" refType="w" fact="0.26"/>
+          <dgm:constr type="h" for="ch" forName="circ4Tx" refType="h" fact="0.255"/>
+          <dgm:constr type="ctrX" for="ch" forName="circ5" refType="w" fact="0.4049"/>
+          <dgm:constr type="ctrY" for="ch" forName="circ5" refType="h" fact="0.5567"/>
+          <dgm:constr type="w" for="ch" forName="circ5" refType="w" fact="0.25"/>
+          <dgm:constr type="h" for="ch" forName="circ5" refType="h" fact="0.35"/>
+          <dgm:constr type="l" for="ch" forName="circ5Tx"/>
+          <dgm:constr type="t" for="ch" forName="circ5Tx" refType="h" fact="0.31"/>
+          <dgm:constr type="w" for="ch" forName="circ5Tx" refType="w" fact="0.26"/>
+          <dgm:constr type="h" for="ch" forName="circ5Tx" refType="h" fact="0.255"/>
+          <dgm:constr type="primFontSz" for="ch" ptType="node" op="equ"/>
+        </dgm:constrLst>
+      </dgm:if>
+      <dgm:if name="Name15" axis="ch" ptType="node" func="cnt" op="equ" val="6">
+        <dgm:constrLst>
+          <dgm:constr type="ctrX" for="ch" forName="circ1" refType="w" fact="0.5"/>
+          <dgm:constr type="ctrY" for="ch" forName="circ1" refType="h" fact="0.3844"/>
+          <dgm:constr type="w" for="ch" forName="circ1" refType="w" fact="0.24"/>
+          <dgm:constr type="h" for="ch" forName="circ1" refType="h" fact="0.3084"/>
+          <dgm:constr type="l" for="ch" forName="circ1Tx" refType="w" fact="0.35"/>
+          <dgm:constr type="t" for="ch" forName="circ1Tx"/>
+          <dgm:constr type="w" for="ch" forName="circ1Tx" refType="w" fact="0.3"/>
+          <dgm:constr type="h" for="ch" forName="circ1Tx" refType="h" fact="0.21"/>
+          <dgm:constr type="ctrX" for="ch" forName="circ2" refType="w" fact="0.5779"/>
+          <dgm:constr type="ctrY" for="ch" forName="circ2" refType="h" fact="0.4422"/>
+          <dgm:constr type="w" for="ch" forName="circ2" refType="w" fact="0.24"/>
+          <dgm:constr type="h" for="ch" forName="circ2" refType="h" fact="0.3084"/>
+          <dgm:constr type="l" for="ch" forName="circ2Tx" refType="w" fact="0.7157"/>
+          <dgm:constr type="t" for="ch" forName="circ2Tx" refType="h" fact="0.2"/>
+          <dgm:constr type="w" for="ch" forName="circ2Tx" refType="w" fact="0.2843"/>
+          <dgm:constr type="h" for="ch" forName="circ2Tx" refType="h" fact="0.23"/>
+          <dgm:constr type="ctrX" for="ch" forName="circ3" refType="w" fact="0.5779"/>
+          <dgm:constr type="ctrY" for="ch" forName="circ3" refType="h" fact="0.5578"/>
+          <dgm:constr type="w" for="ch" forName="circ3" refType="w" fact="0.24"/>
+          <dgm:constr type="h" for="ch" forName="circ3" refType="h" fact="0.3084"/>
+          <dgm:constr type="l" for="ch" forName="circ3Tx" refType="w" fact="0.7157"/>
+          <dgm:constr type="t" for="ch" forName="circ3Tx" refType="h" fact="0.543"/>
+          <dgm:constr type="w" for="ch" forName="circ3Tx" refType="w" fact="0.2843"/>
+          <dgm:constr type="h" for="ch" forName="circ3Tx" refType="h" fact="0.257"/>
+          <dgm:constr type="ctrX" for="ch" forName="circ4" refType="w" fact="0.5"/>
+          <dgm:constr type="ctrY" for="ch" forName="circ4" refType="h" fact="0.6157"/>
+          <dgm:constr type="w" for="ch" forName="circ4" refType="w" fact="0.24"/>
+          <dgm:constr type="h" for="ch" forName="circ4" refType="h" fact="0.3084"/>
+          <dgm:constr type="l" for="ch" forName="circ4Tx" refType="w" fact="0.35"/>
+          <dgm:constr type="t" for="ch" forName="circ4Tx" refType="h" fact="0.79"/>
+          <dgm:constr type="w" for="ch" forName="circ4Tx" refType="w" fact="0.3"/>
+          <dgm:constr type="h" for="ch" forName="circ4Tx" refType="h" fact="0.21"/>
+          <dgm:constr type="ctrX" for="ch" forName="circ5" refType="w" fact="0.4221"/>
+          <dgm:constr type="ctrY" for="ch" forName="circ5" refType="h" fact="0.5578"/>
+          <dgm:constr type="w" for="ch" forName="circ5" refType="w" fact="0.24"/>
+          <dgm:constr type="h" for="ch" forName="circ5" refType="h" fact="0.3084"/>
+          <dgm:constr type="l" for="ch" forName="circ5Tx" refType="w" fact="0"/>
+          <dgm:constr type="t" for="ch" forName="circ5Tx" refType="h" fact="0.543"/>
+          <dgm:constr type="w" for="ch" forName="circ5Tx" refType="w" fact="0.2843"/>
+          <dgm:constr type="h" for="ch" forName="circ5Tx" refType="h" fact="0.257"/>
+          <dgm:constr type="ctrX" for="ch" forName="circ6" refType="w" fact="0.4221"/>
+          <dgm:constr type="ctrY" for="ch" forName="circ6" refType="h" fact="0.4422"/>
+          <dgm:constr type="w" for="ch" forName="circ6" refType="w" fact="0.24"/>
+          <dgm:constr type="h" for="ch" forName="circ6" refType="h" fact="0.3084"/>
+          <dgm:constr type="l" for="ch" forName="circ6Tx" refType="w" fact="0"/>
+          <dgm:constr type="t" for="ch" forName="circ6Tx" refType="h" fact="0.2"/>
+          <dgm:constr type="w" for="ch" forName="circ6Tx" refType="w" fact="0.2843"/>
+          <dgm:constr type="h" for="ch" forName="circ6Tx" refType="h" fact="0.257"/>
+          <dgm:constr type="primFontSz" for="ch" ptType="node" op="equ"/>
+        </dgm:constrLst>
+      </dgm:if>
+      <dgm:else name="Name16">
+        <dgm:constrLst>
+          <dgm:constr type="ctrX" for="ch" forName="circ1" refType="w" fact="0.5"/>
+          <dgm:constr type="ctrY" for="ch" forName="circ1" refType="h" fact="0.4177"/>
+          <dgm:constr type="w" for="ch" forName="circ1" refType="w" fact="0.24"/>
+          <dgm:constr type="h" for="ch" forName="circ1" refType="h" fact="0.3262"/>
+          <dgm:constr type="l" for="ch" forName="circ1Tx" refType="w" fact="0.3625"/>
+          <dgm:constr type="t" for="ch" forName="circ1Tx"/>
+          <dgm:constr type="w" for="ch" forName="circ1Tx" refType="w" fact="0.275"/>
+          <dgm:constr type="h" for="ch" forName="circ1Tx" refType="h" fact="0.2"/>
+          <dgm:constr type="ctrX" for="ch" forName="circ2" refType="w" fact="0.5704"/>
+          <dgm:constr type="ctrY" for="ch" forName="circ2" refType="h" fact="0.4637"/>
+          <dgm:constr type="w" for="ch" forName="circ2" refType="w" fact="0.24"/>
+          <dgm:constr type="h" for="ch" forName="circ2" refType="h" fact="0.3262"/>
+          <dgm:constr type="l" for="ch" forName="circ2Tx" refType="w" fact="0.72"/>
+          <dgm:constr type="t" for="ch" forName="circ2Tx" refType="h" fact="0.19"/>
+          <dgm:constr type="w" for="ch" forName="circ2Tx" refType="w" fact="0.26"/>
+          <dgm:constr type="h" for="ch" forName="circ2Tx" refType="h" fact="0.22"/>
+          <dgm:constr type="ctrX" for="ch" forName="circ3" refType="w" fact="0.5877"/>
+          <dgm:constr type="ctrY" for="ch" forName="circ3" refType="h" fact="0.5672"/>
+          <dgm:constr type="w" for="ch" forName="circ3" refType="w" fact="0.24"/>
+          <dgm:constr type="h" for="ch" forName="circ3" refType="h" fact="0.3262"/>
+          <dgm:constr type="l" for="ch" forName="circ3Tx" refType="w" fact="0.745"/>
+          <dgm:constr type="t" for="ch" forName="circ3Tx" refType="h" fact="0.47"/>
+          <dgm:constr type="w" for="ch" forName="circ3Tx" refType="w" fact="0.255"/>
+          <dgm:constr type="h" for="ch" forName="circ3Tx" refType="h" fact="0.235"/>
+          <dgm:constr type="ctrX" for="ch" forName="circ4" refType="w" fact="0.539"/>
+          <dgm:constr type="ctrY" for="ch" forName="circ4" refType="h" fact="0.6502"/>
+          <dgm:constr type="w" for="ch" forName="circ4" refType="w" fact="0.24"/>
+          <dgm:constr type="h" for="ch" forName="circ4" refType="h" fact="0.3262"/>
+          <dgm:constr type="l" for="ch" forName="circ4Tx" refType="w" fact="0.635"/>
+          <dgm:constr type="t" for="ch" forName="circ4Tx" refType="h" fact="0.785"/>
+          <dgm:constr type="w" for="ch" forName="circ4Tx" refType="w" fact="0.275"/>
+          <dgm:constr type="h" for="ch" forName="circ4Tx" refType="h" fact="0.215"/>
+          <dgm:constr type="ctrX" for="ch" forName="circ5" refType="w" fact="0.461"/>
+          <dgm:constr type="ctrY" for="ch" forName="circ5" refType="h" fact="0.6502"/>
+          <dgm:constr type="w" for="ch" forName="circ5" refType="w" fact="0.24"/>
+          <dgm:constr type="h" for="ch" forName="circ5" refType="h" fact="0.3262"/>
+          <dgm:constr type="l" for="ch" forName="circ5Tx" refType="w" fact="0.09"/>
+          <dgm:constr type="t" for="ch" forName="circ5Tx" refType="h" fact="0.785"/>
+          <dgm:constr type="w" for="ch" forName="circ5Tx" refType="w" fact="0.275"/>
+          <dgm:constr type="h" for="ch" forName="circ5Tx" refType="h" fact="0.215"/>
+          <dgm:constr type="ctrX" for="ch" forName="circ6" refType="w" fact="0.4123"/>
+          <dgm:constr type="ctrY" for="ch" forName="circ6" refType="h" fact="0.5672"/>
+          <dgm:constr type="w" for="ch" forName="circ6" refType="w" fact="0.24"/>
+          <dgm:constr type="h" for="ch" forName="circ6" refType="h" fact="0.3262"/>
+          <dgm:constr type="l" for="ch" forName="circ6Tx"/>
+          <dgm:constr type="t" for="ch" forName="circ6Tx" refType="h" fact="0.47"/>
+          <dgm:constr type="w" for="ch" forName="circ6Tx" refType="w" fact="0.255"/>
+          <dgm:constr type="h" for="ch" forName="circ6Tx" refType="h" fact="0.235"/>
+          <dgm:constr type="ctrX" for="ch" forName="circ7" refType="w" fact="0.4296"/>
+          <dgm:constr type="ctrY" for="ch" forName="circ7" refType="h" fact="0.4637"/>
+          <dgm:constr type="w" for="ch" forName="circ7" refType="w" fact="0.24"/>
+          <dgm:constr type="h" for="ch" forName="circ7" refType="h" fact="0.3262"/>
+          <dgm:constr type="l" for="ch" forName="circ7Tx" refType="w" fact="0.02"/>
+          <dgm:constr type="t" for="ch" forName="circ7Tx" refType="h" fact="0.19"/>
+          <dgm:constr type="w" for="ch" forName="circ7Tx" refType="w" fact="0.26"/>
+          <dgm:constr type="h" for="ch" forName="circ7Tx" refType="h" fact="0.22"/>
+          <dgm:constr type="primFontSz" for="ch" ptType="node" op="equ"/>
+        </dgm:constrLst>
+      </dgm:else>
+    </dgm:choose>
+    <dgm:ruleLst/>
+    <dgm:forEach name="Name17" axis="ch" ptType="node" cnt="1">
+      <dgm:choose name="Name18">
+        <dgm:if name="Name19" axis="root ch" ptType="all node" func="cnt" op="equ" val="1">
+          <dgm:layoutNode name="circ1TxSh" styleLbl="vennNode1">
+            <dgm:alg type="tx">
+              <dgm:param type="txAnchorHorzCh" val="ctr"/>
+              <dgm:param type="txAnchorVertCh" val="mid"/>
+            </dgm:alg>
+            <dgm:shape xmlns:r="http://schemas.openxmlformats.org/officeDocument/2006/relationships" type="ellipse" r:blip="">
+              <dgm:adjLst/>
+            </dgm:shape>
+            <dgm:choose name="Name20">
+              <dgm:if name="Name21" func="var" arg="dir" op="equ" val="norm">
+                <dgm:choose name="Name22">
+                  <dgm:if name="Name23" axis="root ch" ptType="all node" func="cnt" op="lte" val="4">
+                    <dgm:presOf axis="desOrSelf" ptType="node"/>
+                  </dgm:if>
+                  <dgm:else name="Name24">
+                    <dgm:presOf/>
+                  </dgm:else>
+                </dgm:choose>
+              </dgm:if>
+              <dgm:else name="Name25">
+                <dgm:choose name="Name26">
+                  <dgm:if name="Name27" axis="root ch" ptType="all node" func="cnt" op="equ" val="2">
+                    <dgm:presOf axis="root ch desOrSelf" ptType="all node node" st="1 2 1" cnt="1 1 0"/>
+                  </dgm:if>
+                  <dgm:else name="Name28">
+                    <dgm:presOf axis="desOrSelf" ptType="node"/>
+                  </dgm:else>
+                </dgm:choose>
+              </dgm:else>
+            </dgm:choose>
+            <dgm:constrLst>
+              <dgm:constr type="tMarg"/>
+              <dgm:constr type="bMarg"/>
+              <dgm:constr type="lMarg"/>
+              <dgm:constr type="rMarg"/>
+              <dgm:constr type="primFontSz" val="65"/>
+            </dgm:constrLst>
+            <dgm:ruleLst>
+              <dgm:rule type="primFontSz" val="5" fact="NaN" max="NaN"/>
+            </dgm:ruleLst>
+          </dgm:layoutNode>
+        </dgm:if>
+        <dgm:else name="Name29">
+          <dgm:layoutNode name="circ1" styleLbl="vennNode1">
+            <dgm:alg type="sp"/>
+            <dgm:shape xmlns:r="http://schemas.openxmlformats.org/officeDocument/2006/relationships" type="ellipse" r:blip="">
+              <dgm:adjLst/>
+            </dgm:shape>
+            <dgm:choose name="Name30">
+              <dgm:if name="Name31" func="var" arg="dir" op="equ" val="norm">
+                <dgm:choose name="Name32">
+                  <dgm:if name="Name33" axis="root ch" ptType="all node" func="cnt" op="lte" val="4">
+                    <dgm:presOf axis="desOrSelf" ptType="node"/>
+                  </dgm:if>
+                  <dgm:else name="Name34">
+                    <dgm:presOf/>
+                  </dgm:else>
+                </dgm:choose>
+              </dgm:if>
+              <dgm:else name="Name35">
+                <dgm:choose name="Name36">
+                  <dgm:if name="Name37" axis="root ch" ptType="all node" func="cnt" op="equ" val="2">
+                    <dgm:presOf axis="root ch desOrSelf" ptType="all node node" st="1 2 1" cnt="1 1 0"/>
+                  </dgm:if>
+                  <dgm:else name="Name38">
+                    <dgm:choose name="Name39">
+                      <dgm:if name="Name40" axis="root ch" ptType="all node" func="cnt" op="lte" val="4">
+                        <dgm:presOf axis="desOrSelf" ptType="node"/>
+                      </dgm:if>
+                      <dgm:else name="Name41">
+                        <dgm:presOf/>
+                      </dgm:else>
+                    </dgm:choose>
+                  </dgm:else>
+                </dgm:choose>
+              </dgm:else>
+            </dgm:choose>
+            <dgm:constrLst/>
+            <dgm:ruleLst/>
+          </dgm:layoutNode>
+          <dgm:layoutNode name="circ1Tx" styleLbl="revTx">
+            <dgm:varLst>
+              <dgm:chMax val="0"/>
+              <dgm:chPref val="0"/>
+              <dgm:bulletEnabled val="1"/>
+            </dgm:varLst>
+            <dgm:alg type="tx">
+              <dgm:param type="txAnchorHorzCh" val="ctr"/>
+              <dgm:param type="txAnchorVertCh" val="mid"/>
+            </dgm:alg>
+            <dgm:shape xmlns:r="http://schemas.openxmlformats.org/officeDocument/2006/relationships" type="rect" r:blip="" hideGeom="1">
+              <dgm:adjLst/>
+            </dgm:shape>
+            <dgm:choose name="Name42">
+              <dgm:if name="Name43" func="var" arg="dir" op="equ" val="norm">
+                <dgm:presOf axis="desOrSelf" ptType="node"/>
+              </dgm:if>
+              <dgm:else name="Name44">
+                <dgm:choose name="Name45">
+                  <dgm:if name="Name46" axis="root ch" ptType="all node" func="cnt" op="equ" val="2">
+                    <dgm:presOf axis="root ch desOrSelf" ptType="all node node" st="1 2 1" cnt="1 1 0"/>
+                  </dgm:if>
+                  <dgm:else name="Name47">
+                    <dgm:presOf axis="desOrSelf" ptType="node"/>
+                  </dgm:else>
+                </dgm:choose>
+              </dgm:else>
+            </dgm:choose>
+            <dgm:constrLst>
+              <dgm:constr type="tMarg"/>
+              <dgm:constr type="bMarg"/>
+              <dgm:constr type="lMarg"/>
+              <dgm:constr type="rMarg"/>
+              <dgm:constr type="primFontSz" val="65"/>
+            </dgm:constrLst>
+            <dgm:ruleLst>
+              <dgm:rule type="primFontSz" val="5" fact="NaN" max="NaN"/>
+            </dgm:ruleLst>
+          </dgm:layoutNode>
+        </dgm:else>
+      </dgm:choose>
+    </dgm:forEach>
+    <dgm:forEach name="Name48" axis="ch" ptType="node" st="2" cnt="1">
+      <dgm:layoutNode name="circ2" styleLbl="vennNode1">
+        <dgm:alg type="sp"/>
+        <dgm:shape xmlns:r="http://schemas.openxmlformats.org/officeDocument/2006/relationships" type="ellipse" r:blip="">
+          <dgm:adjLst/>
+        </dgm:shape>
+        <dgm:choose name="Name49">
+          <dgm:if name="Name50" func="var" arg="dir" op="equ" val="norm">
+            <dgm:choose name="Name51">
+              <dgm:if name="Name52" axis="root ch" ptType="all node" func="cnt" op="lte" val="4">
+                <dgm:presOf axis="desOrSelf" ptType="node"/>
+              </dgm:if>
+              <dgm:else name="Name53">
+                <dgm:presOf/>
+              </dgm:else>
+            </dgm:choose>
+          </dgm:if>
+          <dgm:else name="Name54">
+            <dgm:choose name="Name55">
+              <dgm:if name="Name56" axis="root ch" ptType="all node" func="cnt" op="equ" val="2">
+                <dgm:presOf axis="root ch desOrSelf" ptType="all node node" st="1 1 1" cnt="1 1 0"/>
+              </dgm:if>
+              <dgm:if name="Name57" axis="root ch" ptType="all node" func="cnt" op="equ" val="3">
+                <dgm:presOf axis="root ch desOrSelf" ptType="all node node" st="1 3 1" cnt="1 1 0"/>
+              </dgm:if>
+              <dgm:if name="Name58" axis="root ch" ptType="all node" func="cnt" op="equ" val="4">
+                <dgm:presOf axis="root ch desOrSelf" ptType="all node node" st="1 4 1" cnt="1 1 0"/>
+              </dgm:if>
+              <dgm:else name="Name59">
+                <dgm:presOf/>
+              </dgm:else>
+            </dgm:choose>
+          </dgm:else>
+        </dgm:choose>
+        <dgm:constrLst/>
+        <dgm:ruleLst/>
+      </dgm:layoutNode>
+      <dgm:layoutNode name="circ2Tx" styleLbl="revTx">
+        <dgm:varLst>
+          <dgm:chMax val="0"/>
+          <dgm:chPref val="0"/>
+          <dgm:bulletEnabled val="1"/>
+        </dgm:varLst>
+        <dgm:alg type="tx">
+          <dgm:param type="txAnchorHorzCh" val="ctr"/>
+          <dgm:param type="txAnchorVertCh" val="mid"/>
+        </dgm:alg>
+        <dgm:shape xmlns:r="http://schemas.openxmlformats.org/officeDocument/2006/relationships" type="rect" r:blip="" hideGeom="1">
+          <dgm:adjLst/>
+        </dgm:shape>
+        <dgm:choose name="Name60">
+          <dgm:if name="Name61" func="var" arg="dir" op="equ" val="norm">
+            <dgm:presOf axis="desOrSelf" ptType="node"/>
+          </dgm:if>
+          <dgm:else name="Name62">
+            <dgm:choose name="Name63">
+              <dgm:if name="Name64" axis="root ch" ptType="all node" func="cnt" op="equ" val="2">
+                <dgm:presOf axis="root ch desOrSelf" ptType="all node node" st="1 1 1" cnt="1 1 0"/>
+              </dgm:if>
+              <dgm:if name="Name65" axis="root ch" ptType="all node" func="cnt" op="equ" val="3">
+                <dgm:presOf axis="root ch desOrSelf" ptType="all node node" st="1 3 1" cnt="1 1 0"/>
+              </dgm:if>
+              <dgm:if name="Name66" axis="root ch" ptType="all node" func="cnt" op="equ" val="4">
+                <dgm:presOf axis="root ch desOrSelf" ptType="all node node" st="1 4 1" cnt="1 1 0"/>
+              </dgm:if>
+              <dgm:if name="Name67" axis="root ch" ptType="all node" func="cnt" op="equ" val="5">
+                <dgm:presOf axis="root ch desOrSelf" ptType="all node node" st="1 5 1" cnt="1 1 0"/>
+              </dgm:if>
+              <dgm:if name="Name68" axis="root ch" ptType="all node" func="cnt" op="equ" val="6">
+                <dgm:presOf axis="root ch desOrSelf" ptType="all node node" st="1 6 1" cnt="1 1 0"/>
+              </dgm:if>
+              <dgm:else name="Name69">
+                <dgm:presOf axis="root ch desOrSelf" ptType="all node node" st="1 7 1" cnt="1 1 0"/>
+              </dgm:else>
+            </dgm:choose>
+          </dgm:else>
+        </dgm:choose>
+        <dgm:constrLst>
+          <dgm:constr type="tMarg"/>
+          <dgm:constr type="bMarg"/>
+          <dgm:constr type="lMarg"/>
+          <dgm:constr type="rMarg"/>
+          <dgm:constr type="primFontSz" val="65"/>
+        </dgm:constrLst>
+        <dgm:ruleLst>
+          <dgm:rule type="primFontSz" val="5" fact="NaN" max="NaN"/>
+        </dgm:ruleLst>
+      </dgm:layoutNode>
+    </dgm:forEach>
+    <dgm:forEach name="Name70" axis="ch" ptType="node" st="3" cnt="1">
+      <dgm:layoutNode name="circ3" styleLbl="vennNode1">
+        <dgm:alg type="sp"/>
+        <dgm:shape xmlns:r="http://schemas.openxmlformats.org/officeDocument/2006/relationships" type="ellipse" r:blip="">
+          <dgm:adjLst/>
+        </dgm:shape>
+        <dgm:choose name="Name71">
+          <dgm:if name="Name72" func="var" arg="dir" op="equ" val="norm">
+            <dgm:choose name="Name73">
+              <dgm:if name="Name74" axis="root ch" ptType="all node" func="cnt" op="lte" val="4">
+                <dgm:presOf axis="desOrSelf" ptType="node"/>
+              </dgm:if>
+              <dgm:else name="Name75">
+                <dgm:presOf/>
+              </dgm:else>
+            </dgm:choose>
+          </dgm:if>
+          <dgm:else name="Name76">
+            <dgm:choose name="Name77">
+              <dgm:if name="Name78" axis="root ch" ptType="all node" func="cnt" op="equ" val="3">
+                <dgm:presOf axis="root ch desOrSelf" ptType="all node node" st="1 2 1" cnt="1 1 0"/>
+              </dgm:if>
+              <dgm:if name="Name79" axis="root ch" ptType="all node" func="cnt" op="equ" val="4">
+                <dgm:presOf axis="root ch desOrSelf" ptType="all node node" st="1 3 1" cnt="1 1 0"/>
+              </dgm:if>
+              <dgm:else name="Name80">
+                <dgm:presOf/>
+              </dgm:else>
+            </dgm:choose>
+          </dgm:else>
+        </dgm:choose>
+        <dgm:constrLst/>
+        <dgm:ruleLst/>
+      </dgm:layoutNode>
+      <dgm:layoutNode name="circ3Tx" styleLbl="revTx">
+        <dgm:varLst>
+          <dgm:chMax val="0"/>
+          <dgm:chPref val="0"/>
+          <dgm:bulletEnabled val="1"/>
+        </dgm:varLst>
+        <dgm:alg type="tx">
+          <dgm:param type="txAnchorHorzCh" val="ctr"/>
+          <dgm:param type="txAnchorVertCh" val="mid"/>
+        </dgm:alg>
+        <dgm:shape xmlns:r="http://schemas.openxmlformats.org/officeDocument/2006/relationships" type="rect" r:blip="" hideGeom="1">
+          <dgm:adjLst/>
+        </dgm:shape>
+        <dgm:choose name="Name81">
+          <dgm:if name="Name82" func="var" arg="dir" op="equ" val="norm">
+            <dgm:presOf axis="desOrSelf" ptType="node"/>
+          </dgm:if>
+          <dgm:else name="Name83">
+            <dgm:choose name="Name84">
+              <dgm:if name="Name85" axis="root ch" ptType="all node" func="cnt" op="equ" val="3">
+                <dgm:presOf axis="root ch desOrSelf" ptType="all node node" st="1 2 1" cnt="1 1 0"/>
+              </dgm:if>
+              <dgm:if name="Name86" axis="root ch" ptType="all node" func="cnt" op="equ" val="4">
+                <dgm:presOf axis="root ch desOrSelf" ptType="all node node" st="1 3 1" cnt="1 1 0"/>
+              </dgm:if>
+              <dgm:if name="Name87" axis="root ch" ptType="all node" func="cnt" op="equ" val="5">
+                <dgm:presOf axis="root ch desOrSelf" ptType="all node node" st="1 4 1" cnt="1 1 0"/>
+              </dgm:if>
+              <dgm:if name="Name88" axis="root ch" ptType="all node" func="cnt" op="equ" val="6">
+                <dgm:presOf axis="root ch desOrSelf" ptType="all node node" st="1 5 1" cnt="1 1 0"/>
+              </dgm:if>
+              <dgm:else name="Name89">
+                <dgm:presOf axis="root ch desOrSelf" ptType="all node node" st="1 6 1" cnt="1 1 0"/>
+              </dgm:else>
+            </dgm:choose>
+          </dgm:else>
+        </dgm:choose>
+        <dgm:constrLst>
+          <dgm:constr type="tMarg"/>
+          <dgm:constr type="bMarg"/>
+          <dgm:constr type="lMarg"/>
+          <dgm:constr type="rMarg"/>
+          <dgm:constr type="primFontSz" val="65"/>
+        </dgm:constrLst>
+        <dgm:ruleLst>
+          <dgm:rule type="primFontSz" val="5" fact="NaN" max="NaN"/>
+        </dgm:ruleLst>
+      </dgm:layoutNode>
+    </dgm:forEach>
+    <dgm:forEach name="Name90" axis="ch" ptType="node" st="4" cnt="1">
+      <dgm:layoutNode name="circ4" styleLbl="vennNode1">
+        <dgm:alg type="sp"/>
+        <dgm:shape xmlns:r="http://schemas.openxmlformats.org/officeDocument/2006/relationships" type="ellipse" r:blip="">
+          <dgm:adjLst/>
+        </dgm:shape>
+        <dgm:choose name="Name91">
+          <dgm:if name="Name92" func="var" arg="dir" op="equ" val="norm">
+            <dgm:choose name="Name93">
+              <dgm:if name="Name94" axis="root ch" ptType="all node" func="cnt" op="lte" val="4">
+                <dgm:presOf axis="desOrSelf" ptType="node"/>
+              </dgm:if>
+              <dgm:else name="Name95">
+                <dgm:presOf/>
+              </dgm:else>
+            </dgm:choose>
+          </dgm:if>
+          <dgm:else name="Name96">
+            <dgm:choose name="Name97">
+              <dgm:if name="Name98" axis="root ch" ptType="all node" func="cnt" op="equ" val="4">
+                <dgm:presOf axis="root ch desOrSelf" ptType="all node node" st="1 2 1" cnt="1 1 0"/>
+              </dgm:if>
+              <dgm:else name="Name99">
+                <dgm:presOf/>
+              </dgm:else>
+            </dgm:choose>
+          </dgm:else>
+        </dgm:choose>
+        <dgm:constrLst/>
+        <dgm:ruleLst/>
+      </dgm:layoutNode>
+      <dgm:layoutNode name="circ4Tx" styleLbl="revTx">
+        <dgm:varLst>
+          <dgm:chMax val="0"/>
+          <dgm:chPref val="0"/>
+          <dgm:bulletEnabled val="1"/>
+        </dgm:varLst>
+        <dgm:alg type="tx">
+          <dgm:param type="txAnchorHorzCh" val="ctr"/>
+          <dgm:param type="txAnchorVertCh" val="mid"/>
+        </dgm:alg>
+        <dgm:shape xmlns:r="http://schemas.openxmlformats.org/officeDocument/2006/relationships" type="rect" r:blip="" hideGeom="1">
+          <dgm:adjLst/>
+        </dgm:shape>
+        <dgm:choose name="Name100">
+          <dgm:if name="Name101" func="var" arg="dir" op="equ" val="norm">
+            <dgm:presOf axis="desOrSelf" ptType="node"/>
+          </dgm:if>
+          <dgm:else name="Name102">
+            <dgm:choose name="Name103">
+              <dgm:if name="Name104" axis="root ch" ptType="all node" func="cnt" op="equ" val="4">
+                <dgm:presOf axis="root ch desOrSelf" ptType="all node node" st="1 2 1" cnt="1 1 0"/>
+              </dgm:if>
+              <dgm:if name="Name105" axis="root ch" ptType="all node" func="cnt" op="equ" val="5">
+                <dgm:presOf axis="root ch desOrSelf" ptType="all node node" st="1 3 1" cnt="1 1 0"/>
+              </dgm:if>
+              <dgm:if name="Name106" axis="root ch" ptType="all node" func="cnt" op="equ" val="6">
+                <dgm:presOf axis="root ch desOrSelf" ptType="all node node" st="1 4 1" cnt="1 1 0"/>
+              </dgm:if>
+              <dgm:else name="Name107">
+                <dgm:presOf axis="root ch desOrSelf" ptType="all node node" st="1 5 1" cnt="1 1 0"/>
+              </dgm:else>
+            </dgm:choose>
+          </dgm:else>
+        </dgm:choose>
+        <dgm:constrLst>
+          <dgm:constr type="tMarg"/>
+          <dgm:constr type="bMarg"/>
+          <dgm:constr type="lMarg"/>
+          <dgm:constr type="rMarg"/>
+          <dgm:constr type="primFontSz" val="65"/>
+        </dgm:constrLst>
+        <dgm:ruleLst>
+          <dgm:rule type="primFontSz" val="5" fact="NaN" max="NaN"/>
+        </dgm:ruleLst>
+      </dgm:layoutNode>
+    </dgm:forEach>
+    <dgm:forEach name="Name108" axis="ch" ptType="node" st="5" cnt="1">
+      <dgm:layoutNode name="circ5" styleLbl="vennNode1">
+        <dgm:alg type="sp"/>
+        <dgm:shape xmlns:r="http://schemas.openxmlformats.org/officeDocument/2006/relationships" type="ellipse" r:blip="">
+          <dgm:adjLst/>
+        </dgm:shape>
+        <dgm:presOf/>
+        <dgm:constrLst/>
+        <dgm:ruleLst/>
+      </dgm:layoutNode>
+      <dgm:layoutNode name="circ5Tx" styleLbl="revTx">
+        <dgm:varLst>
+          <dgm:chMax val="0"/>
+          <dgm:chPref val="0"/>
+          <dgm:bulletEnabled val="1"/>
+        </dgm:varLst>
+        <dgm:alg type="tx">
+          <dgm:param type="txAnchorHorzCh" val="ctr"/>
+          <dgm:param type="txAnchorVertCh" val="mid"/>
+        </dgm:alg>
+        <dgm:shape xmlns:r="http://schemas.openxmlformats.org/officeDocument/2006/relationships" type="rect" r:blip="" hideGeom="1">
+          <dgm:adjLst/>
+        </dgm:shape>
+        <dgm:choose name="Name109">
+          <dgm:if name="Name110" func="var" arg="dir" op="equ" val="norm">
+            <dgm:presOf axis="desOrSelf" ptType="node"/>
+          </dgm:if>
+          <dgm:else name="Name111">
+            <dgm:choose name="Name112">
+              <dgm:if name="Name113" axis="root ch" ptType="all node" func="cnt" op="equ" val="5">
+                <dgm:presOf axis="root ch desOrSelf" ptType="all node node" st="1 2 1" cnt="1 1 0"/>
+              </dgm:if>
+              <dgm:if name="Name114" axis="root ch" ptType="all node" func="cnt" op="equ" val="6">
+                <dgm:presOf axis="root ch desOrSelf" ptType="all node node" st="1 3 1" cnt="1 1 0"/>
+              </dgm:if>
+              <dgm:else name="Name115">
+                <dgm:presOf axis="root ch desOrSelf" ptType="all node node" st="1 4 1" cnt="1 1 0"/>
+              </dgm:else>
+            </dgm:choose>
+          </dgm:else>
+        </dgm:choose>
+        <dgm:constrLst>
+          <dgm:constr type="tMarg"/>
+          <dgm:constr type="bMarg"/>
+          <dgm:constr type="lMarg"/>
+          <dgm:constr type="rMarg"/>
+          <dgm:constr type="primFontSz" val="65"/>
+        </dgm:constrLst>
+        <dgm:ruleLst>
+          <dgm:rule type="primFontSz" val="5" fact="NaN" max="NaN"/>
+        </dgm:ruleLst>
+      </dgm:layoutNode>
+    </dgm:forEach>
+    <dgm:forEach name="Name116" axis="ch" ptType="node" st="6" cnt="1">
+      <dgm:layoutNode name="circ6" styleLbl="vennNode1">
+        <dgm:alg type="sp"/>
+        <dgm:shape xmlns:r="http://schemas.openxmlformats.org/officeDocument/2006/relationships" type="ellipse" r:blip="">
+          <dgm:adjLst/>
+        </dgm:shape>
+        <dgm:presOf/>
+        <dgm:constrLst/>
+        <dgm:ruleLst/>
+      </dgm:layoutNode>
+      <dgm:layoutNode name="circ6Tx" styleLbl="revTx">
+        <dgm:varLst>
+          <dgm:chMax val="0"/>
+          <dgm:chPref val="0"/>
+          <dgm:bulletEnabled val="1"/>
+        </dgm:varLst>
+        <dgm:alg type="tx">
+          <dgm:param type="txAnchorHorzCh" val="ctr"/>
+          <dgm:param type="txAnchorVertCh" val="mid"/>
+        </dgm:alg>
+        <dgm:shape xmlns:r="http://schemas.openxmlformats.org/officeDocument/2006/relationships" type="rect" r:blip="" hideGeom="1">
+          <dgm:adjLst/>
+        </dgm:shape>
+        <dgm:choose name="Name117">
+          <dgm:if name="Name118" func="var" arg="dir" op="equ" val="norm">
+            <dgm:presOf axis="desOrSelf" ptType="node"/>
+          </dgm:if>
+          <dgm:else name="Name119">
+            <dgm:choose name="Name120">
+              <dgm:if name="Name121" axis="root ch" ptType="all node" func="cnt" op="equ" val="6">
+                <dgm:presOf axis="root ch desOrSelf" ptType="all node node" st="1 2 1" cnt="1 1 0"/>
+              </dgm:if>
+              <dgm:else name="Name122">
+                <dgm:presOf axis="root ch desOrSelf" ptType="all node node" st="1 3 1" cnt="1 1 0"/>
+              </dgm:else>
+            </dgm:choose>
+          </dgm:else>
+        </dgm:choose>
+        <dgm:constrLst>
+          <dgm:constr type="tMarg"/>
+          <dgm:constr type="bMarg"/>
+          <dgm:constr type="lMarg"/>
+          <dgm:constr type="rMarg"/>
+          <dgm:constr type="primFontSz" val="65"/>
+        </dgm:constrLst>
+        <dgm:ruleLst>
+          <dgm:rule type="primFontSz" val="5" fact="NaN" max="NaN"/>
+        </dgm:ruleLst>
+      </dgm:layoutNode>
+    </dgm:forEach>
+    <dgm:forEach name="Name123" axis="ch" ptType="node" st="7" cnt="1">
+      <dgm:layoutNode name="circ7" styleLbl="vennNode1">
+        <dgm:alg type="sp"/>
+        <dgm:shape xmlns:r="http://schemas.openxmlformats.org/officeDocument/2006/relationships" type="ellipse" r:blip="">
+          <dgm:adjLst/>
+        </dgm:shape>
+        <dgm:presOf/>
+        <dgm:constrLst/>
+        <dgm:ruleLst/>
+      </dgm:layoutNode>
+      <dgm:layoutNode name="circ7Tx" styleLbl="revTx">
+        <dgm:varLst>
+          <dgm:chMax val="0"/>
+          <dgm:chPref val="0"/>
+          <dgm:bulletEnabled val="1"/>
+        </dgm:varLst>
+        <dgm:alg type="tx">
+          <dgm:param type="txAnchorHorzCh" val="ctr"/>
+          <dgm:param type="txAnchorVertCh" val="mid"/>
+        </dgm:alg>
+        <dgm:shape xmlns:r="http://schemas.openxmlformats.org/officeDocument/2006/relationships" type="rect" r:blip="" hideGeom="1">
+          <dgm:adjLst/>
+        </dgm:shape>
+        <dgm:choose name="Name124">
+          <dgm:if name="Name125" func="var" arg="dir" op="equ" val="norm">
+            <dgm:presOf axis="desOrSelf" ptType="node"/>
+          </dgm:if>
+          <dgm:else name="Name126">
+            <dgm:presOf axis="root ch desOrSelf" ptType="all node node" st="1 2 1" cnt="1 1 0"/>
+          </dgm:else>
+        </dgm:choose>
+        <dgm:constrLst>
+          <dgm:constr type="tMarg"/>
+          <dgm:constr type="bMarg"/>
+          <dgm:constr type="lMarg"/>
+          <dgm:constr type="rMarg"/>
+          <dgm:constr type="primFontSz" val="65"/>
+        </dgm:constrLst>
+        <dgm:ruleLst>
+          <dgm:rule type="primFontSz" val="5" fact="NaN" max="NaN"/>
+        </dgm:ruleLst>
+      </dgm:layoutNode>
+    </dgm:forEach>
+  </dgm:layoutNode>
+</dgm:layoutDef>
+</file>
+
+<file path=ppt/diagrams/layout2.xml><?xml version="1.0" encoding="utf-8"?>
+<dgm:layoutDef xmlns:dgm="http://schemas.openxmlformats.org/drawingml/2006/diagram" xmlns:a="http://schemas.openxmlformats.org/drawingml/2006/main" uniqueId="urn:microsoft.com/office/officeart/2005/8/layout/venn1">
+  <dgm:title val=""/>
+  <dgm:desc val=""/>
+  <dgm:catLst>
+    <dgm:cat type="relationship" pri="28000"/>
+    <dgm:cat type="convert" pri="19000"/>
+  </dgm:catLst>
+  <dgm:sampData useDef="1">
+    <dgm:dataModel>
+      <dgm:ptLst/>
+      <dgm:bg/>
+      <dgm:whole/>
+    </dgm:dataModel>
+  </dgm:sampData>
+  <dgm:styleData useDef="1">
+    <dgm:dataModel>
+      <dgm:ptLst/>
+      <dgm:bg/>
+      <dgm:whole/>
+    </dgm:dataModel>
+  </dgm:styleData>
+  <dgm:clrData>
+    <dgm:dataModel>
+      <dgm:ptLst>
+        <dgm:pt modelId="0" type="doc"/>
+        <dgm:pt modelId="1"/>
+        <dgm:pt modelId="2"/>
+        <dgm:pt modelId="3"/>
+        <dgm:pt modelId="4"/>
+      </dgm:ptLst>
+      <dgm:cxnLst>
+        <dgm:cxn modelId="7" srcId="0" destId="1" srcOrd="0" destOrd="0"/>
+        <dgm:cxn modelId="8" srcId="0" destId="2" srcOrd="1" destOrd="0"/>
+        <dgm:cxn modelId="9" srcId="0" destId="3" srcOrd="2" destOrd="0"/>
+        <dgm:cxn modelId="10" srcId="0" destId="4" srcOrd="3" destOrd="0"/>
+      </dgm:cxnLst>
+      <dgm:bg/>
+      <dgm:whole/>
+    </dgm:dataModel>
+  </dgm:clrData>
+  <dgm:layoutNode name="compositeShape">
+    <dgm:varLst>
+      <dgm:chMax val="7"/>
+      <dgm:dir/>
+      <dgm:resizeHandles val="exact"/>
+    </dgm:varLst>
+    <dgm:choose name="Name0">
+      <dgm:if name="Name1" axis="ch" ptType="node" func="cnt" op="equ" val="1">
+        <dgm:alg type="composite">
+          <dgm:param type="ar" val="1"/>
+        </dgm:alg>
+      </dgm:if>
+      <dgm:if name="Name2" axis="ch" ptType="node" func="cnt" op="equ" val="2">
+        <dgm:alg type="composite">
+          <dgm:param type="ar" val="1.792"/>
+        </dgm:alg>
+      </dgm:if>
+      <dgm:if name="Name3" axis="ch" ptType="node" func="cnt" op="equ" val="3">
+        <dgm:alg type="composite">
+          <dgm:param type="ar" val="1"/>
+        </dgm:alg>
+      </dgm:if>
+      <dgm:if name="Name4" axis="ch" ptType="node" func="cnt" op="equ" val="4">
+        <dgm:alg type="composite">
+          <dgm:param type="ar" val="1"/>
+        </dgm:alg>
+      </dgm:if>
+      <dgm:if name="Name5" axis="ch" ptType="node" func="cnt" op="equ" val="5">
+        <dgm:alg type="composite">
+          <dgm:param type="ar" val="1.4"/>
+        </dgm:alg>
+      </dgm:if>
+      <dgm:if name="Name6" axis="ch" ptType="node" func="cnt" op="equ" val="6">
+        <dgm:alg type="composite">
+          <dgm:param type="ar" val="1.285"/>
+        </dgm:alg>
+      </dgm:if>
+      <dgm:if name="Name7" axis="ch" ptType="node" func="cnt" op="equ" val="7">
+        <dgm:alg type="composite">
+          <dgm:param type="ar" val="1.359"/>
+        </dgm:alg>
+      </dgm:if>
+      <dgm:else name="Name8">
+        <dgm:alg type="composite">
+          <dgm:param type="ar" val="1.359"/>
+        </dgm:alg>
+      </dgm:else>
+    </dgm:choose>
+    <dgm:shape xmlns:r="http://schemas.openxmlformats.org/officeDocument/2006/relationships" r:blip="">
+      <dgm:adjLst/>
+    </dgm:shape>
+    <dgm:presOf/>
+    <dgm:choose name="Name9">
+      <dgm:if name="Name10" axis="ch" ptType="node" func="cnt" op="equ" val="1">
+        <dgm:constrLst>
+          <dgm:constr type="ctrX" for="ch" forName="circ1TxSh" refType="w" fact="0.5"/>
+          <dgm:constr type="ctrY" for="ch" forName="circ1TxSh" refType="h" fact="0.5"/>
+          <dgm:constr type="w" for="ch" forName="circ1TxSh" refType="w"/>
+          <dgm:constr type="h" for="ch" forName="circ1TxSh" refType="h"/>
+          <dgm:constr type="primFontSz" for="ch" ptType="node" op="equ"/>
+        </dgm:constrLst>
+      </dgm:if>
+      <dgm:if name="Name11" axis="ch" ptType="node" func="cnt" op="equ" val="2">
+        <dgm:constrLst>
+          <dgm:constr type="ctrX" for="ch" forName="circ1" refType="w" fact="0.3"/>
+          <dgm:constr type="ctrY" for="ch" forName="circ1" refType="h" fact="0.5"/>
+          <dgm:constr type="w" for="ch" forName="circ1" refType="w" fact="0.555"/>
+          <dgm:constr type="h" for="ch" forName="circ1" refType="h" fact="0.99456"/>
+          <dgm:constr type="l" for="ch" forName="circ1Tx" refType="w" fact="0.1"/>
+          <dgm:constr type="t" for="ch" forName="circ1Tx" refType="h" fact="0.12"/>
+          <dgm:constr type="w" for="ch" forName="circ1Tx" refType="w" fact="0.32"/>
+          <dgm:constr type="h" for="ch" forName="circ1Tx" refType="h" fact="0.76"/>
+          <dgm:constr type="ctrX" for="ch" forName="circ2" refType="w" fact="0.7"/>
+          <dgm:constr type="ctrY" for="ch" forName="circ2" refType="h" fact="0.5"/>
+          <dgm:constr type="w" for="ch" forName="circ2" refType="w" fact="0.555"/>
+          <dgm:constr type="h" for="ch" forName="circ2" refType="h" fact="0.99456"/>
+          <dgm:constr type="l" for="ch" forName="circ2Tx" refType="w" fact="0.58"/>
+          <dgm:constr type="t" for="ch" forName="circ2Tx" refType="h" fact="0.12"/>
+          <dgm:constr type="w" for="ch" forName="circ2Tx" refType="w" fact="0.32"/>
+          <dgm:constr type="h" for="ch" forName="circ2Tx" refType="h" fact="0.76"/>
+          <dgm:constr type="primFontSz" for="ch" ptType="node" op="equ"/>
+        </dgm:constrLst>
+      </dgm:if>
+      <dgm:if name="Name12" axis="ch" ptType="node" func="cnt" op="equ" val="3">
+        <dgm:constrLst>
+          <dgm:constr type="ctrX" for="ch" forName="circ1" refType="w" fact="0.5"/>
+          <dgm:constr type="ctrY" for="ch" forName="circ1" refType="w" fact="0.25"/>
+          <dgm:constr type="w" for="ch" forName="circ1" refType="w" fact="0.6"/>
+          <dgm:constr type="h" for="ch" forName="circ1" refType="h" fact="0.6"/>
+          <dgm:constr type="l" for="ch" forName="circ1Tx" refType="w" fact="0.28"/>
+          <dgm:constr type="t" for="ch" forName="circ1Tx" refType="h" fact="0.055"/>
+          <dgm:constr type="w" for="ch" forName="circ1Tx" refType="w" fact="0.44"/>
+          <dgm:constr type="h" for="ch" forName="circ1Tx" refType="h" fact="0.27"/>
+          <dgm:constr type="ctrX" for="ch" forName="circ2" refType="w" fact="0.7165"/>
+          <dgm:constr type="ctrY" for="ch" forName="circ2" refType="w" fact="0.625"/>
+          <dgm:constr type="w" for="ch" forName="circ2" refType="w" fact="0.6"/>
+          <dgm:constr type="h" for="ch" forName="circ2" refType="h" fact="0.6"/>
+          <dgm:constr type="l" for="ch" forName="circ2Tx" refType="w" fact="0.6"/>
+          <dgm:constr type="t" for="ch" forName="circ2Tx" refType="h" fact="0.48"/>
+          <dgm:constr type="w" for="ch" forName="circ2Tx" refType="w" fact="0.36"/>
+          <dgm:constr type="h" for="ch" forName="circ2Tx" refType="h" fact="0.33"/>
+          <dgm:constr type="ctrX" for="ch" forName="circ3" refType="w" fact="0.2835"/>
+          <dgm:constr type="ctrY" for="ch" forName="circ3" refType="w" fact="0.625"/>
+          <dgm:constr type="w" for="ch" forName="circ3" refType="w" fact="0.6"/>
+          <dgm:constr type="h" for="ch" forName="circ3" refType="h" fact="0.6"/>
+          <dgm:constr type="l" for="ch" forName="circ3Tx" refType="w" fact="0.04"/>
+          <dgm:constr type="t" for="ch" forName="circ3Tx" refType="h" fact="0.48"/>
+          <dgm:constr type="w" for="ch" forName="circ3Tx" refType="w" fact="0.36"/>
+          <dgm:constr type="h" for="ch" forName="circ3Tx" refType="h" fact="0.33"/>
+          <dgm:constr type="primFontSz" for="ch" ptType="node" op="equ"/>
+        </dgm:constrLst>
+      </dgm:if>
+      <dgm:if name="Name13" axis="ch" ptType="node" func="cnt" op="equ" val="4">
+        <dgm:constrLst>
+          <dgm:constr type="ctrX" for="ch" forName="circ1" refType="w" fact="0.5"/>
+          <dgm:constr type="ctrY" for="ch" forName="circ1" refType="w" fact="0.27"/>
+          <dgm:constr type="w" for="ch" forName="circ1" refType="w" fact="0.52"/>
+          <dgm:constr type="h" for="ch" forName="circ1" refType="h" fact="0.52"/>
+          <dgm:constr type="l" for="ch" forName="circ1Tx" refType="w" fact="0.3"/>
+          <dgm:constr type="t" for="ch" forName="circ1Tx" refType="h" fact="0.08"/>
+          <dgm:constr type="w" for="ch" forName="circ1Tx" refType="w" fact="0.4"/>
+          <dgm:constr type="h" for="ch" forName="circ1Tx" refType="h" fact="0.165"/>
+          <dgm:constr type="ctrX" for="ch" forName="circ2" refType="w" fact="0.73"/>
+          <dgm:constr type="ctrY" for="ch" forName="circ2" refType="w" fact="0.5"/>
+          <dgm:constr type="w" for="ch" forName="circ2" refType="w" fact="0.52"/>
+          <dgm:constr type="h" for="ch" forName="circ2" refType="h" fact="0.52"/>
+          <dgm:constr type="r" for="ch" forName="circ2Tx" refType="w" fact="0.95"/>
+          <dgm:constr type="t" for="ch" forName="circ2Tx" refType="h" fact="0.3"/>
+          <dgm:constr type="w" for="ch" forName="circ2Tx" refType="w" fact="0.2"/>
+          <dgm:constr type="h" for="ch" forName="circ2Tx" refType="h" fact="0.4"/>
+          <dgm:constr type="ctrX" for="ch" forName="circ3" refType="w" fact="0.5"/>
+          <dgm:constr type="ctrY" for="ch" forName="circ3" refType="w" fact="0.73"/>
+          <dgm:constr type="w" for="ch" forName="circ3" refType="w" fact="0.52"/>
+          <dgm:constr type="h" for="ch" forName="circ3" refType="h" fact="0.52"/>
+          <dgm:constr type="l" for="ch" forName="circ3Tx" refType="w" fact="0.3"/>
+          <dgm:constr type="b" for="ch" forName="circ3Tx" refType="h" fact="0.92"/>
+          <dgm:constr type="w" for="ch" forName="circ3Tx" refType="w" fact="0.4"/>
+          <dgm:constr type="h" for="ch" forName="circ3Tx" refType="h" fact="0.165"/>
+          <dgm:constr type="ctrX" for="ch" forName="circ4" refType="w" fact="0.27"/>
+          <dgm:constr type="ctrY" for="ch" forName="circ4" refType="h" fact="0.5"/>
+          <dgm:constr type="w" for="ch" forName="circ4" refType="w" fact="0.52"/>
+          <dgm:constr type="h" for="ch" forName="circ4" refType="h" fact="0.52"/>
+          <dgm:constr type="l" for="ch" forName="circ4Tx" refType="w" fact="0.05"/>
+          <dgm:constr type="t" for="ch" forName="circ4Tx" refType="h" fact="0.3"/>
+          <dgm:constr type="w" for="ch" forName="circ4Tx" refType="w" fact="0.2"/>
+          <dgm:constr type="h" for="ch" forName="circ4Tx" refType="h" fact="0.4"/>
+          <dgm:constr type="primFontSz" for="ch" ptType="node" op="equ"/>
+        </dgm:constrLst>
+      </dgm:if>
+      <dgm:if name="Name14" axis="ch" ptType="node" func="cnt" op="equ" val="5">
+        <dgm:constrLst>
+          <dgm:constr type="ctrX" for="ch" forName="circ1" refType="w" fact="0.5"/>
+          <dgm:constr type="ctrY" for="ch" forName="circ1" refType="h" fact="0.46"/>
+          <dgm:constr type="w" for="ch" forName="circ1" refType="w" fact="0.25"/>
+          <dgm:constr type="h" for="ch" forName="circ1" refType="h" fact="0.35"/>
+          <dgm:constr type="l" for="ch" forName="circ1Tx" refType="w" fact="0.355"/>
+          <dgm:constr type="t" for="ch" forName="circ1Tx"/>
+          <dgm:constr type="w" for="ch" forName="circ1Tx" refType="w" fact="0.29"/>
+          <dgm:constr type="h" for="ch" forName="circ1Tx" refType="h" fact="0.235"/>
+          <dgm:constr type="ctrX" for="ch" forName="circ2" refType="w" fact="0.5951"/>
+          <dgm:constr type="ctrY" for="ch" forName="circ2" refType="h" fact="0.5567"/>
+          <dgm:constr type="w" for="ch" forName="circ2" refType="w" fact="0.25"/>
+          <dgm:constr type="h" for="ch" forName="circ2" refType="h" fact="0.35"/>
+          <dgm:constr type="l" for="ch" forName="circ2Tx" refType="w" fact="0.74"/>
+          <dgm:constr type="t" for="ch" forName="circ2Tx" refType="h" fact="0.31"/>
+          <dgm:constr type="w" for="ch" forName="circ2Tx" refType="w" fact="0.26"/>
+          <dgm:constr type="h" for="ch" forName="circ2Tx" refType="h" fact="0.255"/>
+          <dgm:constr type="ctrX" for="ch" forName="circ3" refType="w" fact="0.5588"/>
+          <dgm:constr type="ctrY" for="ch" forName="circ3" refType="h" fact="0.7133"/>
+          <dgm:constr type="w" for="ch" forName="circ3" refType="w" fact="0.25"/>
+          <dgm:constr type="h" for="ch" forName="circ3" refType="h" fact="0.35"/>
+          <dgm:constr type="l" for="ch" forName="circ3Tx" refType="w" fact="0.7"/>
+          <dgm:constr type="t" for="ch" forName="circ3Tx" refType="h" fact="0.745"/>
+          <dgm:constr type="w" for="ch" forName="circ3Tx" refType="w" fact="0.26"/>
+          <dgm:constr type="h" for="ch" forName="circ3Tx" refType="h" fact="0.255"/>
+          <dgm:constr type="ctrX" for="ch" forName="circ4" refType="w" fact="0.4412"/>
+          <dgm:constr type="ctrY" for="ch" forName="circ4" refType="h" fact="0.7133"/>
+          <dgm:constr type="w" for="ch" forName="circ4" refType="w" fact="0.25"/>
+          <dgm:constr type="h" for="ch" forName="circ4" refType="h" fact="0.35"/>
+          <dgm:constr type="l" for="ch" forName="circ4Tx" refType="w" fact="0.04"/>
+          <dgm:constr type="t" for="ch" forName="circ4Tx" refType="h" fact="0.745"/>
+          <dgm:constr type="w" for="ch" forName="circ4Tx" refType="w" fact="0.26"/>
+          <dgm:constr type="h" for="ch" forName="circ4Tx" refType="h" fact="0.255"/>
+          <dgm:constr type="ctrX" for="ch" forName="circ5" refType="w" fact="0.4049"/>
+          <dgm:constr type="ctrY" for="ch" forName="circ5" refType="h" fact="0.5567"/>
+          <dgm:constr type="w" for="ch" forName="circ5" refType="w" fact="0.25"/>
+          <dgm:constr type="h" for="ch" forName="circ5" refType="h" fact="0.35"/>
+          <dgm:constr type="l" for="ch" forName="circ5Tx"/>
+          <dgm:constr type="t" for="ch" forName="circ5Tx" refType="h" fact="0.31"/>
+          <dgm:constr type="w" for="ch" forName="circ5Tx" refType="w" fact="0.26"/>
+          <dgm:constr type="h" for="ch" forName="circ5Tx" refType="h" fact="0.255"/>
+          <dgm:constr type="primFontSz" for="ch" ptType="node" op="equ"/>
+        </dgm:constrLst>
+      </dgm:if>
+      <dgm:if name="Name15" axis="ch" ptType="node" func="cnt" op="equ" val="6">
+        <dgm:constrLst>
+          <dgm:constr type="ctrX" for="ch" forName="circ1" refType="w" fact="0.5"/>
+          <dgm:constr type="ctrY" for="ch" forName="circ1" refType="h" fact="0.3844"/>
+          <dgm:constr type="w" for="ch" forName="circ1" refType="w" fact="0.24"/>
+          <dgm:constr type="h" for="ch" forName="circ1" refType="h" fact="0.3084"/>
+          <dgm:constr type="l" for="ch" forName="circ1Tx" refType="w" fact="0.35"/>
+          <dgm:constr type="t" for="ch" forName="circ1Tx"/>
+          <dgm:constr type="w" for="ch" forName="circ1Tx" refType="w" fact="0.3"/>
+          <dgm:constr type="h" for="ch" forName="circ1Tx" refType="h" fact="0.21"/>
+          <dgm:constr type="ctrX" for="ch" forName="circ2" refType="w" fact="0.5779"/>
+          <dgm:constr type="ctrY" for="ch" forName="circ2" refType="h" fact="0.4422"/>
+          <dgm:constr type="w" for="ch" forName="circ2" refType="w" fact="0.24"/>
+          <dgm:constr type="h" for="ch" forName="circ2" refType="h" fact="0.3084"/>
+          <dgm:constr type="l" for="ch" forName="circ2Tx" refType="w" fact="0.7157"/>
+          <dgm:constr type="t" for="ch" forName="circ2Tx" refType="h" fact="0.2"/>
+          <dgm:constr type="w" for="ch" forName="circ2Tx" refType="w" fact="0.2843"/>
+          <dgm:constr type="h" for="ch" forName="circ2Tx" refType="h" fact="0.23"/>
+          <dgm:constr type="ctrX" for="ch" forName="circ3" refType="w" fact="0.5779"/>
+          <dgm:constr type="ctrY" for="ch" forName="circ3" refType="h" fact="0.5578"/>
+          <dgm:constr type="w" for="ch" forName="circ3" refType="w" fact="0.24"/>
+          <dgm:constr type="h" for="ch" forName="circ3" refType="h" fact="0.3084"/>
+          <dgm:constr type="l" for="ch" forName="circ3Tx" refType="w" fact="0.7157"/>
+          <dgm:constr type="t" for="ch" forName="circ3Tx" refType="h" fact="0.543"/>
+          <dgm:constr type="w" for="ch" forName="circ3Tx" refType="w" fact="0.2843"/>
+          <dgm:constr type="h" for="ch" forName="circ3Tx" refType="h" fact="0.257"/>
+          <dgm:constr type="ctrX" for="ch" forName="circ4" refType="w" fact="0.5"/>
+          <dgm:constr type="ctrY" for="ch" forName="circ4" refType="h" fact="0.6157"/>
+          <dgm:constr type="w" for="ch" forName="circ4" refType="w" fact="0.24"/>
+          <dgm:constr type="h" for="ch" forName="circ4" refType="h" fact="0.3084"/>
+          <dgm:constr type="l" for="ch" forName="circ4Tx" refType="w" fact="0.35"/>
+          <dgm:constr type="t" for="ch" forName="circ4Tx" refType="h" fact="0.79"/>
+          <dgm:constr type="w" for="ch" forName="circ4Tx" refType="w" fact="0.3"/>
+          <dgm:constr type="h" for="ch" forName="circ4Tx" refType="h" fact="0.21"/>
+          <dgm:constr type="ctrX" for="ch" forName="circ5" refType="w" fact="0.4221"/>
+          <dgm:constr type="ctrY" for="ch" forName="circ5" refType="h" fact="0.5578"/>
+          <dgm:constr type="w" for="ch" forName="circ5" refType="w" fact="0.24"/>
+          <dgm:constr type="h" for="ch" forName="circ5" refType="h" fact="0.3084"/>
+          <dgm:constr type="l" for="ch" forName="circ5Tx" refType="w" fact="0"/>
+          <dgm:constr type="t" for="ch" forName="circ5Tx" refType="h" fact="0.543"/>
+          <dgm:constr type="w" for="ch" forName="circ5Tx" refType="w" fact="0.2843"/>
+          <dgm:constr type="h" for="ch" forName="circ5Tx" refType="h" fact="0.257"/>
+          <dgm:constr type="ctrX" for="ch" forName="circ6" refType="w" fact="0.4221"/>
+          <dgm:constr type="ctrY" for="ch" forName="circ6" refType="h" fact="0.4422"/>
+          <dgm:constr type="w" for="ch" forName="circ6" refType="w" fact="0.24"/>
+          <dgm:constr type="h" for="ch" forName="circ6" refType="h" fact="0.3084"/>
+          <dgm:constr type="l" for="ch" forName="circ6Tx" refType="w" fact="0"/>
+          <dgm:constr type="t" for="ch" forName="circ6Tx" refType="h" fact="0.2"/>
+          <dgm:constr type="w" for="ch" forName="circ6Tx" refType="w" fact="0.2843"/>
+          <dgm:constr type="h" for="ch" forName="circ6Tx" refType="h" fact="0.257"/>
+          <dgm:constr type="primFontSz" for="ch" ptType="node" op="equ"/>
+        </dgm:constrLst>
+      </dgm:if>
+      <dgm:else name="Name16">
+        <dgm:constrLst>
+          <dgm:constr type="ctrX" for="ch" forName="circ1" refType="w" fact="0.5"/>
+          <dgm:constr type="ctrY" for="ch" forName="circ1" refType="h" fact="0.4177"/>
+          <dgm:constr type="w" for="ch" forName="circ1" refType="w" fact="0.24"/>
+          <dgm:constr type="h" for="ch" forName="circ1" refType="h" fact="0.3262"/>
+          <dgm:constr type="l" for="ch" forName="circ1Tx" refType="w" fact="0.3625"/>
+          <dgm:constr type="t" for="ch" forName="circ1Tx"/>
+          <dgm:constr type="w" for="ch" forName="circ1Tx" refType="w" fact="0.275"/>
+          <dgm:constr type="h" for="ch" forName="circ1Tx" refType="h" fact="0.2"/>
+          <dgm:constr type="ctrX" for="ch" forName="circ2" refType="w" fact="0.5704"/>
+          <dgm:constr type="ctrY" for="ch" forName="circ2" refType="h" fact="0.4637"/>
+          <dgm:constr type="w" for="ch" forName="circ2" refType="w" fact="0.24"/>
+          <dgm:constr type="h" for="ch" forName="circ2" refType="h" fact="0.3262"/>
+          <dgm:constr type="l" for="ch" forName="circ2Tx" refType="w" fact="0.72"/>
+          <dgm:constr type="t" for="ch" forName="circ2Tx" refType="h" fact="0.19"/>
+          <dgm:constr type="w" for="ch" forName="circ2Tx" refType="w" fact="0.26"/>
+          <dgm:constr type="h" for="ch" forName="circ2Tx" refType="h" fact="0.22"/>
+          <dgm:constr type="ctrX" for="ch" forName="circ3" refType="w" fact="0.5877"/>
+          <dgm:constr type="ctrY" for="ch" forName="circ3" refType="h" fact="0.5672"/>
+          <dgm:constr type="w" for="ch" forName="circ3" refType="w" fact="0.24"/>
+          <dgm:constr type="h" for="ch" forName="circ3" refType="h" fact="0.3262"/>
+          <dgm:constr type="l" for="ch" forName="circ3Tx" refType="w" fact="0.745"/>
+          <dgm:constr type="t" for="ch" forName="circ3Tx" refType="h" fact="0.47"/>
+          <dgm:constr type="w" for="ch" forName="circ3Tx" refType="w" fact="0.255"/>
+          <dgm:constr type="h" for="ch" forName="circ3Tx" refType="h" fact="0.235"/>
+          <dgm:constr type="ctrX" for="ch" forName="circ4" refType="w" fact="0.539"/>
+          <dgm:constr type="ctrY" for="ch" forName="circ4" refType="h" fact="0.6502"/>
+          <dgm:constr type="w" for="ch" forName="circ4" refType="w" fact="0.24"/>
+          <dgm:constr type="h" for="ch" forName="circ4" refType="h" fact="0.3262"/>
+          <dgm:constr type="l" for="ch" forName="circ4Tx" refType="w" fact="0.635"/>
+          <dgm:constr type="t" for="ch" forName="circ4Tx" refType="h" fact="0.785"/>
+          <dgm:constr type="w" for="ch" forName="circ4Tx" refType="w" fact="0.275"/>
+          <dgm:constr type="h" for="ch" forName="circ4Tx" refType="h" fact="0.215"/>
+          <dgm:constr type="ctrX" for="ch" forName="circ5" refType="w" fact="0.461"/>
+          <dgm:constr type="ctrY" for="ch" forName="circ5" refType="h" fact="0.6502"/>
+          <dgm:constr type="w" for="ch" forName="circ5" refType="w" fact="0.24"/>
+          <dgm:constr type="h" for="ch" forName="circ5" refType="h" fact="0.3262"/>
+          <dgm:constr type="l" for="ch" forName="circ5Tx" refType="w" fact="0.09"/>
+          <dgm:constr type="t" for="ch" forName="circ5Tx" refType="h" fact="0.785"/>
+          <dgm:constr type="w" for="ch" forName="circ5Tx" refType="w" fact="0.275"/>
+          <dgm:constr type="h" for="ch" forName="circ5Tx" refType="h" fact="0.215"/>
+          <dgm:constr type="ctrX" for="ch" forName="circ6" refType="w" fact="0.4123"/>
+          <dgm:constr type="ctrY" for="ch" forName="circ6" refType="h" fact="0.5672"/>
+          <dgm:constr type="w" for="ch" forName="circ6" refType="w" fact="0.24"/>
+          <dgm:constr type="h" for="ch" forName="circ6" refType="h" fact="0.3262"/>
+          <dgm:constr type="l" for="ch" forName="circ6Tx"/>
+          <dgm:constr type="t" for="ch" forName="circ6Tx" refType="h" fact="0.47"/>
+          <dgm:constr type="w" for="ch" forName="circ6Tx" refType="w" fact="0.255"/>
+          <dgm:constr type="h" for="ch" forName="circ6Tx" refType="h" fact="0.235"/>
+          <dgm:constr type="ctrX" for="ch" forName="circ7" refType="w" fact="0.4296"/>
+          <dgm:constr type="ctrY" for="ch" forName="circ7" refType="h" fact="0.4637"/>
+          <dgm:constr type="w" for="ch" forName="circ7" refType="w" fact="0.24"/>
+          <dgm:constr type="h" for="ch" forName="circ7" refType="h" fact="0.3262"/>
+          <dgm:constr type="l" for="ch" forName="circ7Tx" refType="w" fact="0.02"/>
+          <dgm:constr type="t" for="ch" forName="circ7Tx" refType="h" fact="0.19"/>
+          <dgm:constr type="w" for="ch" forName="circ7Tx" refType="w" fact="0.26"/>
+          <dgm:constr type="h" for="ch" forName="circ7Tx" refType="h" fact="0.22"/>
+          <dgm:constr type="primFontSz" for="ch" ptType="node" op="equ"/>
+        </dgm:constrLst>
+      </dgm:else>
+    </dgm:choose>
+    <dgm:ruleLst/>
+    <dgm:forEach name="Name17" axis="ch" ptType="node" cnt="1">
+      <dgm:choose name="Name18">
+        <dgm:if name="Name19" axis="root ch" ptType="all node" func="cnt" op="equ" val="1">
+          <dgm:layoutNode name="circ1TxSh" styleLbl="vennNode1">
+            <dgm:alg type="tx">
+              <dgm:param type="txAnchorHorzCh" val="ctr"/>
+              <dgm:param type="txAnchorVertCh" val="mid"/>
+            </dgm:alg>
+            <dgm:shape xmlns:r="http://schemas.openxmlformats.org/officeDocument/2006/relationships" type="ellipse" r:blip="">
+              <dgm:adjLst/>
+            </dgm:shape>
+            <dgm:choose name="Name20">
+              <dgm:if name="Name21" func="var" arg="dir" op="equ" val="norm">
+                <dgm:choose name="Name22">
+                  <dgm:if name="Name23" axis="root ch" ptType="all node" func="cnt" op="lte" val="4">
+                    <dgm:presOf axis="desOrSelf" ptType="node"/>
+                  </dgm:if>
+                  <dgm:else name="Name24">
+                    <dgm:presOf/>
+                  </dgm:else>
+                </dgm:choose>
+              </dgm:if>
+              <dgm:else name="Name25">
+                <dgm:choose name="Name26">
+                  <dgm:if name="Name27" axis="root ch" ptType="all node" func="cnt" op="equ" val="2">
+                    <dgm:presOf axis="root ch desOrSelf" ptType="all node node" st="1 2 1" cnt="1 1 0"/>
+                  </dgm:if>
+                  <dgm:else name="Name28">
+                    <dgm:presOf axis="desOrSelf" ptType="node"/>
+                  </dgm:else>
+                </dgm:choose>
+              </dgm:else>
+            </dgm:choose>
+            <dgm:constrLst>
+              <dgm:constr type="tMarg"/>
+              <dgm:constr type="bMarg"/>
+              <dgm:constr type="lMarg"/>
+              <dgm:constr type="rMarg"/>
+              <dgm:constr type="primFontSz" val="65"/>
+            </dgm:constrLst>
+            <dgm:ruleLst>
+              <dgm:rule type="primFontSz" val="5" fact="NaN" max="NaN"/>
+            </dgm:ruleLst>
+          </dgm:layoutNode>
+        </dgm:if>
+        <dgm:else name="Name29">
+          <dgm:layoutNode name="circ1" styleLbl="vennNode1">
+            <dgm:alg type="sp"/>
+            <dgm:shape xmlns:r="http://schemas.openxmlformats.org/officeDocument/2006/relationships" type="ellipse" r:blip="">
+              <dgm:adjLst/>
+            </dgm:shape>
+            <dgm:choose name="Name30">
+              <dgm:if name="Name31" func="var" arg="dir" op="equ" val="norm">
+                <dgm:choose name="Name32">
+                  <dgm:if name="Name33" axis="root ch" ptType="all node" func="cnt" op="lte" val="4">
+                    <dgm:presOf axis="desOrSelf" ptType="node"/>
+                  </dgm:if>
+                  <dgm:else name="Name34">
+                    <dgm:presOf/>
+                  </dgm:else>
+                </dgm:choose>
+              </dgm:if>
+              <dgm:else name="Name35">
+                <dgm:choose name="Name36">
+                  <dgm:if name="Name37" axis="root ch" ptType="all node" func="cnt" op="equ" val="2">
+                    <dgm:presOf axis="root ch desOrSelf" ptType="all node node" st="1 2 1" cnt="1 1 0"/>
+                  </dgm:if>
+                  <dgm:else name="Name38">
+                    <dgm:choose name="Name39">
+                      <dgm:if name="Name40" axis="root ch" ptType="all node" func="cnt" op="lte" val="4">
+                        <dgm:presOf axis="desOrSelf" ptType="node"/>
+                      </dgm:if>
+                      <dgm:else name="Name41">
+                        <dgm:presOf/>
+                      </dgm:else>
+                    </dgm:choose>
+                  </dgm:else>
+                </dgm:choose>
+              </dgm:else>
+            </dgm:choose>
+            <dgm:constrLst/>
+            <dgm:ruleLst/>
+          </dgm:layoutNode>
+          <dgm:layoutNode name="circ1Tx" styleLbl="revTx">
+            <dgm:varLst>
+              <dgm:chMax val="0"/>
+              <dgm:chPref val="0"/>
+              <dgm:bulletEnabled val="1"/>
+            </dgm:varLst>
+            <dgm:alg type="tx">
+              <dgm:param type="txAnchorHorzCh" val="ctr"/>
+              <dgm:param type="txAnchorVertCh" val="mid"/>
+            </dgm:alg>
+            <dgm:shape xmlns:r="http://schemas.openxmlformats.org/officeDocument/2006/relationships" type="rect" r:blip="" hideGeom="1">
+              <dgm:adjLst/>
+            </dgm:shape>
+            <dgm:choose name="Name42">
+              <dgm:if name="Name43" func="var" arg="dir" op="equ" val="norm">
+                <dgm:presOf axis="desOrSelf" ptType="node"/>
+              </dgm:if>
+              <dgm:else name="Name44">
+                <dgm:choose name="Name45">
+                  <dgm:if name="Name46" axis="root ch" ptType="all node" func="cnt" op="equ" val="2">
+                    <dgm:presOf axis="root ch desOrSelf" ptType="all node node" st="1 2 1" cnt="1 1 0"/>
+                  </dgm:if>
+                  <dgm:else name="Name47">
+                    <dgm:presOf axis="desOrSelf" ptType="node"/>
+                  </dgm:else>
+                </dgm:choose>
+              </dgm:else>
+            </dgm:choose>
+            <dgm:constrLst>
+              <dgm:constr type="tMarg"/>
+              <dgm:constr type="bMarg"/>
+              <dgm:constr type="lMarg"/>
+              <dgm:constr type="rMarg"/>
+              <dgm:constr type="primFontSz" val="65"/>
+            </dgm:constrLst>
+            <dgm:ruleLst>
+              <dgm:rule type="primFontSz" val="5" fact="NaN" max="NaN"/>
+            </dgm:ruleLst>
+          </dgm:layoutNode>
+        </dgm:else>
+      </dgm:choose>
+    </dgm:forEach>
+    <dgm:forEach name="Name48" axis="ch" ptType="node" st="2" cnt="1">
+      <dgm:layoutNode name="circ2" styleLbl="vennNode1">
+        <dgm:alg type="sp"/>
+        <dgm:shape xmlns:r="http://schemas.openxmlformats.org/officeDocument/2006/relationships" type="ellipse" r:blip="">
+          <dgm:adjLst/>
+        </dgm:shape>
+        <dgm:choose name="Name49">
+          <dgm:if name="Name50" func="var" arg="dir" op="equ" val="norm">
+            <dgm:choose name="Name51">
+              <dgm:if name="Name52" axis="root ch" ptType="all node" func="cnt" op="lte" val="4">
+                <dgm:presOf axis="desOrSelf" ptType="node"/>
+              </dgm:if>
+              <dgm:else name="Name53">
+                <dgm:presOf/>
+              </dgm:else>
+            </dgm:choose>
+          </dgm:if>
+          <dgm:else name="Name54">
+            <dgm:choose name="Name55">
+              <dgm:if name="Name56" axis="root ch" ptType="all node" func="cnt" op="equ" val="2">
+                <dgm:presOf axis="root ch desOrSelf" ptType="all node node" st="1 1 1" cnt="1 1 0"/>
+              </dgm:if>
+              <dgm:if name="Name57" axis="root ch" ptType="all node" func="cnt" op="equ" val="3">
+                <dgm:presOf axis="root ch desOrSelf" ptType="all node node" st="1 3 1" cnt="1 1 0"/>
+              </dgm:if>
+              <dgm:if name="Name58" axis="root ch" ptType="all node" func="cnt" op="equ" val="4">
+                <dgm:presOf axis="root ch desOrSelf" ptType="all node node" st="1 4 1" cnt="1 1 0"/>
+              </dgm:if>
+              <dgm:else name="Name59">
+                <dgm:presOf/>
+              </dgm:else>
+            </dgm:choose>
+          </dgm:else>
+        </dgm:choose>
+        <dgm:constrLst/>
+        <dgm:ruleLst/>
+      </dgm:layoutNode>
+      <dgm:layoutNode name="circ2Tx" styleLbl="revTx">
+        <dgm:varLst>
+          <dgm:chMax val="0"/>
+          <dgm:chPref val="0"/>
+          <dgm:bulletEnabled val="1"/>
+        </dgm:varLst>
+        <dgm:alg type="tx">
+          <dgm:param type="txAnchorHorzCh" val="ctr"/>
+          <dgm:param type="txAnchorVertCh" val="mid"/>
+        </dgm:alg>
+        <dgm:shape xmlns:r="http://schemas.openxmlformats.org/officeDocument/2006/relationships" type="rect" r:blip="" hideGeom="1">
+          <dgm:adjLst/>
+        </dgm:shape>
+        <dgm:choose name="Name60">
+          <dgm:if name="Name61" func="var" arg="dir" op="equ" val="norm">
+            <dgm:presOf axis="desOrSelf" ptType="node"/>
+          </dgm:if>
+          <dgm:else name="Name62">
+            <dgm:choose name="Name63">
+              <dgm:if name="Name64" axis="root ch" ptType="all node" func="cnt" op="equ" val="2">
+                <dgm:presOf axis="root ch desOrSelf" ptType="all node node" st="1 1 1" cnt="1 1 0"/>
+              </dgm:if>
+              <dgm:if name="Name65" axis="root ch" ptType="all node" func="cnt" op="equ" val="3">
+                <dgm:presOf axis="root ch desOrSelf" ptType="all node node" st="1 3 1" cnt="1 1 0"/>
+              </dgm:if>
+              <dgm:if name="Name66" axis="root ch" ptType="all node" func="cnt" op="equ" val="4">
+                <dgm:presOf axis="root ch desOrSelf" ptType="all node node" st="1 4 1" cnt="1 1 0"/>
+              </dgm:if>
+              <dgm:if name="Name67" axis="root ch" ptType="all node" func="cnt" op="equ" val="5">
+                <dgm:presOf axis="root ch desOrSelf" ptType="all node node" st="1 5 1" cnt="1 1 0"/>
+              </dgm:if>
+              <dgm:if name="Name68" axis="root ch" ptType="all node" func="cnt" op="equ" val="6">
+                <dgm:presOf axis="root ch desOrSelf" ptType="all node node" st="1 6 1" cnt="1 1 0"/>
+              </dgm:if>
+              <dgm:else name="Name69">
+                <dgm:presOf axis="root ch desOrSelf" ptType="all node node" st="1 7 1" cnt="1 1 0"/>
+              </dgm:else>
+            </dgm:choose>
+          </dgm:else>
+        </dgm:choose>
+        <dgm:constrLst>
+          <dgm:constr type="tMarg"/>
+          <dgm:constr type="bMarg"/>
+          <dgm:constr type="lMarg"/>
+          <dgm:constr type="rMarg"/>
+          <dgm:constr type="primFontSz" val="65"/>
+        </dgm:constrLst>
+        <dgm:ruleLst>
+          <dgm:rule type="primFontSz" val="5" fact="NaN" max="NaN"/>
+        </dgm:ruleLst>
+      </dgm:layoutNode>
+    </dgm:forEach>
+    <dgm:forEach name="Name70" axis="ch" ptType="node" st="3" cnt="1">
+      <dgm:layoutNode name="circ3" styleLbl="vennNode1">
+        <dgm:alg type="sp"/>
+        <dgm:shape xmlns:r="http://schemas.openxmlformats.org/officeDocument/2006/relationships" type="ellipse" r:blip="">
+          <dgm:adjLst/>
+        </dgm:shape>
+        <dgm:choose name="Name71">
+          <dgm:if name="Name72" func="var" arg="dir" op="equ" val="norm">
+            <dgm:choose name="Name73">
+              <dgm:if name="Name74" axis="root ch" ptType="all node" func="cnt" op="lte" val="4">
+                <dgm:presOf axis="desOrSelf" ptType="node"/>
+              </dgm:if>
+              <dgm:else name="Name75">
+                <dgm:presOf/>
+              </dgm:else>
+            </dgm:choose>
+          </dgm:if>
+          <dgm:else name="Name76">
+            <dgm:choose name="Name77">
+              <dgm:if name="Name78" axis="root ch" ptType="all node" func="cnt" op="equ" val="3">
+                <dgm:presOf axis="root ch desOrSelf" ptType="all node node" st="1 2 1" cnt="1 1 0"/>
+              </dgm:if>
+              <dgm:if name="Name79" axis="root ch" ptType="all node" func="cnt" op="equ" val="4">
+                <dgm:presOf axis="root ch desOrSelf" ptType="all node node" st="1 3 1" cnt="1 1 0"/>
+              </dgm:if>
+              <dgm:else name="Name80">
+                <dgm:presOf/>
+              </dgm:else>
+            </dgm:choose>
+          </dgm:else>
+        </dgm:choose>
+        <dgm:constrLst/>
+        <dgm:ruleLst/>
+      </dgm:layoutNode>
+      <dgm:layoutNode name="circ3Tx" styleLbl="revTx">
+        <dgm:varLst>
+          <dgm:chMax val="0"/>
+          <dgm:chPref val="0"/>
+          <dgm:bulletEnabled val="1"/>
+        </dgm:varLst>
+        <dgm:alg type="tx">
+          <dgm:param type="txAnchorHorzCh" val="ctr"/>
+          <dgm:param type="txAnchorVertCh" val="mid"/>
+        </dgm:alg>
+        <dgm:shape xmlns:r="http://schemas.openxmlformats.org/officeDocument/2006/relationships" type="rect" r:blip="" hideGeom="1">
+          <dgm:adjLst/>
+        </dgm:shape>
+        <dgm:choose name="Name81">
+          <dgm:if name="Name82" func="var" arg="dir" op="equ" val="norm">
+            <dgm:presOf axis="desOrSelf" ptType="node"/>
+          </dgm:if>
+          <dgm:else name="Name83">
+            <dgm:choose name="Name84">
+              <dgm:if name="Name85" axis="root ch" ptType="all node" func="cnt" op="equ" val="3">
+                <dgm:presOf axis="root ch desOrSelf" ptType="all node node" st="1 2 1" cnt="1 1 0"/>
+              </dgm:if>
+              <dgm:if name="Name86" axis="root ch" ptType="all node" func="cnt" op="equ" val="4">
+                <dgm:presOf axis="root ch desOrSelf" ptType="all node node" st="1 3 1" cnt="1 1 0"/>
+              </dgm:if>
+              <dgm:if name="Name87" axis="root ch" ptType="all node" func="cnt" op="equ" val="5">
+                <dgm:presOf axis="root ch desOrSelf" ptType="all node node" st="1 4 1" cnt="1 1 0"/>
+              </dgm:if>
+              <dgm:if name="Name88" axis="root ch" ptType="all node" func="cnt" op="equ" val="6">
+                <dgm:presOf axis="root ch desOrSelf" ptType="all node node" st="1 5 1" cnt="1 1 0"/>
+              </dgm:if>
+              <dgm:else name="Name89">
+                <dgm:presOf axis="root ch desOrSelf" ptType="all node node" st="1 6 1" cnt="1 1 0"/>
+              </dgm:else>
+            </dgm:choose>
+          </dgm:else>
+        </dgm:choose>
+        <dgm:constrLst>
+          <dgm:constr type="tMarg"/>
+          <dgm:constr type="bMarg"/>
+          <dgm:constr type="lMarg"/>
+          <dgm:constr type="rMarg"/>
+          <dgm:constr type="primFontSz" val="65"/>
+        </dgm:constrLst>
+        <dgm:ruleLst>
+          <dgm:rule type="primFontSz" val="5" fact="NaN" max="NaN"/>
+        </dgm:ruleLst>
+      </dgm:layoutNode>
+    </dgm:forEach>
+    <dgm:forEach name="Name90" axis="ch" ptType="node" st="4" cnt="1">
+      <dgm:layoutNode name="circ4" styleLbl="vennNode1">
+        <dgm:alg type="sp"/>
+        <dgm:shape xmlns:r="http://schemas.openxmlformats.org/officeDocument/2006/relationships" type="ellipse" r:blip="">
+          <dgm:adjLst/>
+        </dgm:shape>
+        <dgm:choose name="Name91">
+          <dgm:if name="Name92" func="var" arg="dir" op="equ" val="norm">
+            <dgm:choose name="Name93">
+              <dgm:if name="Name94" axis="root ch" ptType="all node" func="cnt" op="lte" val="4">
+                <dgm:presOf axis="desOrSelf" ptType="node"/>
+              </dgm:if>
+              <dgm:else name="Name95">
+                <dgm:presOf/>
+              </dgm:else>
+            </dgm:choose>
+          </dgm:if>
+          <dgm:else name="Name96">
+            <dgm:choose name="Name97">
+              <dgm:if name="Name98" axis="root ch" ptType="all node" func="cnt" op="equ" val="4">
+                <dgm:presOf axis="root ch desOrSelf" ptType="all node node" st="1 2 1" cnt="1 1 0"/>
+              </dgm:if>
+              <dgm:else name="Name99">
+                <dgm:presOf/>
+              </dgm:else>
+            </dgm:choose>
+          </dgm:else>
+        </dgm:choose>
+        <dgm:constrLst/>
+        <dgm:ruleLst/>
+      </dgm:layoutNode>
+      <dgm:layoutNode name="circ4Tx" styleLbl="revTx">
+        <dgm:varLst>
+          <dgm:chMax val="0"/>
+          <dgm:chPref val="0"/>
+          <dgm:bulletEnabled val="1"/>
+        </dgm:varLst>
+        <dgm:alg type="tx">
+          <dgm:param type="txAnchorHorzCh" val="ctr"/>
+          <dgm:param type="txAnchorVertCh" val="mid"/>
+        </dgm:alg>
+        <dgm:shape xmlns:r="http://schemas.openxmlformats.org/officeDocument/2006/relationships" type="rect" r:blip="" hideGeom="1">
+          <dgm:adjLst/>
+        </dgm:shape>
+        <dgm:choose name="Name100">
+          <dgm:if name="Name101" func="var" arg="dir" op="equ" val="norm">
+            <dgm:presOf axis="desOrSelf" ptType="node"/>
+          </dgm:if>
+          <dgm:else name="Name102">
+            <dgm:choose name="Name103">
+              <dgm:if name="Name104" axis="root ch" ptType="all node" func="cnt" op="equ" val="4">
+                <dgm:presOf axis="root ch desOrSelf" ptType="all node node" st="1 2 1" cnt="1 1 0"/>
+              </dgm:if>
+              <dgm:if name="Name105" axis="root ch" ptType="all node" func="cnt" op="equ" val="5">
+                <dgm:presOf axis="root ch desOrSelf" ptType="all node node" st="1 3 1" cnt="1 1 0"/>
+              </dgm:if>
+              <dgm:if name="Name106" axis="root ch" ptType="all node" func="cnt" op="equ" val="6">
+                <dgm:presOf axis="root ch desOrSelf" ptType="all node node" st="1 4 1" cnt="1 1 0"/>
+              </dgm:if>
+              <dgm:else name="Name107">
+                <dgm:presOf axis="root ch desOrSelf" ptType="all node node" st="1 5 1" cnt="1 1 0"/>
+              </dgm:else>
+            </dgm:choose>
+          </dgm:else>
+        </dgm:choose>
+        <dgm:constrLst>
+          <dgm:constr type="tMarg"/>
+          <dgm:constr type="bMarg"/>
+          <dgm:constr type="lMarg"/>
+          <dgm:constr type="rMarg"/>
+          <dgm:constr type="primFontSz" val="65"/>
+        </dgm:constrLst>
+        <dgm:ruleLst>
+          <dgm:rule type="primFontSz" val="5" fact="NaN" max="NaN"/>
+        </dgm:ruleLst>
+      </dgm:layoutNode>
+    </dgm:forEach>
+    <dgm:forEach name="Name108" axis="ch" ptType="node" st="5" cnt="1">
+      <dgm:layoutNode name="circ5" styleLbl="vennNode1">
+        <dgm:alg type="sp"/>
+        <dgm:shape xmlns:r="http://schemas.openxmlformats.org/officeDocument/2006/relationships" type="ellipse" r:blip="">
+          <dgm:adjLst/>
+        </dgm:shape>
+        <dgm:presOf/>
+        <dgm:constrLst/>
+        <dgm:ruleLst/>
+      </dgm:layoutNode>
+      <dgm:layoutNode name="circ5Tx" styleLbl="revTx">
+        <dgm:varLst>
+          <dgm:chMax val="0"/>
+          <dgm:chPref val="0"/>
+          <dgm:bulletEnabled val="1"/>
+        </dgm:varLst>
+        <dgm:alg type="tx">
+          <dgm:param type="txAnchorHorzCh" val="ctr"/>
+          <dgm:param type="txAnchorVertCh" val="mid"/>
+        </dgm:alg>
+        <dgm:shape xmlns:r="http://schemas.openxmlformats.org/officeDocument/2006/relationships" type="rect" r:blip="" hideGeom="1">
+          <dgm:adjLst/>
+        </dgm:shape>
+        <dgm:choose name="Name109">
+          <dgm:if name="Name110" func="var" arg="dir" op="equ" val="norm">
+            <dgm:presOf axis="desOrSelf" ptType="node"/>
+          </dgm:if>
+          <dgm:else name="Name111">
+            <dgm:choose name="Name112">
+              <dgm:if name="Name113" axis="root ch" ptType="all node" func="cnt" op="equ" val="5">
+                <dgm:presOf axis="root ch desOrSelf" ptType="all node node" st="1 2 1" cnt="1 1 0"/>
+              </dgm:if>
+              <dgm:if name="Name114" axis="root ch" ptType="all node" func="cnt" op="equ" val="6">
+                <dgm:presOf axis="root ch desOrSelf" ptType="all node node" st="1 3 1" cnt="1 1 0"/>
+              </dgm:if>
+              <dgm:else name="Name115">
+                <dgm:presOf axis="root ch desOrSelf" ptType="all node node" st="1 4 1" cnt="1 1 0"/>
+              </dgm:else>
+            </dgm:choose>
+          </dgm:else>
+        </dgm:choose>
+        <dgm:constrLst>
+          <dgm:constr type="tMarg"/>
+          <dgm:constr type="bMarg"/>
+          <dgm:constr type="lMarg"/>
+          <dgm:constr type="rMarg"/>
+          <dgm:constr type="primFontSz" val="65"/>
+        </dgm:constrLst>
+        <dgm:ruleLst>
+          <dgm:rule type="primFontSz" val="5" fact="NaN" max="NaN"/>
+        </dgm:ruleLst>
+      </dgm:layoutNode>
+    </dgm:forEach>
+    <dgm:forEach name="Name116" axis="ch" ptType="node" st="6" cnt="1">
+      <dgm:layoutNode name="circ6" styleLbl="vennNode1">
+        <dgm:alg type="sp"/>
+        <dgm:shape xmlns:r="http://schemas.openxmlformats.org/officeDocument/2006/relationships" type="ellipse" r:blip="">
+          <dgm:adjLst/>
+        </dgm:shape>
+        <dgm:presOf/>
+        <dgm:constrLst/>
+        <dgm:ruleLst/>
+      </dgm:layoutNode>
+      <dgm:layoutNode name="circ6Tx" styleLbl="revTx">
+        <dgm:varLst>
+          <dgm:chMax val="0"/>
+          <dgm:chPref val="0"/>
+          <dgm:bulletEnabled val="1"/>
+        </dgm:varLst>
+        <dgm:alg type="tx">
+          <dgm:param type="txAnchorHorzCh" val="ctr"/>
+          <dgm:param type="txAnchorVertCh" val="mid"/>
+        </dgm:alg>
+        <dgm:shape xmlns:r="http://schemas.openxmlformats.org/officeDocument/2006/relationships" type="rect" r:blip="" hideGeom="1">
+          <dgm:adjLst/>
+        </dgm:shape>
+        <dgm:choose name="Name117">
+          <dgm:if name="Name118" func="var" arg="dir" op="equ" val="norm">
+            <dgm:presOf axis="desOrSelf" ptType="node"/>
+          </dgm:if>
+          <dgm:else name="Name119">
+            <dgm:choose name="Name120">
+              <dgm:if name="Name121" axis="root ch" ptType="all node" func="cnt" op="equ" val="6">
+                <dgm:presOf axis="root ch desOrSelf" ptType="all node node" st="1 2 1" cnt="1 1 0"/>
+              </dgm:if>
+              <dgm:else name="Name122">
+                <dgm:presOf axis="root ch desOrSelf" ptType="all node node" st="1 3 1" cnt="1 1 0"/>
+              </dgm:else>
+            </dgm:choose>
+          </dgm:else>
+        </dgm:choose>
+        <dgm:constrLst>
+          <dgm:constr type="tMarg"/>
+          <dgm:constr type="bMarg"/>
+          <dgm:constr type="lMarg"/>
+          <dgm:constr type="rMarg"/>
+          <dgm:constr type="primFontSz" val="65"/>
+        </dgm:constrLst>
+        <dgm:ruleLst>
+          <dgm:rule type="primFontSz" val="5" fact="NaN" max="NaN"/>
+        </dgm:ruleLst>
+      </dgm:layoutNode>
+    </dgm:forEach>
+    <dgm:forEach name="Name123" axis="ch" ptType="node" st="7" cnt="1">
+      <dgm:layoutNode name="circ7" styleLbl="vennNode1">
+        <dgm:alg type="sp"/>
+        <dgm:shape xmlns:r="http://schemas.openxmlformats.org/officeDocument/2006/relationships" type="ellipse" r:blip="">
+          <dgm:adjLst/>
+        </dgm:shape>
+        <dgm:presOf/>
+        <dgm:constrLst/>
+        <dgm:ruleLst/>
+      </dgm:layoutNode>
+      <dgm:layoutNode name="circ7Tx" styleLbl="revTx">
+        <dgm:varLst>
+          <dgm:chMax val="0"/>
+          <dgm:chPref val="0"/>
+          <dgm:bulletEnabled val="1"/>
+        </dgm:varLst>
+        <dgm:alg type="tx">
+          <dgm:param type="txAnchorHorzCh" val="ctr"/>
+          <dgm:param type="txAnchorVertCh" val="mid"/>
+        </dgm:alg>
+        <dgm:shape xmlns:r="http://schemas.openxmlformats.org/officeDocument/2006/relationships" type="rect" r:blip="" hideGeom="1">
+          <dgm:adjLst/>
+        </dgm:shape>
+        <dgm:choose name="Name124">
+          <dgm:if name="Name125" func="var" arg="dir" op="equ" val="norm">
+            <dgm:presOf axis="desOrSelf" ptType="node"/>
+          </dgm:if>
+          <dgm:else name="Name126">
+            <dgm:presOf axis="root ch desOrSelf" ptType="all node node" st="1 2 1" cnt="1 1 0"/>
+          </dgm:else>
+        </dgm:choose>
+        <dgm:constrLst>
+          <dgm:constr type="tMarg"/>
+          <dgm:constr type="bMarg"/>
+          <dgm:constr type="lMarg"/>
+          <dgm:constr type="rMarg"/>
+          <dgm:constr type="primFontSz" val="65"/>
+        </dgm:constrLst>
+        <dgm:ruleLst>
+          <dgm:rule type="primFontSz" val="5" fact="NaN" max="NaN"/>
+        </dgm:ruleLst>
+      </dgm:layoutNode>
+    </dgm:forEach>
+  </dgm:layoutNode>
+</dgm:layoutDef>
+</file>
+
+<file path=ppt/diagrams/quickStyle1.xml><?xml version="1.0" encoding="utf-8"?>
+<dgm:styleDef xmlns:dgm="http://schemas.openxmlformats.org/drawingml/2006/diagram" xmlns:a="http://schemas.openxmlformats.org/drawingml/2006/main" uniqueId="urn:microsoft.com/office/officeart/2005/8/quickstyle/simple4">
+  <dgm:title val=""/>
+  <dgm:desc val=""/>
+  <dgm:catLst>
+    <dgm:cat type="simple" pri="10400"/>
+  </dgm:catLst>
+  <dgm:scene3d>
+    <a:camera prst="orthographicFront"/>
+    <a:lightRig rig="threePt" dir="t"/>
+  </dgm:scene3d>
+  <dgm:styleLbl name="node0">
+    <dgm:scene3d>
+      <a:camera prst="orthographicFront"/>
+      <a:lightRig rig="threePt" dir="t"/>
+    </dgm:scene3d>
+    <dgm:sp3d/>
+    <dgm:txPr/>
+    <dgm:style>
+      <a:lnRef idx="0">
+        <a:scrgbClr r="0" g="0" b="0"/>
+      </a:lnRef>
+      <a:fillRef idx="3">
+        <a:scrgbClr r="0" g="0" b="0"/>
+      </a:fillRef>
+      <a:effectRef idx="2">
+        <a:scrgbClr r="0" g="0" b="0"/>
+      </a:effectRef>
+      <a:fontRef idx="minor">
+        <a:schemeClr val="lt1"/>
+      </a:fontRef>
+    </dgm:style>
+  </dgm:styleLbl>
+  <dgm:styleLbl name="lnNode1">
+    <dgm:scene3d>
+      <a:camera prst="orthographicFront"/>
+      <a:lightRig rig="threePt" dir="t"/>
+    </dgm:scene3d>
+    <dgm:sp3d/>
+    <dgm:txPr/>
+    <dgm:style>
+      <a:lnRef idx="1">
+        <a:scrgbClr r="0" g="0" b="0"/>
+      </a:lnRef>
+      <a:fillRef idx="3">
+        <a:scrgbClr r="0" g="0" b="0"/>
+      </a:fillRef>
+      <a:effectRef idx="2">
+        <a:scrgbClr r="0" g="0" b="0"/>
+      </a:effectRef>
+      <a:fontRef idx="minor">
+        <a:schemeClr val="lt1"/>
+      </a:fontRef>
+    </dgm:style>
+  </dgm:styleLbl>
+  <dgm:styleLbl name="vennNode1">
+    <dgm:scene3d>
+      <a:camera prst="orthographicFront"/>
+      <a:lightRig rig="threePt" dir="t"/>
+    </dgm:scene3d>
+    <dgm:sp3d/>
+    <dgm:txPr/>
+    <dgm:style>
+      <a:lnRef idx="0">
+        <a:scrgbClr r="0" g="0" b="0"/>
+      </a:lnRef>
+      <a:fillRef idx="3">
+        <a:scrgbClr r="0" g="0" b="0"/>
+      </a:fillRef>
+      <a:effectRef idx="0">
+        <a:scrgbClr r="0" g="0" b="0"/>
+      </a:effectRef>
+      <a:fontRef idx="minor">
+        <a:schemeClr val="tx1"/>
+      </a:fontRef>
+    </dgm:style>
+  </dgm:styleLbl>
+  <dgm:styleLbl name="alignNode1">
+    <dgm:scene3d>
+      <a:camera prst="orthographicFront"/>
+      <a:lightRig rig="threePt" dir="t"/>
+    </dgm:scene3d>
+    <dgm:sp3d/>
+    <dgm:txPr/>
+    <dgm:style>
+      <a:lnRef idx="1">
+        <a:scrgbClr r="0" g="0" b="0"/>
+      </a:lnRef>
+      <a:fillRef idx="3">
+        <a:scrgbClr r="0" g="0" b="0"/>
+      </a:fillRef>
+      <a:effectRef idx="2">
+        <a:scrgbClr r="0" g="0" b="0"/>
+      </a:effectRef>
+      <a:fontRef idx="minor">
+        <a:schemeClr val="lt1"/>
+      </a:fontRef>
+    </dgm:style>
+  </dgm:styleLbl>
+  <dgm:styleLbl name="node1">
+    <dgm:scene3d>
+      <a:camera prst="orthographicFront"/>
+      <a:lightRig rig="threePt" dir="t"/>
+    </dgm:scene3d>
+    <dgm:sp3d/>
+    <dgm:txPr/>
+    <dgm:style>
+      <a:lnRef idx="0">
+        <a:scrgbClr r="0" g="0" b="0"/>
+      </a:lnRef>
+      <a:fillRef idx="3">
+        <a:scrgbClr r="0" g="0" b="0"/>
+      </a:fillRef>
+      <a:effectRef idx="2">
+        <a:scrgbClr r="0" g="0" b="0"/>
+      </a:effectRef>
+      <a:fontRef idx="minor">
+        <a:schemeClr val="lt1"/>
+      </a:fontRef>
+    </dgm:style>
+  </dgm:styleLbl>
+  <dgm:styleLbl name="node2">
+    <dgm:scene3d>
+      <a:camera prst="orthographicFront"/>
+      <a:lightRig rig="threePt" dir="t"/>
+    </dgm:scene3d>
+    <dgm:sp3d/>
+    <dgm:txPr/>
+    <dgm:style>
+      <a:lnRef idx="0">
+        <a:scrgbClr r="0" g="0" b="0"/>
+      </a:lnRef>
+      <a:fillRef idx="3">
+        <a:scrgbClr r="0" g="0" b="0"/>
+      </a:fillRef>
+      <a:effectRef idx="2">
+        <a:scrgbClr r="0" g="0" b="0"/>
+      </a:effectRef>
+      <a:fontRef idx="minor">
+        <a:schemeClr val="lt1"/>
+      </a:fontRef>
+    </dgm:style>
+  </dgm:styleLbl>
+  <dgm:styleLbl name="node3">
+    <dgm:scene3d>
+      <a:camera prst="orthographicFront"/>
+      <a:lightRig rig="threePt" dir="t"/>
+    </dgm:scene3d>
+    <dgm:sp3d/>
+    <dgm:txPr/>
+    <dgm:style>
+      <a:lnRef idx="0">
+        <a:scrgbClr r="0" g="0" b="0"/>
+      </a:lnRef>
+      <a:fillRef idx="3">
+        <a:scrgbClr r="0" g="0" b="0"/>
+      </a:fillRef>
+      <a:effectRef idx="2">
+        <a:scrgbClr r="0" g="0" b="0"/>
+      </a:effectRef>
+      <a:fontRef idx="minor">
+        <a:schemeClr val="lt1"/>
+      </a:fontRef>
+    </dgm:style>
+  </dgm:styleLbl>
+  <dgm:styleLbl name="node4">
+    <dgm:scene3d>
+      <a:camera prst="orthographicFront"/>
+      <a:lightRig rig="threePt" dir="t"/>
+    </dgm:scene3d>
+    <dgm:sp3d/>
+    <dgm:txPr/>
+    <dgm:style>
+      <a:lnRef idx="0">
+        <a:scrgbClr r="0" g="0" b="0"/>
+      </a:lnRef>
+      <a:fillRef idx="3">
+        <a:scrgbClr r="0" g="0" b="0"/>
+      </a:fillRef>
+      <a:effectRef idx="2">
+        <a:scrgbClr r="0" g="0" b="0"/>
+      </a:effectRef>
+      <a:fontRef idx="minor">
+        <a:schemeClr val="lt1"/>
+      </a:fontRef>
+    </dgm:style>
+  </dgm:styleLbl>
+  <dgm:styleLbl name="fgImgPlace1">
+    <dgm:scene3d>
+      <a:camera prst="orthographicFront"/>
+      <a:lightRig rig="threePt" dir="t"/>
+    </dgm:scene3d>
+    <dgm:sp3d/>
+    <dgm:txPr/>
+    <dgm:style>
+      <a:lnRef idx="0">
+        <a:scrgbClr r="0" g="0" b="0"/>
+      </a:lnRef>
+      <a:fillRef idx="1">
+        <a:scrgbClr r="0" g="0" b="0"/>
+      </a:fillRef>
+      <a:effectRef idx="2">
+        <a:scrgbClr r="0" g="0" b="0"/>
+      </a:effectRef>
+      <a:fontRef idx="minor"/>
+    </dgm:style>
+  </dgm:styleLbl>
+  <dgm:styleLbl name="alignImgPlace1">
+    <dgm:scene3d>
+      <a:camera prst="orthographicFront"/>
+      <a:lightRig rig="threePt" dir="t"/>
+    </dgm:scene3d>
+    <dgm:sp3d/>
+    <dgm:txPr/>
+    <dgm:style>
+      <a:lnRef idx="0">
+        <a:scrgbClr r="0" g="0" b="0"/>
+      </a:lnRef>
+      <a:fillRef idx="1">
+        <a:scrgbClr r="0" g="0" b="0"/>
+      </a:fillRef>
+      <a:effectRef idx="2">
+        <a:scrgbClr r="0" g="0" b="0"/>
+      </a:effectRef>
+      <a:fontRef idx="minor"/>
+    </dgm:style>
+  </dgm:styleLbl>
+  <dgm:styleLbl name="bgImgPlace1">
+    <dgm:scene3d>
+      <a:camera prst="orthographicFront"/>
+      <a:lightRig rig="threePt" dir="t"/>
+    </dgm:scene3d>
+    <dgm:sp3d/>
+    <dgm:txPr/>
+    <dgm:style>
+      <a:lnRef idx="0">
+        <a:scrgbClr r="0" g="0" b="0"/>
+      </a:lnRef>
+      <a:fillRef idx="1">
+        <a:scrgbClr r="0" g="0" b="0"/>
+      </a:fillRef>
+      <a:effectRef idx="2">
+        <a:scrgbClr r="0" g="0" b="0"/>
+      </a:effectRef>
+      <a:fontRef idx="minor"/>
+    </dgm:style>
+  </dgm:styleLbl>
+  <dgm:styleLbl name="sibTrans2D1">
+    <dgm:scene3d>
+      <a:camera prst="orthographicFront"/>
+      <a:lightRig rig="threePt" dir="t"/>
+    </dgm:scene3d>
+    <dgm:sp3d/>
+    <dgm:txPr/>
+    <dgm:style>
+      <a:lnRef idx="0">
+        <a:scrgbClr r="0" g="0" b="0"/>
+      </a:lnRef>
+      <a:fillRef idx="3">
+        <a:scrgbClr r="0" g="0" b="0"/>
+      </a:fillRef>
+      <a:effectRef idx="2">
+        <a:scrgbClr r="0" g="0" b="0"/>
+      </a:effectRef>
+      <a:fontRef idx="minor">
+        <a:schemeClr val="lt1"/>
+      </a:fontRef>
+    </dgm:style>
+  </dgm:styleLbl>
+  <dgm:styleLbl name="fgSibTrans2D1">
+    <dgm:scene3d>
+      <a:camera prst="orthographicFront"/>
+      <a:lightRig rig="threePt" dir="t"/>
+    </dgm:scene3d>
+    <dgm:sp3d/>
+    <dgm:txPr/>
+    <dgm:style>
+      <a:lnRef idx="0">
+        <a:scrgbClr r="0" g="0" b="0"/>
+      </a:lnRef>
+      <a:fillRef idx="3">
+        <a:scrgbClr r="0" g="0" b="0"/>
+      </a:fillRef>
+      <a:effectRef idx="2">
+        <a:scrgbClr r="0" g="0" b="0"/>
+      </a:effectRef>
+      <a:fontRef idx="minor">
+        <a:schemeClr val="lt1"/>
+      </a:fontRef>
+    </dgm:style>
+  </dgm:styleLbl>
+  <dgm:styleLbl name="bgSibTrans2D1">
+    <dgm:scene3d>
+      <a:camera prst="orthographicFront"/>
+      <a:lightRig rig="threePt" dir="t"/>
+    </dgm:scene3d>
+    <dgm:sp3d/>
+    <dgm:txPr/>
+    <dgm:style>
+      <a:lnRef idx="0">
+        <a:scrgbClr r="0" g="0" b="0"/>
+      </a:lnRef>
+      <a:fillRef idx="3">
+        <a:scrgbClr r="0" g="0" b="0"/>
+      </a:fillRef>
+      <a:effectRef idx="2">
+        <a:scrgbClr r="0" g="0" b="0"/>
+      </a:effectRef>
+      <a:fontRef idx="minor">
+        <a:schemeClr val="lt1"/>
+      </a:fontRef>
+    </dgm:style>
+  </dgm:styleLbl>
+  <dgm:styleLbl name="sibTrans1D1">
+    <dgm:scene3d>
+      <a:camera prst="orthographicFront"/>
+      <a:lightRig rig="threePt" dir="t"/>
+    </dgm:scene3d>
+    <dgm:sp3d/>
+    <dgm:txPr/>
+    <dgm:style>
+      <a:lnRef idx="1">
+        <a:scrgbClr r="0" g="0" b="0"/>
+      </a:lnRef>
+      <a:fillRef idx="0">
+        <a:scrgbClr r="0" g="0" b="0"/>
+      </a:fillRef>
+      <a:effectRef idx="0">
+        <a:scrgbClr r="0" g="0" b="0"/>
+      </a:effectRef>
+      <a:fontRef idx="minor"/>
+    </dgm:style>
+  </dgm:styleLbl>
+  <dgm:styleLbl name="callout">
+    <dgm:scene3d>
+      <a:camera prst="orthographicFront"/>
+      <a:lightRig rig="threePt" dir="t"/>
+    </dgm:scene3d>
+    <dgm:sp3d/>
+    <dgm:txPr/>
+    <dgm:style>
+      <a:lnRef idx="2">
+        <a:scrgbClr r="0" g="0" b="0"/>
+      </a:lnRef>
+      <a:fillRef idx="1">
+        <a:scrgbClr r="0" g="0" b="0"/>
+      </a:fillRef>
+      <a:effectRef idx="1">
+        <a:scrgbClr r="0" g="0" b="0"/>
+      </a:effectRef>
+      <a:fontRef idx="minor"/>
+    </dgm:style>
+  </dgm:styleLbl>
+  <dgm:styleLbl name="asst0">
+    <dgm:scene3d>
+      <a:camera prst="orthographicFront"/>
+      <a:lightRig rig="threePt" dir="t"/>
+    </dgm:scene3d>
+    <dgm:sp3d/>
+    <dgm:txPr/>
+    <dgm:style>
+      <a:lnRef idx="0">
+        <a:scrgbClr r="0" g="0" b="0"/>
+      </a:lnRef>
+      <a:fillRef idx="3">
+        <a:scrgbClr r="0" g="0" b="0"/>
+      </a:fillRef>
+      <a:effectRef idx="2">
+        <a:scrgbClr r="0" g="0" b="0"/>
+      </a:effectRef>
+      <a:fontRef idx="minor">
+        <a:schemeClr val="lt1"/>
+      </a:fontRef>
+    </dgm:style>
+  </dgm:styleLbl>
+  <dgm:styleLbl name="asst1">
+    <dgm:scene3d>
+      <a:camera prst="orthographicFront"/>
+      <a:lightRig rig="threePt" dir="t"/>
+    </dgm:scene3d>
+    <dgm:sp3d/>
+    <dgm:txPr/>
+    <dgm:style>
+      <a:lnRef idx="0">
+        <a:scrgbClr r="0" g="0" b="0"/>
+      </a:lnRef>
+      <a:fillRef idx="3">
+        <a:scrgbClr r="0" g="0" b="0"/>
+      </a:fillRef>
+      <a:effectRef idx="2">
+        <a:scrgbClr r="0" g="0" b="0"/>
+      </a:effectRef>
+      <a:fontRef idx="minor">
+        <a:schemeClr val="lt1"/>
+      </a:fontRef>
+    </dgm:style>
+  </dgm:styleLbl>
+  <dgm:styleLbl name="asst2">
+    <dgm:scene3d>
+      <a:camera prst="orthographicFront"/>
+      <a:lightRig rig="threePt" dir="t"/>
+    </dgm:scene3d>
+    <dgm:sp3d/>
+    <dgm:txPr/>
+    <dgm:style>
+      <a:lnRef idx="0">
+        <a:scrgbClr r="0" g="0" b="0"/>
+      </a:lnRef>
+      <a:fillRef idx="3">
+        <a:scrgbClr r="0" g="0" b="0"/>
+      </a:fillRef>
+      <a:effectRef idx="2">
+        <a:scrgbClr r="0" g="0" b="0"/>
+      </a:effectRef>
+      <a:fontRef idx="minor">
+        <a:schemeClr val="lt1"/>
+      </a:fontRef>
+    </dgm:style>
+  </dgm:styleLbl>
+  <dgm:styleLbl name="asst3">
+    <dgm:scene3d>
+      <a:camera prst="orthographicFront"/>
+      <a:lightRig rig="threePt" dir="t"/>
+    </dgm:scene3d>
+    <dgm:sp3d/>
+    <dgm:txPr/>
+    <dgm:style>
+      <a:lnRef idx="0">
+        <a:scrgbClr r="0" g="0" b="0"/>
+      </a:lnRef>
+      <a:fillRef idx="3">
+        <a:scrgbClr r="0" g="0" b="0"/>
+      </a:fillRef>
+      <a:effectRef idx="2">
+        <a:scrgbClr r="0" g="0" b="0"/>
+      </a:effectRef>
+      <a:fontRef idx="minor">
+        <a:schemeClr val="lt1"/>
+      </a:fontRef>
+    </dgm:style>
+  </dgm:styleLbl>
+  <dgm:styleLbl name="asst4">
+    <dgm:scene3d>
+      <a:camera prst="orthographicFront"/>
+      <a:lightRig rig="threePt" dir="t"/>
+    </dgm:scene3d>
+    <dgm:sp3d/>
+    <dgm:txPr/>
+    <dgm:style>
+      <a:lnRef idx="0">
+        <a:scrgbClr r="0" g="0" b="0"/>
+      </a:lnRef>
+      <a:fillRef idx="3">
+        <a:scrgbClr r="0" g="0" b="0"/>
+      </a:fillRef>
+      <a:effectRef idx="2">
+        <a:scrgbClr r="0" g="0" b="0"/>
+      </a:effectRef>
+      <a:fontRef idx="minor">
+        <a:schemeClr val="lt1"/>
+      </a:fontRef>
+    </dgm:style>
+  </dgm:styleLbl>
+  <dgm:styleLbl name="parChTrans2D1">
+    <dgm:scene3d>
+      <a:camera prst="orthographicFront"/>
+      <a:lightRig rig="threePt" dir="t"/>
+    </dgm:scene3d>
+    <dgm:sp3d/>
+    <dgm:txPr/>
+    <dgm:style>
+      <a:lnRef idx="0">
+        <a:scrgbClr r="0" g="0" b="0"/>
+      </a:lnRef>
+      <a:fillRef idx="3">
+        <a:scrgbClr r="0" g="0" b="0"/>
+      </a:fillRef>
+      <a:effectRef idx="2">
+        <a:scrgbClr r="0" g="0" b="0"/>
+      </a:effectRef>
+      <a:fontRef idx="minor">
+        <a:schemeClr val="lt1"/>
+      </a:fontRef>
+    </dgm:style>
+  </dgm:styleLbl>
+  <dgm:styleLbl name="parChTrans2D2">
+    <dgm:scene3d>
+      <a:camera prst="orthographicFront"/>
+      <a:lightRig rig="threePt" dir="t"/>
+    </dgm:scene3d>
+    <dgm:sp3d/>
+    <dgm:txPr/>
+    <dgm:style>
+      <a:lnRef idx="0">
+        <a:scrgbClr r="0" g="0" b="0"/>
+      </a:lnRef>
+      <a:fillRef idx="3">
+        <a:scrgbClr r="0" g="0" b="0"/>
+      </a:fillRef>
+      <a:effectRef idx="2">
+        <a:scrgbClr r="0" g="0" b="0"/>
+      </a:effectRef>
+      <a:fontRef idx="minor">
+        <a:schemeClr val="lt1"/>
+      </a:fontRef>
+    </dgm:style>
+  </dgm:styleLbl>
+  <dgm:styleLbl name="parChTrans2D3">
+    <dgm:scene3d>
+      <a:camera prst="orthographicFront"/>
+      <a:lightRig rig="threePt" dir="t"/>
+    </dgm:scene3d>
+    <dgm:sp3d/>
+    <dgm:txPr/>
+    <dgm:style>
+      <a:lnRef idx="1">
+        <a:scrgbClr r="0" g="0" b="0"/>
+      </a:lnRef>
+      <a:fillRef idx="3">
+        <a:scrgbClr r="0" g="0" b="0"/>
+      </a:fillRef>
+      <a:effectRef idx="2">
+        <a:scrgbClr r="0" g="0" b="0"/>
+      </a:effectRef>
+      <a:fontRef idx="minor">
+        <a:schemeClr val="lt1"/>
+      </a:fontRef>
+    </dgm:style>
+  </dgm:styleLbl>
+  <dgm:styleLbl name="parChTrans2D4">
+    <dgm:scene3d>
+      <a:camera prst="orthographicFront"/>
+      <a:lightRig rig="threePt" dir="t"/>
+    </dgm:scene3d>
+    <dgm:sp3d/>
+    <dgm:txPr/>
+    <dgm:style>
+      <a:lnRef idx="1">
+        <a:scrgbClr r="0" g="0" b="0"/>
+      </a:lnRef>
+      <a:fillRef idx="3">
+        <a:scrgbClr r="0" g="0" b="0"/>
+      </a:fillRef>
+      <a:effectRef idx="2">
+        <a:scrgbClr r="0" g="0" b="0"/>
+      </a:effectRef>
+      <a:fontRef idx="minor">
+        <a:schemeClr val="lt1"/>
+      </a:fontRef>
+    </dgm:style>
+  </dgm:styleLbl>
+  <dgm:styleLbl name="parChTrans1D1">
+    <dgm:scene3d>
+      <a:camera prst="orthographicFront"/>
+      <a:lightRig rig="threePt" dir="t"/>
+    </dgm:scene3d>
+    <dgm:sp3d/>
+    <dgm:txPr/>
+    <dgm:style>
+      <a:lnRef idx="1">
+        <a:scrgbClr r="0" g="0" b="0"/>
+      </a:lnRef>
+      <a:fillRef idx="0">
+        <a:scrgbClr r="0" g="0" b="0"/>
+      </a:fillRef>
+      <a:effectRef idx="0">
+        <a:scrgbClr r="0" g="0" b="0"/>
+      </a:effectRef>
+      <a:fontRef idx="minor"/>
+    </dgm:style>
+  </dgm:styleLbl>
+  <dgm:styleLbl name="parChTrans1D2">
+    <dgm:scene3d>
+      <a:camera prst="orthographicFront"/>
+      <a:lightRig rig="threePt" dir="t"/>
+    </dgm:scene3d>
+    <dgm:sp3d/>
+    <dgm:txPr/>
+    <dgm:style>
+      <a:lnRef idx="1">
+        <a:scrgbClr r="0" g="0" b="0"/>
+      </a:lnRef>
+      <a:fillRef idx="0">
+        <a:scrgbClr r="0" g="0" b="0"/>
+      </a:fillRef>
+      <a:effectRef idx="0">
+        <a:scrgbClr r="0" g="0" b="0"/>
+      </a:effectRef>
+      <a:fontRef idx="minor"/>
+    </dgm:style>
+  </dgm:styleLbl>
+  <dgm:styleLbl name="parChTrans1D3">
+    <dgm:scene3d>
+      <a:camera prst="orthographicFront"/>
+      <a:lightRig rig="threePt" dir="t"/>
+    </dgm:scene3d>
+    <dgm:sp3d/>
+    <dgm:txPr/>
+    <dgm:style>
+      <a:lnRef idx="1">
+        <a:scrgbClr r="0" g="0" b="0"/>
+      </a:lnRef>
+      <a:fillRef idx="0">
+        <a:scrgbClr r="0" g="0" b="0"/>
+      </a:fillRef>
+      <a:effectRef idx="0">
+        <a:scrgbClr r="0" g="0" b="0"/>
+      </a:effectRef>
+      <a:fontRef idx="minor"/>
+    </dgm:style>
+  </dgm:styleLbl>
+  <dgm:styleLbl name="parChTrans1D4">
+    <dgm:scene3d>
+      <a:camera prst="orthographicFront"/>
+      <a:lightRig rig="threePt" dir="t"/>
+    </dgm:scene3d>
+    <dgm:sp3d/>
+    <dgm:txPr/>
+    <dgm:style>
+      <a:lnRef idx="1">
+        <a:scrgbClr r="0" g="0" b="0"/>
+      </a:lnRef>
+      <a:fillRef idx="0">
+        <a:scrgbClr r="0" g="0" b="0"/>
+      </a:fillRef>
+      <a:effectRef idx="0">
+        <a:scrgbClr r="0" g="0" b="0"/>
+      </a:effectRef>
+      <a:fontRef idx="minor"/>
+    </dgm:style>
+  </dgm:styleLbl>
+  <dgm:styleLbl name="fgAcc1">
+    <dgm:scene3d>
+      <a:camera prst="orthographicFront"/>
+      <a:lightRig rig="threePt" dir="t"/>
+    </dgm:scene3d>
+    <dgm:sp3d/>
+    <dgm:txPr/>
+    <dgm:style>
+      <a:lnRef idx="1">
+        <a:scrgbClr r="0" g="0" b="0"/>
+      </a:lnRef>
+      <a:fillRef idx="1">
+        <a:scrgbClr r="0" g="0" b="0"/>
+      </a:fillRef>
+      <a:effectRef idx="0">
+        <a:scrgbClr r="0" g="0" b="0"/>
+      </a:effectRef>
+      <a:fontRef idx="minor"/>
+    </dgm:style>
+  </dgm:styleLbl>
+  <dgm:styleLbl name="conFgAcc1">
+    <dgm:scene3d>
+      <a:camera prst="orthographicFront"/>
+      <a:lightRig rig="threePt" dir="t"/>
+    </dgm:scene3d>
+    <dgm:sp3d/>
+    <dgm:txPr/>
+    <dgm:style>
+      <a:lnRef idx="1">
+        <a:scrgbClr r="0" g="0" b="0"/>
+      </a:lnRef>
+      <a:fillRef idx="1">
+        <a:scrgbClr r="0" g="0" b="0"/>
+      </a:fillRef>
+      <a:effectRef idx="0">
+        <a:scrgbClr r="0" g="0" b="0"/>
+      </a:effectRef>
+      <a:fontRef idx="minor"/>
+    </dgm:style>
+  </dgm:styleLbl>
+  <dgm:styleLbl name="alignAcc1">
+    <dgm:scene3d>
+      <a:camera prst="orthographicFront"/>
+      <a:lightRig rig="threePt" dir="t"/>
+    </dgm:scene3d>
+    <dgm:sp3d/>
+    <dgm:txPr/>
+    <dgm:style>
+      <a:lnRef idx="1">
+        <a:scrgbClr r="0" g="0" b="0"/>
+      </a:lnRef>
+      <a:fillRef idx="1">
+        <a:scrgbClr r="0" g="0" b="0"/>
+      </a:fillRef>
+      <a:effectRef idx="0">
+        <a:scrgbClr r="0" g="0" b="0"/>
+      </a:effectRef>
+      <a:fontRef idx="minor"/>
+    </dgm:style>
+  </dgm:styleLbl>
+  <dgm:styleLbl name="trAlignAcc1">
+    <dgm:scene3d>
+      <a:camera prst="orthographicFront"/>
+      <a:lightRig rig="threePt" dir="t"/>
+    </dgm:scene3d>
+    <dgm:sp3d/>
+    <dgm:txPr/>
+    <dgm:style>
+      <a:lnRef idx="1">
+        <a:scrgbClr r="0" g="0" b="0"/>
+      </a:lnRef>
+      <a:fillRef idx="1">
+        <a:scrgbClr r="0" g="0" b="0"/>
+      </a:fillRef>
+      <a:effectRef idx="0">
+        <a:scrgbClr r="0" g="0" b="0"/>
+      </a:effectRef>
+      <a:fontRef idx="minor"/>
+    </dgm:style>
+  </dgm:styleLbl>
+  <dgm:styleLbl name="bgAcc1">
+    <dgm:scene3d>
+      <a:camera prst="orthographicFront"/>
+      <a:lightRig rig="threePt" dir="t"/>
+    </dgm:scene3d>
+    <dgm:sp3d/>
+    <dgm:txPr/>
+    <dgm:style>
+      <a:lnRef idx="1">
+        <a:scrgbClr r="0" g="0" b="0"/>
+      </a:lnRef>
+      <a:fillRef idx="1">
+        <a:scrgbClr r="0" g="0" b="0"/>
+      </a:fillRef>
+      <a:effectRef idx="0">
+        <a:scrgbClr r="0" g="0" b="0"/>
+      </a:effectRef>
+      <a:fontRef idx="minor"/>
+    </dgm:style>
+  </dgm:styleLbl>
+  <dgm:styleLbl name="solidFgAcc1">
+    <dgm:scene3d>
+      <a:camera prst="orthographicFront"/>
+      <a:lightRig rig="threePt" dir="t"/>
+    </dgm:scene3d>
+    <dgm:sp3d/>
+    <dgm:txPr/>
+    <dgm:style>
+      <a:lnRef idx="1">
+        <a:scrgbClr r="0" g="0" b="0"/>
+      </a:lnRef>
+      <a:fillRef idx="1">
+        <a:scrgbClr r="0" g="0" b="0"/>
+      </a:fillRef>
+      <a:effectRef idx="0">
+        <a:scrgbClr r="0" g="0" b="0"/>
+      </a:effectRef>
+      <a:fontRef idx="minor"/>
+    </dgm:style>
+  </dgm:styleLbl>
+  <dgm:styleLbl name="solidAlignAcc1">
+    <dgm:scene3d>
+      <a:camera prst="orthographicFront"/>
+      <a:lightRig rig="threePt" dir="t"/>
+    </dgm:scene3d>
+    <dgm:sp3d/>
+    <dgm:txPr/>
+    <dgm:style>
+      <a:lnRef idx="1">
+        <a:scrgbClr r="0" g="0" b="0"/>
+      </a:lnRef>
+      <a:fillRef idx="1">
+        <a:scrgbClr r="0" g="0" b="0"/>
+      </a:fillRef>
+      <a:effectRef idx="0">
+        <a:scrgbClr r="0" g="0" b="0"/>
+      </a:effectRef>
+      <a:fontRef idx="minor"/>
+    </dgm:style>
+  </dgm:styleLbl>
+  <dgm:styleLbl name="solidBgAcc1">
+    <dgm:scene3d>
+      <a:camera prst="orthographicFront"/>
+      <a:lightRig rig="threePt" dir="t"/>
+    </dgm:scene3d>
+    <dgm:sp3d/>
+    <dgm:txPr/>
+    <dgm:style>
+      <a:lnRef idx="1">
+        <a:scrgbClr r="0" g="0" b="0"/>
+      </a:lnRef>
+      <a:fillRef idx="1">
+        <a:scrgbClr r="0" g="0" b="0"/>
+      </a:fillRef>
+      <a:effectRef idx="0">
+        <a:scrgbClr r="0" g="0" b="0"/>
+      </a:effectRef>
+      <a:fontRef idx="minor"/>
+    </dgm:style>
+  </dgm:styleLbl>
+  <dgm:styleLbl name="fgAccFollowNode1">
+    <dgm:scene3d>
+      <a:camera prst="orthographicFront"/>
+      <a:lightRig rig="threePt" dir="t"/>
+    </dgm:scene3d>
+    <dgm:sp3d/>
+    <dgm:txPr/>
+    <dgm:style>
+      <a:lnRef idx="1">
+        <a:scrgbClr r="0" g="0" b="0"/>
+      </a:lnRef>
+      <a:fillRef idx="1">
+        <a:scrgbClr r="0" g="0" b="0"/>
+      </a:fillRef>
+      <a:effectRef idx="0">
+        <a:scrgbClr r="0" g="0" b="0"/>
+      </a:effectRef>
+      <a:fontRef idx="minor"/>
+    </dgm:style>
+  </dgm:styleLbl>
+  <dgm:styleLbl name="alignAccFollowNode1">
+    <dgm:scene3d>
+      <a:camera prst="orthographicFront"/>
+      <a:lightRig rig="threePt" dir="t"/>
+    </dgm:scene3d>
+    <dgm:sp3d/>
+    <dgm:txPr/>
+    <dgm:style>
+      <a:lnRef idx="1">
+        <a:scrgbClr r="0" g="0" b="0"/>
+      </a:lnRef>
+      <a:fillRef idx="1">
+        <a:scrgbClr r="0" g="0" b="0"/>
+      </a:fillRef>
+      <a:effectRef idx="0">
+        <a:scrgbClr r="0" g="0" b="0"/>
+      </a:effectRef>
+      <a:fontRef idx="minor"/>
+    </dgm:style>
+  </dgm:styleLbl>
+  <dgm:styleLbl name="bgAccFollowNode1">
+    <dgm:scene3d>
+      <a:camera prst="orthographicFront"/>
+      <a:lightRig rig="threePt" dir="t"/>
+    </dgm:scene3d>
+    <dgm:sp3d/>
+    <dgm:txPr/>
+    <dgm:style>
+      <a:lnRef idx="1">
+        <a:scrgbClr r="0" g="0" b="0"/>
+      </a:lnRef>
+      <a:fillRef idx="1">
+        <a:scrgbClr r="0" g="0" b="0"/>
+      </a:fillRef>
+      <a:effectRef idx="0">
+        <a:scrgbClr r="0" g="0" b="0"/>
+      </a:effectRef>
+      <a:fontRef idx="minor"/>
+    </dgm:style>
+  </dgm:styleLbl>
+  <dgm:styleLbl name="fgAcc0">
+    <dgm:scene3d>
+      <a:camera prst="orthographicFront"/>
+      <a:lightRig rig="threePt" dir="t"/>
+    </dgm:scene3d>
+    <dgm:sp3d/>
+    <dgm:txPr/>
+    <dgm:style>
+      <a:lnRef idx="1">
+        <a:scrgbClr r="0" g="0" b="0"/>
+      </a:lnRef>
+      <a:fillRef idx="1">
+        <a:scrgbClr r="0" g="0" b="0"/>
+      </a:fillRef>
+      <a:effectRef idx="0">
+        <a:scrgbClr r="0" g="0" b="0"/>
+      </a:effectRef>
+      <a:fontRef idx="minor"/>
+    </dgm:style>
+  </dgm:styleLbl>
+  <dgm:styleLbl name="fgAcc2">
+    <dgm:scene3d>
+      <a:camera prst="orthographicFront"/>
+      <a:lightRig rig="threePt" dir="t"/>
+    </dgm:scene3d>
+    <dgm:sp3d/>
+    <dgm:txPr/>
+    <dgm:style>
+      <a:lnRef idx="1">
+        <a:scrgbClr r="0" g="0" b="0"/>
+      </a:lnRef>
+      <a:fillRef idx="1">
+        <a:scrgbClr r="0" g="0" b="0"/>
+      </a:fillRef>
+      <a:effectRef idx="0">
+        <a:scrgbClr r="0" g="0" b="0"/>
+      </a:effectRef>
+      <a:fontRef idx="minor"/>
+    </dgm:style>
+  </dgm:styleLbl>
+  <dgm:styleLbl name="fgAcc3">
+    <dgm:scene3d>
+      <a:camera prst="orthographicFront"/>
+      <a:lightRig rig="threePt" dir="t"/>
+    </dgm:scene3d>
+    <dgm:sp3d/>
+    <dgm:txPr/>
+    <dgm:style>
+      <a:lnRef idx="1">
+        <a:scrgbClr r="0" g="0" b="0"/>
+      </a:lnRef>
+      <a:fillRef idx="1">
+        <a:scrgbClr r="0" g="0" b="0"/>
+      </a:fillRef>
+      <a:effectRef idx="0">
+        <a:scrgbClr r="0" g="0" b="0"/>
+      </a:effectRef>
+      <a:fontRef idx="minor"/>
+    </dgm:style>
+  </dgm:styleLbl>
+  <dgm:styleLbl name="fgAcc4">
+    <dgm:scene3d>
+      <a:camera prst="orthographicFront"/>
+      <a:lightRig rig="threePt" dir="t"/>
+    </dgm:scene3d>
+    <dgm:sp3d/>
+    <dgm:txPr/>
+    <dgm:style>
+      <a:lnRef idx="1">
+        <a:scrgbClr r="0" g="0" b="0"/>
+      </a:lnRef>
+      <a:fillRef idx="1">
+        <a:scrgbClr r="0" g="0" b="0"/>
+      </a:fillRef>
+      <a:effectRef idx="0">
+        <a:scrgbClr r="0" g="0" b="0"/>
+      </a:effectRef>
+      <a:fontRef idx="minor"/>
+    </dgm:style>
+  </dgm:styleLbl>
+  <dgm:styleLbl name="bgShp">
+    <dgm:scene3d>
+      <a:camera prst="orthographicFront"/>
+      <a:lightRig rig="threePt" dir="t"/>
+    </dgm:scene3d>
+    <dgm:sp3d/>
+    <dgm:txPr/>
+    <dgm:style>
+      <a:lnRef idx="0">
+        <a:scrgbClr r="0" g="0" b="0"/>
+      </a:lnRef>
+      <a:fillRef idx="1">
+        <a:scrgbClr r="0" g="0" b="0"/>
+      </a:fillRef>
+      <a:effectRef idx="2">
+        <a:scrgbClr r="0" g="0" b="0"/>
+      </a:effectRef>
+      <a:fontRef idx="minor"/>
+    </dgm:style>
+  </dgm:styleLbl>
+  <dgm:styleLbl name="dkBgShp">
+    <dgm:scene3d>
+      <a:camera prst="orthographicFront"/>
+      <a:lightRig rig="threePt" dir="t"/>
+    </dgm:scene3d>
+    <dgm:sp3d/>
+    <dgm:txPr/>
+    <dgm:style>
+      <a:lnRef idx="0">
+        <a:scrgbClr r="0" g="0" b="0"/>
+      </a:lnRef>
+      <a:fillRef idx="1">
+        <a:scrgbClr r="0" g="0" b="0"/>
+      </a:fillRef>
+      <a:effectRef idx="2">
+        <a:scrgbClr r="0" g="0" b="0"/>
+      </a:effectRef>
+      <a:fontRef idx="minor"/>
+    </dgm:style>
+  </dgm:styleLbl>
+  <dgm:styleLbl name="trBgShp">
+    <dgm:scene3d>
+      <a:camera prst="orthographicFront"/>
+      <a:lightRig rig="threePt" dir="t"/>
+    </dgm:scene3d>
+    <dgm:sp3d/>
+    <dgm:txPr/>
+    <dgm:style>
+      <a:lnRef idx="0">
+        <a:scrgbClr r="0" g="0" b="0"/>
+      </a:lnRef>
+      <a:fillRef idx="1">
+        <a:scrgbClr r="0" g="0" b="0"/>
+      </a:fillRef>
+      <a:effectRef idx="0">
+        <a:scrgbClr r="0" g="0" b="0"/>
+      </a:effectRef>
+      <a:fontRef idx="minor"/>
+    </dgm:style>
+  </dgm:styleLbl>
+  <dgm:styleLbl name="fgShp">
+    <dgm:scene3d>
+      <a:camera prst="orthographicFront"/>
+      <a:lightRig rig="threePt" dir="t"/>
+    </dgm:scene3d>
+    <dgm:sp3d/>
+    <dgm:txPr/>
+    <dgm:style>
+      <a:lnRef idx="0">
+        <a:scrgbClr r="0" g="0" b="0"/>
+      </a:lnRef>
+      <a:fillRef idx="3">
+        <a:scrgbClr r="0" g="0" b="0"/>
+      </a:fillRef>
+      <a:effectRef idx="2">
+        <a:scrgbClr r="0" g="0" b="0"/>
+      </a:effectRef>
+      <a:fontRef idx="minor"/>
+    </dgm:style>
+  </dgm:styleLbl>
+  <dgm:styleLbl name="revTx">
+    <dgm:scene3d>
+      <a:camera prst="orthographicFront"/>
+      <a:lightRig rig="threePt" dir="t"/>
+    </dgm:scene3d>
+    <dgm:sp3d/>
+    <dgm:txPr/>
+    <dgm:style>
+      <a:lnRef idx="0">
+        <a:scrgbClr r="0" g="0" b="0"/>
+      </a:lnRef>
+      <a:fillRef idx="0">
+        <a:scrgbClr r="0" g="0" b="0"/>
+      </a:fillRef>
+      <a:effectRef idx="0">
+        <a:scrgbClr r="0" g="0" b="0"/>
+      </a:effectRef>
+      <a:fontRef idx="minor"/>
+    </dgm:style>
+  </dgm:styleLbl>
+</dgm:styleDef>
+</file>
+
+<file path=ppt/diagrams/quickStyle2.xml><?xml version="1.0" encoding="utf-8"?>
+<dgm:styleDef xmlns:dgm="http://schemas.openxmlformats.org/drawingml/2006/diagram" xmlns:a="http://schemas.openxmlformats.org/drawingml/2006/main" uniqueId="urn:microsoft.com/office/officeart/2005/8/quickstyle/simple4">
+  <dgm:title val=""/>
+  <dgm:desc val=""/>
+  <dgm:catLst>
+    <dgm:cat type="simple" pri="10400"/>
+  </dgm:catLst>
+  <dgm:scene3d>
+    <a:camera prst="orthographicFront"/>
+    <a:lightRig rig="threePt" dir="t"/>
+  </dgm:scene3d>
+  <dgm:styleLbl name="node0">
+    <dgm:scene3d>
+      <a:camera prst="orthographicFront"/>
+      <a:lightRig rig="threePt" dir="t"/>
+    </dgm:scene3d>
+    <dgm:sp3d/>
+    <dgm:txPr/>
+    <dgm:style>
+      <a:lnRef idx="0">
+        <a:scrgbClr r="0" g="0" b="0"/>
+      </a:lnRef>
+      <a:fillRef idx="3">
+        <a:scrgbClr r="0" g="0" b="0"/>
+      </a:fillRef>
+      <a:effectRef idx="2">
+        <a:scrgbClr r="0" g="0" b="0"/>
+      </a:effectRef>
+      <a:fontRef idx="minor">
+        <a:schemeClr val="lt1"/>
+      </a:fontRef>
+    </dgm:style>
+  </dgm:styleLbl>
+  <dgm:styleLbl name="lnNode1">
+    <dgm:scene3d>
+      <a:camera prst="orthographicFront"/>
+      <a:lightRig rig="threePt" dir="t"/>
+    </dgm:scene3d>
+    <dgm:sp3d/>
+    <dgm:txPr/>
+    <dgm:style>
+      <a:lnRef idx="1">
+        <a:scrgbClr r="0" g="0" b="0"/>
+      </a:lnRef>
+      <a:fillRef idx="3">
+        <a:scrgbClr r="0" g="0" b="0"/>
+      </a:fillRef>
+      <a:effectRef idx="2">
+        <a:scrgbClr r="0" g="0" b="0"/>
+      </a:effectRef>
+      <a:fontRef idx="minor">
+        <a:schemeClr val="lt1"/>
+      </a:fontRef>
+    </dgm:style>
+  </dgm:styleLbl>
+  <dgm:styleLbl name="vennNode1">
+    <dgm:scene3d>
+      <a:camera prst="orthographicFront"/>
+      <a:lightRig rig="threePt" dir="t"/>
+    </dgm:scene3d>
+    <dgm:sp3d/>
+    <dgm:txPr/>
+    <dgm:style>
+      <a:lnRef idx="0">
+        <a:scrgbClr r="0" g="0" b="0"/>
+      </a:lnRef>
+      <a:fillRef idx="3">
+        <a:scrgbClr r="0" g="0" b="0"/>
+      </a:fillRef>
+      <a:effectRef idx="0">
+        <a:scrgbClr r="0" g="0" b="0"/>
+      </a:effectRef>
+      <a:fontRef idx="minor">
+        <a:schemeClr val="tx1"/>
+      </a:fontRef>
+    </dgm:style>
+  </dgm:styleLbl>
+  <dgm:styleLbl name="alignNode1">
+    <dgm:scene3d>
+      <a:camera prst="orthographicFront"/>
+      <a:lightRig rig="threePt" dir="t"/>
+    </dgm:scene3d>
+    <dgm:sp3d/>
+    <dgm:txPr/>
+    <dgm:style>
+      <a:lnRef idx="1">
+        <a:scrgbClr r="0" g="0" b="0"/>
+      </a:lnRef>
+      <a:fillRef idx="3">
+        <a:scrgbClr r="0" g="0" b="0"/>
+      </a:fillRef>
+      <a:effectRef idx="2">
+        <a:scrgbClr r="0" g="0" b="0"/>
+      </a:effectRef>
+      <a:fontRef idx="minor">
+        <a:schemeClr val="lt1"/>
+      </a:fontRef>
+    </dgm:style>
+  </dgm:styleLbl>
+  <dgm:styleLbl name="node1">
+    <dgm:scene3d>
+      <a:camera prst="orthographicFront"/>
+      <a:lightRig rig="threePt" dir="t"/>
+    </dgm:scene3d>
+    <dgm:sp3d/>
+    <dgm:txPr/>
+    <dgm:style>
+      <a:lnRef idx="0">
+        <a:scrgbClr r="0" g="0" b="0"/>
+      </a:lnRef>
+      <a:fillRef idx="3">
+        <a:scrgbClr r="0" g="0" b="0"/>
+      </a:fillRef>
+      <a:effectRef idx="2">
+        <a:scrgbClr r="0" g="0" b="0"/>
+      </a:effectRef>
+      <a:fontRef idx="minor">
+        <a:schemeClr val="lt1"/>
+      </a:fontRef>
+    </dgm:style>
+  </dgm:styleLbl>
+  <dgm:styleLbl name="node2">
+    <dgm:scene3d>
+      <a:camera prst="orthographicFront"/>
+      <a:lightRig rig="threePt" dir="t"/>
+    </dgm:scene3d>
+    <dgm:sp3d/>
+    <dgm:txPr/>
+    <dgm:style>
+      <a:lnRef idx="0">
+        <a:scrgbClr r="0" g="0" b="0"/>
+      </a:lnRef>
+      <a:fillRef idx="3">
+        <a:scrgbClr r="0" g="0" b="0"/>
+      </a:fillRef>
+      <a:effectRef idx="2">
+        <a:scrgbClr r="0" g="0" b="0"/>
+      </a:effectRef>
+      <a:fontRef idx="minor">
+        <a:schemeClr val="lt1"/>
+      </a:fontRef>
+    </dgm:style>
+  </dgm:styleLbl>
+  <dgm:styleLbl name="node3">
+    <dgm:scene3d>
+      <a:camera prst="orthographicFront"/>
+      <a:lightRig rig="threePt" dir="t"/>
+    </dgm:scene3d>
+    <dgm:sp3d/>
+    <dgm:txPr/>
+    <dgm:style>
+      <a:lnRef idx="0">
+        <a:scrgbClr r="0" g="0" b="0"/>
+      </a:lnRef>
+      <a:fillRef idx="3">
+        <a:scrgbClr r="0" g="0" b="0"/>
+      </a:fillRef>
+      <a:effectRef idx="2">
+        <a:scrgbClr r="0" g="0" b="0"/>
+      </a:effectRef>
+      <a:fontRef idx="minor">
+        <a:schemeClr val="lt1"/>
+      </a:fontRef>
+    </dgm:style>
+  </dgm:styleLbl>
+  <dgm:styleLbl name="node4">
+    <dgm:scene3d>
+      <a:camera prst="orthographicFront"/>
+      <a:lightRig rig="threePt" dir="t"/>
+    </dgm:scene3d>
+    <dgm:sp3d/>
+    <dgm:txPr/>
+    <dgm:style>
+      <a:lnRef idx="0">
+        <a:scrgbClr r="0" g="0" b="0"/>
+      </a:lnRef>
+      <a:fillRef idx="3">
+        <a:scrgbClr r="0" g="0" b="0"/>
+      </a:fillRef>
+      <a:effectRef idx="2">
+        <a:scrgbClr r="0" g="0" b="0"/>
+      </a:effectRef>
+      <a:fontRef idx="minor">
+        <a:schemeClr val="lt1"/>
+      </a:fontRef>
+    </dgm:style>
+  </dgm:styleLbl>
+  <dgm:styleLbl name="fgImgPlace1">
+    <dgm:scene3d>
+      <a:camera prst="orthographicFront"/>
+      <a:lightRig rig="threePt" dir="t"/>
+    </dgm:scene3d>
+    <dgm:sp3d/>
+    <dgm:txPr/>
+    <dgm:style>
+      <a:lnRef idx="0">
+        <a:scrgbClr r="0" g="0" b="0"/>
+      </a:lnRef>
+      <a:fillRef idx="1">
+        <a:scrgbClr r="0" g="0" b="0"/>
+      </a:fillRef>
+      <a:effectRef idx="2">
+        <a:scrgbClr r="0" g="0" b="0"/>
+      </a:effectRef>
+      <a:fontRef idx="minor"/>
+    </dgm:style>
+  </dgm:styleLbl>
+  <dgm:styleLbl name="alignImgPlace1">
+    <dgm:scene3d>
+      <a:camera prst="orthographicFront"/>
+      <a:lightRig rig="threePt" dir="t"/>
+    </dgm:scene3d>
+    <dgm:sp3d/>
+    <dgm:txPr/>
+    <dgm:style>
+      <a:lnRef idx="0">
+        <a:scrgbClr r="0" g="0" b="0"/>
+      </a:lnRef>
+      <a:fillRef idx="1">
+        <a:scrgbClr r="0" g="0" b="0"/>
+      </a:fillRef>
+      <a:effectRef idx="2">
+        <a:scrgbClr r="0" g="0" b="0"/>
+      </a:effectRef>
+      <a:fontRef idx="minor"/>
+    </dgm:style>
+  </dgm:styleLbl>
+  <dgm:styleLbl name="bgImgPlace1">
+    <dgm:scene3d>
+      <a:camera prst="orthographicFront"/>
+      <a:lightRig rig="threePt" dir="t"/>
+    </dgm:scene3d>
+    <dgm:sp3d/>
+    <dgm:txPr/>
+    <dgm:style>
+      <a:lnRef idx="0">
+        <a:scrgbClr r="0" g="0" b="0"/>
+      </a:lnRef>
+      <a:fillRef idx="1">
+        <a:scrgbClr r="0" g="0" b="0"/>
+      </a:fillRef>
+      <a:effectRef idx="2">
+        <a:scrgbClr r="0" g="0" b="0"/>
+      </a:effectRef>
+      <a:fontRef idx="minor"/>
+    </dgm:style>
+  </dgm:styleLbl>
+  <dgm:styleLbl name="sibTrans2D1">
+    <dgm:scene3d>
+      <a:camera prst="orthographicFront"/>
+      <a:lightRig rig="threePt" dir="t"/>
+    </dgm:scene3d>
+    <dgm:sp3d/>
+    <dgm:txPr/>
+    <dgm:style>
+      <a:lnRef idx="0">
+        <a:scrgbClr r="0" g="0" b="0"/>
+      </a:lnRef>
+      <a:fillRef idx="3">
+        <a:scrgbClr r="0" g="0" b="0"/>
+      </a:fillRef>
+      <a:effectRef idx="2">
+        <a:scrgbClr r="0" g="0" b="0"/>
+      </a:effectRef>
+      <a:fontRef idx="minor">
+        <a:schemeClr val="lt1"/>
+      </a:fontRef>
+    </dgm:style>
+  </dgm:styleLbl>
+  <dgm:styleLbl name="fgSibTrans2D1">
+    <dgm:scene3d>
+      <a:camera prst="orthographicFront"/>
+      <a:lightRig rig="threePt" dir="t"/>
+    </dgm:scene3d>
+    <dgm:sp3d/>
+    <dgm:txPr/>
+    <dgm:style>
+      <a:lnRef idx="0">
+        <a:scrgbClr r="0" g="0" b="0"/>
+      </a:lnRef>
+      <a:fillRef idx="3">
+        <a:scrgbClr r="0" g="0" b="0"/>
+      </a:fillRef>
+      <a:effectRef idx="2">
+        <a:scrgbClr r="0" g="0" b="0"/>
+      </a:effectRef>
+      <a:fontRef idx="minor">
+        <a:schemeClr val="lt1"/>
+      </a:fontRef>
+    </dgm:style>
+  </dgm:styleLbl>
+  <dgm:styleLbl name="bgSibTrans2D1">
+    <dgm:scene3d>
+      <a:camera prst="orthographicFront"/>
+      <a:lightRig rig="threePt" dir="t"/>
+    </dgm:scene3d>
+    <dgm:sp3d/>
+    <dgm:txPr/>
+    <dgm:style>
+      <a:lnRef idx="0">
+        <a:scrgbClr r="0" g="0" b="0"/>
+      </a:lnRef>
+      <a:fillRef idx="3">
+        <a:scrgbClr r="0" g="0" b="0"/>
+      </a:fillRef>
+      <a:effectRef idx="2">
+        <a:scrgbClr r="0" g="0" b="0"/>
+      </a:effectRef>
+      <a:fontRef idx="minor">
+        <a:schemeClr val="lt1"/>
+      </a:fontRef>
+    </dgm:style>
+  </dgm:styleLbl>
+  <dgm:styleLbl name="sibTrans1D1">
+    <dgm:scene3d>
+      <a:camera prst="orthographicFront"/>
+      <a:lightRig rig="threePt" dir="t"/>
+    </dgm:scene3d>
+    <dgm:sp3d/>
+    <dgm:txPr/>
+    <dgm:style>
+      <a:lnRef idx="1">
+        <a:scrgbClr r="0" g="0" b="0"/>
+      </a:lnRef>
+      <a:fillRef idx="0">
+        <a:scrgbClr r="0" g="0" b="0"/>
+      </a:fillRef>
+      <a:effectRef idx="0">
+        <a:scrgbClr r="0" g="0" b="0"/>
+      </a:effectRef>
+      <a:fontRef idx="minor"/>
+    </dgm:style>
+  </dgm:styleLbl>
+  <dgm:styleLbl name="callout">
+    <dgm:scene3d>
+      <a:camera prst="orthographicFront"/>
+      <a:lightRig rig="threePt" dir="t"/>
+    </dgm:scene3d>
+    <dgm:sp3d/>
+    <dgm:txPr/>
+    <dgm:style>
+      <a:lnRef idx="2">
+        <a:scrgbClr r="0" g="0" b="0"/>
+      </a:lnRef>
+      <a:fillRef idx="1">
+        <a:scrgbClr r="0" g="0" b="0"/>
+      </a:fillRef>
+      <a:effectRef idx="1">
+        <a:scrgbClr r="0" g="0" b="0"/>
+      </a:effectRef>
+      <a:fontRef idx="minor"/>
+    </dgm:style>
+  </dgm:styleLbl>
+  <dgm:styleLbl name="asst0">
+    <dgm:scene3d>
+      <a:camera prst="orthographicFront"/>
+      <a:lightRig rig="threePt" dir="t"/>
+    </dgm:scene3d>
+    <dgm:sp3d/>
+    <dgm:txPr/>
+    <dgm:style>
+      <a:lnRef idx="0">
+        <a:scrgbClr r="0" g="0" b="0"/>
+      </a:lnRef>
+      <a:fillRef idx="3">
+        <a:scrgbClr r="0" g="0" b="0"/>
+      </a:fillRef>
+      <a:effectRef idx="2">
+        <a:scrgbClr r="0" g="0" b="0"/>
+      </a:effectRef>
+      <a:fontRef idx="minor">
+        <a:schemeClr val="lt1"/>
+      </a:fontRef>
+    </dgm:style>
+  </dgm:styleLbl>
+  <dgm:styleLbl name="asst1">
+    <dgm:scene3d>
+      <a:camera prst="orthographicFront"/>
+      <a:lightRig rig="threePt" dir="t"/>
+    </dgm:scene3d>
+    <dgm:sp3d/>
+    <dgm:txPr/>
+    <dgm:style>
+      <a:lnRef idx="0">
+        <a:scrgbClr r="0" g="0" b="0"/>
+      </a:lnRef>
+      <a:fillRef idx="3">
+        <a:scrgbClr r="0" g="0" b="0"/>
+      </a:fillRef>
+      <a:effectRef idx="2">
+        <a:scrgbClr r="0" g="0" b="0"/>
+      </a:effectRef>
+      <a:fontRef idx="minor">
+        <a:schemeClr val="lt1"/>
+      </a:fontRef>
+    </dgm:style>
+  </dgm:styleLbl>
+  <dgm:styleLbl name="asst2">
+    <dgm:scene3d>
+      <a:camera prst="orthographicFront"/>
+      <a:lightRig rig="threePt" dir="t"/>
+    </dgm:scene3d>
+    <dgm:sp3d/>
+    <dgm:txPr/>
+    <dgm:style>
+      <a:lnRef idx="0">
+        <a:scrgbClr r="0" g="0" b="0"/>
+      </a:lnRef>
+      <a:fillRef idx="3">
+        <a:scrgbClr r="0" g="0" b="0"/>
+      </a:fillRef>
+      <a:effectRef idx="2">
+        <a:scrgbClr r="0" g="0" b="0"/>
+      </a:effectRef>
+      <a:fontRef idx="minor">
+        <a:schemeClr val="lt1"/>
+      </a:fontRef>
+    </dgm:style>
+  </dgm:styleLbl>
+  <dgm:styleLbl name="asst3">
+    <dgm:scene3d>
+      <a:camera prst="orthographicFront"/>
+      <a:lightRig rig="threePt" dir="t"/>
+    </dgm:scene3d>
+    <dgm:sp3d/>
+    <dgm:txPr/>
+    <dgm:style>
+      <a:lnRef idx="0">
+        <a:scrgbClr r="0" g="0" b="0"/>
+      </a:lnRef>
+      <a:fillRef idx="3">
+        <a:scrgbClr r="0" g="0" b="0"/>
+      </a:fillRef>
+      <a:effectRef idx="2">
+        <a:scrgbClr r="0" g="0" b="0"/>
+      </a:effectRef>
+      <a:fontRef idx="minor">
+        <a:schemeClr val="lt1"/>
+      </a:fontRef>
+    </dgm:style>
+  </dgm:styleLbl>
+  <dgm:styleLbl name="asst4">
+    <dgm:scene3d>
+      <a:camera prst="orthographicFront"/>
+      <a:lightRig rig="threePt" dir="t"/>
+    </dgm:scene3d>
+    <dgm:sp3d/>
+    <dgm:txPr/>
+    <dgm:style>
+      <a:lnRef idx="0">
+        <a:scrgbClr r="0" g="0" b="0"/>
+      </a:lnRef>
+      <a:fillRef idx="3">
+        <a:scrgbClr r="0" g="0" b="0"/>
+      </a:fillRef>
+      <a:effectRef idx="2">
+        <a:scrgbClr r="0" g="0" b="0"/>
+      </a:effectRef>
+      <a:fontRef idx="minor">
+        <a:schemeClr val="lt1"/>
+      </a:fontRef>
+    </dgm:style>
+  </dgm:styleLbl>
+  <dgm:styleLbl name="parChTrans2D1">
+    <dgm:scene3d>
+      <a:camera prst="orthographicFront"/>
+      <a:lightRig rig="threePt" dir="t"/>
+    </dgm:scene3d>
+    <dgm:sp3d/>
+    <dgm:txPr/>
+    <dgm:style>
+      <a:lnRef idx="0">
+        <a:scrgbClr r="0" g="0" b="0"/>
+      </a:lnRef>
+      <a:fillRef idx="3">
+        <a:scrgbClr r="0" g="0" b="0"/>
+      </a:fillRef>
+      <a:effectRef idx="2">
+        <a:scrgbClr r="0" g="0" b="0"/>
+      </a:effectRef>
+      <a:fontRef idx="minor">
+        <a:schemeClr val="lt1"/>
+      </a:fontRef>
+    </dgm:style>
+  </dgm:styleLbl>
+  <dgm:styleLbl name="parChTrans2D2">
+    <dgm:scene3d>
+      <a:camera prst="orthographicFront"/>
+      <a:lightRig rig="threePt" dir="t"/>
+    </dgm:scene3d>
+    <dgm:sp3d/>
+    <dgm:txPr/>
+    <dgm:style>
+      <a:lnRef idx="0">
+        <a:scrgbClr r="0" g="0" b="0"/>
+      </a:lnRef>
+      <a:fillRef idx="3">
+        <a:scrgbClr r="0" g="0" b="0"/>
+      </a:fillRef>
+      <a:effectRef idx="2">
+        <a:scrgbClr r="0" g="0" b="0"/>
+      </a:effectRef>
+      <a:fontRef idx="minor">
+        <a:schemeClr val="lt1"/>
+      </a:fontRef>
+    </dgm:style>
+  </dgm:styleLbl>
+  <dgm:styleLbl name="parChTrans2D3">
+    <dgm:scene3d>
+      <a:camera prst="orthographicFront"/>
+      <a:lightRig rig="threePt" dir="t"/>
+    </dgm:scene3d>
+    <dgm:sp3d/>
+    <dgm:txPr/>
+    <dgm:style>
+      <a:lnRef idx="1">
+        <a:scrgbClr r="0" g="0" b="0"/>
+      </a:lnRef>
+      <a:fillRef idx="3">
+        <a:scrgbClr r="0" g="0" b="0"/>
+      </a:fillRef>
+      <a:effectRef idx="2">
+        <a:scrgbClr r="0" g="0" b="0"/>
+      </a:effectRef>
+      <a:fontRef idx="minor">
+        <a:schemeClr val="lt1"/>
+      </a:fontRef>
+    </dgm:style>
+  </dgm:styleLbl>
+  <dgm:styleLbl name="parChTrans2D4">
+    <dgm:scene3d>
+      <a:camera prst="orthographicFront"/>
+      <a:lightRig rig="threePt" dir="t"/>
+    </dgm:scene3d>
+    <dgm:sp3d/>
+    <dgm:txPr/>
+    <dgm:style>
+      <a:lnRef idx="1">
+        <a:scrgbClr r="0" g="0" b="0"/>
+      </a:lnRef>
+      <a:fillRef idx="3">
+        <a:scrgbClr r="0" g="0" b="0"/>
+      </a:fillRef>
+      <a:effectRef idx="2">
+        <a:scrgbClr r="0" g="0" b="0"/>
+      </a:effectRef>
+      <a:fontRef idx="minor">
+        <a:schemeClr val="lt1"/>
+      </a:fontRef>
+    </dgm:style>
+  </dgm:styleLbl>
+  <dgm:styleLbl name="parChTrans1D1">
+    <dgm:scene3d>
+      <a:camera prst="orthographicFront"/>
+      <a:lightRig rig="threePt" dir="t"/>
+    </dgm:scene3d>
+    <dgm:sp3d/>
+    <dgm:txPr/>
+    <dgm:style>
+      <a:lnRef idx="1">
+        <a:scrgbClr r="0" g="0" b="0"/>
+      </a:lnRef>
+      <a:fillRef idx="0">
+        <a:scrgbClr r="0" g="0" b="0"/>
+      </a:fillRef>
+      <a:effectRef idx="0">
+        <a:scrgbClr r="0" g="0" b="0"/>
+      </a:effectRef>
+      <a:fontRef idx="minor"/>
+    </dgm:style>
+  </dgm:styleLbl>
+  <dgm:styleLbl name="parChTrans1D2">
+    <dgm:scene3d>
+      <a:camera prst="orthographicFront"/>
+      <a:lightRig rig="threePt" dir="t"/>
+    </dgm:scene3d>
+    <dgm:sp3d/>
+    <dgm:txPr/>
+    <dgm:style>
+      <a:lnRef idx="1">
+        <a:scrgbClr r="0" g="0" b="0"/>
+      </a:lnRef>
+      <a:fillRef idx="0">
+        <a:scrgbClr r="0" g="0" b="0"/>
+      </a:fillRef>
+      <a:effectRef idx="0">
+        <a:scrgbClr r="0" g="0" b="0"/>
+      </a:effectRef>
+      <a:fontRef idx="minor"/>
+    </dgm:style>
+  </dgm:styleLbl>
+  <dgm:styleLbl name="parChTrans1D3">
+    <dgm:scene3d>
+      <a:camera prst="orthographicFront"/>
+      <a:lightRig rig="threePt" dir="t"/>
+    </dgm:scene3d>
+    <dgm:sp3d/>
+    <dgm:txPr/>
+    <dgm:style>
+      <a:lnRef idx="1">
+        <a:scrgbClr r="0" g="0" b="0"/>
+      </a:lnRef>
+      <a:fillRef idx="0">
+        <a:scrgbClr r="0" g="0" b="0"/>
+      </a:fillRef>
+      <a:effectRef idx="0">
+        <a:scrgbClr r="0" g="0" b="0"/>
+      </a:effectRef>
+      <a:fontRef idx="minor"/>
+    </dgm:style>
+  </dgm:styleLbl>
+  <dgm:styleLbl name="parChTrans1D4">
+    <dgm:scene3d>
+      <a:camera prst="orthographicFront"/>
+      <a:lightRig rig="threePt" dir="t"/>
+    </dgm:scene3d>
+    <dgm:sp3d/>
+    <dgm:txPr/>
+    <dgm:style>
+      <a:lnRef idx="1">
+        <a:scrgbClr r="0" g="0" b="0"/>
+      </a:lnRef>
+      <a:fillRef idx="0">
+        <a:scrgbClr r="0" g="0" b="0"/>
+      </a:fillRef>
+      <a:effectRef idx="0">
+        <a:scrgbClr r="0" g="0" b="0"/>
+      </a:effectRef>
+      <a:fontRef idx="minor"/>
+    </dgm:style>
+  </dgm:styleLbl>
+  <dgm:styleLbl name="fgAcc1">
+    <dgm:scene3d>
+      <a:camera prst="orthographicFront"/>
+      <a:lightRig rig="threePt" dir="t"/>
+    </dgm:scene3d>
+    <dgm:sp3d/>
+    <dgm:txPr/>
+    <dgm:style>
+      <a:lnRef idx="1">
+        <a:scrgbClr r="0" g="0" b="0"/>
+      </a:lnRef>
+      <a:fillRef idx="1">
+        <a:scrgbClr r="0" g="0" b="0"/>
+      </a:fillRef>
+      <a:effectRef idx="0">
+        <a:scrgbClr r="0" g="0" b="0"/>
+      </a:effectRef>
+      <a:fontRef idx="minor"/>
+    </dgm:style>
+  </dgm:styleLbl>
+  <dgm:styleLbl name="conFgAcc1">
+    <dgm:scene3d>
+      <a:camera prst="orthographicFront"/>
+      <a:lightRig rig="threePt" dir="t"/>
+    </dgm:scene3d>
+    <dgm:sp3d/>
+    <dgm:txPr/>
+    <dgm:style>
+      <a:lnRef idx="1">
+        <a:scrgbClr r="0" g="0" b="0"/>
+      </a:lnRef>
+      <a:fillRef idx="1">
+        <a:scrgbClr r="0" g="0" b="0"/>
+      </a:fillRef>
+      <a:effectRef idx="0">
+        <a:scrgbClr r="0" g="0" b="0"/>
+      </a:effectRef>
+      <a:fontRef idx="minor"/>
+    </dgm:style>
+  </dgm:styleLbl>
+  <dgm:styleLbl name="alignAcc1">
+    <dgm:scene3d>
+      <a:camera prst="orthographicFront"/>
+      <a:lightRig rig="threePt" dir="t"/>
+    </dgm:scene3d>
+    <dgm:sp3d/>
+    <dgm:txPr/>
+    <dgm:style>
+      <a:lnRef idx="1">
+        <a:scrgbClr r="0" g="0" b="0"/>
+      </a:lnRef>
+      <a:fillRef idx="1">
+        <a:scrgbClr r="0" g="0" b="0"/>
+      </a:fillRef>
+      <a:effectRef idx="0">
+        <a:scrgbClr r="0" g="0" b="0"/>
+      </a:effectRef>
+      <a:fontRef idx="minor"/>
+    </dgm:style>
+  </dgm:styleLbl>
+  <dgm:styleLbl name="trAlignAcc1">
+    <dgm:scene3d>
+      <a:camera prst="orthographicFront"/>
+      <a:lightRig rig="threePt" dir="t"/>
+    </dgm:scene3d>
+    <dgm:sp3d/>
+    <dgm:txPr/>
+    <dgm:style>
+      <a:lnRef idx="1">
+        <a:scrgbClr r="0" g="0" b="0"/>
+      </a:lnRef>
+      <a:fillRef idx="1">
+        <a:scrgbClr r="0" g="0" b="0"/>
+      </a:fillRef>
+      <a:effectRef idx="0">
+        <a:scrgbClr r="0" g="0" b="0"/>
+      </a:effectRef>
+      <a:fontRef idx="minor"/>
+    </dgm:style>
+  </dgm:styleLbl>
+  <dgm:styleLbl name="bgAcc1">
+    <dgm:scene3d>
+      <a:camera prst="orthographicFront"/>
+      <a:lightRig rig="threePt" dir="t"/>
+    </dgm:scene3d>
+    <dgm:sp3d/>
+    <dgm:txPr/>
+    <dgm:style>
+      <a:lnRef idx="1">
+        <a:scrgbClr r="0" g="0" b="0"/>
+      </a:lnRef>
+      <a:fillRef idx="1">
+        <a:scrgbClr r="0" g="0" b="0"/>
+      </a:fillRef>
+      <a:effectRef idx="0">
+        <a:scrgbClr r="0" g="0" b="0"/>
+      </a:effectRef>
+      <a:fontRef idx="minor"/>
+    </dgm:style>
+  </dgm:styleLbl>
+  <dgm:styleLbl name="solidFgAcc1">
+    <dgm:scene3d>
+      <a:camera prst="orthographicFront"/>
+      <a:lightRig rig="threePt" dir="t"/>
+    </dgm:scene3d>
+    <dgm:sp3d/>
+    <dgm:txPr/>
+    <dgm:style>
+      <a:lnRef idx="1">
+        <a:scrgbClr r="0" g="0" b="0"/>
+      </a:lnRef>
+      <a:fillRef idx="1">
+        <a:scrgbClr r="0" g="0" b="0"/>
+      </a:fillRef>
+      <a:effectRef idx="0">
+        <a:scrgbClr r="0" g="0" b="0"/>
+      </a:effectRef>
+      <a:fontRef idx="minor"/>
+    </dgm:style>
+  </dgm:styleLbl>
+  <dgm:styleLbl name="solidAlignAcc1">
+    <dgm:scene3d>
+      <a:camera prst="orthographicFront"/>
+      <a:lightRig rig="threePt" dir="t"/>
+    </dgm:scene3d>
+    <dgm:sp3d/>
+    <dgm:txPr/>
+    <dgm:style>
+      <a:lnRef idx="1">
+        <a:scrgbClr r="0" g="0" b="0"/>
+      </a:lnRef>
+      <a:fillRef idx="1">
+        <a:scrgbClr r="0" g="0" b="0"/>
+      </a:fillRef>
+      <a:effectRef idx="0">
+        <a:scrgbClr r="0" g="0" b="0"/>
+      </a:effectRef>
+      <a:fontRef idx="minor"/>
+    </dgm:style>
+  </dgm:styleLbl>
+  <dgm:styleLbl name="solidBgAcc1">
+    <dgm:scene3d>
+      <a:camera prst="orthographicFront"/>
+      <a:lightRig rig="threePt" dir="t"/>
+    </dgm:scene3d>
+    <dgm:sp3d/>
+    <dgm:txPr/>
+    <dgm:style>
+      <a:lnRef idx="1">
+        <a:scrgbClr r="0" g="0" b="0"/>
+      </a:lnRef>
+      <a:fillRef idx="1">
+        <a:scrgbClr r="0" g="0" b="0"/>
+      </a:fillRef>
+      <a:effectRef idx="0">
+        <a:scrgbClr r="0" g="0" b="0"/>
+      </a:effectRef>
+      <a:fontRef idx="minor"/>
+    </dgm:style>
+  </dgm:styleLbl>
+  <dgm:styleLbl name="fgAccFollowNode1">
+    <dgm:scene3d>
+      <a:camera prst="orthographicFront"/>
+      <a:lightRig rig="threePt" dir="t"/>
+    </dgm:scene3d>
+    <dgm:sp3d/>
+    <dgm:txPr/>
+    <dgm:style>
+      <a:lnRef idx="1">
+        <a:scrgbClr r="0" g="0" b="0"/>
+      </a:lnRef>
+      <a:fillRef idx="1">
+        <a:scrgbClr r="0" g="0" b="0"/>
+      </a:fillRef>
+      <a:effectRef idx="0">
+        <a:scrgbClr r="0" g="0" b="0"/>
+      </a:effectRef>
+      <a:fontRef idx="minor"/>
+    </dgm:style>
+  </dgm:styleLbl>
+  <dgm:styleLbl name="alignAccFollowNode1">
+    <dgm:scene3d>
+      <a:camera prst="orthographicFront"/>
+      <a:lightRig rig="threePt" dir="t"/>
+    </dgm:scene3d>
+    <dgm:sp3d/>
+    <dgm:txPr/>
+    <dgm:style>
+      <a:lnRef idx="1">
+        <a:scrgbClr r="0" g="0" b="0"/>
+      </a:lnRef>
+      <a:fillRef idx="1">
+        <a:scrgbClr r="0" g="0" b="0"/>
+      </a:fillRef>
+      <a:effectRef idx="0">
+        <a:scrgbClr r="0" g="0" b="0"/>
+      </a:effectRef>
+      <a:fontRef idx="minor"/>
+    </dgm:style>
+  </dgm:styleLbl>
+  <dgm:styleLbl name="bgAccFollowNode1">
+    <dgm:scene3d>
+      <a:camera prst="orthographicFront"/>
+      <a:lightRig rig="threePt" dir="t"/>
+    </dgm:scene3d>
+    <dgm:sp3d/>
+    <dgm:txPr/>
+    <dgm:style>
+      <a:lnRef idx="1">
+        <a:scrgbClr r="0" g="0" b="0"/>
+      </a:lnRef>
+      <a:fillRef idx="1">
+        <a:scrgbClr r="0" g="0" b="0"/>
+      </a:fillRef>
+      <a:effectRef idx="0">
+        <a:scrgbClr r="0" g="0" b="0"/>
+      </a:effectRef>
+      <a:fontRef idx="minor"/>
+    </dgm:style>
+  </dgm:styleLbl>
+  <dgm:styleLbl name="fgAcc0">
+    <dgm:scene3d>
+      <a:camera prst="orthographicFront"/>
+      <a:lightRig rig="threePt" dir="t"/>
+    </dgm:scene3d>
+    <dgm:sp3d/>
+    <dgm:txPr/>
+    <dgm:style>
+      <a:lnRef idx="1">
+        <a:scrgbClr r="0" g="0" b="0"/>
+      </a:lnRef>
+      <a:fillRef idx="1">
+        <a:scrgbClr r="0" g="0" b="0"/>
+      </a:fillRef>
+      <a:effectRef idx="0">
+        <a:scrgbClr r="0" g="0" b="0"/>
+      </a:effectRef>
+      <a:fontRef idx="minor"/>
+    </dgm:style>
+  </dgm:styleLbl>
+  <dgm:styleLbl name="fgAcc2">
+    <dgm:scene3d>
+      <a:camera prst="orthographicFront"/>
+      <a:lightRig rig="threePt" dir="t"/>
+    </dgm:scene3d>
+    <dgm:sp3d/>
+    <dgm:txPr/>
+    <dgm:style>
+      <a:lnRef idx="1">
+        <a:scrgbClr r="0" g="0" b="0"/>
+      </a:lnRef>
+      <a:fillRef idx="1">
+        <a:scrgbClr r="0" g="0" b="0"/>
+      </a:fillRef>
+      <a:effectRef idx="0">
+        <a:scrgbClr r="0" g="0" b="0"/>
+      </a:effectRef>
+      <a:fontRef idx="minor"/>
+    </dgm:style>
+  </dgm:styleLbl>
+  <dgm:styleLbl name="fgAcc3">
+    <dgm:scene3d>
+      <a:camera prst="orthographicFront"/>
+      <a:lightRig rig="threePt" dir="t"/>
+    </dgm:scene3d>
+    <dgm:sp3d/>
+    <dgm:txPr/>
+    <dgm:style>
+      <a:lnRef idx="1">
+        <a:scrgbClr r="0" g="0" b="0"/>
+      </a:lnRef>
+      <a:fillRef idx="1">
+        <a:scrgbClr r="0" g="0" b="0"/>
+      </a:fillRef>
+      <a:effectRef idx="0">
+        <a:scrgbClr r="0" g="0" b="0"/>
+      </a:effectRef>
+      <a:fontRef idx="minor"/>
+    </dgm:style>
+  </dgm:styleLbl>
+  <dgm:styleLbl name="fgAcc4">
+    <dgm:scene3d>
+      <a:camera prst="orthographicFront"/>
+      <a:lightRig rig="threePt" dir="t"/>
+    </dgm:scene3d>
+    <dgm:sp3d/>
+    <dgm:txPr/>
+    <dgm:style>
+      <a:lnRef idx="1">
+        <a:scrgbClr r="0" g="0" b="0"/>
+      </a:lnRef>
+      <a:fillRef idx="1">
+        <a:scrgbClr r="0" g="0" b="0"/>
+      </a:fillRef>
+      <a:effectRef idx="0">
+        <a:scrgbClr r="0" g="0" b="0"/>
+      </a:effectRef>
+      <a:fontRef idx="minor"/>
+    </dgm:style>
+  </dgm:styleLbl>
+  <dgm:styleLbl name="bgShp">
+    <dgm:scene3d>
+      <a:camera prst="orthographicFront"/>
+      <a:lightRig rig="threePt" dir="t"/>
+    </dgm:scene3d>
+    <dgm:sp3d/>
+    <dgm:txPr/>
+    <dgm:style>
+      <a:lnRef idx="0">
+        <a:scrgbClr r="0" g="0" b="0"/>
+      </a:lnRef>
+      <a:fillRef idx="1">
+        <a:scrgbClr r="0" g="0" b="0"/>
+      </a:fillRef>
+      <a:effectRef idx="2">
+        <a:scrgbClr r="0" g="0" b="0"/>
+      </a:effectRef>
+      <a:fontRef idx="minor"/>
+    </dgm:style>
+  </dgm:styleLbl>
+  <dgm:styleLbl name="dkBgShp">
+    <dgm:scene3d>
+      <a:camera prst="orthographicFront"/>
+      <a:lightRig rig="threePt" dir="t"/>
+    </dgm:scene3d>
+    <dgm:sp3d/>
+    <dgm:txPr/>
+    <dgm:style>
+      <a:lnRef idx="0">
+        <a:scrgbClr r="0" g="0" b="0"/>
+      </a:lnRef>
+      <a:fillRef idx="1">
+        <a:scrgbClr r="0" g="0" b="0"/>
+      </a:fillRef>
+      <a:effectRef idx="2">
+        <a:scrgbClr r="0" g="0" b="0"/>
+      </a:effectRef>
+      <a:fontRef idx="minor"/>
+    </dgm:style>
+  </dgm:styleLbl>
+  <dgm:styleLbl name="trBgShp">
+    <dgm:scene3d>
+      <a:camera prst="orthographicFront"/>
+      <a:lightRig rig="threePt" dir="t"/>
+    </dgm:scene3d>
+    <dgm:sp3d/>
+    <dgm:txPr/>
+    <dgm:style>
+      <a:lnRef idx="0">
+        <a:scrgbClr r="0" g="0" b="0"/>
+      </a:lnRef>
+      <a:fillRef idx="1">
+        <a:scrgbClr r="0" g="0" b="0"/>
+      </a:fillRef>
+      <a:effectRef idx="0">
+        <a:scrgbClr r="0" g="0" b="0"/>
+      </a:effectRef>
+      <a:fontRef idx="minor"/>
+    </dgm:style>
+  </dgm:styleLbl>
+  <dgm:styleLbl name="fgShp">
+    <dgm:scene3d>
+      <a:camera prst="orthographicFront"/>
+      <a:lightRig rig="threePt" dir="t"/>
+    </dgm:scene3d>
+    <dgm:sp3d/>
+    <dgm:txPr/>
+    <dgm:style>
+      <a:lnRef idx="0">
+        <a:scrgbClr r="0" g="0" b="0"/>
+      </a:lnRef>
+      <a:fillRef idx="3">
+        <a:scrgbClr r="0" g="0" b="0"/>
+      </a:fillRef>
+      <a:effectRef idx="2">
+        <a:scrgbClr r="0" g="0" b="0"/>
+      </a:effectRef>
+      <a:fontRef idx="minor"/>
+    </dgm:style>
+  </dgm:styleLbl>
+  <dgm:styleLbl name="revTx">
+    <dgm:scene3d>
+      <a:camera prst="orthographicFront"/>
+      <a:lightRig rig="threePt" dir="t"/>
+    </dgm:scene3d>
+    <dgm:sp3d/>
+    <dgm:txPr/>
+    <dgm:style>
+      <a:lnRef idx="0">
+        <a:scrgbClr r="0" g="0" b="0"/>
+      </a:lnRef>
+      <a:fillRef idx="0">
+        <a:scrgbClr r="0" g="0" b="0"/>
+      </a:fillRef>
+      <a:effectRef idx="0">
+        <a:scrgbClr r="0" g="0" b="0"/>
+      </a:effectRef>
+      <a:fontRef idx="minor"/>
+    </dgm:style>
+  </dgm:styleLbl>
+</dgm:styleDef>
 </file>
 
 <file path=ppt/slideLayouts/slideLayout1.xml><?xml version="1.0" encoding="utf-8"?>
@@ -254,7 +6766,7 @@
           <a:p>
             <a:fld id="{9468A0C8-F392-6449-B932-EE0021254EB1}" type="datetimeFigureOut">
               <a:rPr lang="en-US" smtClean="0"/>
-              <a:t>12/13/17</a:t>
+              <a:t>1/26/18</a:t>
             </a:fld>
             <a:endParaRPr lang="en-US"/>
           </a:p>
@@ -424,7 +6936,7 @@
           <a:p>
             <a:fld id="{9468A0C8-F392-6449-B932-EE0021254EB1}" type="datetimeFigureOut">
               <a:rPr lang="en-US" smtClean="0"/>
-              <a:t>12/13/17</a:t>
+              <a:t>1/26/18</a:t>
             </a:fld>
             <a:endParaRPr lang="en-US"/>
           </a:p>
@@ -604,7 +7116,7 @@
           <a:p>
             <a:fld id="{9468A0C8-F392-6449-B932-EE0021254EB1}" type="datetimeFigureOut">
               <a:rPr lang="en-US" smtClean="0"/>
-              <a:t>12/13/17</a:t>
+              <a:t>1/26/18</a:t>
             </a:fld>
             <a:endParaRPr lang="en-US"/>
           </a:p>
@@ -774,7 +7286,7 @@
           <a:p>
             <a:fld id="{9468A0C8-F392-6449-B932-EE0021254EB1}" type="datetimeFigureOut">
               <a:rPr lang="en-US" smtClean="0"/>
-              <a:t>12/13/17</a:t>
+              <a:t>1/26/18</a:t>
             </a:fld>
             <a:endParaRPr lang="en-US"/>
           </a:p>
@@ -1020,7 +7532,7 @@
           <a:p>
             <a:fld id="{9468A0C8-F392-6449-B932-EE0021254EB1}" type="datetimeFigureOut">
               <a:rPr lang="en-US" smtClean="0"/>
-              <a:t>12/13/17</a:t>
+              <a:t>1/26/18</a:t>
             </a:fld>
             <a:endParaRPr lang="en-US"/>
           </a:p>
@@ -1252,7 +7764,7 @@
           <a:p>
             <a:fld id="{9468A0C8-F392-6449-B932-EE0021254EB1}" type="datetimeFigureOut">
               <a:rPr lang="en-US" smtClean="0"/>
-              <a:t>12/13/17</a:t>
+              <a:t>1/26/18</a:t>
             </a:fld>
             <a:endParaRPr lang="en-US"/>
           </a:p>
@@ -1619,7 +8131,7 @@
           <a:p>
             <a:fld id="{9468A0C8-F392-6449-B932-EE0021254EB1}" type="datetimeFigureOut">
               <a:rPr lang="en-US" smtClean="0"/>
-              <a:t>12/13/17</a:t>
+              <a:t>1/26/18</a:t>
             </a:fld>
             <a:endParaRPr lang="en-US"/>
           </a:p>
@@ -1737,7 +8249,7 @@
           <a:p>
             <a:fld id="{9468A0C8-F392-6449-B932-EE0021254EB1}" type="datetimeFigureOut">
               <a:rPr lang="en-US" smtClean="0"/>
-              <a:t>12/13/17</a:t>
+              <a:t>1/26/18</a:t>
             </a:fld>
             <a:endParaRPr lang="en-US"/>
           </a:p>
@@ -1832,7 +8344,7 @@
           <a:p>
             <a:fld id="{9468A0C8-F392-6449-B932-EE0021254EB1}" type="datetimeFigureOut">
               <a:rPr lang="en-US" smtClean="0"/>
-              <a:t>12/13/17</a:t>
+              <a:t>1/26/18</a:t>
             </a:fld>
             <a:endParaRPr lang="en-US"/>
           </a:p>
@@ -2109,7 +8621,7 @@
           <a:p>
             <a:fld id="{9468A0C8-F392-6449-B932-EE0021254EB1}" type="datetimeFigureOut">
               <a:rPr lang="en-US" smtClean="0"/>
-              <a:t>12/13/17</a:t>
+              <a:t>1/26/18</a:t>
             </a:fld>
             <a:endParaRPr lang="en-US"/>
           </a:p>
@@ -2362,7 +8874,7 @@
           <a:p>
             <a:fld id="{9468A0C8-F392-6449-B932-EE0021254EB1}" type="datetimeFigureOut">
               <a:rPr lang="en-US" smtClean="0"/>
-              <a:t>12/13/17</a:t>
+              <a:t>1/26/18</a:t>
             </a:fld>
             <a:endParaRPr lang="en-US"/>
           </a:p>
@@ -2575,7 +9087,7 @@
           <a:p>
             <a:fld id="{9468A0C8-F392-6449-B932-EE0021254EB1}" type="datetimeFigureOut">
               <a:rPr lang="en-US" smtClean="0"/>
-              <a:t>12/13/17</a:t>
+              <a:t>1/26/18</a:t>
             </a:fld>
             <a:endParaRPr lang="en-US"/>
           </a:p>
@@ -3067,6 +9579,550 @@
           <a:bodyPr/>
           <a:lstStyle/>
           <a:p>
+            <a:r>
+              <a:rPr lang="en-US" dirty="0" smtClean="0"/>
+              <a:t>6. Starting the bot</a:t>
+            </a:r>
+            <a:endParaRPr lang="en-US" dirty="0"/>
+          </a:p>
+        </p:txBody>
+      </p:sp>
+      <p:sp>
+        <p:nvSpPr>
+          <p:cNvPr id="3" name="Content Placeholder 2"/>
+          <p:cNvSpPr>
+            <a:spLocks noGrp="1"/>
+          </p:cNvSpPr>
+          <p:nvPr>
+            <p:ph idx="1"/>
+          </p:nvPr>
+        </p:nvSpPr>
+        <p:spPr/>
+        <p:txBody>
+          <a:bodyPr>
+            <a:normAutofit/>
+          </a:bodyPr>
+          <a:lstStyle/>
+          <a:p>
+            <a:pPr marL="0" indent="0" algn="ctr">
+              <a:buNone/>
+            </a:pPr>
+            <a:r>
+              <a:rPr lang="en-US" sz="4000" dirty="0" err="1" smtClean="0"/>
+              <a:t>botpress</a:t>
+            </a:r>
+            <a:r>
+              <a:rPr lang="en-US" sz="4000" dirty="0" smtClean="0"/>
+              <a:t> start</a:t>
+            </a:r>
+          </a:p>
+          <a:p>
+            <a:pPr marL="0" indent="0">
+              <a:buNone/>
+            </a:pPr>
+            <a:endParaRPr lang="en-US" sz="4000" dirty="0" smtClean="0"/>
+          </a:p>
+        </p:txBody>
+      </p:sp>
+      <p:pic>
+        <p:nvPicPr>
+          <p:cNvPr id="5" name="Picture 4"/>
+          <p:cNvPicPr>
+            <a:picLocks noChangeAspect="1"/>
+          </p:cNvPicPr>
+          <p:nvPr/>
+        </p:nvPicPr>
+        <p:blipFill>
+          <a:blip r:embed="rId2"/>
+          <a:stretch>
+            <a:fillRect/>
+          </a:stretch>
+        </p:blipFill>
+        <p:spPr>
+          <a:xfrm>
+            <a:off x="400050" y="2471738"/>
+            <a:ext cx="11391900" cy="4229100"/>
+          </a:xfrm>
+          <a:prstGeom prst="rect">
+            <a:avLst/>
+          </a:prstGeom>
+        </p:spPr>
+      </p:pic>
+      <p:sp>
+        <p:nvSpPr>
+          <p:cNvPr id="6" name="Frame 5"/>
+          <p:cNvSpPr/>
+          <p:nvPr/>
+        </p:nvSpPr>
+        <p:spPr>
+          <a:xfrm>
+            <a:off x="7929563" y="2528888"/>
+            <a:ext cx="1928812" cy="357187"/>
+          </a:xfrm>
+          <a:prstGeom prst="frame">
+            <a:avLst/>
+          </a:prstGeom>
+          <a:solidFill>
+            <a:srgbClr val="C00000"/>
+          </a:solidFill>
+        </p:spPr>
+        <p:style>
+          <a:lnRef idx="2">
+            <a:schemeClr val="accent1">
+              <a:shade val="50000"/>
+            </a:schemeClr>
+          </a:lnRef>
+          <a:fillRef idx="1">
+            <a:schemeClr val="accent1"/>
+          </a:fillRef>
+          <a:effectRef idx="0">
+            <a:schemeClr val="accent1"/>
+          </a:effectRef>
+          <a:fontRef idx="minor">
+            <a:schemeClr val="lt1"/>
+          </a:fontRef>
+        </p:style>
+        <p:txBody>
+          <a:bodyPr rtlCol="0" anchor="ctr"/>
+          <a:lstStyle/>
+          <a:p>
+            <a:pPr algn="ctr"/>
+            <a:endParaRPr lang="en-US">
+              <a:solidFill>
+                <a:schemeClr val="tx1"/>
+              </a:solidFill>
+            </a:endParaRPr>
+          </a:p>
+        </p:txBody>
+      </p:sp>
+    </p:spTree>
+    <p:extLst>
+      <p:ext uri="{BB962C8B-B14F-4D97-AF65-F5344CB8AC3E}">
+        <p14:creationId xmlns:p14="http://schemas.microsoft.com/office/powerpoint/2010/main" val="1308063802"/>
+      </p:ext>
+    </p:extLst>
+  </p:cSld>
+  <p:clrMapOvr>
+    <a:masterClrMapping/>
+  </p:clrMapOvr>
+</p:sld>
+</file>
+
+<file path=ppt/slides/slide11.xml><?xml version="1.0" encoding="utf-8"?>
+<p:sld xmlns:a="http://schemas.openxmlformats.org/drawingml/2006/main" xmlns:r="http://schemas.openxmlformats.org/officeDocument/2006/relationships" xmlns:p="http://schemas.openxmlformats.org/presentationml/2006/main">
+  <p:cSld>
+    <p:spTree>
+      <p:nvGrpSpPr>
+        <p:cNvPr id="1" name=""/>
+        <p:cNvGrpSpPr/>
+        <p:nvPr/>
+      </p:nvGrpSpPr>
+      <p:grpSpPr>
+        <a:xfrm>
+          <a:off x="0" y="0"/>
+          <a:ext cx="0" cy="0"/>
+          <a:chOff x="0" y="0"/>
+          <a:chExt cx="0" cy="0"/>
+        </a:xfrm>
+      </p:grpSpPr>
+      <p:sp>
+        <p:nvSpPr>
+          <p:cNvPr id="2" name="Title 1"/>
+          <p:cNvSpPr>
+            <a:spLocks noGrp="1"/>
+          </p:cNvSpPr>
+          <p:nvPr>
+            <p:ph type="title"/>
+          </p:nvPr>
+        </p:nvSpPr>
+        <p:spPr/>
+        <p:txBody>
+          <a:bodyPr/>
+          <a:lstStyle/>
+          <a:p>
+            <a:r>
+              <a:rPr lang="en-US" dirty="0" smtClean="0"/>
+              <a:t>7. Adding the </a:t>
+            </a:r>
+            <a:r>
+              <a:rPr lang="en-US" dirty="0" err="1" smtClean="0"/>
+              <a:t>wit.ai</a:t>
+            </a:r>
+            <a:r>
+              <a:rPr lang="en-US" dirty="0" smtClean="0"/>
+              <a:t> and messenger modules</a:t>
+            </a:r>
+            <a:endParaRPr lang="en-US" dirty="0"/>
+          </a:p>
+        </p:txBody>
+      </p:sp>
+      <p:pic>
+        <p:nvPicPr>
+          <p:cNvPr id="4" name="Picture 3"/>
+          <p:cNvPicPr>
+            <a:picLocks noChangeAspect="1"/>
+          </p:cNvPicPr>
+          <p:nvPr/>
+        </p:nvPicPr>
+        <p:blipFill>
+          <a:blip r:embed="rId2"/>
+          <a:stretch>
+            <a:fillRect/>
+          </a:stretch>
+        </p:blipFill>
+        <p:spPr>
+          <a:xfrm>
+            <a:off x="0" y="1490125"/>
+            <a:ext cx="12192000" cy="3877749"/>
+          </a:xfrm>
+          <a:prstGeom prst="rect">
+            <a:avLst/>
+          </a:prstGeom>
+        </p:spPr>
+      </p:pic>
+      <p:sp>
+        <p:nvSpPr>
+          <p:cNvPr id="5" name="Left Arrow 4"/>
+          <p:cNvSpPr/>
+          <p:nvPr/>
+        </p:nvSpPr>
+        <p:spPr>
+          <a:xfrm>
+            <a:off x="1871664" y="2815688"/>
+            <a:ext cx="857249" cy="601125"/>
+          </a:xfrm>
+          <a:prstGeom prst="leftArrow">
+            <a:avLst/>
+          </a:prstGeom>
+          <a:solidFill>
+            <a:srgbClr val="C00000"/>
+          </a:solidFill>
+        </p:spPr>
+        <p:style>
+          <a:lnRef idx="2">
+            <a:schemeClr val="accent1">
+              <a:shade val="50000"/>
+            </a:schemeClr>
+          </a:lnRef>
+          <a:fillRef idx="1">
+            <a:schemeClr val="accent1"/>
+          </a:fillRef>
+          <a:effectRef idx="0">
+            <a:schemeClr val="accent1"/>
+          </a:effectRef>
+          <a:fontRef idx="minor">
+            <a:schemeClr val="lt1"/>
+          </a:fontRef>
+        </p:style>
+        <p:txBody>
+          <a:bodyPr rtlCol="0" anchor="ctr"/>
+          <a:lstStyle/>
+          <a:p>
+            <a:pPr algn="ctr"/>
+            <a:endParaRPr lang="en-US"/>
+          </a:p>
+        </p:txBody>
+      </p:sp>
+      <p:sp>
+        <p:nvSpPr>
+          <p:cNvPr id="6" name="Down Arrow 5"/>
+          <p:cNvSpPr/>
+          <p:nvPr/>
+        </p:nvSpPr>
+        <p:spPr>
+          <a:xfrm>
+            <a:off x="7372350" y="1236919"/>
+            <a:ext cx="657225" cy="891919"/>
+          </a:xfrm>
+          <a:prstGeom prst="downArrow">
+            <a:avLst/>
+          </a:prstGeom>
+          <a:solidFill>
+            <a:srgbClr val="C00000"/>
+          </a:solidFill>
+        </p:spPr>
+        <p:style>
+          <a:lnRef idx="2">
+            <a:schemeClr val="accent1">
+              <a:shade val="50000"/>
+            </a:schemeClr>
+          </a:lnRef>
+          <a:fillRef idx="1">
+            <a:schemeClr val="accent1"/>
+          </a:fillRef>
+          <a:effectRef idx="0">
+            <a:schemeClr val="accent1"/>
+          </a:effectRef>
+          <a:fontRef idx="minor">
+            <a:schemeClr val="lt1"/>
+          </a:fontRef>
+        </p:style>
+        <p:txBody>
+          <a:bodyPr rtlCol="0" anchor="ctr"/>
+          <a:lstStyle/>
+          <a:p>
+            <a:pPr algn="ctr"/>
+            <a:endParaRPr lang="en-US"/>
+          </a:p>
+        </p:txBody>
+      </p:sp>
+    </p:spTree>
+    <p:extLst>
+      <p:ext uri="{BB962C8B-B14F-4D97-AF65-F5344CB8AC3E}">
+        <p14:creationId xmlns:p14="http://schemas.microsoft.com/office/powerpoint/2010/main" val="1099789900"/>
+      </p:ext>
+    </p:extLst>
+  </p:cSld>
+  <p:clrMapOvr>
+    <a:masterClrMapping/>
+  </p:clrMapOvr>
+</p:sld>
+</file>
+
+<file path=ppt/slides/slide12.xml><?xml version="1.0" encoding="utf-8"?>
+<p:sld xmlns:a="http://schemas.openxmlformats.org/drawingml/2006/main" xmlns:r="http://schemas.openxmlformats.org/officeDocument/2006/relationships" xmlns:p="http://schemas.openxmlformats.org/presentationml/2006/main">
+  <p:cSld>
+    <p:spTree>
+      <p:nvGrpSpPr>
+        <p:cNvPr id="1" name=""/>
+        <p:cNvGrpSpPr/>
+        <p:nvPr/>
+      </p:nvGrpSpPr>
+      <p:grpSpPr>
+        <a:xfrm>
+          <a:off x="0" y="0"/>
+          <a:ext cx="0" cy="0"/>
+          <a:chOff x="0" y="0"/>
+          <a:chExt cx="0" cy="0"/>
+        </a:xfrm>
+      </p:grpSpPr>
+      <p:sp>
+        <p:nvSpPr>
+          <p:cNvPr id="2" name="Title 1"/>
+          <p:cNvSpPr>
+            <a:spLocks noGrp="1"/>
+          </p:cNvSpPr>
+          <p:nvPr>
+            <p:ph type="title"/>
+          </p:nvPr>
+        </p:nvSpPr>
+        <p:spPr/>
+        <p:txBody>
+          <a:bodyPr/>
+          <a:lstStyle/>
+          <a:p>
+            <a:r>
+              <a:rPr lang="en-US" dirty="0" smtClean="0"/>
+              <a:t>8. Creating a </a:t>
+            </a:r>
+            <a:r>
+              <a:rPr lang="en-US" dirty="0" err="1" smtClean="0"/>
+              <a:t>facebook</a:t>
+            </a:r>
+            <a:r>
+              <a:rPr lang="en-US" dirty="0" smtClean="0"/>
+              <a:t> app</a:t>
+            </a:r>
+            <a:endParaRPr lang="en-US" dirty="0"/>
+          </a:p>
+        </p:txBody>
+      </p:sp>
+      <p:sp>
+        <p:nvSpPr>
+          <p:cNvPr id="3" name="Content Placeholder 2"/>
+          <p:cNvSpPr>
+            <a:spLocks noGrp="1"/>
+          </p:cNvSpPr>
+          <p:nvPr>
+            <p:ph idx="1"/>
+          </p:nvPr>
+        </p:nvSpPr>
+        <p:spPr/>
+        <p:txBody>
+          <a:bodyPr/>
+          <a:lstStyle/>
+          <a:p>
+            <a:r>
+              <a:rPr lang="en-US" dirty="0" smtClean="0"/>
+              <a:t>You need to create a </a:t>
+            </a:r>
+            <a:r>
+              <a:rPr lang="en-US" dirty="0" err="1" smtClean="0"/>
+              <a:t>facebook</a:t>
+            </a:r>
+            <a:r>
+              <a:rPr lang="en-US" dirty="0" smtClean="0"/>
+              <a:t> page.</a:t>
+            </a:r>
+          </a:p>
+          <a:p>
+            <a:endParaRPr lang="en-US" dirty="0"/>
+          </a:p>
+        </p:txBody>
+      </p:sp>
+      <p:pic>
+        <p:nvPicPr>
+          <p:cNvPr id="4" name="Picture 3"/>
+          <p:cNvPicPr>
+            <a:picLocks noChangeAspect="1"/>
+          </p:cNvPicPr>
+          <p:nvPr/>
+        </p:nvPicPr>
+        <p:blipFill>
+          <a:blip r:embed="rId2"/>
+          <a:stretch>
+            <a:fillRect/>
+          </a:stretch>
+        </p:blipFill>
+        <p:spPr>
+          <a:xfrm>
+            <a:off x="0" y="2413621"/>
+            <a:ext cx="12192000" cy="5174007"/>
+          </a:xfrm>
+          <a:prstGeom prst="rect">
+            <a:avLst/>
+          </a:prstGeom>
+        </p:spPr>
+      </p:pic>
+      <p:sp>
+        <p:nvSpPr>
+          <p:cNvPr id="5" name="Frame 4"/>
+          <p:cNvSpPr/>
+          <p:nvPr/>
+        </p:nvSpPr>
+        <p:spPr>
+          <a:xfrm>
+            <a:off x="4772025" y="2486025"/>
+            <a:ext cx="2571750" cy="285750"/>
+          </a:xfrm>
+          <a:prstGeom prst="frame">
+            <a:avLst/>
+          </a:prstGeom>
+          <a:solidFill>
+            <a:srgbClr val="C00000"/>
+          </a:solidFill>
+        </p:spPr>
+        <p:style>
+          <a:lnRef idx="2">
+            <a:schemeClr val="accent1">
+              <a:shade val="50000"/>
+            </a:schemeClr>
+          </a:lnRef>
+          <a:fillRef idx="1">
+            <a:schemeClr val="accent1"/>
+          </a:fillRef>
+          <a:effectRef idx="0">
+            <a:schemeClr val="accent1"/>
+          </a:effectRef>
+          <a:fontRef idx="minor">
+            <a:schemeClr val="lt1"/>
+          </a:fontRef>
+        </p:style>
+        <p:txBody>
+          <a:bodyPr rtlCol="0" anchor="ctr"/>
+          <a:lstStyle/>
+          <a:p>
+            <a:pPr algn="ctr"/>
+            <a:endParaRPr lang="en-US">
+              <a:solidFill>
+                <a:schemeClr val="tx1"/>
+              </a:solidFill>
+            </a:endParaRPr>
+          </a:p>
+        </p:txBody>
+      </p:sp>
+      <p:sp>
+        <p:nvSpPr>
+          <p:cNvPr id="6" name="Frame 5"/>
+          <p:cNvSpPr/>
+          <p:nvPr/>
+        </p:nvSpPr>
+        <p:spPr>
+          <a:xfrm>
+            <a:off x="9229725" y="4438650"/>
+            <a:ext cx="1414463" cy="290513"/>
+          </a:xfrm>
+          <a:prstGeom prst="frame">
+            <a:avLst/>
+          </a:prstGeom>
+          <a:solidFill>
+            <a:srgbClr val="C00000"/>
+          </a:solidFill>
+        </p:spPr>
+        <p:style>
+          <a:lnRef idx="2">
+            <a:schemeClr val="accent1">
+              <a:shade val="50000"/>
+            </a:schemeClr>
+          </a:lnRef>
+          <a:fillRef idx="1">
+            <a:schemeClr val="accent1"/>
+          </a:fillRef>
+          <a:effectRef idx="0">
+            <a:schemeClr val="accent1"/>
+          </a:effectRef>
+          <a:fontRef idx="minor">
+            <a:schemeClr val="lt1"/>
+          </a:fontRef>
+        </p:style>
+        <p:txBody>
+          <a:bodyPr rtlCol="0" anchor="ctr"/>
+          <a:lstStyle/>
+          <a:p>
+            <a:pPr algn="ctr"/>
+            <a:endParaRPr lang="en-US">
+              <a:solidFill>
+                <a:schemeClr val="tx1"/>
+              </a:solidFill>
+            </a:endParaRPr>
+          </a:p>
+        </p:txBody>
+      </p:sp>
+    </p:spTree>
+    <p:extLst>
+      <p:ext uri="{BB962C8B-B14F-4D97-AF65-F5344CB8AC3E}">
+        <p14:creationId xmlns:p14="http://schemas.microsoft.com/office/powerpoint/2010/main" val="131687910"/>
+      </p:ext>
+    </p:extLst>
+  </p:cSld>
+  <p:clrMapOvr>
+    <a:masterClrMapping/>
+  </p:clrMapOvr>
+</p:sld>
+</file>
+
+<file path=ppt/slides/slide13.xml><?xml version="1.0" encoding="utf-8"?>
+<p:sld xmlns:a="http://schemas.openxmlformats.org/drawingml/2006/main" xmlns:r="http://schemas.openxmlformats.org/officeDocument/2006/relationships" xmlns:p="http://schemas.openxmlformats.org/presentationml/2006/main">
+  <p:cSld>
+    <p:spTree>
+      <p:nvGrpSpPr>
+        <p:cNvPr id="1" name=""/>
+        <p:cNvGrpSpPr/>
+        <p:nvPr/>
+      </p:nvGrpSpPr>
+      <p:grpSpPr>
+        <a:xfrm>
+          <a:off x="0" y="0"/>
+          <a:ext cx="0" cy="0"/>
+          <a:chOff x="0" y="0"/>
+          <a:chExt cx="0" cy="0"/>
+        </a:xfrm>
+      </p:grpSpPr>
+      <p:sp>
+        <p:nvSpPr>
+          <p:cNvPr id="2" name="Title 1"/>
+          <p:cNvSpPr>
+            <a:spLocks noGrp="1"/>
+          </p:cNvSpPr>
+          <p:nvPr>
+            <p:ph type="title"/>
+          </p:nvPr>
+        </p:nvSpPr>
+        <p:spPr/>
+        <p:txBody>
+          <a:bodyPr/>
+          <a:lstStyle/>
+          <a:p>
             <a:endParaRPr lang="en-US"/>
           </a:p>
         </p:txBody>
@@ -3173,7 +10229,7 @@
 </p:sld>
 </file>
 
-<file path=ppt/slides/slide11.xml><?xml version="1.0" encoding="utf-8"?>
+<file path=ppt/slides/slide14.xml><?xml version="1.0" encoding="utf-8"?>
 <p:sld xmlns:a="http://schemas.openxmlformats.org/drawingml/2006/main" xmlns:r="http://schemas.openxmlformats.org/officeDocument/2006/relationships" xmlns:p="http://schemas.openxmlformats.org/presentationml/2006/main">
   <p:cSld>
     <p:spTree>
@@ -3358,7 +10414,7 @@
 </p:sld>
 </file>
 
-<file path=ppt/slides/slide12.xml><?xml version="1.0" encoding="utf-8"?>
+<file path=ppt/slides/slide15.xml><?xml version="1.0" encoding="utf-8"?>
 <p:sld xmlns:a="http://schemas.openxmlformats.org/drawingml/2006/main" xmlns:r="http://schemas.openxmlformats.org/officeDocument/2006/relationships" xmlns:p="http://schemas.openxmlformats.org/presentationml/2006/main">
   <p:cSld>
     <p:spTree>
@@ -3497,7 +10553,7 @@
 </p:sld>
 </file>
 
-<file path=ppt/slides/slide13.xml><?xml version="1.0" encoding="utf-8"?>
+<file path=ppt/slides/slide16.xml><?xml version="1.0" encoding="utf-8"?>
 <p:sld xmlns:a="http://schemas.openxmlformats.org/drawingml/2006/main" xmlns:r="http://schemas.openxmlformats.org/officeDocument/2006/relationships" xmlns:p="http://schemas.openxmlformats.org/presentationml/2006/main">
   <p:cSld>
     <p:spTree>
@@ -3605,7 +10661,7 @@
 </p:sld>
 </file>
 
-<file path=ppt/slides/slide14.xml><?xml version="1.0" encoding="utf-8"?>
+<file path=ppt/slides/slide17.xml><?xml version="1.0" encoding="utf-8"?>
 <p:sld xmlns:a="http://schemas.openxmlformats.org/drawingml/2006/main" xmlns:r="http://schemas.openxmlformats.org/officeDocument/2006/relationships" xmlns:p="http://schemas.openxmlformats.org/presentationml/2006/main">
   <p:cSld>
     <p:spTree>
@@ -3749,7 +10805,7 @@
 </p:sld>
 </file>
 
-<file path=ppt/slides/slide15.xml><?xml version="1.0" encoding="utf-8"?>
+<file path=ppt/slides/slide18.xml><?xml version="1.0" encoding="utf-8"?>
 <p:sld xmlns:a="http://schemas.openxmlformats.org/drawingml/2006/main" xmlns:r="http://schemas.openxmlformats.org/officeDocument/2006/relationships" xmlns:p="http://schemas.openxmlformats.org/presentationml/2006/main">
   <p:cSld>
     <p:spTree>
@@ -3849,7 +10905,7 @@
 </p:sld>
 </file>
 
-<file path=ppt/slides/slide16.xml><?xml version="1.0" encoding="utf-8"?>
+<file path=ppt/slides/slide19.xml><?xml version="1.0" encoding="utf-8"?>
 <p:sld xmlns:a="http://schemas.openxmlformats.org/drawingml/2006/main" xmlns:r="http://schemas.openxmlformats.org/officeDocument/2006/relationships" xmlns:p="http://schemas.openxmlformats.org/presentationml/2006/main">
   <p:cSld>
     <p:spTree>
@@ -4000,7 +11056,344 @@
 </p:sld>
 </file>
 
-<file path=ppt/slides/slide17.xml><?xml version="1.0" encoding="utf-8"?>
+<file path=ppt/slides/slide2.xml><?xml version="1.0" encoding="utf-8"?>
+<p:sld xmlns:a="http://schemas.openxmlformats.org/drawingml/2006/main" xmlns:r="http://schemas.openxmlformats.org/officeDocument/2006/relationships" xmlns:p="http://schemas.openxmlformats.org/presentationml/2006/main">
+  <p:cSld>
+    <p:spTree>
+      <p:nvGrpSpPr>
+        <p:cNvPr id="1" name=""/>
+        <p:cNvGrpSpPr/>
+        <p:nvPr/>
+      </p:nvGrpSpPr>
+      <p:grpSpPr>
+        <a:xfrm>
+          <a:off x="0" y="0"/>
+          <a:ext cx="0" cy="0"/>
+          <a:chOff x="0" y="0"/>
+          <a:chExt cx="0" cy="0"/>
+        </a:xfrm>
+      </p:grpSpPr>
+      <p:sp>
+        <p:nvSpPr>
+          <p:cNvPr id="2" name="Title 1"/>
+          <p:cNvSpPr>
+            <a:spLocks noGrp="1"/>
+          </p:cNvSpPr>
+          <p:nvPr>
+            <p:ph type="title"/>
+          </p:nvPr>
+        </p:nvSpPr>
+        <p:spPr/>
+        <p:txBody>
+          <a:bodyPr/>
+          <a:lstStyle/>
+          <a:p>
+            <a:r>
+              <a:rPr lang="en-US" dirty="0" err="1" smtClean="0"/>
+              <a:t>Frm</a:t>
+            </a:r>
+            <a:r>
+              <a:rPr lang="en-US" dirty="0" smtClean="0"/>
+              <a:t> Teacher	</a:t>
+            </a:r>
+            <a:br>
+              <a:rPr lang="en-US" dirty="0" smtClean="0"/>
+            </a:br>
+            <a:endParaRPr lang="en-US" dirty="0"/>
+          </a:p>
+        </p:txBody>
+      </p:sp>
+      <p:sp>
+        <p:nvSpPr>
+          <p:cNvPr id="3" name="Content Placeholder 2"/>
+          <p:cNvSpPr>
+            <a:spLocks noGrp="1"/>
+          </p:cNvSpPr>
+          <p:nvPr>
+            <p:ph idx="1"/>
+          </p:nvPr>
+        </p:nvSpPr>
+        <p:spPr>
+          <a:xfrm>
+            <a:off x="838200" y="1825625"/>
+            <a:ext cx="6172200" cy="4351338"/>
+          </a:xfrm>
+        </p:spPr>
+        <p:txBody>
+          <a:bodyPr/>
+          <a:lstStyle/>
+          <a:p>
+            <a:r>
+              <a:rPr lang="en-US" dirty="0" smtClean="0"/>
+              <a:t>10 </a:t>
+            </a:r>
+            <a:r>
+              <a:rPr lang="mr-IN" dirty="0" smtClean="0"/>
+              <a:t>–</a:t>
+            </a:r>
+            <a:r>
+              <a:rPr lang="en-US" dirty="0" smtClean="0"/>
+              <a:t> 15min presentation</a:t>
+            </a:r>
+          </a:p>
+          <a:p>
+            <a:r>
+              <a:rPr lang="en-US" dirty="0" smtClean="0"/>
+              <a:t>Context of the study (why the subject?)</a:t>
+            </a:r>
+          </a:p>
+          <a:p>
+            <a:r>
+              <a:rPr lang="en-US" dirty="0" smtClean="0"/>
+              <a:t>Team, Project, Objectives</a:t>
+            </a:r>
+          </a:p>
+          <a:p>
+            <a:r>
+              <a:rPr lang="en-US" dirty="0" smtClean="0"/>
+              <a:t>Different insights of the project [Technical stuff ]</a:t>
+            </a:r>
+          </a:p>
+          <a:p>
+            <a:r>
+              <a:rPr lang="en-US" dirty="0" smtClean="0"/>
+              <a:t>Openings/conclusion</a:t>
+            </a:r>
+          </a:p>
+          <a:p>
+            <a:endParaRPr lang="en-US" dirty="0" smtClean="0"/>
+          </a:p>
+          <a:p>
+            <a:r>
+              <a:rPr lang="en-US" dirty="0" smtClean="0"/>
+              <a:t>DEMO</a:t>
+            </a:r>
+            <a:endParaRPr lang="en-US" dirty="0"/>
+          </a:p>
+        </p:txBody>
+      </p:sp>
+      <p:sp>
+        <p:nvSpPr>
+          <p:cNvPr id="4" name="Content Placeholder 2"/>
+          <p:cNvSpPr txBox="1">
+            <a:spLocks/>
+          </p:cNvSpPr>
+          <p:nvPr/>
+        </p:nvSpPr>
+        <p:spPr>
+          <a:xfrm>
+            <a:off x="7150769" y="1825625"/>
+            <a:ext cx="4864768" cy="4351338"/>
+          </a:xfrm>
+          <a:prstGeom prst="rect">
+            <a:avLst/>
+          </a:prstGeom>
+        </p:spPr>
+        <p:txBody>
+          <a:bodyPr vert="horz" lIns="91440" tIns="45720" rIns="91440" bIns="45720" rtlCol="0">
+            <a:normAutofit/>
+          </a:bodyPr>
+          <a:lstStyle>
+            <a:lvl1pPr marL="228600" indent="-228600" algn="l" defTabSz="914400" rtl="0" eaLnBrk="1" latinLnBrk="0" hangingPunct="1">
+              <a:lnSpc>
+                <a:spcPct val="90000"/>
+              </a:lnSpc>
+              <a:spcBef>
+                <a:spcPts val="1000"/>
+              </a:spcBef>
+              <a:buFont typeface="Arial"/>
+              <a:buChar char="•"/>
+              <a:defRPr sz="2800" kern="1200">
+                <a:solidFill>
+                  <a:schemeClr val="tx1"/>
+                </a:solidFill>
+                <a:latin typeface="+mn-lt"/>
+                <a:ea typeface="+mn-ea"/>
+                <a:cs typeface="+mn-cs"/>
+              </a:defRPr>
+            </a:lvl1pPr>
+            <a:lvl2pPr marL="685800" indent="-228600" algn="l" defTabSz="914400" rtl="0" eaLnBrk="1" latinLnBrk="0" hangingPunct="1">
+              <a:lnSpc>
+                <a:spcPct val="90000"/>
+              </a:lnSpc>
+              <a:spcBef>
+                <a:spcPts val="500"/>
+              </a:spcBef>
+              <a:buFont typeface="Arial"/>
+              <a:buChar char="•"/>
+              <a:defRPr sz="2400" kern="1200">
+                <a:solidFill>
+                  <a:schemeClr val="tx1"/>
+                </a:solidFill>
+                <a:latin typeface="+mn-lt"/>
+                <a:ea typeface="+mn-ea"/>
+                <a:cs typeface="+mn-cs"/>
+              </a:defRPr>
+            </a:lvl2pPr>
+            <a:lvl3pPr marL="1143000" indent="-228600" algn="l" defTabSz="914400" rtl="0" eaLnBrk="1" latinLnBrk="0" hangingPunct="1">
+              <a:lnSpc>
+                <a:spcPct val="90000"/>
+              </a:lnSpc>
+              <a:spcBef>
+                <a:spcPts val="500"/>
+              </a:spcBef>
+              <a:buFont typeface="Arial"/>
+              <a:buChar char="•"/>
+              <a:defRPr sz="2000" kern="1200">
+                <a:solidFill>
+                  <a:schemeClr val="tx1"/>
+                </a:solidFill>
+                <a:latin typeface="+mn-lt"/>
+                <a:ea typeface="+mn-ea"/>
+                <a:cs typeface="+mn-cs"/>
+              </a:defRPr>
+            </a:lvl3pPr>
+            <a:lvl4pPr marL="1600200" indent="-228600" algn="l" defTabSz="914400" rtl="0" eaLnBrk="1" latinLnBrk="0" hangingPunct="1">
+              <a:lnSpc>
+                <a:spcPct val="90000"/>
+              </a:lnSpc>
+              <a:spcBef>
+                <a:spcPts val="500"/>
+              </a:spcBef>
+              <a:buFont typeface="Arial"/>
+              <a:buChar char="•"/>
+              <a:defRPr sz="1800" kern="1200">
+                <a:solidFill>
+                  <a:schemeClr val="tx1"/>
+                </a:solidFill>
+                <a:latin typeface="+mn-lt"/>
+                <a:ea typeface="+mn-ea"/>
+                <a:cs typeface="+mn-cs"/>
+              </a:defRPr>
+            </a:lvl4pPr>
+            <a:lvl5pPr marL="2057400" indent="-228600" algn="l" defTabSz="914400" rtl="0" eaLnBrk="1" latinLnBrk="0" hangingPunct="1">
+              <a:lnSpc>
+                <a:spcPct val="90000"/>
+              </a:lnSpc>
+              <a:spcBef>
+                <a:spcPts val="500"/>
+              </a:spcBef>
+              <a:buFont typeface="Arial"/>
+              <a:buChar char="•"/>
+              <a:defRPr sz="1800" kern="1200">
+                <a:solidFill>
+                  <a:schemeClr val="tx1"/>
+                </a:solidFill>
+                <a:latin typeface="+mn-lt"/>
+                <a:ea typeface="+mn-ea"/>
+                <a:cs typeface="+mn-cs"/>
+              </a:defRPr>
+            </a:lvl5pPr>
+            <a:lvl6pPr marL="2514600" indent="-228600" algn="l" defTabSz="914400" rtl="0" eaLnBrk="1" latinLnBrk="0" hangingPunct="1">
+              <a:lnSpc>
+                <a:spcPct val="90000"/>
+              </a:lnSpc>
+              <a:spcBef>
+                <a:spcPts val="500"/>
+              </a:spcBef>
+              <a:buFont typeface="Arial"/>
+              <a:buChar char="•"/>
+              <a:defRPr sz="1800" kern="1200">
+                <a:solidFill>
+                  <a:schemeClr val="tx1"/>
+                </a:solidFill>
+                <a:latin typeface="+mn-lt"/>
+                <a:ea typeface="+mn-ea"/>
+                <a:cs typeface="+mn-cs"/>
+              </a:defRPr>
+            </a:lvl6pPr>
+            <a:lvl7pPr marL="2971800" indent="-228600" algn="l" defTabSz="914400" rtl="0" eaLnBrk="1" latinLnBrk="0" hangingPunct="1">
+              <a:lnSpc>
+                <a:spcPct val="90000"/>
+              </a:lnSpc>
+              <a:spcBef>
+                <a:spcPts val="500"/>
+              </a:spcBef>
+              <a:buFont typeface="Arial"/>
+              <a:buChar char="•"/>
+              <a:defRPr sz="1800" kern="1200">
+                <a:solidFill>
+                  <a:schemeClr val="tx1"/>
+                </a:solidFill>
+                <a:latin typeface="+mn-lt"/>
+                <a:ea typeface="+mn-ea"/>
+                <a:cs typeface="+mn-cs"/>
+              </a:defRPr>
+            </a:lvl7pPr>
+            <a:lvl8pPr marL="3429000" indent="-228600" algn="l" defTabSz="914400" rtl="0" eaLnBrk="1" latinLnBrk="0" hangingPunct="1">
+              <a:lnSpc>
+                <a:spcPct val="90000"/>
+              </a:lnSpc>
+              <a:spcBef>
+                <a:spcPts val="500"/>
+              </a:spcBef>
+              <a:buFont typeface="Arial"/>
+              <a:buChar char="•"/>
+              <a:defRPr sz="1800" kern="1200">
+                <a:solidFill>
+                  <a:schemeClr val="tx1"/>
+                </a:solidFill>
+                <a:latin typeface="+mn-lt"/>
+                <a:ea typeface="+mn-ea"/>
+                <a:cs typeface="+mn-cs"/>
+              </a:defRPr>
+            </a:lvl8pPr>
+            <a:lvl9pPr marL="3886200" indent="-228600" algn="l" defTabSz="914400" rtl="0" eaLnBrk="1" latinLnBrk="0" hangingPunct="1">
+              <a:lnSpc>
+                <a:spcPct val="90000"/>
+              </a:lnSpc>
+              <a:spcBef>
+                <a:spcPts val="500"/>
+              </a:spcBef>
+              <a:buFont typeface="Arial"/>
+              <a:buChar char="•"/>
+              <a:defRPr sz="1800" kern="1200">
+                <a:solidFill>
+                  <a:schemeClr val="tx1"/>
+                </a:solidFill>
+                <a:latin typeface="+mn-lt"/>
+                <a:ea typeface="+mn-ea"/>
+                <a:cs typeface="+mn-cs"/>
+              </a:defRPr>
+            </a:lvl9pPr>
+          </a:lstStyle>
+          <a:p>
+            <a:r>
+              <a:rPr lang="en-US" dirty="0" smtClean="0"/>
+              <a:t>Report</a:t>
+            </a:r>
+          </a:p>
+          <a:p>
+            <a:r>
+              <a:rPr lang="en-US" dirty="0" smtClean="0"/>
+              <a:t>Description of pieces of the code. </a:t>
+            </a:r>
+          </a:p>
+          <a:p>
+            <a:r>
+              <a:rPr lang="en-US" dirty="0" smtClean="0"/>
+              <a:t>Send the code to teacher with presentation and report.</a:t>
+            </a:r>
+          </a:p>
+          <a:p>
+            <a:endParaRPr lang="en-US" dirty="0"/>
+          </a:p>
+        </p:txBody>
+      </p:sp>
+    </p:spTree>
+    <p:extLst>
+      <p:ext uri="{BB962C8B-B14F-4D97-AF65-F5344CB8AC3E}">
+        <p14:creationId xmlns:p14="http://schemas.microsoft.com/office/powerpoint/2010/main" val="1713387222"/>
+      </p:ext>
+    </p:extLst>
+  </p:cSld>
+  <p:clrMapOvr>
+    <a:masterClrMapping/>
+  </p:clrMapOvr>
+</p:sld>
+</file>
+
+<file path=ppt/slides/slide20.xml><?xml version="1.0" encoding="utf-8"?>
 <p:sld xmlns:a="http://schemas.openxmlformats.org/drawingml/2006/main" xmlns:r="http://schemas.openxmlformats.org/officeDocument/2006/relationships" xmlns:p="http://schemas.openxmlformats.org/presentationml/2006/main">
   <p:cSld>
     <p:spTree>
@@ -4262,7 +11655,7 @@
 </p:sld>
 </file>
 
-<file path=ppt/slides/slide2.xml><?xml version="1.0" encoding="utf-8"?>
+<file path=ppt/slides/slide3.xml><?xml version="1.0" encoding="utf-8"?>
 <p:sld xmlns:a="http://schemas.openxmlformats.org/drawingml/2006/main" xmlns:r="http://schemas.openxmlformats.org/officeDocument/2006/relationships" xmlns:p="http://schemas.openxmlformats.org/presentationml/2006/main">
   <p:cSld>
     <p:spTree>
@@ -4296,11 +11689,167 @@
           <a:p>
             <a:r>
               <a:rPr lang="en-US" dirty="0" smtClean="0"/>
+              <a:t>Chat Bot Structure</a:t>
+            </a:r>
+            <a:endParaRPr lang="en-US" dirty="0"/>
+          </a:p>
+        </p:txBody>
+      </p:sp>
+      <p:graphicFrame>
+        <p:nvGraphicFramePr>
+          <p:cNvPr id="4" name="Content Placeholder 3"/>
+          <p:cNvGraphicFramePr>
+            <a:graphicFrameLocks noGrp="1"/>
+          </p:cNvGraphicFramePr>
+          <p:nvPr>
+            <p:ph idx="1"/>
+            <p:extLst>
+              <p:ext uri="{D42A27DB-BD31-4B8C-83A1-F6EECF244321}">
+                <p14:modId xmlns:p14="http://schemas.microsoft.com/office/powerpoint/2010/main" val="1530016584"/>
+              </p:ext>
+            </p:extLst>
+          </p:nvPr>
+        </p:nvGraphicFramePr>
+        <p:xfrm>
+          <a:off x="838200" y="1825625"/>
+          <a:ext cx="10515600" cy="4351338"/>
+        </p:xfrm>
+        <a:graphic>
+          <a:graphicData uri="http://schemas.openxmlformats.org/drawingml/2006/diagram">
+            <dgm:relIds xmlns:dgm="http://schemas.openxmlformats.org/drawingml/2006/diagram" xmlns:r="http://schemas.openxmlformats.org/officeDocument/2006/relationships" r:dm="rId2" r:lo="rId3" r:qs="rId4" r:cs="rId5"/>
+          </a:graphicData>
+        </a:graphic>
+      </p:graphicFrame>
+    </p:spTree>
+    <p:extLst>
+      <p:ext uri="{BB962C8B-B14F-4D97-AF65-F5344CB8AC3E}">
+        <p14:creationId xmlns:p14="http://schemas.microsoft.com/office/powerpoint/2010/main" val="1683622150"/>
+      </p:ext>
+    </p:extLst>
+  </p:cSld>
+  <p:clrMapOvr>
+    <a:masterClrMapping/>
+  </p:clrMapOvr>
+</p:sld>
+</file>
+
+<file path=ppt/slides/slide4.xml><?xml version="1.0" encoding="utf-8"?>
+<p:sld xmlns:a="http://schemas.openxmlformats.org/drawingml/2006/main" xmlns:r="http://schemas.openxmlformats.org/officeDocument/2006/relationships" xmlns:p="http://schemas.openxmlformats.org/presentationml/2006/main">
+  <p:cSld>
+    <p:spTree>
+      <p:nvGrpSpPr>
+        <p:cNvPr id="1" name=""/>
+        <p:cNvGrpSpPr/>
+        <p:nvPr/>
+      </p:nvGrpSpPr>
+      <p:grpSpPr>
+        <a:xfrm>
+          <a:off x="0" y="0"/>
+          <a:ext cx="0" cy="0"/>
+          <a:chOff x="0" y="0"/>
+          <a:chExt cx="0" cy="0"/>
+        </a:xfrm>
+      </p:grpSpPr>
+      <p:sp>
+        <p:nvSpPr>
+          <p:cNvPr id="2" name="Title 1"/>
+          <p:cNvSpPr>
+            <a:spLocks noGrp="1"/>
+          </p:cNvSpPr>
+          <p:nvPr>
+            <p:ph type="title"/>
+          </p:nvPr>
+        </p:nvSpPr>
+        <p:spPr/>
+        <p:txBody>
+          <a:bodyPr/>
+          <a:lstStyle/>
+          <a:p>
+            <a:r>
+              <a:rPr lang="en-US" dirty="0" smtClean="0"/>
+              <a:t>Sam’s Structure</a:t>
+            </a:r>
+            <a:endParaRPr lang="en-US" dirty="0"/>
+          </a:p>
+        </p:txBody>
+      </p:sp>
+      <p:graphicFrame>
+        <p:nvGraphicFramePr>
+          <p:cNvPr id="4" name="Content Placeholder 3"/>
+          <p:cNvGraphicFramePr>
+            <a:graphicFrameLocks noGrp="1"/>
+          </p:cNvGraphicFramePr>
+          <p:nvPr>
+            <p:ph idx="1"/>
+            <p:extLst>
+              <p:ext uri="{D42A27DB-BD31-4B8C-83A1-F6EECF244321}">
+                <p14:modId xmlns:p14="http://schemas.microsoft.com/office/powerpoint/2010/main" val="1929976655"/>
+              </p:ext>
+            </p:extLst>
+          </p:nvPr>
+        </p:nvGraphicFramePr>
+        <p:xfrm>
+          <a:off x="838200" y="1825625"/>
+          <a:ext cx="10515600" cy="4351338"/>
+        </p:xfrm>
+        <a:graphic>
+          <a:graphicData uri="http://schemas.openxmlformats.org/drawingml/2006/diagram">
+            <dgm:relIds xmlns:dgm="http://schemas.openxmlformats.org/drawingml/2006/diagram" xmlns:r="http://schemas.openxmlformats.org/officeDocument/2006/relationships" r:dm="rId2" r:lo="rId3" r:qs="rId4" r:cs="rId5"/>
+          </a:graphicData>
+        </a:graphic>
+      </p:graphicFrame>
+    </p:spTree>
+    <p:extLst>
+      <p:ext uri="{BB962C8B-B14F-4D97-AF65-F5344CB8AC3E}">
+        <p14:creationId xmlns:p14="http://schemas.microsoft.com/office/powerpoint/2010/main" val="1019538110"/>
+      </p:ext>
+    </p:extLst>
+  </p:cSld>
+  <p:clrMapOvr>
+    <a:masterClrMapping/>
+  </p:clrMapOvr>
+</p:sld>
+</file>
+
+<file path=ppt/slides/slide5.xml><?xml version="1.0" encoding="utf-8"?>
+<p:sld xmlns:a="http://schemas.openxmlformats.org/drawingml/2006/main" xmlns:r="http://schemas.openxmlformats.org/officeDocument/2006/relationships" xmlns:p="http://schemas.openxmlformats.org/presentationml/2006/main">
+  <p:cSld>
+    <p:spTree>
+      <p:nvGrpSpPr>
+        <p:cNvPr id="1" name=""/>
+        <p:cNvGrpSpPr/>
+        <p:nvPr/>
+      </p:nvGrpSpPr>
+      <p:grpSpPr>
+        <a:xfrm>
+          <a:off x="0" y="0"/>
+          <a:ext cx="0" cy="0"/>
+          <a:chOff x="0" y="0"/>
+          <a:chExt cx="0" cy="0"/>
+        </a:xfrm>
+      </p:grpSpPr>
+      <p:sp>
+        <p:nvSpPr>
+          <p:cNvPr id="2" name="Title 1"/>
+          <p:cNvSpPr>
+            <a:spLocks noGrp="1"/>
+          </p:cNvSpPr>
+          <p:nvPr>
+            <p:ph type="title"/>
+          </p:nvPr>
+        </p:nvSpPr>
+        <p:spPr/>
+        <p:txBody>
+          <a:bodyPr/>
+          <a:lstStyle/>
+          <a:p>
+            <a:r>
+              <a:rPr lang="en-US" dirty="0" smtClean="0"/>
               <a:t>1. Register to </a:t>
             </a:r>
             <a:r>
               <a:rPr lang="en-US" dirty="0" err="1" smtClean="0"/>
-              <a:t>wit.ai</a:t>
+              <a:t>Dialogflow</a:t>
             </a:r>
             <a:endParaRPr lang="en-US" dirty="0"/>
           </a:p>
@@ -4326,23 +11875,69 @@
               <a:t>Register using your </a:t>
             </a:r>
             <a:r>
+              <a:rPr lang="en-US" dirty="0" smtClean="0"/>
+              <a:t>google account</a:t>
+            </a:r>
+          </a:p>
+          <a:p>
+            <a:endParaRPr lang="en-US" dirty="0" smtClean="0"/>
+          </a:p>
+          <a:p>
+            <a:r>
               <a:rPr lang="en-US" dirty="0" err="1" smtClean="0"/>
-              <a:t>git</a:t>
+              <a:t>Dialogflow</a:t>
             </a:r>
             <a:r>
               <a:rPr lang="en-US" dirty="0" smtClean="0"/>
-              <a:t> hub account</a:t>
-            </a:r>
-          </a:p>
-          <a:p>
+              <a:t> will give the artificial intelligence so we will be able to </a:t>
+            </a:r>
             <a:r>
               <a:rPr lang="en-US" dirty="0" err="1" smtClean="0"/>
-              <a:t>Wit.ai</a:t>
+              <a:t>recognise</a:t>
             </a:r>
             <a:r>
               <a:rPr lang="en-US" dirty="0" smtClean="0"/>
-              <a:t> will give us the Artificial Intelligence engine behind our bot</a:t>
-            </a:r>
+              <a:t>: </a:t>
+            </a:r>
+          </a:p>
+          <a:p>
+            <a:pPr lvl="1"/>
+            <a:r>
+              <a:rPr lang="en-US" dirty="0" smtClean="0"/>
+              <a:t>The user’s intent : What the user wants to do. </a:t>
+            </a:r>
+          </a:p>
+          <a:p>
+            <a:pPr marL="457200" lvl="1" indent="0">
+              <a:buNone/>
+            </a:pPr>
+            <a:r>
+              <a:rPr lang="en-US" dirty="0" smtClean="0"/>
+              <a:t>Ex. user says “Hello” -&gt; Intent : Greeting.</a:t>
+            </a:r>
+          </a:p>
+          <a:p>
+            <a:pPr marL="457200" lvl="1" indent="0">
+              <a:buNone/>
+            </a:pPr>
+            <a:endParaRPr lang="en-US" dirty="0"/>
+          </a:p>
+          <a:p>
+            <a:pPr lvl="1"/>
+            <a:r>
+              <a:rPr lang="en-US" dirty="0" smtClean="0"/>
+              <a:t>Entities : values or variables the user specifies.</a:t>
+            </a:r>
+          </a:p>
+          <a:p>
+            <a:pPr marL="457200" lvl="1" indent="0">
+              <a:buNone/>
+            </a:pPr>
+            <a:r>
+              <a:rPr lang="en-US" dirty="0" smtClean="0"/>
+              <a:t>Ex. What is the weather in London ? -&gt; Entity : Location = London</a:t>
+            </a:r>
+            <a:endParaRPr lang="en-US" dirty="0" smtClean="0"/>
           </a:p>
           <a:p>
             <a:endParaRPr lang="en-US" dirty="0"/>
@@ -4362,7 +11957,7 @@
 </p:sld>
 </file>
 
-<file path=ppt/slides/slide3.xml><?xml version="1.0" encoding="utf-8"?>
+<file path=ppt/slides/slide6.xml><?xml version="1.0" encoding="utf-8"?>
 <p:sld xmlns:a="http://schemas.openxmlformats.org/drawingml/2006/main" xmlns:r="http://schemas.openxmlformats.org/officeDocument/2006/relationships" xmlns:p="http://schemas.openxmlformats.org/presentationml/2006/main">
   <p:cSld>
     <p:spTree>
@@ -4551,405 +12146,6 @@
 </p:sld>
 </file>
 
-<file path=ppt/slides/slide4.xml><?xml version="1.0" encoding="utf-8"?>
-<p:sld xmlns:a="http://schemas.openxmlformats.org/drawingml/2006/main" xmlns:r="http://schemas.openxmlformats.org/officeDocument/2006/relationships" xmlns:p="http://schemas.openxmlformats.org/presentationml/2006/main">
-  <p:cSld>
-    <p:spTree>
-      <p:nvGrpSpPr>
-        <p:cNvPr id="1" name=""/>
-        <p:cNvGrpSpPr/>
-        <p:nvPr/>
-      </p:nvGrpSpPr>
-      <p:grpSpPr>
-        <a:xfrm>
-          <a:off x="0" y="0"/>
-          <a:ext cx="0" cy="0"/>
-          <a:chOff x="0" y="0"/>
-          <a:chExt cx="0" cy="0"/>
-        </a:xfrm>
-      </p:grpSpPr>
-      <p:sp>
-        <p:nvSpPr>
-          <p:cNvPr id="2" name="Title 1"/>
-          <p:cNvSpPr>
-            <a:spLocks noGrp="1"/>
-          </p:cNvSpPr>
-          <p:nvPr>
-            <p:ph type="title"/>
-          </p:nvPr>
-        </p:nvSpPr>
-        <p:spPr/>
-        <p:txBody>
-          <a:bodyPr/>
-          <a:lstStyle/>
-          <a:p>
-            <a:r>
-              <a:rPr lang="en-US" dirty="0" smtClean="0"/>
-              <a:t>3. Add “entities”</a:t>
-            </a:r>
-            <a:endParaRPr lang="en-US" dirty="0"/>
-          </a:p>
-        </p:txBody>
-      </p:sp>
-      <p:sp>
-        <p:nvSpPr>
-          <p:cNvPr id="3" name="Content Placeholder 2"/>
-          <p:cNvSpPr>
-            <a:spLocks noGrp="1"/>
-          </p:cNvSpPr>
-          <p:nvPr>
-            <p:ph idx="1"/>
-          </p:nvPr>
-        </p:nvSpPr>
-        <p:spPr/>
-        <p:txBody>
-          <a:bodyPr/>
-          <a:lstStyle/>
-          <a:p>
-            <a:r>
-              <a:rPr lang="en-US" dirty="0" smtClean="0"/>
-              <a:t>Entities are allow you to understand what the user says. </a:t>
-            </a:r>
-          </a:p>
-          <a:p>
-            <a:r>
-              <a:rPr lang="en-US" dirty="0" smtClean="0"/>
-              <a:t>An </a:t>
-            </a:r>
-            <a:r>
-              <a:rPr lang="en-US" b="1" dirty="0" smtClean="0"/>
-              <a:t>entity</a:t>
-            </a:r>
-            <a:r>
-              <a:rPr lang="en-US" dirty="0" smtClean="0"/>
-              <a:t> can have an </a:t>
-            </a:r>
-            <a:r>
-              <a:rPr lang="en-US" b="1" dirty="0" smtClean="0"/>
-              <a:t>intent</a:t>
-            </a:r>
-            <a:r>
-              <a:rPr lang="en-US" dirty="0" smtClean="0"/>
-              <a:t> behind it this is the real meaning behind the words.</a:t>
-            </a:r>
-            <a:endParaRPr lang="en-US" dirty="0"/>
-          </a:p>
-        </p:txBody>
-      </p:sp>
-      <p:pic>
-        <p:nvPicPr>
-          <p:cNvPr id="4" name="Picture 3"/>
-          <p:cNvPicPr>
-            <a:picLocks noChangeAspect="1"/>
-          </p:cNvPicPr>
-          <p:nvPr/>
-        </p:nvPicPr>
-        <p:blipFill>
-          <a:blip r:embed="rId2"/>
-          <a:stretch>
-            <a:fillRect/>
-          </a:stretch>
-        </p:blipFill>
-        <p:spPr>
-          <a:xfrm>
-            <a:off x="0" y="3124276"/>
-            <a:ext cx="12192000" cy="3524097"/>
-          </a:xfrm>
-          <a:prstGeom prst="rect">
-            <a:avLst/>
-          </a:prstGeom>
-        </p:spPr>
-      </p:pic>
-    </p:spTree>
-    <p:extLst>
-      <p:ext uri="{BB962C8B-B14F-4D97-AF65-F5344CB8AC3E}">
-        <p14:creationId xmlns:p14="http://schemas.microsoft.com/office/powerpoint/2010/main" val="1112787179"/>
-      </p:ext>
-    </p:extLst>
-  </p:cSld>
-  <p:clrMapOvr>
-    <a:masterClrMapping/>
-  </p:clrMapOvr>
-</p:sld>
-</file>
-
-<file path=ppt/slides/slide5.xml><?xml version="1.0" encoding="utf-8"?>
-<p:sld xmlns:a="http://schemas.openxmlformats.org/drawingml/2006/main" xmlns:r="http://schemas.openxmlformats.org/officeDocument/2006/relationships" xmlns:p="http://schemas.openxmlformats.org/presentationml/2006/main">
-  <p:cSld>
-    <p:spTree>
-      <p:nvGrpSpPr>
-        <p:cNvPr id="1" name=""/>
-        <p:cNvGrpSpPr/>
-        <p:nvPr/>
-      </p:nvGrpSpPr>
-      <p:grpSpPr>
-        <a:xfrm>
-          <a:off x="0" y="0"/>
-          <a:ext cx="0" cy="0"/>
-          <a:chOff x="0" y="0"/>
-          <a:chExt cx="0" cy="0"/>
-        </a:xfrm>
-      </p:grpSpPr>
-      <p:sp>
-        <p:nvSpPr>
-          <p:cNvPr id="2" name="Title 1"/>
-          <p:cNvSpPr>
-            <a:spLocks noGrp="1"/>
-          </p:cNvSpPr>
-          <p:nvPr>
-            <p:ph type="title"/>
-          </p:nvPr>
-        </p:nvSpPr>
-        <p:spPr/>
-        <p:txBody>
-          <a:bodyPr/>
-          <a:lstStyle/>
-          <a:p>
-            <a:r>
-              <a:rPr lang="en-US" dirty="0" smtClean="0"/>
-              <a:t>4. Download </a:t>
-            </a:r>
-            <a:r>
-              <a:rPr lang="en-US" dirty="0" err="1" smtClean="0"/>
-              <a:t>botpress</a:t>
-            </a:r>
-            <a:r>
-              <a:rPr lang="en-US" dirty="0" smtClean="0"/>
-              <a:t> </a:t>
-            </a:r>
-            <a:endParaRPr lang="en-US" dirty="0"/>
-          </a:p>
-        </p:txBody>
-      </p:sp>
-      <p:sp>
-        <p:nvSpPr>
-          <p:cNvPr id="3" name="Content Placeholder 2"/>
-          <p:cNvSpPr>
-            <a:spLocks noGrp="1"/>
-          </p:cNvSpPr>
-          <p:nvPr>
-            <p:ph idx="1"/>
-          </p:nvPr>
-        </p:nvSpPr>
-        <p:spPr/>
-        <p:txBody>
-          <a:bodyPr/>
-          <a:lstStyle/>
-          <a:p>
-            <a:r>
-              <a:rPr lang="en-US" dirty="0" err="1" smtClean="0"/>
-              <a:t>Botpress</a:t>
-            </a:r>
-            <a:r>
-              <a:rPr lang="en-US" dirty="0" smtClean="0"/>
-              <a:t> is a tool that will help us publishing out bots. </a:t>
-            </a:r>
-          </a:p>
-          <a:p>
-            <a:r>
-              <a:rPr lang="en-US" dirty="0" smtClean="0"/>
-              <a:t>We will use </a:t>
-            </a:r>
-            <a:r>
-              <a:rPr lang="en-US" dirty="0" err="1" smtClean="0"/>
-              <a:t>botpress</a:t>
-            </a:r>
-            <a:r>
-              <a:rPr lang="en-US" dirty="0" smtClean="0"/>
-              <a:t> to integrate our bot to Facebook messenger.</a:t>
-            </a:r>
-          </a:p>
-          <a:p>
-            <a:r>
-              <a:rPr lang="en-US" dirty="0" smtClean="0"/>
-              <a:t>To download </a:t>
-            </a:r>
-            <a:r>
-              <a:rPr lang="en-US" dirty="0" err="1" smtClean="0"/>
-              <a:t>botpress</a:t>
-            </a:r>
-            <a:r>
-              <a:rPr lang="en-US" dirty="0" smtClean="0"/>
-              <a:t>: </a:t>
-            </a:r>
-          </a:p>
-          <a:p>
-            <a:endParaRPr lang="en-US" dirty="0" smtClean="0"/>
-          </a:p>
-          <a:p>
-            <a:pPr marL="457200" lvl="1" indent="0" algn="ctr">
-              <a:buNone/>
-            </a:pPr>
-            <a:r>
-              <a:rPr lang="en-US" sz="4000" dirty="0" err="1" smtClean="0"/>
-              <a:t>npm</a:t>
-            </a:r>
-            <a:r>
-              <a:rPr lang="en-US" sz="4000" dirty="0" smtClean="0"/>
-              <a:t> install -g </a:t>
-            </a:r>
-            <a:r>
-              <a:rPr lang="en-US" sz="4000" dirty="0" err="1" smtClean="0"/>
-              <a:t>botpress</a:t>
-            </a:r>
-            <a:endParaRPr lang="en-US" sz="4000" dirty="0" smtClean="0"/>
-          </a:p>
-          <a:p>
-            <a:pPr marL="457200" lvl="1" indent="0" algn="ctr">
-              <a:buNone/>
-            </a:pPr>
-            <a:endParaRPr lang="en-US" sz="4000" dirty="0"/>
-          </a:p>
-          <a:p>
-            <a:pPr marL="457200" lvl="1" indent="0" algn="ctr">
-              <a:buNone/>
-            </a:pPr>
-            <a:r>
-              <a:rPr lang="en-US" i="1" dirty="0" smtClean="0"/>
-              <a:t>* Requires node &gt;= 4.6 and uses </a:t>
-            </a:r>
-            <a:r>
-              <a:rPr lang="en-US" i="1" dirty="0" err="1" smtClean="0"/>
-              <a:t>npm</a:t>
-            </a:r>
-            <a:r>
-              <a:rPr lang="en-US" i="1" dirty="0" smtClean="0"/>
-              <a:t> as packet manager</a:t>
-            </a:r>
-            <a:endParaRPr lang="en-US" i="1" dirty="0"/>
-          </a:p>
-        </p:txBody>
-      </p:sp>
-    </p:spTree>
-    <p:extLst>
-      <p:ext uri="{BB962C8B-B14F-4D97-AF65-F5344CB8AC3E}">
-        <p14:creationId xmlns:p14="http://schemas.microsoft.com/office/powerpoint/2010/main" val="468192866"/>
-      </p:ext>
-    </p:extLst>
-  </p:cSld>
-  <p:clrMapOvr>
-    <a:masterClrMapping/>
-  </p:clrMapOvr>
-</p:sld>
-</file>
-
-<file path=ppt/slides/slide6.xml><?xml version="1.0" encoding="utf-8"?>
-<p:sld xmlns:a="http://schemas.openxmlformats.org/drawingml/2006/main" xmlns:r="http://schemas.openxmlformats.org/officeDocument/2006/relationships" xmlns:p="http://schemas.openxmlformats.org/presentationml/2006/main">
-  <p:cSld>
-    <p:spTree>
-      <p:nvGrpSpPr>
-        <p:cNvPr id="1" name=""/>
-        <p:cNvGrpSpPr/>
-        <p:nvPr/>
-      </p:nvGrpSpPr>
-      <p:grpSpPr>
-        <a:xfrm>
-          <a:off x="0" y="0"/>
-          <a:ext cx="0" cy="0"/>
-          <a:chOff x="0" y="0"/>
-          <a:chExt cx="0" cy="0"/>
-        </a:xfrm>
-      </p:grpSpPr>
-      <p:sp>
-        <p:nvSpPr>
-          <p:cNvPr id="2" name="Title 1"/>
-          <p:cNvSpPr>
-            <a:spLocks noGrp="1"/>
-          </p:cNvSpPr>
-          <p:nvPr>
-            <p:ph type="title"/>
-          </p:nvPr>
-        </p:nvSpPr>
-        <p:spPr/>
-        <p:txBody>
-          <a:bodyPr/>
-          <a:lstStyle/>
-          <a:p>
-            <a:r>
-              <a:rPr lang="en-US" dirty="0" smtClean="0"/>
-              <a:t>5. Creating a </a:t>
-            </a:r>
-            <a:r>
-              <a:rPr lang="en-US" dirty="0" err="1" smtClean="0"/>
-              <a:t>botpress</a:t>
-            </a:r>
-            <a:r>
-              <a:rPr lang="en-US" dirty="0" smtClean="0"/>
-              <a:t> bot</a:t>
-            </a:r>
-            <a:endParaRPr lang="en-US" dirty="0"/>
-          </a:p>
-        </p:txBody>
-      </p:sp>
-      <p:sp>
-        <p:nvSpPr>
-          <p:cNvPr id="3" name="Content Placeholder 2"/>
-          <p:cNvSpPr>
-            <a:spLocks noGrp="1"/>
-          </p:cNvSpPr>
-          <p:nvPr>
-            <p:ph idx="1"/>
-          </p:nvPr>
-        </p:nvSpPr>
-        <p:spPr/>
-        <p:txBody>
-          <a:bodyPr/>
-          <a:lstStyle/>
-          <a:p>
-            <a:r>
-              <a:rPr lang="en-US" dirty="0" smtClean="0"/>
-              <a:t>Create a new empty directory</a:t>
-            </a:r>
-          </a:p>
-          <a:p>
-            <a:r>
-              <a:rPr lang="en-US" dirty="0" smtClean="0"/>
-              <a:t>Execute the following command in the directory:</a:t>
-            </a:r>
-          </a:p>
-          <a:p>
-            <a:r>
-              <a:rPr lang="en-US" dirty="0" smtClean="0"/>
-              <a:t> </a:t>
-            </a:r>
-          </a:p>
-          <a:p>
-            <a:pPr marL="0" indent="0" algn="ctr">
-              <a:buNone/>
-            </a:pPr>
-            <a:r>
-              <a:rPr lang="en-US" sz="4000" dirty="0" err="1" smtClean="0"/>
-              <a:t>botpress</a:t>
-            </a:r>
-            <a:r>
-              <a:rPr lang="en-US" sz="4000" dirty="0" smtClean="0"/>
-              <a:t> </a:t>
-            </a:r>
-            <a:r>
-              <a:rPr lang="en-US" sz="4000" dirty="0" err="1" smtClean="0"/>
-              <a:t>init</a:t>
-            </a:r>
-            <a:r>
-              <a:rPr lang="en-US" sz="4000" dirty="0" smtClean="0"/>
-              <a:t> [my-bot-name]</a:t>
-            </a:r>
-            <a:endParaRPr lang="en-US" sz="4000" dirty="0"/>
-          </a:p>
-        </p:txBody>
-      </p:sp>
-    </p:spTree>
-    <p:extLst>
-      <p:ext uri="{BB962C8B-B14F-4D97-AF65-F5344CB8AC3E}">
-        <p14:creationId xmlns:p14="http://schemas.microsoft.com/office/powerpoint/2010/main" val="1609405200"/>
-      </p:ext>
-    </p:extLst>
-  </p:cSld>
-  <p:clrMapOvr>
-    <a:masterClrMapping/>
-  </p:clrMapOvr>
-</p:sld>
-</file>
-
 <file path=ppt/slides/slide7.xml><?xml version="1.0" encoding="utf-8"?>
 <p:sld xmlns:a="http://schemas.openxmlformats.org/drawingml/2006/main" xmlns:r="http://schemas.openxmlformats.org/officeDocument/2006/relationships" xmlns:p="http://schemas.openxmlformats.org/presentationml/2006/main">
   <p:cSld>
@@ -4984,7 +12180,7 @@
           <a:p>
             <a:r>
               <a:rPr lang="en-US" dirty="0" smtClean="0"/>
-              <a:t>6. Starting the bot</a:t>
+              <a:t>3. Add “entities”</a:t>
             </a:r>
             <a:endParaRPr lang="en-US" dirty="0"/>
           </a:p>
@@ -5002,34 +12198,42 @@
         </p:nvSpPr>
         <p:spPr/>
         <p:txBody>
-          <a:bodyPr>
-            <a:normAutofit/>
-          </a:bodyPr>
+          <a:bodyPr/>
           <a:lstStyle/>
           <a:p>
-            <a:pPr marL="0" indent="0" algn="ctr">
-              <a:buNone/>
-            </a:pPr>
-            <a:r>
-              <a:rPr lang="en-US" sz="4000" dirty="0" err="1" smtClean="0"/>
-              <a:t>botpress</a:t>
-            </a:r>
-            <a:r>
-              <a:rPr lang="en-US" sz="4000" dirty="0" smtClean="0"/>
-              <a:t> start</a:t>
-            </a:r>
-          </a:p>
-          <a:p>
-            <a:pPr marL="0" indent="0">
-              <a:buNone/>
-            </a:pPr>
-            <a:endParaRPr lang="en-US" sz="4000" dirty="0" smtClean="0"/>
+            <a:r>
+              <a:rPr lang="en-US" dirty="0" smtClean="0"/>
+              <a:t>Entities are allow you to understand what the user says. </a:t>
+            </a:r>
+          </a:p>
+          <a:p>
+            <a:r>
+              <a:rPr lang="en-US" dirty="0" smtClean="0"/>
+              <a:t>An </a:t>
+            </a:r>
+            <a:r>
+              <a:rPr lang="en-US" b="1" dirty="0" smtClean="0"/>
+              <a:t>entity</a:t>
+            </a:r>
+            <a:r>
+              <a:rPr lang="en-US" dirty="0" smtClean="0"/>
+              <a:t> can have an </a:t>
+            </a:r>
+            <a:r>
+              <a:rPr lang="en-US" b="1" dirty="0" smtClean="0"/>
+              <a:t>intent</a:t>
+            </a:r>
+            <a:r>
+              <a:rPr lang="en-US" dirty="0" smtClean="0"/>
+              <a:t> behind it this is the real meaning behind the words.</a:t>
+            </a:r>
+            <a:endParaRPr lang="en-US" dirty="0"/>
           </a:p>
         </p:txBody>
       </p:sp>
       <p:pic>
         <p:nvPicPr>
-          <p:cNvPr id="5" name="Picture 4"/>
+          <p:cNvPr id="4" name="Picture 3"/>
           <p:cNvPicPr>
             <a:picLocks noChangeAspect="1"/>
           </p:cNvPicPr>
@@ -5043,65 +12247,18 @@
         </p:blipFill>
         <p:spPr>
           <a:xfrm>
-            <a:off x="400050" y="2471738"/>
-            <a:ext cx="11391900" cy="4229100"/>
+            <a:off x="0" y="3124276"/>
+            <a:ext cx="12192000" cy="3524097"/>
           </a:xfrm>
           <a:prstGeom prst="rect">
             <a:avLst/>
           </a:prstGeom>
         </p:spPr>
       </p:pic>
-      <p:sp>
-        <p:nvSpPr>
-          <p:cNvPr id="6" name="Frame 5"/>
-          <p:cNvSpPr/>
-          <p:nvPr/>
-        </p:nvSpPr>
-        <p:spPr>
-          <a:xfrm>
-            <a:off x="7929563" y="2528888"/>
-            <a:ext cx="1928812" cy="357187"/>
-          </a:xfrm>
-          <a:prstGeom prst="frame">
-            <a:avLst/>
-          </a:prstGeom>
-          <a:solidFill>
-            <a:srgbClr val="C00000"/>
-          </a:solidFill>
-        </p:spPr>
-        <p:style>
-          <a:lnRef idx="2">
-            <a:schemeClr val="accent1">
-              <a:shade val="50000"/>
-            </a:schemeClr>
-          </a:lnRef>
-          <a:fillRef idx="1">
-            <a:schemeClr val="accent1"/>
-          </a:fillRef>
-          <a:effectRef idx="0">
-            <a:schemeClr val="accent1"/>
-          </a:effectRef>
-          <a:fontRef idx="minor">
-            <a:schemeClr val="lt1"/>
-          </a:fontRef>
-        </p:style>
-        <p:txBody>
-          <a:bodyPr rtlCol="0" anchor="ctr"/>
-          <a:lstStyle/>
-          <a:p>
-            <a:pPr algn="ctr"/>
-            <a:endParaRPr lang="en-US">
-              <a:solidFill>
-                <a:schemeClr val="tx1"/>
-              </a:solidFill>
-            </a:endParaRPr>
-          </a:p>
-        </p:txBody>
-      </p:sp>
     </p:spTree>
     <p:extLst>
       <p:ext uri="{BB962C8B-B14F-4D97-AF65-F5344CB8AC3E}">
-        <p14:creationId xmlns:p14="http://schemas.microsoft.com/office/powerpoint/2010/main" val="1308063802"/>
+        <p14:creationId xmlns:p14="http://schemas.microsoft.com/office/powerpoint/2010/main" val="1112787179"/>
       </p:ext>
     </p:extLst>
   </p:cSld>
@@ -5145,134 +12302,123 @@
           <a:p>
             <a:r>
               <a:rPr lang="en-US" dirty="0" smtClean="0"/>
-              <a:t>7. Adding the </a:t>
+              <a:t>4. Download </a:t>
             </a:r>
             <a:r>
               <a:rPr lang="en-US" dirty="0" err="1" smtClean="0"/>
-              <a:t>wit.ai</a:t>
+              <a:t>botpress</a:t>
             </a:r>
             <a:r>
               <a:rPr lang="en-US" dirty="0" smtClean="0"/>
-              <a:t> and messenger modules</a:t>
+              <a:t> </a:t>
             </a:r>
             <a:endParaRPr lang="en-US" dirty="0"/>
-          </a:p>
-        </p:txBody>
-      </p:sp>
-      <p:pic>
-        <p:nvPicPr>
-          <p:cNvPr id="4" name="Picture 3"/>
-          <p:cNvPicPr>
-            <a:picLocks noChangeAspect="1"/>
-          </p:cNvPicPr>
-          <p:nvPr/>
-        </p:nvPicPr>
-        <p:blipFill>
-          <a:blip r:embed="rId2"/>
-          <a:stretch>
-            <a:fillRect/>
-          </a:stretch>
-        </p:blipFill>
-        <p:spPr>
-          <a:xfrm>
-            <a:off x="0" y="1490125"/>
-            <a:ext cx="12192000" cy="3877749"/>
-          </a:xfrm>
-          <a:prstGeom prst="rect">
-            <a:avLst/>
-          </a:prstGeom>
-        </p:spPr>
-      </p:pic>
-      <p:sp>
-        <p:nvSpPr>
-          <p:cNvPr id="5" name="Left Arrow 4"/>
-          <p:cNvSpPr/>
-          <p:nvPr/>
-        </p:nvSpPr>
-        <p:spPr>
-          <a:xfrm>
-            <a:off x="1871664" y="2815688"/>
-            <a:ext cx="857249" cy="601125"/>
-          </a:xfrm>
-          <a:prstGeom prst="leftArrow">
-            <a:avLst/>
-          </a:prstGeom>
-          <a:solidFill>
-            <a:srgbClr val="C00000"/>
-          </a:solidFill>
-        </p:spPr>
-        <p:style>
-          <a:lnRef idx="2">
-            <a:schemeClr val="accent1">
-              <a:shade val="50000"/>
-            </a:schemeClr>
-          </a:lnRef>
-          <a:fillRef idx="1">
-            <a:schemeClr val="accent1"/>
-          </a:fillRef>
-          <a:effectRef idx="0">
-            <a:schemeClr val="accent1"/>
-          </a:effectRef>
-          <a:fontRef idx="minor">
-            <a:schemeClr val="lt1"/>
-          </a:fontRef>
-        </p:style>
-        <p:txBody>
-          <a:bodyPr rtlCol="0" anchor="ctr"/>
-          <a:lstStyle/>
-          <a:p>
-            <a:pPr algn="ctr"/>
-            <a:endParaRPr lang="en-US"/>
           </a:p>
         </p:txBody>
       </p:sp>
       <p:sp>
         <p:nvSpPr>
-          <p:cNvPr id="6" name="Down Arrow 5"/>
-          <p:cNvSpPr/>
-          <p:nvPr/>
+          <p:cNvPr id="3" name="Content Placeholder 2"/>
+          <p:cNvSpPr>
+            <a:spLocks noGrp="1"/>
+          </p:cNvSpPr>
+          <p:nvPr>
+            <p:ph idx="1"/>
+          </p:nvPr>
         </p:nvSpPr>
-        <p:spPr>
-          <a:xfrm>
-            <a:off x="7372350" y="1236919"/>
-            <a:ext cx="657225" cy="891919"/>
-          </a:xfrm>
-          <a:prstGeom prst="downArrow">
-            <a:avLst/>
-          </a:prstGeom>
-          <a:solidFill>
-            <a:srgbClr val="C00000"/>
-          </a:solidFill>
-        </p:spPr>
-        <p:style>
-          <a:lnRef idx="2">
-            <a:schemeClr val="accent1">
-              <a:shade val="50000"/>
-            </a:schemeClr>
-          </a:lnRef>
-          <a:fillRef idx="1">
-            <a:schemeClr val="accent1"/>
-          </a:fillRef>
-          <a:effectRef idx="0">
-            <a:schemeClr val="accent1"/>
-          </a:effectRef>
-          <a:fontRef idx="minor">
-            <a:schemeClr val="lt1"/>
-          </a:fontRef>
-        </p:style>
+        <p:spPr/>
         <p:txBody>
-          <a:bodyPr rtlCol="0" anchor="ctr"/>
+          <a:bodyPr/>
           <a:lstStyle/>
           <a:p>
-            <a:pPr algn="ctr"/>
-            <a:endParaRPr lang="en-US"/>
+            <a:r>
+              <a:rPr lang="en-US" dirty="0" err="1" smtClean="0"/>
+              <a:t>Botpress</a:t>
+            </a:r>
+            <a:r>
+              <a:rPr lang="en-US" dirty="0" smtClean="0"/>
+              <a:t> is a tool that will help us publishing out bots. </a:t>
+            </a:r>
+          </a:p>
+          <a:p>
+            <a:r>
+              <a:rPr lang="en-US" dirty="0" smtClean="0"/>
+              <a:t>We will use </a:t>
+            </a:r>
+            <a:r>
+              <a:rPr lang="en-US" dirty="0" err="1" smtClean="0"/>
+              <a:t>botpress</a:t>
+            </a:r>
+            <a:r>
+              <a:rPr lang="en-US" dirty="0" smtClean="0"/>
+              <a:t> to integrate our bot to Facebook messenger.</a:t>
+            </a:r>
+          </a:p>
+          <a:p>
+            <a:r>
+              <a:rPr lang="en-US" dirty="0" smtClean="0"/>
+              <a:t>To download </a:t>
+            </a:r>
+            <a:r>
+              <a:rPr lang="en-US" dirty="0" err="1" smtClean="0"/>
+              <a:t>botpress</a:t>
+            </a:r>
+            <a:r>
+              <a:rPr lang="en-US" dirty="0" smtClean="0"/>
+              <a:t>: </a:t>
+            </a:r>
+          </a:p>
+          <a:p>
+            <a:endParaRPr lang="en-US" dirty="0" smtClean="0"/>
+          </a:p>
+          <a:p>
+            <a:pPr marL="457200" lvl="1" indent="0" algn="ctr">
+              <a:buNone/>
+            </a:pPr>
+            <a:r>
+              <a:rPr lang="en-US" sz="4000" dirty="0" err="1" smtClean="0"/>
+              <a:t>npm</a:t>
+            </a:r>
+            <a:r>
+              <a:rPr lang="en-US" sz="4000" dirty="0" smtClean="0"/>
+              <a:t> install -g </a:t>
+            </a:r>
+            <a:r>
+              <a:rPr lang="en-US" sz="4000" dirty="0" err="1" smtClean="0"/>
+              <a:t>botpress</a:t>
+            </a:r>
+            <a:endParaRPr lang="en-US" sz="4000" dirty="0" smtClean="0"/>
+          </a:p>
+          <a:p>
+            <a:pPr marL="457200" lvl="1" indent="0" algn="ctr">
+              <a:buNone/>
+            </a:pPr>
+            <a:endParaRPr lang="en-US" sz="4000" dirty="0"/>
+          </a:p>
+          <a:p>
+            <a:pPr marL="457200" lvl="1" indent="0" algn="ctr">
+              <a:buNone/>
+            </a:pPr>
+            <a:r>
+              <a:rPr lang="en-US" i="1" dirty="0" smtClean="0"/>
+              <a:t>* Requires node &gt;= 4.6 and uses </a:t>
+            </a:r>
+            <a:r>
+              <a:rPr lang="en-US" i="1" dirty="0" err="1" smtClean="0"/>
+              <a:t>npm</a:t>
+            </a:r>
+            <a:r>
+              <a:rPr lang="en-US" i="1" dirty="0" smtClean="0"/>
+              <a:t> as packet manager</a:t>
+            </a:r>
+            <a:endParaRPr lang="en-US" i="1" dirty="0"/>
           </a:p>
         </p:txBody>
       </p:sp>
     </p:spTree>
     <p:extLst>
       <p:ext uri="{BB962C8B-B14F-4D97-AF65-F5344CB8AC3E}">
-        <p14:creationId xmlns:p14="http://schemas.microsoft.com/office/powerpoint/2010/main" val="1099789900"/>
+        <p14:creationId xmlns:p14="http://schemas.microsoft.com/office/powerpoint/2010/main" val="468192866"/>
       </p:ext>
     </p:extLst>
   </p:cSld>
@@ -5316,15 +12462,15 @@
           <a:p>
             <a:r>
               <a:rPr lang="en-US" dirty="0" smtClean="0"/>
-              <a:t>8. Creating a </a:t>
+              <a:t>5. Creating a </a:t>
             </a:r>
             <a:r>
               <a:rPr lang="en-US" dirty="0" err="1" smtClean="0"/>
-              <a:t>facebook</a:t>
+              <a:t>botpress</a:t>
             </a:r>
             <a:r>
               <a:rPr lang="en-US" dirty="0" smtClean="0"/>
-              <a:t> app</a:t>
+              <a:t> bot</a:t>
             </a:r>
             <a:endParaRPr lang="en-US" dirty="0"/>
           </a:p>
@@ -5347,144 +12493,49 @@
           <a:p>
             <a:r>
               <a:rPr lang="en-US" dirty="0" smtClean="0"/>
-              <a:t>You need to create a </a:t>
-            </a:r>
-            <a:r>
-              <a:rPr lang="en-US" dirty="0" err="1" smtClean="0"/>
-              <a:t>facebook</a:t>
-            </a:r>
+              <a:t>Create a new empty directory</a:t>
+            </a:r>
+          </a:p>
+          <a:p>
             <a:r>
               <a:rPr lang="en-US" dirty="0" smtClean="0"/>
-              <a:t> page.</a:t>
-            </a:r>
-          </a:p>
-          <a:p>
-            <a:endParaRPr lang="en-US" dirty="0"/>
-          </a:p>
-        </p:txBody>
-      </p:sp>
-      <p:pic>
-        <p:nvPicPr>
-          <p:cNvPr id="4" name="Picture 3"/>
-          <p:cNvPicPr>
-            <a:picLocks noChangeAspect="1"/>
-          </p:cNvPicPr>
-          <p:nvPr/>
-        </p:nvPicPr>
-        <p:blipFill>
-          <a:blip r:embed="rId2"/>
-          <a:stretch>
-            <a:fillRect/>
-          </a:stretch>
-        </p:blipFill>
-        <p:spPr>
-          <a:xfrm>
-            <a:off x="0" y="2413621"/>
-            <a:ext cx="12192000" cy="5174007"/>
-          </a:xfrm>
-          <a:prstGeom prst="rect">
-            <a:avLst/>
-          </a:prstGeom>
-        </p:spPr>
-      </p:pic>
-      <p:sp>
-        <p:nvSpPr>
-          <p:cNvPr id="5" name="Frame 4"/>
-          <p:cNvSpPr/>
-          <p:nvPr/>
-        </p:nvSpPr>
-        <p:spPr>
-          <a:xfrm>
-            <a:off x="4772025" y="2486025"/>
-            <a:ext cx="2571750" cy="285750"/>
-          </a:xfrm>
-          <a:prstGeom prst="frame">
-            <a:avLst/>
-          </a:prstGeom>
-          <a:solidFill>
-            <a:srgbClr val="C00000"/>
-          </a:solidFill>
-        </p:spPr>
-        <p:style>
-          <a:lnRef idx="2">
-            <a:schemeClr val="accent1">
-              <a:shade val="50000"/>
-            </a:schemeClr>
-          </a:lnRef>
-          <a:fillRef idx="1">
-            <a:schemeClr val="accent1"/>
-          </a:fillRef>
-          <a:effectRef idx="0">
-            <a:schemeClr val="accent1"/>
-          </a:effectRef>
-          <a:fontRef idx="minor">
-            <a:schemeClr val="lt1"/>
-          </a:fontRef>
-        </p:style>
-        <p:txBody>
-          <a:bodyPr rtlCol="0" anchor="ctr"/>
-          <a:lstStyle/>
-          <a:p>
-            <a:pPr algn="ctr"/>
-            <a:endParaRPr lang="en-US">
-              <a:solidFill>
-                <a:schemeClr val="tx1"/>
-              </a:solidFill>
-            </a:endParaRPr>
-          </a:p>
-        </p:txBody>
-      </p:sp>
-      <p:sp>
-        <p:nvSpPr>
-          <p:cNvPr id="6" name="Frame 5"/>
-          <p:cNvSpPr/>
-          <p:nvPr/>
-        </p:nvSpPr>
-        <p:spPr>
-          <a:xfrm>
-            <a:off x="9229725" y="4438650"/>
-            <a:ext cx="1414463" cy="290513"/>
-          </a:xfrm>
-          <a:prstGeom prst="frame">
-            <a:avLst/>
-          </a:prstGeom>
-          <a:solidFill>
-            <a:srgbClr val="C00000"/>
-          </a:solidFill>
-        </p:spPr>
-        <p:style>
-          <a:lnRef idx="2">
-            <a:schemeClr val="accent1">
-              <a:shade val="50000"/>
-            </a:schemeClr>
-          </a:lnRef>
-          <a:fillRef idx="1">
-            <a:schemeClr val="accent1"/>
-          </a:fillRef>
-          <a:effectRef idx="0">
-            <a:schemeClr val="accent1"/>
-          </a:effectRef>
-          <a:fontRef idx="minor">
-            <a:schemeClr val="lt1"/>
-          </a:fontRef>
-        </p:style>
-        <p:txBody>
-          <a:bodyPr rtlCol="0" anchor="ctr"/>
-          <a:lstStyle/>
-          <a:p>
-            <a:pPr algn="ctr"/>
-            <a:endParaRPr lang="en-US">
-              <a:solidFill>
-                <a:schemeClr val="tx1"/>
-              </a:solidFill>
-            </a:endParaRPr>
+              <a:t>Execute the following command in the directory:</a:t>
+            </a:r>
+          </a:p>
+          <a:p>
+            <a:r>
+              <a:rPr lang="en-US" dirty="0" smtClean="0"/>
+              <a:t> </a:t>
+            </a:r>
+          </a:p>
+          <a:p>
+            <a:pPr marL="0" indent="0" algn="ctr">
+              <a:buNone/>
+            </a:pPr>
+            <a:r>
+              <a:rPr lang="en-US" sz="4000" dirty="0" err="1" smtClean="0"/>
+              <a:t>botpress</a:t>
+            </a:r>
+            <a:r>
+              <a:rPr lang="en-US" sz="4000" dirty="0" smtClean="0"/>
+              <a:t> </a:t>
+            </a:r>
+            <a:r>
+              <a:rPr lang="en-US" sz="4000" dirty="0" err="1" smtClean="0"/>
+              <a:t>init</a:t>
+            </a:r>
+            <a:r>
+              <a:rPr lang="en-US" sz="4000" dirty="0" smtClean="0"/>
+              <a:t> [my-bot-name]</a:t>
+            </a:r>
+            <a:endParaRPr lang="en-US" sz="4000" dirty="0"/>
           </a:p>
         </p:txBody>
       </p:sp>
     </p:spTree>
     <p:extLst>
       <p:ext uri="{BB962C8B-B14F-4D97-AF65-F5344CB8AC3E}">
-        <p14:creationId xmlns:p14="http://schemas.microsoft.com/office/powerpoint/2010/main" val="131687910"/>
+        <p14:creationId xmlns:p14="http://schemas.microsoft.com/office/powerpoint/2010/main" val="1609405200"/>
       </p:ext>
     </p:extLst>
   </p:cSld>
